--- a/Презентация.pptx
+++ b/Презентация.pptx
@@ -5,10 +5,10 @@
     <p:sldMasterId id="2147483648" r:id="rId4"/>
   </p:sldMasterIdLst>
   <p:notesMasterIdLst>
-    <p:notesMasterId r:id="rId17"/>
+    <p:notesMasterId r:id="rId15"/>
   </p:notesMasterIdLst>
   <p:handoutMasterIdLst>
-    <p:handoutMasterId r:id="rId18"/>
+    <p:handoutMasterId r:id="rId16"/>
   </p:handoutMasterIdLst>
   <p:sldIdLst>
     <p:sldId id="273" r:id="rId5"/>
@@ -16,13 +16,11 @@
     <p:sldId id="290" r:id="rId7"/>
     <p:sldId id="291" r:id="rId8"/>
     <p:sldId id="292" r:id="rId9"/>
-    <p:sldId id="287" r:id="rId10"/>
-    <p:sldId id="293" r:id="rId11"/>
-    <p:sldId id="289" r:id="rId12"/>
-    <p:sldId id="294" r:id="rId13"/>
-    <p:sldId id="288" r:id="rId14"/>
-    <p:sldId id="276" r:id="rId15"/>
-    <p:sldId id="274" r:id="rId16"/>
+    <p:sldId id="289" r:id="rId10"/>
+    <p:sldId id="294" r:id="rId11"/>
+    <p:sldId id="288" r:id="rId12"/>
+    <p:sldId id="276" r:id="rId13"/>
+    <p:sldId id="274" r:id="rId14"/>
   </p:sldIdLst>
   <p:sldSz cx="12192000" cy="6858000"/>
   <p:notesSz cx="6858000" cy="9144000"/>
@@ -335,25 +333,25 @@
               <c:strCache>
                 <c:ptCount val="7"/>
                 <c:pt idx="0">
-                  <c:v>Yandex SpeechKit (online) </c:v>
+                  <c:v>Whisper L</c:v>
                 </c:pt>
                 <c:pt idx="1">
-                  <c:v>Whisper large offline</c:v>
+                  <c:v>Whisper M</c:v>
                 </c:pt>
                 <c:pt idx="2">
-                  <c:v>Whisper medium offline</c:v>
+                  <c:v>Whisper S</c:v>
                 </c:pt>
                 <c:pt idx="3">
-                  <c:v>Whisper small offline</c:v>
+                  <c:v>Yandex</c:v>
                 </c:pt>
                 <c:pt idx="4">
-                  <c:v>Whisper base offline </c:v>
+                  <c:v>Whisper B</c:v>
                 </c:pt>
                 <c:pt idx="5">
-                  <c:v>Vosk RU Small (offline)</c:v>
+                  <c:v>Vosk RU S</c:v>
                 </c:pt>
                 <c:pt idx="6">
-                  <c:v>Vosk RU Large (offline) </c:v>
+                  <c:v>Vosk RU L</c:v>
                 </c:pt>
               </c:strCache>
             </c:strRef>
@@ -365,16 +363,16 @@
                 <c:formatCode>General</c:formatCode>
                 <c:ptCount val="7"/>
                 <c:pt idx="0">
-                  <c:v>0.64</c:v>
+                  <c:v>0.69</c:v>
                 </c:pt>
                 <c:pt idx="1">
                   <c:v>0.69</c:v>
                 </c:pt>
                 <c:pt idx="2">
-                  <c:v>0.69</c:v>
+                  <c:v>0.67</c:v>
                 </c:pt>
                 <c:pt idx="3">
-                  <c:v>0.67</c:v>
+                  <c:v>0.64</c:v>
                 </c:pt>
                 <c:pt idx="4">
                   <c:v>0.64</c:v>
@@ -462,6 +460,7 @@
         <c:axId val="662623615"/>
         <c:scaling>
           <c:orientation val="minMax"/>
+          <c:min val="0.4"/>
         </c:scaling>
         <c:delete val="0"/>
         <c:axPos val="l"/>
@@ -479,14 +478,16 @@
             <a:effectLst/>
           </c:spPr>
         </c:majorGridlines>
-        <c:numFmt formatCode="General" sourceLinked="1"/>
-        <c:majorTickMark val="none"/>
+        <c:numFmt formatCode="General" sourceLinked="0"/>
+        <c:majorTickMark val="cross"/>
         <c:minorTickMark val="none"/>
         <c:tickLblPos val="nextTo"/>
         <c:spPr>
           <a:noFill/>
           <a:ln>
-            <a:noFill/>
+            <a:solidFill>
+              <a:schemeClr val="accent1"/>
+            </a:solidFill>
           </a:ln>
           <a:effectLst/>
         </c:spPr>
@@ -1154,7 +1155,7 @@
             <a:pPr rtl="0"/>
             <a:fld id="{33718D35-8899-4D72-B2F6-81C9994431F3}" type="datetime1">
               <a:rPr lang="ru-RU" smtClean="0"/>
-              <a:t>09.11.2023</a:t>
+              <a:t>13.11.2023</a:t>
             </a:fld>
             <a:endParaRPr lang="ru-RU" dirty="0"/>
           </a:p>
@@ -1336,7 +1337,7 @@
             <a:pPr rtl="0"/>
             <a:fld id="{7E6C6CCF-08D6-46BC-A143-476DA6249026}" type="datetime1">
               <a:rPr lang="ru-RU" smtClean="0"/>
-              <a:t>09.11.2023</a:t>
+              <a:t>13.11.2023</a:t>
             </a:fld>
             <a:endParaRPr lang="ru-RU" dirty="0"/>
           </a:p>
@@ -1784,7 +1785,7 @@
             <a:pPr rtl="0"/>
             <a:fld id="{DECDE012-9E2E-4477-8B5C-4E7D4E9BCBA6}" type="slidenum">
               <a:rPr lang="ru-RU" noProof="0" smtClean="0"/>
-              <a:t>12</a:t>
+              <a:t>10</a:t>
             </a:fld>
             <a:endParaRPr lang="ru-RU" noProof="0" dirty="0"/>
           </a:p>
@@ -2254,7 +2255,7 @@
             <a:pPr rtl="0"/>
             <a:fld id="{DECDE012-9E2E-4477-8B5C-4E7D4E9BCBA6}" type="slidenum">
               <a:rPr lang="ru-RU" noProof="0" smtClean="0"/>
-              <a:t>8</a:t>
+              <a:t>6</a:t>
             </a:fld>
             <a:endParaRPr lang="ru-RU" noProof="0"/>
           </a:p>
@@ -2348,7 +2349,7 @@
             <a:pPr rtl="0"/>
             <a:fld id="{DECDE012-9E2E-4477-8B5C-4E7D4E9BCBA6}" type="slidenum">
               <a:rPr lang="ru-RU" noProof="0" smtClean="0"/>
-              <a:t>9</a:t>
+              <a:t>7</a:t>
             </a:fld>
             <a:endParaRPr lang="ru-RU" noProof="0"/>
           </a:p>
@@ -2442,7 +2443,7 @@
             <a:pPr rtl="0"/>
             <a:fld id="{DECDE012-9E2E-4477-8B5C-4E7D4E9BCBA6}" type="slidenum">
               <a:rPr lang="ru-RU" noProof="0" smtClean="0"/>
-              <a:t>10</a:t>
+              <a:t>8</a:t>
             </a:fld>
             <a:endParaRPr lang="ru-RU" noProof="0"/>
           </a:p>
@@ -2536,7 +2537,7 @@
             <a:pPr rtl="0"/>
             <a:fld id="{DECDE012-9E2E-4477-8B5C-4E7D4E9BCBA6}" type="slidenum">
               <a:rPr lang="ru-RU" noProof="0" smtClean="0"/>
-              <a:t>11</a:t>
+              <a:t>9</a:t>
             </a:fld>
             <a:endParaRPr lang="ru-RU" noProof="0" dirty="0"/>
           </a:p>
@@ -4332,7 +4333,7 @@
     <p:bg>
       <p:bgPr>
         <a:solidFill>
-          <a:schemeClr val="accent6"/>
+          <a:schemeClr val="bg1"/>
         </a:solidFill>
         <a:effectLst/>
       </p:bgPr>
@@ -4372,7 +4373,7 @@
             <a:avLst/>
           </a:prstGeom>
           <a:solidFill>
-            <a:schemeClr val="tx2"/>
+            <a:srgbClr val="00457E"/>
           </a:solidFill>
           <a:ln>
             <a:noFill/>
@@ -5640,10 +5641,9 @@
           <a:p>
             <a:pPr rtl="0"/>
             <a:r>
-              <a:rPr lang="ru-RU"/>
+              <a:rPr lang="ru-RU" dirty="0"/>
               <a:t>Образец заголовка</a:t>
             </a:r>
-            <a:endParaRPr lang="ru-RU" dirty="0"/>
           </a:p>
         </p:txBody>
       </p:sp>
@@ -5699,14 +5699,14 @@
           <a:p>
             <a:pPr lvl="0" rtl="0"/>
             <a:r>
-              <a:rPr lang="ru-RU"/>
+              <a:rPr lang="ru-RU" dirty="0"/>
               <a:t>Щелкните, чтобы изменить стили текста образца слайда</a:t>
             </a:r>
           </a:p>
           <a:p>
             <a:pPr lvl="1" rtl="0"/>
             <a:r>
-              <a:rPr lang="ru-RU"/>
+              <a:rPr lang="ru-RU" dirty="0"/>
               <a:t>Второй уровень</a:t>
             </a:r>
           </a:p>
@@ -5743,7 +5743,7 @@
           <a:p>
             <a:pPr rtl="0"/>
             <a:r>
-              <a:rPr lang="ru-RU"/>
+              <a:rPr lang="ru-RU" dirty="0"/>
               <a:t>Заголовок презентации</a:t>
             </a:r>
           </a:p>
@@ -5779,7 +5779,7 @@
               <a:rPr lang="ru-RU" noProof="0" smtClean="0"/>
               <a:t>‹#›</a:t>
             </a:fld>
-            <a:endParaRPr lang="ru-RU" noProof="0"/>
+            <a:endParaRPr lang="ru-RU" noProof="0" dirty="0"/>
           </a:p>
         </p:txBody>
       </p:sp>
@@ -6328,7 +6328,7 @@
             <a:avLst/>
           </a:prstGeom>
           <a:solidFill>
-            <a:schemeClr val="tx2"/>
+            <a:srgbClr val="00457E"/>
           </a:solidFill>
           <a:ln>
             <a:noFill/>
@@ -6966,7 +6966,7 @@
           <a:p>
             <a:pPr rtl="0"/>
             <a:r>
-              <a:rPr lang="ru-RU" noProof="0"/>
+              <a:rPr lang="ru-RU" noProof="0" dirty="0"/>
               <a:t>Заголовок презентации</a:t>
             </a:r>
           </a:p>
@@ -11401,7 +11401,7 @@
     <p:bg>
       <p:bgPr>
         <a:solidFill>
-          <a:schemeClr val="tx2"/>
+          <a:srgbClr val="00539A"/>
         </a:solidFill>
         <a:effectLst/>
       </p:bgPr>
@@ -11507,6 +11507,35 @@
           </a:p>
         </p:txBody>
       </p:sp>
+      <p:pic>
+        <p:nvPicPr>
+          <p:cNvPr id="6" name="Рисунок 5"/>
+          <p:cNvPicPr>
+            <a:picLocks noChangeAspect="1"/>
+          </p:cNvPicPr>
+          <p:nvPr/>
+        </p:nvPicPr>
+        <p:blipFill rotWithShape="1">
+          <a:blip r:embed="rId3">
+            <a:extLst>
+              <a:ext uri="{28A0092B-C50C-407E-A947-70E740481C1C}">
+                <a14:useLocalDpi xmlns:a14="http://schemas.microsoft.com/office/drawing/2010/main" val="0"/>
+              </a:ext>
+            </a:extLst>
+          </a:blip>
+          <a:srcRect l="9430" r="63065"/>
+          <a:stretch/>
+        </p:blipFill>
+        <p:spPr>
+          <a:xfrm>
+            <a:off x="165100" y="173651"/>
+            <a:ext cx="1054100" cy="764028"/>
+          </a:xfrm>
+          <a:prstGeom prst="rect">
+            <a:avLst/>
+          </a:prstGeom>
+        </p:spPr>
+      </p:pic>
     </p:spTree>
     <p:extLst>
       <p:ext uri="{BB962C8B-B14F-4D97-AF65-F5344CB8AC3E}">
@@ -11529,12 +11558,27 @@
       </p:transition>
     </mc:Fallback>
   </mc:AlternateContent>
+  <p:timing>
+    <p:tnLst>
+      <p:par>
+        <p:cTn id="1" dur="indefinite" restart="never" nodeType="tmRoot"/>
+      </p:par>
+    </p:tnLst>
+  </p:timing>
 </p:sld>
 </file>
 
 <file path=ppt/slides/slide10.xml><?xml version="1.0" encoding="utf-8"?>
 <p:sld xmlns:a="http://schemas.openxmlformats.org/drawingml/2006/main" xmlns:r="http://schemas.openxmlformats.org/officeDocument/2006/relationships" xmlns:p="http://schemas.openxmlformats.org/presentationml/2006/main">
   <p:cSld>
+    <p:bg>
+      <p:bgPr>
+        <a:solidFill>
+          <a:schemeClr val="bg1"/>
+        </a:solidFill>
+        <a:effectLst/>
+      </p:bgPr>
+    </p:bg>
     <p:spTree>
       <p:nvGrpSpPr>
         <p:cNvPr id="1" name=""/>
@@ -11551,40 +11595,734 @@
       </p:grpSpPr>
       <p:sp>
         <p:nvSpPr>
-          <p:cNvPr id="2" name="Заголовок 1">
+          <p:cNvPr id="6" name="Нижний колонтитул 11">
             <a:extLst>
               <a:ext uri="{FF2B5EF4-FFF2-40B4-BE49-F238E27FC236}">
-                <a16:creationId xmlns:a16="http://schemas.microsoft.com/office/drawing/2014/main" id="{A98BDE3D-CB39-03D2-545F-5283024761BD}"/>
+                <a16:creationId xmlns:a16="http://schemas.microsoft.com/office/drawing/2014/main" id="{0E8AC285-1FAA-F100-B948-25274D25B93B}"/>
               </a:ext>
             </a:extLst>
           </p:cNvPr>
-          <p:cNvSpPr>
-            <a:spLocks noGrp="1"/>
-          </p:cNvSpPr>
-          <p:nvPr>
-            <p:ph type="title"/>
-          </p:nvPr>
-        </p:nvSpPr>
-        <p:spPr/>
+          <p:cNvSpPr txBox="1">
+            <a:spLocks/>
+          </p:cNvSpPr>
+          <p:nvPr/>
+        </p:nvSpPr>
+        <p:spPr>
+          <a:xfrm>
+            <a:off x="491187" y="3736310"/>
+            <a:ext cx="6385105" cy="3508248"/>
+          </a:xfrm>
+          <a:prstGeom prst="rect">
+            <a:avLst/>
+          </a:prstGeom>
+        </p:spPr>
         <p:txBody>
           <a:bodyPr rtlCol="0"/>
+          <a:lstStyle>
+            <a:defPPr rtl="0">
+              <a:defRPr lang="ru-RU"/>
+            </a:defPPr>
+            <a:lvl1pPr marL="0" algn="l" defTabSz="914400" rtl="0" eaLnBrk="1" latinLnBrk="0" hangingPunct="1">
+              <a:defRPr lang="ru-RU" sz="1800" kern="1200">
+                <a:solidFill>
+                  <a:schemeClr val="tx1"/>
+                </a:solidFill>
+                <a:latin typeface="+mn-lt"/>
+                <a:ea typeface="+mn-ea"/>
+                <a:cs typeface="+mn-cs"/>
+              </a:defRPr>
+            </a:lvl1pPr>
+            <a:lvl2pPr marL="457200" algn="l" defTabSz="914400" rtl="0" eaLnBrk="1" latinLnBrk="0" hangingPunct="1">
+              <a:defRPr lang="ru-RU" sz="1800" kern="1200">
+                <a:solidFill>
+                  <a:schemeClr val="tx1"/>
+                </a:solidFill>
+                <a:latin typeface="+mn-lt"/>
+                <a:ea typeface="+mn-ea"/>
+                <a:cs typeface="+mn-cs"/>
+              </a:defRPr>
+            </a:lvl2pPr>
+            <a:lvl3pPr marL="914400" algn="l" defTabSz="914400" rtl="0" eaLnBrk="1" latinLnBrk="0" hangingPunct="1">
+              <a:defRPr lang="ru-RU" sz="1800" kern="1200">
+                <a:solidFill>
+                  <a:schemeClr val="tx1"/>
+                </a:solidFill>
+                <a:latin typeface="+mn-lt"/>
+                <a:ea typeface="+mn-ea"/>
+                <a:cs typeface="+mn-cs"/>
+              </a:defRPr>
+            </a:lvl3pPr>
+            <a:lvl4pPr marL="1371600" algn="l" defTabSz="914400" rtl="0" eaLnBrk="1" latinLnBrk="0" hangingPunct="1">
+              <a:defRPr lang="ru-RU" sz="1800" kern="1200">
+                <a:solidFill>
+                  <a:schemeClr val="tx1"/>
+                </a:solidFill>
+                <a:latin typeface="+mn-lt"/>
+                <a:ea typeface="+mn-ea"/>
+                <a:cs typeface="+mn-cs"/>
+              </a:defRPr>
+            </a:lvl4pPr>
+            <a:lvl5pPr marL="1828800" algn="l" defTabSz="914400" rtl="0" eaLnBrk="1" latinLnBrk="0" hangingPunct="1">
+              <a:defRPr lang="ru-RU" sz="1800" kern="1200">
+                <a:solidFill>
+                  <a:schemeClr val="tx1"/>
+                </a:solidFill>
+                <a:latin typeface="+mn-lt"/>
+                <a:ea typeface="+mn-ea"/>
+                <a:cs typeface="+mn-cs"/>
+              </a:defRPr>
+            </a:lvl5pPr>
+            <a:lvl6pPr marL="2286000" algn="l" defTabSz="914400" rtl="0" eaLnBrk="1" latinLnBrk="0" hangingPunct="1">
+              <a:defRPr lang="ru-RU" sz="1800" kern="1200">
+                <a:solidFill>
+                  <a:schemeClr val="tx1"/>
+                </a:solidFill>
+                <a:latin typeface="+mn-lt"/>
+                <a:ea typeface="+mn-ea"/>
+                <a:cs typeface="+mn-cs"/>
+              </a:defRPr>
+            </a:lvl6pPr>
+            <a:lvl7pPr marL="2743200" algn="l" defTabSz="914400" rtl="0" eaLnBrk="1" latinLnBrk="0" hangingPunct="1">
+              <a:defRPr lang="ru-RU" sz="1800" kern="1200">
+                <a:solidFill>
+                  <a:schemeClr val="tx1"/>
+                </a:solidFill>
+                <a:latin typeface="+mn-lt"/>
+                <a:ea typeface="+mn-ea"/>
+                <a:cs typeface="+mn-cs"/>
+              </a:defRPr>
+            </a:lvl7pPr>
+            <a:lvl8pPr marL="3200400" algn="l" defTabSz="914400" rtl="0" eaLnBrk="1" latinLnBrk="0" hangingPunct="1">
+              <a:defRPr lang="ru-RU" sz="1800" kern="1200">
+                <a:solidFill>
+                  <a:schemeClr val="tx1"/>
+                </a:solidFill>
+                <a:latin typeface="+mn-lt"/>
+                <a:ea typeface="+mn-ea"/>
+                <a:cs typeface="+mn-cs"/>
+              </a:defRPr>
+            </a:lvl8pPr>
+            <a:lvl9pPr marL="3657600" algn="l" defTabSz="914400" rtl="0" eaLnBrk="1" latinLnBrk="0" hangingPunct="1">
+              <a:defRPr lang="ru-RU" sz="1800" kern="1200">
+                <a:solidFill>
+                  <a:schemeClr val="tx1"/>
+                </a:solidFill>
+                <a:latin typeface="+mn-lt"/>
+                <a:ea typeface="+mn-ea"/>
+                <a:cs typeface="+mn-cs"/>
+              </a:defRPr>
+            </a:lvl9pPr>
+          </a:lstStyle>
+          <a:p>
+            <a:endParaRPr lang="en-US" dirty="0">
+              <a:solidFill>
+                <a:srgbClr val="FF0000"/>
+              </a:solidFill>
+            </a:endParaRPr>
+          </a:p>
+        </p:txBody>
+      </p:sp>
+      <p:pic>
+        <p:nvPicPr>
+          <p:cNvPr id="1026" name="Picture 2" descr="http://qrcoder.ru/code/?https%3A%2F%2Fgithub.com%2Fdmitrii-naumenko%2FPet_STT_NLP&amp;8&amp;0"/>
+          <p:cNvPicPr>
+            <a:picLocks noChangeAspect="1" noChangeArrowheads="1"/>
+          </p:cNvPicPr>
+          <p:nvPr/>
+        </p:nvPicPr>
+        <p:blipFill>
+          <a:blip r:embed="rId3">
+            <a:extLst>
+              <a:ext uri="{28A0092B-C50C-407E-A947-70E740481C1C}">
+                <a14:useLocalDpi xmlns:a14="http://schemas.microsoft.com/office/drawing/2010/main" val="0"/>
+              </a:ext>
+            </a:extLst>
+          </a:blip>
+          <a:srcRect/>
+          <a:stretch>
+            <a:fillRect/>
+          </a:stretch>
+        </p:blipFill>
+        <p:spPr bwMode="auto">
+          <a:xfrm>
+            <a:off x="3309257" y="489289"/>
+            <a:ext cx="3124200" cy="3124201"/>
+          </a:xfrm>
+          <a:prstGeom prst="rect">
+            <a:avLst/>
+          </a:prstGeom>
+          <a:noFill/>
+          <a:extLst>
+            <a:ext uri="{909E8E84-426E-40DD-AFC4-6F175D3DCCD1}">
+              <a14:hiddenFill xmlns:a14="http://schemas.microsoft.com/office/drawing/2010/main">
+                <a:solidFill>
+                  <a:srgbClr val="FFFFFF"/>
+                </a:solidFill>
+              </a14:hiddenFill>
+            </a:ext>
+          </a:extLst>
+        </p:spPr>
+      </p:pic>
+      <p:sp>
+        <p:nvSpPr>
+          <p:cNvPr id="7" name="Текст 2">
+            <a:extLst>
+              <a:ext uri="{FF2B5EF4-FFF2-40B4-BE49-F238E27FC236}">
+                <a16:creationId xmlns:a16="http://schemas.microsoft.com/office/drawing/2014/main" id="{33FB47C1-128E-60DF-5281-30C3EFCAB395}"/>
+              </a:ext>
+            </a:extLst>
+          </p:cNvPr>
+          <p:cNvSpPr txBox="1">
+            <a:spLocks/>
+          </p:cNvSpPr>
+          <p:nvPr/>
+        </p:nvSpPr>
+        <p:spPr>
+          <a:xfrm>
+            <a:off x="3829243" y="3981949"/>
+            <a:ext cx="6094097" cy="2102247"/>
+          </a:xfrm>
+          <a:prstGeom prst="rect">
+            <a:avLst/>
+          </a:prstGeom>
+        </p:spPr>
+        <p:txBody>
+          <a:bodyPr vert="horz" lIns="91440" tIns="45720" rIns="91440" bIns="45720" rtlCol="0">
+            <a:noAutofit/>
+          </a:bodyPr>
           <a:lstStyle>
             <a:defPPr>
               <a:defRPr lang="ru-RU"/>
             </a:defPPr>
-          </a:lstStyle>
-          <a:p>
+            <a:lvl1pPr marL="0" indent="0" algn="l" defTabSz="914400" rtl="0" eaLnBrk="1" latinLnBrk="0" hangingPunct="1">
+              <a:lnSpc>
+                <a:spcPct val="150000"/>
+              </a:lnSpc>
+              <a:spcBef>
+                <a:spcPts val="0"/>
+              </a:spcBef>
+              <a:buFont typeface="Arial" panose="020B0604020202020204" pitchFamily="34" charset="0"/>
+              <a:buNone/>
+              <a:defRPr lang="ru-RU" sz="2200" b="1" kern="1200">
+                <a:solidFill>
+                  <a:schemeClr val="bg1"/>
+                </a:solidFill>
+                <a:latin typeface="+mn-lt"/>
+                <a:ea typeface="+mn-ea"/>
+                <a:cs typeface="+mn-cs"/>
+              </a:defRPr>
+            </a:lvl1pPr>
+            <a:lvl2pPr marL="0" indent="0" algn="l" defTabSz="914400" rtl="0" eaLnBrk="1" latinLnBrk="0" hangingPunct="1">
+              <a:lnSpc>
+                <a:spcPct val="150000"/>
+              </a:lnSpc>
+              <a:spcBef>
+                <a:spcPts val="0"/>
+              </a:spcBef>
+              <a:buFont typeface="Arial" panose="020B0604020202020204" pitchFamily="34" charset="0"/>
+              <a:buNone/>
+              <a:defRPr lang="ru-RU" sz="2200" kern="1200">
+                <a:solidFill>
+                  <a:schemeClr val="bg1"/>
+                </a:solidFill>
+                <a:latin typeface="+mn-lt"/>
+                <a:ea typeface="+mn-ea"/>
+                <a:cs typeface="+mn-cs"/>
+              </a:defRPr>
+            </a:lvl2pPr>
+            <a:lvl3pPr marL="1143000" indent="-228600" algn="l" defTabSz="914400" rtl="0" eaLnBrk="1" latinLnBrk="0" hangingPunct="1">
+              <a:lnSpc>
+                <a:spcPct val="90000"/>
+              </a:lnSpc>
+              <a:spcBef>
+                <a:spcPts val="500"/>
+              </a:spcBef>
+              <a:buFont typeface="Arial" panose="020B0604020202020204" pitchFamily="34" charset="0"/>
+              <a:buChar char="•"/>
+              <a:defRPr lang="ru-RU" sz="2000" kern="1200">
+                <a:solidFill>
+                  <a:schemeClr val="bg1"/>
+                </a:solidFill>
+                <a:latin typeface="+mn-lt"/>
+                <a:ea typeface="+mn-ea"/>
+                <a:cs typeface="+mn-cs"/>
+              </a:defRPr>
+            </a:lvl3pPr>
+            <a:lvl4pPr marL="1600200" indent="-228600" algn="l" defTabSz="914400" rtl="0" eaLnBrk="1" latinLnBrk="0" hangingPunct="1">
+              <a:lnSpc>
+                <a:spcPct val="90000"/>
+              </a:lnSpc>
+              <a:spcBef>
+                <a:spcPts val="500"/>
+              </a:spcBef>
+              <a:buFont typeface="Arial" panose="020B0604020202020204" pitchFamily="34" charset="0"/>
+              <a:buChar char="•"/>
+              <a:defRPr lang="ru-RU" sz="1800" kern="1200">
+                <a:solidFill>
+                  <a:schemeClr val="bg1"/>
+                </a:solidFill>
+                <a:latin typeface="+mn-lt"/>
+                <a:ea typeface="+mn-ea"/>
+                <a:cs typeface="+mn-cs"/>
+              </a:defRPr>
+            </a:lvl4pPr>
+            <a:lvl5pPr marL="2057400" indent="-228600" algn="l" defTabSz="914400" rtl="0" eaLnBrk="1" latinLnBrk="0" hangingPunct="1">
+              <a:lnSpc>
+                <a:spcPct val="90000"/>
+              </a:lnSpc>
+              <a:spcBef>
+                <a:spcPts val="500"/>
+              </a:spcBef>
+              <a:buFont typeface="Arial" panose="020B0604020202020204" pitchFamily="34" charset="0"/>
+              <a:buChar char="•"/>
+              <a:defRPr lang="ru-RU" sz="1600" kern="1200">
+                <a:solidFill>
+                  <a:schemeClr val="bg1"/>
+                </a:solidFill>
+                <a:latin typeface="+mn-lt"/>
+                <a:ea typeface="+mn-ea"/>
+                <a:cs typeface="+mn-cs"/>
+              </a:defRPr>
+            </a:lvl5pPr>
+            <a:lvl6pPr marL="2514600" indent="-228600" algn="l" defTabSz="914400" rtl="0" eaLnBrk="1" latinLnBrk="0" hangingPunct="1">
+              <a:lnSpc>
+                <a:spcPct val="90000"/>
+              </a:lnSpc>
+              <a:spcBef>
+                <a:spcPts val="500"/>
+              </a:spcBef>
+              <a:buFont typeface="Arial" panose="020B0604020202020204" pitchFamily="34" charset="0"/>
+              <a:buChar char="•"/>
+              <a:defRPr lang="ru-RU" sz="1800" kern="1200">
+                <a:solidFill>
+                  <a:schemeClr val="tx1"/>
+                </a:solidFill>
+                <a:latin typeface="+mn-lt"/>
+                <a:ea typeface="+mn-ea"/>
+                <a:cs typeface="+mn-cs"/>
+              </a:defRPr>
+            </a:lvl6pPr>
+            <a:lvl7pPr marL="2971800" indent="-228600" algn="l" defTabSz="914400" rtl="0" eaLnBrk="1" latinLnBrk="0" hangingPunct="1">
+              <a:lnSpc>
+                <a:spcPct val="90000"/>
+              </a:lnSpc>
+              <a:spcBef>
+                <a:spcPts val="500"/>
+              </a:spcBef>
+              <a:buFont typeface="Arial" panose="020B0604020202020204" pitchFamily="34" charset="0"/>
+              <a:buChar char="•"/>
+              <a:defRPr lang="ru-RU" sz="1800" kern="1200">
+                <a:solidFill>
+                  <a:schemeClr val="tx1"/>
+                </a:solidFill>
+                <a:latin typeface="+mn-lt"/>
+                <a:ea typeface="+mn-ea"/>
+                <a:cs typeface="+mn-cs"/>
+              </a:defRPr>
+            </a:lvl7pPr>
+            <a:lvl8pPr marL="3429000" indent="-228600" algn="l" defTabSz="914400" rtl="0" eaLnBrk="1" latinLnBrk="0" hangingPunct="1">
+              <a:lnSpc>
+                <a:spcPct val="90000"/>
+              </a:lnSpc>
+              <a:spcBef>
+                <a:spcPts val="500"/>
+              </a:spcBef>
+              <a:buFont typeface="Arial" panose="020B0604020202020204" pitchFamily="34" charset="0"/>
+              <a:buChar char="•"/>
+              <a:defRPr lang="ru-RU" sz="1800" kern="1200">
+                <a:solidFill>
+                  <a:schemeClr val="tx1"/>
+                </a:solidFill>
+                <a:latin typeface="+mn-lt"/>
+                <a:ea typeface="+mn-ea"/>
+                <a:cs typeface="+mn-cs"/>
+              </a:defRPr>
+            </a:lvl8pPr>
+            <a:lvl9pPr marL="3886200" indent="-228600" algn="l" defTabSz="914400" rtl="0" eaLnBrk="1" latinLnBrk="0" hangingPunct="1">
+              <a:lnSpc>
+                <a:spcPct val="90000"/>
+              </a:lnSpc>
+              <a:spcBef>
+                <a:spcPts val="500"/>
+              </a:spcBef>
+              <a:buFont typeface="Arial" panose="020B0604020202020204" pitchFamily="34" charset="0"/>
+              <a:buChar char="•"/>
+              <a:defRPr lang="ru-RU" sz="1800" kern="1200">
+                <a:solidFill>
+                  <a:schemeClr val="tx1"/>
+                </a:solidFill>
+                <a:latin typeface="+mn-lt"/>
+                <a:ea typeface="+mn-ea"/>
+                <a:cs typeface="+mn-cs"/>
+              </a:defRPr>
+            </a:lvl9pPr>
+          </a:lstStyle>
+          <a:p>
+            <a:pPr marL="285750" indent="-285750">
+              <a:buFont typeface="Arial" panose="020B0604020202020204" pitchFamily="34" charset="0"/>
+              <a:buChar char="•"/>
+            </a:pPr>
+            <a:r>
+              <a:rPr lang="ru-RU" sz="2400" b="0" dirty="0" smtClean="0"/>
+              <a:t>Мелкумян Денис Тигранович</a:t>
+            </a:r>
+            <a:r>
+              <a:rPr lang="en-US" sz="2400" b="0" dirty="0" smtClean="0"/>
+              <a:t> </a:t>
+            </a:r>
+          </a:p>
+          <a:p>
+            <a:pPr marL="285750" indent="-285750">
+              <a:buFont typeface="Arial" panose="020B0604020202020204" pitchFamily="34" charset="0"/>
+              <a:buChar char="•"/>
+            </a:pPr>
+            <a:r>
+              <a:rPr lang="ru-RU" sz="2400" b="0" dirty="0"/>
+              <a:t>Науменко Дмитрий Сергеевич</a:t>
+            </a:r>
+          </a:p>
+          <a:p>
+            <a:pPr marL="285750" indent="-285750">
+              <a:buFont typeface="Arial" panose="020B0604020202020204" pitchFamily="34" charset="0"/>
+              <a:buChar char="•"/>
+            </a:pPr>
+            <a:r>
+              <a:rPr lang="ru-RU" sz="2400" b="0" dirty="0" err="1"/>
+              <a:t>Шебардин</a:t>
+            </a:r>
+            <a:r>
+              <a:rPr lang="ru-RU" sz="2400" b="0" dirty="0"/>
+              <a:t> Евгений </a:t>
+            </a:r>
+            <a:r>
+              <a:rPr lang="ru-RU" sz="2400" b="0" dirty="0" smtClean="0"/>
+              <a:t>Геннадьевич</a:t>
+            </a:r>
+            <a:endParaRPr lang="en-US" sz="2000" b="0" dirty="0" smtClean="0"/>
+          </a:p>
+          <a:p>
+            <a:endParaRPr lang="ru-RU" sz="2800" b="0" dirty="0" smtClean="0"/>
+          </a:p>
+        </p:txBody>
+      </p:sp>
+      <p:pic>
+        <p:nvPicPr>
+          <p:cNvPr id="2" name="Рисунок 1"/>
+          <p:cNvPicPr>
+            <a:picLocks noChangeAspect="1"/>
+          </p:cNvPicPr>
+          <p:nvPr/>
+        </p:nvPicPr>
+        <p:blipFill rotWithShape="1">
+          <a:blip r:embed="rId4">
+            <a:extLst>
+              <a:ext uri="{28A0092B-C50C-407E-A947-70E740481C1C}">
+                <a14:useLocalDpi xmlns:a14="http://schemas.microsoft.com/office/drawing/2010/main" val="0"/>
+              </a:ext>
+            </a:extLst>
+          </a:blip>
+          <a:srcRect l="10952" r="62500"/>
+          <a:stretch/>
+        </p:blipFill>
+        <p:spPr>
+          <a:xfrm>
+            <a:off x="1210159" y="4062710"/>
+            <a:ext cx="2099098" cy="1576322"/>
+          </a:xfrm>
+          <a:prstGeom prst="rect">
+            <a:avLst/>
+          </a:prstGeom>
+        </p:spPr>
+      </p:pic>
+      <p:sp>
+        <p:nvSpPr>
+          <p:cNvPr id="9" name="Текст 2">
+            <a:extLst>
+              <a:ext uri="{FF2B5EF4-FFF2-40B4-BE49-F238E27FC236}">
+                <a16:creationId xmlns:a16="http://schemas.microsoft.com/office/drawing/2014/main" id="{33FB47C1-128E-60DF-5281-30C3EFCAB395}"/>
+              </a:ext>
+            </a:extLst>
+          </p:cNvPr>
+          <p:cNvSpPr txBox="1">
+            <a:spLocks/>
+          </p:cNvSpPr>
+          <p:nvPr/>
+        </p:nvSpPr>
+        <p:spPr>
+          <a:xfrm>
+            <a:off x="896503" y="5600748"/>
+            <a:ext cx="2527424" cy="783975"/>
+          </a:xfrm>
+          <a:prstGeom prst="rect">
+            <a:avLst/>
+          </a:prstGeom>
+        </p:spPr>
+        <p:txBody>
+          <a:bodyPr vert="horz" lIns="91440" tIns="45720" rIns="91440" bIns="45720" rtlCol="0">
+            <a:noAutofit/>
+          </a:bodyPr>
+          <a:lstStyle>
+            <a:defPPr>
+              <a:defRPr lang="ru-RU"/>
+            </a:defPPr>
+            <a:lvl1pPr marL="0" indent="0" algn="l" defTabSz="914400" rtl="0" eaLnBrk="1" latinLnBrk="0" hangingPunct="1">
+              <a:lnSpc>
+                <a:spcPct val="150000"/>
+              </a:lnSpc>
+              <a:spcBef>
+                <a:spcPts val="0"/>
+              </a:spcBef>
+              <a:buFont typeface="Arial" panose="020B0604020202020204" pitchFamily="34" charset="0"/>
+              <a:buNone/>
+              <a:defRPr lang="ru-RU" sz="2200" b="1" kern="1200">
+                <a:solidFill>
+                  <a:schemeClr val="bg1"/>
+                </a:solidFill>
+                <a:latin typeface="+mn-lt"/>
+                <a:ea typeface="+mn-ea"/>
+                <a:cs typeface="+mn-cs"/>
+              </a:defRPr>
+            </a:lvl1pPr>
+            <a:lvl2pPr marL="0" indent="0" algn="l" defTabSz="914400" rtl="0" eaLnBrk="1" latinLnBrk="0" hangingPunct="1">
+              <a:lnSpc>
+                <a:spcPct val="150000"/>
+              </a:lnSpc>
+              <a:spcBef>
+                <a:spcPts val="0"/>
+              </a:spcBef>
+              <a:buFont typeface="Arial" panose="020B0604020202020204" pitchFamily="34" charset="0"/>
+              <a:buNone/>
+              <a:defRPr lang="ru-RU" sz="2200" kern="1200">
+                <a:solidFill>
+                  <a:schemeClr val="bg1"/>
+                </a:solidFill>
+                <a:latin typeface="+mn-lt"/>
+                <a:ea typeface="+mn-ea"/>
+                <a:cs typeface="+mn-cs"/>
+              </a:defRPr>
+            </a:lvl2pPr>
+            <a:lvl3pPr marL="1143000" indent="-228600" algn="l" defTabSz="914400" rtl="0" eaLnBrk="1" latinLnBrk="0" hangingPunct="1">
+              <a:lnSpc>
+                <a:spcPct val="90000"/>
+              </a:lnSpc>
+              <a:spcBef>
+                <a:spcPts val="500"/>
+              </a:spcBef>
+              <a:buFont typeface="Arial" panose="020B0604020202020204" pitchFamily="34" charset="0"/>
+              <a:buChar char="•"/>
+              <a:defRPr lang="ru-RU" sz="2000" kern="1200">
+                <a:solidFill>
+                  <a:schemeClr val="bg1"/>
+                </a:solidFill>
+                <a:latin typeface="+mn-lt"/>
+                <a:ea typeface="+mn-ea"/>
+                <a:cs typeface="+mn-cs"/>
+              </a:defRPr>
+            </a:lvl3pPr>
+            <a:lvl4pPr marL="1600200" indent="-228600" algn="l" defTabSz="914400" rtl="0" eaLnBrk="1" latinLnBrk="0" hangingPunct="1">
+              <a:lnSpc>
+                <a:spcPct val="90000"/>
+              </a:lnSpc>
+              <a:spcBef>
+                <a:spcPts val="500"/>
+              </a:spcBef>
+              <a:buFont typeface="Arial" panose="020B0604020202020204" pitchFamily="34" charset="0"/>
+              <a:buChar char="•"/>
+              <a:defRPr lang="ru-RU" sz="1800" kern="1200">
+                <a:solidFill>
+                  <a:schemeClr val="bg1"/>
+                </a:solidFill>
+                <a:latin typeface="+mn-lt"/>
+                <a:ea typeface="+mn-ea"/>
+                <a:cs typeface="+mn-cs"/>
+              </a:defRPr>
+            </a:lvl4pPr>
+            <a:lvl5pPr marL="2057400" indent="-228600" algn="l" defTabSz="914400" rtl="0" eaLnBrk="1" latinLnBrk="0" hangingPunct="1">
+              <a:lnSpc>
+                <a:spcPct val="90000"/>
+              </a:lnSpc>
+              <a:spcBef>
+                <a:spcPts val="500"/>
+              </a:spcBef>
+              <a:buFont typeface="Arial" panose="020B0604020202020204" pitchFamily="34" charset="0"/>
+              <a:buChar char="•"/>
+              <a:defRPr lang="ru-RU" sz="1600" kern="1200">
+                <a:solidFill>
+                  <a:schemeClr val="bg1"/>
+                </a:solidFill>
+                <a:latin typeface="+mn-lt"/>
+                <a:ea typeface="+mn-ea"/>
+                <a:cs typeface="+mn-cs"/>
+              </a:defRPr>
+            </a:lvl5pPr>
+            <a:lvl6pPr marL="2514600" indent="-228600" algn="l" defTabSz="914400" rtl="0" eaLnBrk="1" latinLnBrk="0" hangingPunct="1">
+              <a:lnSpc>
+                <a:spcPct val="90000"/>
+              </a:lnSpc>
+              <a:spcBef>
+                <a:spcPts val="500"/>
+              </a:spcBef>
+              <a:buFont typeface="Arial" panose="020B0604020202020204" pitchFamily="34" charset="0"/>
+              <a:buChar char="•"/>
+              <a:defRPr lang="ru-RU" sz="1800" kern="1200">
+                <a:solidFill>
+                  <a:schemeClr val="tx1"/>
+                </a:solidFill>
+                <a:latin typeface="+mn-lt"/>
+                <a:ea typeface="+mn-ea"/>
+                <a:cs typeface="+mn-cs"/>
+              </a:defRPr>
+            </a:lvl6pPr>
+            <a:lvl7pPr marL="2971800" indent="-228600" algn="l" defTabSz="914400" rtl="0" eaLnBrk="1" latinLnBrk="0" hangingPunct="1">
+              <a:lnSpc>
+                <a:spcPct val="90000"/>
+              </a:lnSpc>
+              <a:spcBef>
+                <a:spcPts val="500"/>
+              </a:spcBef>
+              <a:buFont typeface="Arial" panose="020B0604020202020204" pitchFamily="34" charset="0"/>
+              <a:buChar char="•"/>
+              <a:defRPr lang="ru-RU" sz="1800" kern="1200">
+                <a:solidFill>
+                  <a:schemeClr val="tx1"/>
+                </a:solidFill>
+                <a:latin typeface="+mn-lt"/>
+                <a:ea typeface="+mn-ea"/>
+                <a:cs typeface="+mn-cs"/>
+              </a:defRPr>
+            </a:lvl7pPr>
+            <a:lvl8pPr marL="3429000" indent="-228600" algn="l" defTabSz="914400" rtl="0" eaLnBrk="1" latinLnBrk="0" hangingPunct="1">
+              <a:lnSpc>
+                <a:spcPct val="90000"/>
+              </a:lnSpc>
+              <a:spcBef>
+                <a:spcPts val="500"/>
+              </a:spcBef>
+              <a:buFont typeface="Arial" panose="020B0604020202020204" pitchFamily="34" charset="0"/>
+              <a:buChar char="•"/>
+              <a:defRPr lang="ru-RU" sz="1800" kern="1200">
+                <a:solidFill>
+                  <a:schemeClr val="tx1"/>
+                </a:solidFill>
+                <a:latin typeface="+mn-lt"/>
+                <a:ea typeface="+mn-ea"/>
+                <a:cs typeface="+mn-cs"/>
+              </a:defRPr>
+            </a:lvl8pPr>
+            <a:lvl9pPr marL="3886200" indent="-228600" algn="l" defTabSz="914400" rtl="0" eaLnBrk="1" latinLnBrk="0" hangingPunct="1">
+              <a:lnSpc>
+                <a:spcPct val="90000"/>
+              </a:lnSpc>
+              <a:spcBef>
+                <a:spcPts val="500"/>
+              </a:spcBef>
+              <a:buFont typeface="Arial" panose="020B0604020202020204" pitchFamily="34" charset="0"/>
+              <a:buChar char="•"/>
+              <a:defRPr lang="ru-RU" sz="1800" kern="1200">
+                <a:solidFill>
+                  <a:schemeClr val="tx1"/>
+                </a:solidFill>
+                <a:latin typeface="+mn-lt"/>
+                <a:ea typeface="+mn-ea"/>
+                <a:cs typeface="+mn-cs"/>
+              </a:defRPr>
+            </a:lvl9pPr>
+          </a:lstStyle>
+          <a:p>
+            <a:r>
+              <a:rPr lang="ru-RU" sz="2400" dirty="0" smtClean="0"/>
+              <a:t>АО «КНИИТМУ»</a:t>
+            </a:r>
+            <a:endParaRPr lang="ru-RU" sz="2800" dirty="0" smtClean="0"/>
+          </a:p>
+        </p:txBody>
+      </p:sp>
+    </p:spTree>
+    <p:extLst>
+      <p:ext uri="{BB962C8B-B14F-4D97-AF65-F5344CB8AC3E}">
+        <p14:creationId xmlns:p14="http://schemas.microsoft.com/office/powerpoint/2010/main" val="226236345"/>
+      </p:ext>
+    </p:extLst>
+  </p:cSld>
+  <p:clrMapOvr>
+    <a:masterClrMapping/>
+  </p:clrMapOvr>
+  <mc:AlternateContent xmlns:mc="http://schemas.openxmlformats.org/markup-compatibility/2006" xmlns:p14="http://schemas.microsoft.com/office/powerpoint/2010/main">
+    <mc:Choice Requires="p14">
+      <p:transition spd="med" p14:dur="700">
+        <p:fade/>
+      </p:transition>
+    </mc:Choice>
+    <mc:Fallback xmlns="">
+      <p:transition spd="med">
+        <p:fade/>
+      </p:transition>
+    </mc:Fallback>
+  </mc:AlternateContent>
+  <p:timing>
+    <p:tnLst>
+      <p:par>
+        <p:cTn id="1" dur="indefinite" restart="never" nodeType="tmRoot"/>
+      </p:par>
+    </p:tnLst>
+  </p:timing>
+</p:sld>
+</file>
+
+<file path=ppt/slides/slide2.xml><?xml version="1.0" encoding="utf-8"?>
+<p:sld xmlns:a="http://schemas.openxmlformats.org/drawingml/2006/main" xmlns:r="http://schemas.openxmlformats.org/officeDocument/2006/relationships" xmlns:p="http://schemas.openxmlformats.org/presentationml/2006/main">
+  <p:cSld>
+    <p:bg>
+      <p:bgPr>
+        <a:solidFill>
+          <a:srgbClr val="00457E"/>
+        </a:solidFill>
+        <a:effectLst/>
+      </p:bgPr>
+    </p:bg>
+    <p:spTree>
+      <p:nvGrpSpPr>
+        <p:cNvPr id="1" name=""/>
+        <p:cNvGrpSpPr/>
+        <p:nvPr/>
+      </p:nvGrpSpPr>
+      <p:grpSpPr>
+        <a:xfrm>
+          <a:off x="0" y="0"/>
+          <a:ext cx="0" cy="0"/>
+          <a:chOff x="0" y="0"/>
+          <a:chExt cx="0" cy="0"/>
+        </a:xfrm>
+      </p:grpSpPr>
+      <p:sp>
+        <p:nvSpPr>
+          <p:cNvPr id="2" name="Заголовок 1">
+            <a:extLst>
+              <a:ext uri="{FF2B5EF4-FFF2-40B4-BE49-F238E27FC236}">
+                <a16:creationId xmlns:a16="http://schemas.microsoft.com/office/drawing/2014/main" id="{A98BDE3D-CB39-03D2-545F-5283024761BD}"/>
+              </a:ext>
+            </a:extLst>
+          </p:cNvPr>
+          <p:cNvSpPr>
+            <a:spLocks noGrp="1"/>
+          </p:cNvSpPr>
+          <p:nvPr>
+            <p:ph type="title"/>
+          </p:nvPr>
+        </p:nvSpPr>
+        <p:spPr/>
+        <p:txBody>
+          <a:bodyPr rtlCol="0"/>
+          <a:lstStyle>
+            <a:defPPr>
+              <a:defRPr lang="ru-RU"/>
+            </a:defPPr>
+          </a:lstStyle>
+          <a:p>
+            <a:pPr rtl="0"/>
             <a:r>
               <a:rPr lang="ru-RU" dirty="0"/>
-              <a:t>Результаты </a:t>
-            </a:r>
-            <a:r>
-              <a:rPr lang="en-US" dirty="0"/>
-              <a:t>NLP </a:t>
-            </a:r>
-            <a:r>
-              <a:rPr lang="ru-RU" dirty="0"/>
-              <a:t>части:</a:t>
+              <a:t>Проблема и цель</a:t>
             </a:r>
           </a:p>
         </p:txBody>
@@ -11620,10 +12358,279 @@
           </a:lstStyle>
           <a:p>
             <a:r>
-              <a:rPr lang="en-US" b="1" dirty="0"/>
-              <a:t>Pet SST NLP</a:t>
-            </a:r>
-            <a:endParaRPr lang="ru-RU" dirty="0"/>
+              <a:rPr lang="ru-RU" b="1" dirty="0">
+                <a:solidFill>
+                  <a:schemeClr val="bg1"/>
+                </a:solidFill>
+              </a:rPr>
+              <a:t>Голосовые технологии</a:t>
+            </a:r>
+          </a:p>
+        </p:txBody>
+      </p:sp>
+      <p:sp>
+        <p:nvSpPr>
+          <p:cNvPr id="5" name="Текст 4">
+            <a:extLst>
+              <a:ext uri="{FF2B5EF4-FFF2-40B4-BE49-F238E27FC236}">
+                <a16:creationId xmlns:a16="http://schemas.microsoft.com/office/drawing/2014/main" id="{51683C73-2637-AC0E-5A6B-47B6C6CB9E2A}"/>
+              </a:ext>
+            </a:extLst>
+          </p:cNvPr>
+          <p:cNvSpPr>
+            <a:spLocks noGrp="1"/>
+          </p:cNvSpPr>
+          <p:nvPr>
+            <p:ph type="body" sz="quarter" idx="15"/>
+          </p:nvPr>
+        </p:nvSpPr>
+        <p:spPr>
+          <a:xfrm>
+            <a:off x="1242876" y="2752849"/>
+            <a:ext cx="10230522" cy="1682750"/>
+          </a:xfrm>
+        </p:spPr>
+        <p:txBody>
+          <a:bodyPr rtlCol="0"/>
+          <a:lstStyle>
+            <a:defPPr>
+              <a:defRPr lang="ru-RU"/>
+            </a:defPPr>
+          </a:lstStyle>
+          <a:p>
+            <a:r>
+              <a:rPr lang="ru-RU" sz="2400" dirty="0"/>
+              <a:t>Сотрудники транспортной сети не всегда сообщают вовремя о возникших проблемах/инцидентах</a:t>
+            </a:r>
+          </a:p>
+          <a:p>
+            <a:r>
+              <a:rPr lang="ru-RU" sz="2400" dirty="0"/>
+              <a:t>Задержки начала решения инцидентов приводят к убыткам</a:t>
+            </a:r>
+          </a:p>
+          <a:p>
+            <a:r>
+              <a:rPr lang="ru-RU" sz="2400" dirty="0"/>
+              <a:t>Цель проекта за счет внедрения ИИ уменьшить время выявления инцидентов. </a:t>
+            </a:r>
+          </a:p>
+        </p:txBody>
+      </p:sp>
+      <p:pic>
+        <p:nvPicPr>
+          <p:cNvPr id="6" name="Рисунок 5"/>
+          <p:cNvPicPr>
+            <a:picLocks noChangeAspect="1"/>
+          </p:cNvPicPr>
+          <p:nvPr/>
+        </p:nvPicPr>
+        <p:blipFill rotWithShape="1">
+          <a:blip r:embed="rId3">
+            <a:extLst>
+              <a:ext uri="{28A0092B-C50C-407E-A947-70E740481C1C}">
+                <a14:useLocalDpi xmlns:a14="http://schemas.microsoft.com/office/drawing/2010/main" val="0"/>
+              </a:ext>
+            </a:extLst>
+          </a:blip>
+          <a:srcRect l="9430" r="63065"/>
+          <a:stretch/>
+        </p:blipFill>
+        <p:spPr>
+          <a:xfrm>
+            <a:off x="11202123" y="75782"/>
+            <a:ext cx="804966" cy="583452"/>
+          </a:xfrm>
+          <a:prstGeom prst="rect">
+            <a:avLst/>
+          </a:prstGeom>
+        </p:spPr>
+      </p:pic>
+    </p:spTree>
+    <p:extLst>
+      <p:ext uri="{BB962C8B-B14F-4D97-AF65-F5344CB8AC3E}">
+        <p14:creationId xmlns:p14="http://schemas.microsoft.com/office/powerpoint/2010/main" val="3979194062"/>
+      </p:ext>
+    </p:extLst>
+  </p:cSld>
+  <p:clrMapOvr>
+    <a:masterClrMapping/>
+  </p:clrMapOvr>
+  <mc:AlternateContent xmlns:mc="http://schemas.openxmlformats.org/markup-compatibility/2006" xmlns:p14="http://schemas.microsoft.com/office/powerpoint/2010/main">
+    <mc:Choice Requires="p14">
+      <p:transition spd="med" p14:dur="700">
+        <p:fade/>
+      </p:transition>
+    </mc:Choice>
+    <mc:Fallback xmlns="">
+      <p:transition spd="med">
+        <p:fade/>
+      </p:transition>
+    </mc:Fallback>
+  </mc:AlternateContent>
+  <p:timing>
+    <p:tnLst>
+      <p:par>
+        <p:cTn id="1" dur="indefinite" restart="never" nodeType="tmRoot"/>
+      </p:par>
+    </p:tnLst>
+  </p:timing>
+</p:sld>
+</file>
+
+<file path=ppt/slides/slide3.xml><?xml version="1.0" encoding="utf-8"?>
+<p:sld xmlns:a="http://schemas.openxmlformats.org/drawingml/2006/main" xmlns:r="http://schemas.openxmlformats.org/officeDocument/2006/relationships" xmlns:p="http://schemas.openxmlformats.org/presentationml/2006/main">
+  <p:cSld>
+    <p:bg>
+      <p:bgPr>
+        <a:solidFill>
+          <a:srgbClr val="00457E"/>
+        </a:solidFill>
+        <a:effectLst/>
+      </p:bgPr>
+    </p:bg>
+    <p:spTree>
+      <p:nvGrpSpPr>
+        <p:cNvPr id="1" name=""/>
+        <p:cNvGrpSpPr/>
+        <p:nvPr/>
+      </p:nvGrpSpPr>
+      <p:grpSpPr>
+        <a:xfrm>
+          <a:off x="0" y="0"/>
+          <a:ext cx="0" cy="0"/>
+          <a:chOff x="0" y="0"/>
+          <a:chExt cx="0" cy="0"/>
+        </a:xfrm>
+      </p:grpSpPr>
+      <p:sp>
+        <p:nvSpPr>
+          <p:cNvPr id="2" name="Заголовок 1">
+            <a:extLst>
+              <a:ext uri="{FF2B5EF4-FFF2-40B4-BE49-F238E27FC236}">
+                <a16:creationId xmlns:a16="http://schemas.microsoft.com/office/drawing/2014/main" id="{A98BDE3D-CB39-03D2-545F-5283024761BD}"/>
+              </a:ext>
+            </a:extLst>
+          </p:cNvPr>
+          <p:cNvSpPr>
+            <a:spLocks noGrp="1"/>
+          </p:cNvSpPr>
+          <p:nvPr>
+            <p:ph type="title"/>
+          </p:nvPr>
+        </p:nvSpPr>
+        <p:spPr/>
+        <p:txBody>
+          <a:bodyPr rtlCol="0"/>
+          <a:lstStyle>
+            <a:defPPr>
+              <a:defRPr lang="ru-RU"/>
+            </a:defPPr>
+          </a:lstStyle>
+          <a:p>
+            <a:pPr rtl="0"/>
+            <a:r>
+              <a:rPr lang="ru-RU" dirty="0"/>
+              <a:t>Решение</a:t>
+            </a:r>
+          </a:p>
+        </p:txBody>
+      </p:sp>
+      <p:sp>
+        <p:nvSpPr>
+          <p:cNvPr id="12" name="Нижний колонтитул 11">
+            <a:extLst>
+              <a:ext uri="{FF2B5EF4-FFF2-40B4-BE49-F238E27FC236}">
+                <a16:creationId xmlns:a16="http://schemas.microsoft.com/office/drawing/2014/main" id="{119D6C7A-A7F7-E063-9A09-611D1FB1DBE6}"/>
+              </a:ext>
+            </a:extLst>
+          </p:cNvPr>
+          <p:cNvSpPr>
+            <a:spLocks noGrp="1"/>
+          </p:cNvSpPr>
+          <p:nvPr>
+            <p:ph type="ftr" sz="quarter" idx="11"/>
+          </p:nvPr>
+        </p:nvSpPr>
+        <p:spPr>
+          <a:xfrm>
+            <a:off x="411479" y="301752"/>
+            <a:ext cx="2291963" cy="274320"/>
+          </a:xfrm>
+        </p:spPr>
+        <p:txBody>
+          <a:bodyPr rtlCol="0"/>
+          <a:lstStyle>
+            <a:defPPr>
+              <a:defRPr lang="ru-RU"/>
+            </a:defPPr>
+          </a:lstStyle>
+          <a:p>
+            <a:r>
+              <a:rPr lang="ru-RU" b="1" dirty="0">
+                <a:solidFill>
+                  <a:schemeClr val="bg1"/>
+                </a:solidFill>
+              </a:rPr>
+              <a:t>Голосовые технологии</a:t>
+            </a:r>
+          </a:p>
+        </p:txBody>
+      </p:sp>
+      <p:sp>
+        <p:nvSpPr>
+          <p:cNvPr id="5" name="Текст 4">
+            <a:extLst>
+              <a:ext uri="{FF2B5EF4-FFF2-40B4-BE49-F238E27FC236}">
+                <a16:creationId xmlns:a16="http://schemas.microsoft.com/office/drawing/2014/main" id="{51683C73-2637-AC0E-5A6B-47B6C6CB9E2A}"/>
+              </a:ext>
+            </a:extLst>
+          </p:cNvPr>
+          <p:cNvSpPr>
+            <a:spLocks noGrp="1"/>
+          </p:cNvSpPr>
+          <p:nvPr>
+            <p:ph type="body" sz="quarter" idx="15"/>
+          </p:nvPr>
+        </p:nvSpPr>
+        <p:spPr>
+          <a:xfrm>
+            <a:off x="1242876" y="2752849"/>
+            <a:ext cx="10230522" cy="1682750"/>
+          </a:xfrm>
+        </p:spPr>
+        <p:txBody>
+          <a:bodyPr rtlCol="0"/>
+          <a:lstStyle>
+            <a:defPPr>
+              <a:defRPr lang="ru-RU"/>
+            </a:defPPr>
+          </a:lstStyle>
+          <a:p>
+            <a:r>
+              <a:rPr lang="ru-RU" sz="2400" dirty="0"/>
+              <a:t>Используем звук переговоров сотрудников</a:t>
+            </a:r>
+          </a:p>
+          <a:p>
+            <a:r>
+              <a:rPr lang="ru-RU" sz="2400" dirty="0"/>
+              <a:t>Переводим речь в текст</a:t>
+            </a:r>
+          </a:p>
+          <a:p>
+            <a:r>
+              <a:rPr lang="ru-RU" sz="2400" dirty="0"/>
+              <a:t>Проводим анализ текста и звука для сигнализации о </a:t>
+            </a:r>
+            <a:r>
+              <a:rPr lang="ru-RU" sz="2400" dirty="0" smtClean="0"/>
+              <a:t>возможном </a:t>
+            </a:r>
+            <a:r>
+              <a:rPr lang="ru-RU" sz="2400" dirty="0"/>
+              <a:t>инциденте</a:t>
+            </a:r>
           </a:p>
         </p:txBody>
       </p:sp>
@@ -11656,7 +12663,1253 @@
             <a:fld id="{5BFCF61C-3B18-4C03-8326-CC3B32D710C9}" type="slidenum">
               <a:rPr lang="ru-RU" smtClean="0"/>
               <a:pPr rtl="0"/>
-              <a:t>10</a:t>
+              <a:t>3</a:t>
+            </a:fld>
+            <a:endParaRPr lang="ru-RU"/>
+          </a:p>
+        </p:txBody>
+      </p:sp>
+      <p:pic>
+        <p:nvPicPr>
+          <p:cNvPr id="6" name="Рисунок 5"/>
+          <p:cNvPicPr>
+            <a:picLocks noChangeAspect="1"/>
+          </p:cNvPicPr>
+          <p:nvPr/>
+        </p:nvPicPr>
+        <p:blipFill rotWithShape="1">
+          <a:blip r:embed="rId3">
+            <a:extLst>
+              <a:ext uri="{28A0092B-C50C-407E-A947-70E740481C1C}">
+                <a14:useLocalDpi xmlns:a14="http://schemas.microsoft.com/office/drawing/2010/main" val="0"/>
+              </a:ext>
+            </a:extLst>
+          </a:blip>
+          <a:srcRect l="9430" r="63065"/>
+          <a:stretch/>
+        </p:blipFill>
+        <p:spPr>
+          <a:xfrm>
+            <a:off x="11202123" y="75782"/>
+            <a:ext cx="804966" cy="583452"/>
+          </a:xfrm>
+          <a:prstGeom prst="rect">
+            <a:avLst/>
+          </a:prstGeom>
+        </p:spPr>
+      </p:pic>
+    </p:spTree>
+    <p:extLst>
+      <p:ext uri="{BB962C8B-B14F-4D97-AF65-F5344CB8AC3E}">
+        <p14:creationId xmlns:p14="http://schemas.microsoft.com/office/powerpoint/2010/main" val="1920004525"/>
+      </p:ext>
+    </p:extLst>
+  </p:cSld>
+  <p:clrMapOvr>
+    <a:masterClrMapping/>
+  </p:clrMapOvr>
+  <mc:AlternateContent xmlns:mc="http://schemas.openxmlformats.org/markup-compatibility/2006" xmlns:p14="http://schemas.microsoft.com/office/powerpoint/2010/main">
+    <mc:Choice Requires="p14">
+      <p:transition spd="med" p14:dur="700">
+        <p:fade/>
+      </p:transition>
+    </mc:Choice>
+    <mc:Fallback xmlns="">
+      <p:transition spd="med">
+        <p:fade/>
+      </p:transition>
+    </mc:Fallback>
+  </mc:AlternateContent>
+  <p:timing>
+    <p:tnLst>
+      <p:par>
+        <p:cTn id="1" dur="indefinite" restart="never" nodeType="tmRoot"/>
+      </p:par>
+    </p:tnLst>
+  </p:timing>
+</p:sld>
+</file>
+
+<file path=ppt/slides/slide4.xml><?xml version="1.0" encoding="utf-8"?>
+<p:sld xmlns:a="http://schemas.openxmlformats.org/drawingml/2006/main" xmlns:r="http://schemas.openxmlformats.org/officeDocument/2006/relationships" xmlns:p="http://schemas.openxmlformats.org/presentationml/2006/main">
+  <p:cSld>
+    <p:bg>
+      <p:bgPr>
+        <a:solidFill>
+          <a:srgbClr val="00457E"/>
+        </a:solidFill>
+        <a:effectLst/>
+      </p:bgPr>
+    </p:bg>
+    <p:spTree>
+      <p:nvGrpSpPr>
+        <p:cNvPr id="1" name=""/>
+        <p:cNvGrpSpPr/>
+        <p:nvPr/>
+      </p:nvGrpSpPr>
+      <p:grpSpPr>
+        <a:xfrm>
+          <a:off x="0" y="0"/>
+          <a:ext cx="0" cy="0"/>
+          <a:chOff x="0" y="0"/>
+          <a:chExt cx="0" cy="0"/>
+        </a:xfrm>
+      </p:grpSpPr>
+      <p:sp>
+        <p:nvSpPr>
+          <p:cNvPr id="2" name="Заголовок 1">
+            <a:extLst>
+              <a:ext uri="{FF2B5EF4-FFF2-40B4-BE49-F238E27FC236}">
+                <a16:creationId xmlns:a16="http://schemas.microsoft.com/office/drawing/2014/main" id="{A98BDE3D-CB39-03D2-545F-5283024761BD}"/>
+              </a:ext>
+            </a:extLst>
+          </p:cNvPr>
+          <p:cNvSpPr>
+            <a:spLocks noGrp="1"/>
+          </p:cNvSpPr>
+          <p:nvPr>
+            <p:ph type="title"/>
+          </p:nvPr>
+        </p:nvSpPr>
+        <p:spPr/>
+        <p:txBody>
+          <a:bodyPr rtlCol="0"/>
+          <a:lstStyle>
+            <a:defPPr>
+              <a:defRPr lang="ru-RU"/>
+            </a:defPPr>
+          </a:lstStyle>
+          <a:p>
+            <a:pPr rtl="0"/>
+            <a:r>
+              <a:rPr lang="ru-RU" dirty="0"/>
+              <a:t>Метрики</a:t>
+            </a:r>
+          </a:p>
+        </p:txBody>
+      </p:sp>
+      <p:sp>
+        <p:nvSpPr>
+          <p:cNvPr id="12" name="Нижний колонтитул 11">
+            <a:extLst>
+              <a:ext uri="{FF2B5EF4-FFF2-40B4-BE49-F238E27FC236}">
+                <a16:creationId xmlns:a16="http://schemas.microsoft.com/office/drawing/2014/main" id="{119D6C7A-A7F7-E063-9A09-611D1FB1DBE6}"/>
+              </a:ext>
+            </a:extLst>
+          </p:cNvPr>
+          <p:cNvSpPr>
+            <a:spLocks noGrp="1"/>
+          </p:cNvSpPr>
+          <p:nvPr>
+            <p:ph type="ftr" sz="quarter" idx="11"/>
+          </p:nvPr>
+        </p:nvSpPr>
+        <p:spPr>
+          <a:xfrm>
+            <a:off x="411479" y="301752"/>
+            <a:ext cx="2291963" cy="274320"/>
+          </a:xfrm>
+        </p:spPr>
+        <p:txBody>
+          <a:bodyPr rtlCol="0"/>
+          <a:lstStyle>
+            <a:defPPr>
+              <a:defRPr lang="ru-RU"/>
+            </a:defPPr>
+          </a:lstStyle>
+          <a:p>
+            <a:r>
+              <a:rPr lang="ru-RU" b="1" dirty="0">
+                <a:solidFill>
+                  <a:schemeClr val="bg1"/>
+                </a:solidFill>
+              </a:rPr>
+              <a:t>Голосовые технологии</a:t>
+            </a:r>
+          </a:p>
+        </p:txBody>
+      </p:sp>
+      <p:sp>
+        <p:nvSpPr>
+          <p:cNvPr id="5" name="Текст 4">
+            <a:extLst>
+              <a:ext uri="{FF2B5EF4-FFF2-40B4-BE49-F238E27FC236}">
+                <a16:creationId xmlns:a16="http://schemas.microsoft.com/office/drawing/2014/main" id="{51683C73-2637-AC0E-5A6B-47B6C6CB9E2A}"/>
+              </a:ext>
+            </a:extLst>
+          </p:cNvPr>
+          <p:cNvSpPr>
+            <a:spLocks noGrp="1"/>
+          </p:cNvSpPr>
+          <p:nvPr>
+            <p:ph type="body" sz="quarter" idx="15"/>
+          </p:nvPr>
+        </p:nvSpPr>
+        <p:spPr>
+          <a:xfrm>
+            <a:off x="1242876" y="2752849"/>
+            <a:ext cx="10230522" cy="1682750"/>
+          </a:xfrm>
+        </p:spPr>
+        <p:txBody>
+          <a:bodyPr rtlCol="0"/>
+          <a:lstStyle>
+            <a:defPPr>
+              <a:defRPr lang="ru-RU"/>
+            </a:defPPr>
+          </a:lstStyle>
+          <a:p>
+            <a:r>
+              <a:rPr lang="ru-RU" sz="2400" dirty="0">
+                <a:solidFill>
+                  <a:srgbClr val="FF0000"/>
+                </a:solidFill>
+              </a:rPr>
+              <a:t>Бизнес метрика: самая суть</a:t>
+            </a:r>
+          </a:p>
+          <a:p>
+            <a:r>
+              <a:rPr lang="en-GB" sz="2400" dirty="0">
+                <a:solidFill>
+                  <a:srgbClr val="FF0000"/>
+                </a:solidFill>
+              </a:rPr>
+              <a:t>ML </a:t>
+            </a:r>
+            <a:r>
+              <a:rPr lang="ru-RU" sz="2400" dirty="0">
+                <a:solidFill>
+                  <a:srgbClr val="FF0000"/>
+                </a:solidFill>
+              </a:rPr>
+              <a:t>метрика: ….</a:t>
+            </a:r>
+          </a:p>
+        </p:txBody>
+      </p:sp>
+      <p:sp>
+        <p:nvSpPr>
+          <p:cNvPr id="13" name="Номер слайда 12">
+            <a:extLst>
+              <a:ext uri="{FF2B5EF4-FFF2-40B4-BE49-F238E27FC236}">
+                <a16:creationId xmlns:a16="http://schemas.microsoft.com/office/drawing/2014/main" id="{941D71DF-7225-6C66-9D2B-FAACEFF20849}"/>
+              </a:ext>
+            </a:extLst>
+          </p:cNvPr>
+          <p:cNvSpPr>
+            <a:spLocks noGrp="1"/>
+          </p:cNvSpPr>
+          <p:nvPr>
+            <p:ph type="sldNum" sz="quarter" idx="12"/>
+          </p:nvPr>
+        </p:nvSpPr>
+        <p:spPr/>
+        <p:txBody>
+          <a:bodyPr rtlCol="0"/>
+          <a:lstStyle>
+            <a:defPPr>
+              <a:defRPr lang="ru-RU"/>
+            </a:defPPr>
+          </a:lstStyle>
+          <a:p>
+            <a:pPr rtl="0"/>
+            <a:fld id="{5BFCF61C-3B18-4C03-8326-CC3B32D710C9}" type="slidenum">
+              <a:rPr lang="ru-RU" smtClean="0"/>
+              <a:pPr rtl="0"/>
+              <a:t>4</a:t>
+            </a:fld>
+            <a:endParaRPr lang="ru-RU"/>
+          </a:p>
+        </p:txBody>
+      </p:sp>
+      <p:pic>
+        <p:nvPicPr>
+          <p:cNvPr id="6" name="Рисунок 5"/>
+          <p:cNvPicPr>
+            <a:picLocks noChangeAspect="1"/>
+          </p:cNvPicPr>
+          <p:nvPr/>
+        </p:nvPicPr>
+        <p:blipFill rotWithShape="1">
+          <a:blip r:embed="rId3">
+            <a:extLst>
+              <a:ext uri="{28A0092B-C50C-407E-A947-70E740481C1C}">
+                <a14:useLocalDpi xmlns:a14="http://schemas.microsoft.com/office/drawing/2010/main" val="0"/>
+              </a:ext>
+            </a:extLst>
+          </a:blip>
+          <a:srcRect l="9430" r="63065"/>
+          <a:stretch/>
+        </p:blipFill>
+        <p:spPr>
+          <a:xfrm>
+            <a:off x="11202123" y="75782"/>
+            <a:ext cx="804966" cy="583452"/>
+          </a:xfrm>
+          <a:prstGeom prst="rect">
+            <a:avLst/>
+          </a:prstGeom>
+        </p:spPr>
+      </p:pic>
+    </p:spTree>
+    <p:extLst>
+      <p:ext uri="{BB962C8B-B14F-4D97-AF65-F5344CB8AC3E}">
+        <p14:creationId xmlns:p14="http://schemas.microsoft.com/office/powerpoint/2010/main" val="1627328729"/>
+      </p:ext>
+    </p:extLst>
+  </p:cSld>
+  <p:clrMapOvr>
+    <a:masterClrMapping/>
+  </p:clrMapOvr>
+  <mc:AlternateContent xmlns:mc="http://schemas.openxmlformats.org/markup-compatibility/2006" xmlns:p14="http://schemas.microsoft.com/office/powerpoint/2010/main">
+    <mc:Choice Requires="p14">
+      <p:transition spd="med" p14:dur="700">
+        <p:fade/>
+      </p:transition>
+    </mc:Choice>
+    <mc:Fallback xmlns="">
+      <p:transition spd="med">
+        <p:fade/>
+      </p:transition>
+    </mc:Fallback>
+  </mc:AlternateContent>
+  <p:timing>
+    <p:tnLst>
+      <p:par>
+        <p:cTn id="1" dur="indefinite" restart="never" nodeType="tmRoot"/>
+      </p:par>
+    </p:tnLst>
+  </p:timing>
+</p:sld>
+</file>
+
+<file path=ppt/slides/slide5.xml><?xml version="1.0" encoding="utf-8"?>
+<p:sld xmlns:a="http://schemas.openxmlformats.org/drawingml/2006/main" xmlns:r="http://schemas.openxmlformats.org/officeDocument/2006/relationships" xmlns:p="http://schemas.openxmlformats.org/presentationml/2006/main">
+  <p:cSld>
+    <p:bg>
+      <p:bgPr>
+        <a:solidFill>
+          <a:srgbClr val="00457E"/>
+        </a:solidFill>
+        <a:effectLst/>
+      </p:bgPr>
+    </p:bg>
+    <p:spTree>
+      <p:nvGrpSpPr>
+        <p:cNvPr id="1" name=""/>
+        <p:cNvGrpSpPr/>
+        <p:nvPr/>
+      </p:nvGrpSpPr>
+      <p:grpSpPr>
+        <a:xfrm>
+          <a:off x="0" y="0"/>
+          <a:ext cx="0" cy="0"/>
+          <a:chOff x="0" y="0"/>
+          <a:chExt cx="0" cy="0"/>
+        </a:xfrm>
+      </p:grpSpPr>
+      <p:sp>
+        <p:nvSpPr>
+          <p:cNvPr id="12" name="Нижний колонтитул 11">
+            <a:extLst>
+              <a:ext uri="{FF2B5EF4-FFF2-40B4-BE49-F238E27FC236}">
+                <a16:creationId xmlns:a16="http://schemas.microsoft.com/office/drawing/2014/main" id="{119D6C7A-A7F7-E063-9A09-611D1FB1DBE6}"/>
+              </a:ext>
+            </a:extLst>
+          </p:cNvPr>
+          <p:cNvSpPr>
+            <a:spLocks noGrp="1"/>
+          </p:cNvSpPr>
+          <p:nvPr>
+            <p:ph type="ftr" sz="quarter" idx="11"/>
+          </p:nvPr>
+        </p:nvSpPr>
+        <p:spPr>
+          <a:xfrm>
+            <a:off x="411479" y="301752"/>
+            <a:ext cx="2291963" cy="274320"/>
+          </a:xfrm>
+        </p:spPr>
+        <p:txBody>
+          <a:bodyPr rtlCol="0"/>
+          <a:lstStyle>
+            <a:defPPr>
+              <a:defRPr lang="ru-RU"/>
+            </a:defPPr>
+          </a:lstStyle>
+          <a:p>
+            <a:r>
+              <a:rPr lang="ru-RU" b="1" dirty="0">
+                <a:solidFill>
+                  <a:schemeClr val="bg1"/>
+                </a:solidFill>
+              </a:rPr>
+              <a:t>Голосовые технологии</a:t>
+            </a:r>
+          </a:p>
+        </p:txBody>
+      </p:sp>
+      <p:sp>
+        <p:nvSpPr>
+          <p:cNvPr id="13" name="Номер слайда 12">
+            <a:extLst>
+              <a:ext uri="{FF2B5EF4-FFF2-40B4-BE49-F238E27FC236}">
+                <a16:creationId xmlns:a16="http://schemas.microsoft.com/office/drawing/2014/main" id="{941D71DF-7225-6C66-9D2B-FAACEFF20849}"/>
+              </a:ext>
+            </a:extLst>
+          </p:cNvPr>
+          <p:cNvSpPr>
+            <a:spLocks noGrp="1"/>
+          </p:cNvSpPr>
+          <p:nvPr>
+            <p:ph type="sldNum" sz="quarter" idx="12"/>
+          </p:nvPr>
+        </p:nvSpPr>
+        <p:spPr/>
+        <p:txBody>
+          <a:bodyPr rtlCol="0"/>
+          <a:lstStyle>
+            <a:defPPr>
+              <a:defRPr lang="ru-RU"/>
+            </a:defPPr>
+          </a:lstStyle>
+          <a:p>
+            <a:pPr rtl="0"/>
+            <a:fld id="{5BFCF61C-3B18-4C03-8326-CC3B32D710C9}" type="slidenum">
+              <a:rPr lang="ru-RU" smtClean="0"/>
+              <a:pPr rtl="0"/>
+              <a:t>5</a:t>
+            </a:fld>
+            <a:endParaRPr lang="ru-RU"/>
+          </a:p>
+        </p:txBody>
+      </p:sp>
+      <p:pic>
+        <p:nvPicPr>
+          <p:cNvPr id="3" name="Рисунок 2"/>
+          <p:cNvPicPr>
+            <a:picLocks noChangeAspect="1"/>
+          </p:cNvPicPr>
+          <p:nvPr/>
+        </p:nvPicPr>
+        <p:blipFill>
+          <a:blip r:embed="rId3"/>
+          <a:stretch>
+            <a:fillRect/>
+          </a:stretch>
+        </p:blipFill>
+        <p:spPr>
+          <a:xfrm>
+            <a:off x="0" y="2211347"/>
+            <a:ext cx="12192000" cy="581106"/>
+          </a:xfrm>
+          <a:prstGeom prst="rect">
+            <a:avLst/>
+          </a:prstGeom>
+        </p:spPr>
+      </p:pic>
+      <p:pic>
+        <p:nvPicPr>
+          <p:cNvPr id="2" name="Рисунок 1"/>
+          <p:cNvPicPr>
+            <a:picLocks noChangeAspect="1"/>
+          </p:cNvPicPr>
+          <p:nvPr/>
+        </p:nvPicPr>
+        <p:blipFill>
+          <a:blip r:embed="rId4"/>
+          <a:stretch>
+            <a:fillRect/>
+          </a:stretch>
+        </p:blipFill>
+        <p:spPr>
+          <a:xfrm>
+            <a:off x="1098732" y="977153"/>
+            <a:ext cx="9994535" cy="4820962"/>
+          </a:xfrm>
+          <a:prstGeom prst="rect">
+            <a:avLst/>
+          </a:prstGeom>
+        </p:spPr>
+      </p:pic>
+      <p:pic>
+        <p:nvPicPr>
+          <p:cNvPr id="7" name="Рисунок 6"/>
+          <p:cNvPicPr>
+            <a:picLocks noChangeAspect="1"/>
+          </p:cNvPicPr>
+          <p:nvPr/>
+        </p:nvPicPr>
+        <p:blipFill rotWithShape="1">
+          <a:blip r:embed="rId5">
+            <a:extLst>
+              <a:ext uri="{28A0092B-C50C-407E-A947-70E740481C1C}">
+                <a14:useLocalDpi xmlns:a14="http://schemas.microsoft.com/office/drawing/2010/main" val="0"/>
+              </a:ext>
+            </a:extLst>
+          </a:blip>
+          <a:srcRect l="9430" r="63065"/>
+          <a:stretch/>
+        </p:blipFill>
+        <p:spPr>
+          <a:xfrm>
+            <a:off x="11202123" y="75782"/>
+            <a:ext cx="804966" cy="583452"/>
+          </a:xfrm>
+          <a:prstGeom prst="rect">
+            <a:avLst/>
+          </a:prstGeom>
+        </p:spPr>
+      </p:pic>
+    </p:spTree>
+    <p:extLst>
+      <p:ext uri="{BB962C8B-B14F-4D97-AF65-F5344CB8AC3E}">
+        <p14:creationId xmlns:p14="http://schemas.microsoft.com/office/powerpoint/2010/main" val="140488258"/>
+      </p:ext>
+    </p:extLst>
+  </p:cSld>
+  <p:clrMapOvr>
+    <a:masterClrMapping/>
+  </p:clrMapOvr>
+  <mc:AlternateContent xmlns:mc="http://schemas.openxmlformats.org/markup-compatibility/2006" xmlns:p14="http://schemas.microsoft.com/office/powerpoint/2010/main">
+    <mc:Choice Requires="p14">
+      <p:transition spd="med" p14:dur="700">
+        <p:fade/>
+      </p:transition>
+    </mc:Choice>
+    <mc:Fallback xmlns="">
+      <p:transition spd="med">
+        <p:fade/>
+      </p:transition>
+    </mc:Fallback>
+  </mc:AlternateContent>
+  <p:timing>
+    <p:tnLst>
+      <p:par>
+        <p:cTn id="1" dur="indefinite" restart="never" nodeType="tmRoot"/>
+      </p:par>
+    </p:tnLst>
+  </p:timing>
+</p:sld>
+</file>
+
+<file path=ppt/slides/slide6.xml><?xml version="1.0" encoding="utf-8"?>
+<p:sld xmlns:a="http://schemas.openxmlformats.org/drawingml/2006/main" xmlns:r="http://schemas.openxmlformats.org/officeDocument/2006/relationships" xmlns:p="http://schemas.openxmlformats.org/presentationml/2006/main">
+  <p:cSld>
+    <p:bg>
+      <p:bgPr>
+        <a:solidFill>
+          <a:srgbClr val="00457E"/>
+        </a:solidFill>
+        <a:effectLst/>
+      </p:bgPr>
+    </p:bg>
+    <p:spTree>
+      <p:nvGrpSpPr>
+        <p:cNvPr id="1" name=""/>
+        <p:cNvGrpSpPr/>
+        <p:nvPr/>
+      </p:nvGrpSpPr>
+      <p:grpSpPr>
+        <a:xfrm>
+          <a:off x="0" y="0"/>
+          <a:ext cx="0" cy="0"/>
+          <a:chOff x="0" y="0"/>
+          <a:chExt cx="0" cy="0"/>
+        </a:xfrm>
+      </p:grpSpPr>
+      <p:sp>
+        <p:nvSpPr>
+          <p:cNvPr id="2" name="Заголовок 1">
+            <a:extLst>
+              <a:ext uri="{FF2B5EF4-FFF2-40B4-BE49-F238E27FC236}">
+                <a16:creationId xmlns:a16="http://schemas.microsoft.com/office/drawing/2014/main" id="{A98BDE3D-CB39-03D2-545F-5283024761BD}"/>
+              </a:ext>
+            </a:extLst>
+          </p:cNvPr>
+          <p:cNvSpPr>
+            <a:spLocks noGrp="1"/>
+          </p:cNvSpPr>
+          <p:nvPr>
+            <p:ph type="title"/>
+          </p:nvPr>
+        </p:nvSpPr>
+        <p:spPr/>
+        <p:txBody>
+          <a:bodyPr rtlCol="0"/>
+          <a:lstStyle>
+            <a:defPPr>
+              <a:defRPr lang="ru-RU"/>
+            </a:defPPr>
+          </a:lstStyle>
+          <a:p>
+            <a:endParaRPr lang="ru-RU" dirty="0"/>
+          </a:p>
+        </p:txBody>
+      </p:sp>
+      <p:sp>
+        <p:nvSpPr>
+          <p:cNvPr id="12" name="Нижний колонтитул 11">
+            <a:extLst>
+              <a:ext uri="{FF2B5EF4-FFF2-40B4-BE49-F238E27FC236}">
+                <a16:creationId xmlns:a16="http://schemas.microsoft.com/office/drawing/2014/main" id="{119D6C7A-A7F7-E063-9A09-611D1FB1DBE6}"/>
+              </a:ext>
+            </a:extLst>
+          </p:cNvPr>
+          <p:cNvSpPr>
+            <a:spLocks noGrp="1"/>
+          </p:cNvSpPr>
+          <p:nvPr>
+            <p:ph type="ftr" sz="quarter" idx="11"/>
+          </p:nvPr>
+        </p:nvSpPr>
+        <p:spPr>
+          <a:xfrm>
+            <a:off x="411479" y="301752"/>
+            <a:ext cx="2291963" cy="274320"/>
+          </a:xfrm>
+        </p:spPr>
+        <p:txBody>
+          <a:bodyPr rtlCol="0"/>
+          <a:lstStyle>
+            <a:defPPr>
+              <a:defRPr lang="ru-RU"/>
+            </a:defPPr>
+          </a:lstStyle>
+          <a:p>
+            <a:r>
+              <a:rPr lang="ru-RU" b="1" dirty="0">
+                <a:solidFill>
+                  <a:schemeClr val="bg1"/>
+                </a:solidFill>
+              </a:rPr>
+              <a:t>Голосовые технологии</a:t>
+            </a:r>
+          </a:p>
+        </p:txBody>
+      </p:sp>
+      <p:sp>
+        <p:nvSpPr>
+          <p:cNvPr id="13" name="Номер слайда 12">
+            <a:extLst>
+              <a:ext uri="{FF2B5EF4-FFF2-40B4-BE49-F238E27FC236}">
+                <a16:creationId xmlns:a16="http://schemas.microsoft.com/office/drawing/2014/main" id="{941D71DF-7225-6C66-9D2B-FAACEFF20849}"/>
+              </a:ext>
+            </a:extLst>
+          </p:cNvPr>
+          <p:cNvSpPr>
+            <a:spLocks noGrp="1"/>
+          </p:cNvSpPr>
+          <p:nvPr>
+            <p:ph type="sldNum" sz="quarter" idx="12"/>
+          </p:nvPr>
+        </p:nvSpPr>
+        <p:spPr/>
+        <p:txBody>
+          <a:bodyPr rtlCol="0"/>
+          <a:lstStyle>
+            <a:defPPr>
+              <a:defRPr lang="ru-RU"/>
+            </a:defPPr>
+          </a:lstStyle>
+          <a:p>
+            <a:pPr rtl="0"/>
+            <a:fld id="{5BFCF61C-3B18-4C03-8326-CC3B32D710C9}" type="slidenum">
+              <a:rPr lang="ru-RU" smtClean="0"/>
+              <a:pPr rtl="0"/>
+              <a:t>6</a:t>
+            </a:fld>
+            <a:endParaRPr lang="ru-RU"/>
+          </a:p>
+        </p:txBody>
+      </p:sp>
+      <p:sp>
+        <p:nvSpPr>
+          <p:cNvPr id="3" name="Нижний колонтитул 11">
+            <a:extLst>
+              <a:ext uri="{FF2B5EF4-FFF2-40B4-BE49-F238E27FC236}">
+                <a16:creationId xmlns:a16="http://schemas.microsoft.com/office/drawing/2014/main" id="{3751A620-A6D3-B9D7-C58B-0B69C8C31787}"/>
+              </a:ext>
+            </a:extLst>
+          </p:cNvPr>
+          <p:cNvSpPr txBox="1">
+            <a:spLocks/>
+          </p:cNvSpPr>
+          <p:nvPr/>
+        </p:nvSpPr>
+        <p:spPr>
+          <a:xfrm>
+            <a:off x="3612710" y="608076"/>
+            <a:ext cx="5655981" cy="274320"/>
+          </a:xfrm>
+          <a:prstGeom prst="rect">
+            <a:avLst/>
+          </a:prstGeom>
+        </p:spPr>
+        <p:txBody>
+          <a:bodyPr vert="horz" lIns="91440" tIns="45720" rIns="91440" bIns="45720" rtlCol="0" anchor="ctr">
+            <a:noAutofit/>
+          </a:bodyPr>
+          <a:lstStyle>
+            <a:defPPr rtl="0">
+              <a:defRPr lang="ru-RU"/>
+            </a:defPPr>
+            <a:lvl1pPr marL="0" algn="l" defTabSz="914400" rtl="0" eaLnBrk="1" latinLnBrk="0" hangingPunct="1">
+              <a:defRPr lang="ru-RU" sz="1200" kern="1200">
+                <a:solidFill>
+                  <a:schemeClr val="tx2"/>
+                </a:solidFill>
+                <a:latin typeface="+mn-lt"/>
+                <a:ea typeface="+mn-ea"/>
+                <a:cs typeface="+mn-cs"/>
+              </a:defRPr>
+            </a:lvl1pPr>
+            <a:lvl2pPr marL="457200" algn="l" defTabSz="914400" rtl="0" eaLnBrk="1" latinLnBrk="0" hangingPunct="1">
+              <a:defRPr lang="ru-RU" sz="1800" kern="1200">
+                <a:solidFill>
+                  <a:schemeClr val="tx1"/>
+                </a:solidFill>
+                <a:latin typeface="+mn-lt"/>
+                <a:ea typeface="+mn-ea"/>
+                <a:cs typeface="+mn-cs"/>
+              </a:defRPr>
+            </a:lvl2pPr>
+            <a:lvl3pPr marL="914400" algn="l" defTabSz="914400" rtl="0" eaLnBrk="1" latinLnBrk="0" hangingPunct="1">
+              <a:defRPr lang="ru-RU" sz="1800" kern="1200">
+                <a:solidFill>
+                  <a:schemeClr val="tx1"/>
+                </a:solidFill>
+                <a:latin typeface="+mn-lt"/>
+                <a:ea typeface="+mn-ea"/>
+                <a:cs typeface="+mn-cs"/>
+              </a:defRPr>
+            </a:lvl3pPr>
+            <a:lvl4pPr marL="1371600" algn="l" defTabSz="914400" rtl="0" eaLnBrk="1" latinLnBrk="0" hangingPunct="1">
+              <a:defRPr lang="ru-RU" sz="1800" kern="1200">
+                <a:solidFill>
+                  <a:schemeClr val="tx1"/>
+                </a:solidFill>
+                <a:latin typeface="+mn-lt"/>
+                <a:ea typeface="+mn-ea"/>
+                <a:cs typeface="+mn-cs"/>
+              </a:defRPr>
+            </a:lvl4pPr>
+            <a:lvl5pPr marL="1828800" algn="l" defTabSz="914400" rtl="0" eaLnBrk="1" latinLnBrk="0" hangingPunct="1">
+              <a:defRPr lang="ru-RU" sz="1800" kern="1200">
+                <a:solidFill>
+                  <a:schemeClr val="tx1"/>
+                </a:solidFill>
+                <a:latin typeface="+mn-lt"/>
+                <a:ea typeface="+mn-ea"/>
+                <a:cs typeface="+mn-cs"/>
+              </a:defRPr>
+            </a:lvl5pPr>
+            <a:lvl6pPr marL="2286000" algn="l" defTabSz="914400" rtl="0" eaLnBrk="1" latinLnBrk="0" hangingPunct="1">
+              <a:defRPr lang="ru-RU" sz="1800" kern="1200">
+                <a:solidFill>
+                  <a:schemeClr val="tx1"/>
+                </a:solidFill>
+                <a:latin typeface="+mn-lt"/>
+                <a:ea typeface="+mn-ea"/>
+                <a:cs typeface="+mn-cs"/>
+              </a:defRPr>
+            </a:lvl6pPr>
+            <a:lvl7pPr marL="2743200" algn="l" defTabSz="914400" rtl="0" eaLnBrk="1" latinLnBrk="0" hangingPunct="1">
+              <a:defRPr lang="ru-RU" sz="1800" kern="1200">
+                <a:solidFill>
+                  <a:schemeClr val="tx1"/>
+                </a:solidFill>
+                <a:latin typeface="+mn-lt"/>
+                <a:ea typeface="+mn-ea"/>
+                <a:cs typeface="+mn-cs"/>
+              </a:defRPr>
+            </a:lvl7pPr>
+            <a:lvl8pPr marL="3200400" algn="l" defTabSz="914400" rtl="0" eaLnBrk="1" latinLnBrk="0" hangingPunct="1">
+              <a:defRPr lang="ru-RU" sz="1800" kern="1200">
+                <a:solidFill>
+                  <a:schemeClr val="tx1"/>
+                </a:solidFill>
+                <a:latin typeface="+mn-lt"/>
+                <a:ea typeface="+mn-ea"/>
+                <a:cs typeface="+mn-cs"/>
+              </a:defRPr>
+            </a:lvl8pPr>
+            <a:lvl9pPr marL="3657600" algn="l" defTabSz="914400" rtl="0" eaLnBrk="1" latinLnBrk="0" hangingPunct="1">
+              <a:defRPr lang="ru-RU" sz="1800" kern="1200">
+                <a:solidFill>
+                  <a:schemeClr val="tx1"/>
+                </a:solidFill>
+                <a:latin typeface="+mn-lt"/>
+                <a:ea typeface="+mn-ea"/>
+                <a:cs typeface="+mn-cs"/>
+              </a:defRPr>
+            </a:lvl9pPr>
+          </a:lstStyle>
+          <a:p>
+            <a:r>
+              <a:rPr lang="ru-RU" b="1" dirty="0" err="1">
+                <a:solidFill>
+                  <a:srgbClr val="FF0000"/>
+                </a:solidFill>
+              </a:rPr>
+              <a:t>Нужто</a:t>
+            </a:r>
+            <a:r>
+              <a:rPr lang="ru-RU" b="1" dirty="0">
+                <a:solidFill>
+                  <a:srgbClr val="FF0000"/>
+                </a:solidFill>
+              </a:rPr>
+              <a:t> рассказать как </a:t>
+            </a:r>
+            <a:r>
+              <a:rPr lang="ru-RU" b="1" dirty="0" err="1">
+                <a:solidFill>
+                  <a:srgbClr val="FF0000"/>
+                </a:solidFill>
+              </a:rPr>
+              <a:t>подготовливались</a:t>
+            </a:r>
+            <a:r>
+              <a:rPr lang="ru-RU" b="1" dirty="0">
+                <a:solidFill>
+                  <a:srgbClr val="FF0000"/>
+                </a:solidFill>
+              </a:rPr>
+              <a:t> данные в пет-проекте (у нас же нет настоящих пока)</a:t>
+            </a:r>
+          </a:p>
+          <a:p>
+            <a:r>
+              <a:rPr lang="ru-RU" b="1" dirty="0">
+                <a:solidFill>
+                  <a:srgbClr val="FF0000"/>
+                </a:solidFill>
+              </a:rPr>
+              <a:t>И что данные разделены на обучение и тест (или как там было решено, не помню)</a:t>
+            </a:r>
+          </a:p>
+        </p:txBody>
+      </p:sp>
+      <p:pic>
+        <p:nvPicPr>
+          <p:cNvPr id="6" name="Рисунок 5"/>
+          <p:cNvPicPr>
+            <a:picLocks noChangeAspect="1"/>
+          </p:cNvPicPr>
+          <p:nvPr/>
+        </p:nvPicPr>
+        <p:blipFill rotWithShape="1">
+          <a:blip r:embed="rId3">
+            <a:extLst>
+              <a:ext uri="{28A0092B-C50C-407E-A947-70E740481C1C}">
+                <a14:useLocalDpi xmlns:a14="http://schemas.microsoft.com/office/drawing/2010/main" val="0"/>
+              </a:ext>
+            </a:extLst>
+          </a:blip>
+          <a:srcRect l="9430" r="63065"/>
+          <a:stretch/>
+        </p:blipFill>
+        <p:spPr>
+          <a:xfrm>
+            <a:off x="11202123" y="75782"/>
+            <a:ext cx="804966" cy="583452"/>
+          </a:xfrm>
+          <a:prstGeom prst="rect">
+            <a:avLst/>
+          </a:prstGeom>
+        </p:spPr>
+      </p:pic>
+    </p:spTree>
+    <p:extLst>
+      <p:ext uri="{BB962C8B-B14F-4D97-AF65-F5344CB8AC3E}">
+        <p14:creationId xmlns:p14="http://schemas.microsoft.com/office/powerpoint/2010/main" val="3469289945"/>
+      </p:ext>
+    </p:extLst>
+  </p:cSld>
+  <p:clrMapOvr>
+    <a:masterClrMapping/>
+  </p:clrMapOvr>
+  <mc:AlternateContent xmlns:mc="http://schemas.openxmlformats.org/markup-compatibility/2006" xmlns:p14="http://schemas.microsoft.com/office/powerpoint/2010/main">
+    <mc:Choice Requires="p14">
+      <p:transition spd="med" p14:dur="700">
+        <p:fade/>
+      </p:transition>
+    </mc:Choice>
+    <mc:Fallback xmlns="">
+      <p:transition spd="med">
+        <p:fade/>
+      </p:transition>
+    </mc:Fallback>
+  </mc:AlternateContent>
+  <p:timing>
+    <p:tnLst>
+      <p:par>
+        <p:cTn id="1" dur="indefinite" restart="never" nodeType="tmRoot"/>
+      </p:par>
+    </p:tnLst>
+  </p:timing>
+</p:sld>
+</file>
+
+<file path=ppt/slides/slide7.xml><?xml version="1.0" encoding="utf-8"?>
+<p:sld xmlns:a="http://schemas.openxmlformats.org/drawingml/2006/main" xmlns:r="http://schemas.openxmlformats.org/officeDocument/2006/relationships" xmlns:p="http://schemas.openxmlformats.org/presentationml/2006/main">
+  <p:cSld>
+    <p:bg>
+      <p:bgPr>
+        <a:solidFill>
+          <a:srgbClr val="00457E"/>
+        </a:solidFill>
+        <a:effectLst/>
+      </p:bgPr>
+    </p:bg>
+    <p:spTree>
+      <p:nvGrpSpPr>
+        <p:cNvPr id="1" name=""/>
+        <p:cNvGrpSpPr/>
+        <p:nvPr/>
+      </p:nvGrpSpPr>
+      <p:grpSpPr>
+        <a:xfrm>
+          <a:off x="0" y="0"/>
+          <a:ext cx="0" cy="0"/>
+          <a:chOff x="0" y="0"/>
+          <a:chExt cx="0" cy="0"/>
+        </a:xfrm>
+      </p:grpSpPr>
+      <p:sp>
+        <p:nvSpPr>
+          <p:cNvPr id="2" name="Заголовок 1">
+            <a:extLst>
+              <a:ext uri="{FF2B5EF4-FFF2-40B4-BE49-F238E27FC236}">
+                <a16:creationId xmlns:a16="http://schemas.microsoft.com/office/drawing/2014/main" id="{A98BDE3D-CB39-03D2-545F-5283024761BD}"/>
+              </a:ext>
+            </a:extLst>
+          </p:cNvPr>
+          <p:cNvSpPr>
+            <a:spLocks noGrp="1"/>
+          </p:cNvSpPr>
+          <p:nvPr>
+            <p:ph type="title"/>
+          </p:nvPr>
+        </p:nvSpPr>
+        <p:spPr/>
+        <p:txBody>
+          <a:bodyPr rtlCol="0"/>
+          <a:lstStyle>
+            <a:defPPr>
+              <a:defRPr lang="ru-RU"/>
+            </a:defPPr>
+          </a:lstStyle>
+          <a:p>
+            <a:r>
+              <a:rPr lang="ru-RU" dirty="0"/>
+              <a:t>Результаты метрики</a:t>
+            </a:r>
+          </a:p>
+        </p:txBody>
+      </p:sp>
+      <p:sp>
+        <p:nvSpPr>
+          <p:cNvPr id="12" name="Нижний колонтитул 11">
+            <a:extLst>
+              <a:ext uri="{FF2B5EF4-FFF2-40B4-BE49-F238E27FC236}">
+                <a16:creationId xmlns:a16="http://schemas.microsoft.com/office/drawing/2014/main" id="{119D6C7A-A7F7-E063-9A09-611D1FB1DBE6}"/>
+              </a:ext>
+            </a:extLst>
+          </p:cNvPr>
+          <p:cNvSpPr>
+            <a:spLocks noGrp="1"/>
+          </p:cNvSpPr>
+          <p:nvPr>
+            <p:ph type="ftr" sz="quarter" idx="11"/>
+          </p:nvPr>
+        </p:nvSpPr>
+        <p:spPr>
+          <a:xfrm>
+            <a:off x="411479" y="301752"/>
+            <a:ext cx="2291963" cy="274320"/>
+          </a:xfrm>
+        </p:spPr>
+        <p:txBody>
+          <a:bodyPr rtlCol="0"/>
+          <a:lstStyle>
+            <a:defPPr>
+              <a:defRPr lang="ru-RU"/>
+            </a:defPPr>
+          </a:lstStyle>
+          <a:p>
+            <a:r>
+              <a:rPr lang="ru-RU" b="1" dirty="0">
+                <a:solidFill>
+                  <a:schemeClr val="bg1"/>
+                </a:solidFill>
+              </a:rPr>
+              <a:t>Голосовые технологии</a:t>
+            </a:r>
+          </a:p>
+        </p:txBody>
+      </p:sp>
+      <p:sp>
+        <p:nvSpPr>
+          <p:cNvPr id="13" name="Номер слайда 12">
+            <a:extLst>
+              <a:ext uri="{FF2B5EF4-FFF2-40B4-BE49-F238E27FC236}">
+                <a16:creationId xmlns:a16="http://schemas.microsoft.com/office/drawing/2014/main" id="{941D71DF-7225-6C66-9D2B-FAACEFF20849}"/>
+              </a:ext>
+            </a:extLst>
+          </p:cNvPr>
+          <p:cNvSpPr>
+            <a:spLocks noGrp="1"/>
+          </p:cNvSpPr>
+          <p:nvPr>
+            <p:ph type="sldNum" sz="quarter" idx="12"/>
+          </p:nvPr>
+        </p:nvSpPr>
+        <p:spPr/>
+        <p:txBody>
+          <a:bodyPr rtlCol="0"/>
+          <a:lstStyle>
+            <a:defPPr>
+              <a:defRPr lang="ru-RU"/>
+            </a:defPPr>
+          </a:lstStyle>
+          <a:p>
+            <a:pPr rtl="0"/>
+            <a:fld id="{5BFCF61C-3B18-4C03-8326-CC3B32D710C9}" type="slidenum">
+              <a:rPr lang="ru-RU" smtClean="0"/>
+              <a:pPr rtl="0"/>
+              <a:t>7</a:t>
+            </a:fld>
+            <a:endParaRPr lang="ru-RU"/>
+          </a:p>
+        </p:txBody>
+      </p:sp>
+      <p:graphicFrame>
+        <p:nvGraphicFramePr>
+          <p:cNvPr id="6" name="Диаграмма 5"/>
+          <p:cNvGraphicFramePr/>
+          <p:nvPr>
+            <p:extLst>
+              <p:ext uri="{D42A27DB-BD31-4B8C-83A1-F6EECF244321}">
+                <p14:modId xmlns:p14="http://schemas.microsoft.com/office/powerpoint/2010/main" val="3697020062"/>
+              </p:ext>
+            </p:extLst>
+          </p:nvPr>
+        </p:nvGraphicFramePr>
+        <p:xfrm>
+          <a:off x="2575559" y="2724150"/>
+          <a:ext cx="7701915" cy="3486150"/>
+        </p:xfrm>
+        <a:graphic>
+          <a:graphicData uri="http://schemas.openxmlformats.org/drawingml/2006/chart">
+            <c:chart xmlns:c="http://schemas.openxmlformats.org/drawingml/2006/chart" xmlns:r="http://schemas.openxmlformats.org/officeDocument/2006/relationships" r:id="rId3"/>
+          </a:graphicData>
+        </a:graphic>
+      </p:graphicFrame>
+      <p:pic>
+        <p:nvPicPr>
+          <p:cNvPr id="7" name="Рисунок 6"/>
+          <p:cNvPicPr>
+            <a:picLocks noChangeAspect="1"/>
+          </p:cNvPicPr>
+          <p:nvPr/>
+        </p:nvPicPr>
+        <p:blipFill rotWithShape="1">
+          <a:blip r:embed="rId4">
+            <a:extLst>
+              <a:ext uri="{28A0092B-C50C-407E-A947-70E740481C1C}">
+                <a14:useLocalDpi xmlns:a14="http://schemas.microsoft.com/office/drawing/2010/main" val="0"/>
+              </a:ext>
+            </a:extLst>
+          </a:blip>
+          <a:srcRect l="9430" r="63065"/>
+          <a:stretch/>
+        </p:blipFill>
+        <p:spPr>
+          <a:xfrm>
+            <a:off x="11202123" y="75782"/>
+            <a:ext cx="804966" cy="583452"/>
+          </a:xfrm>
+          <a:prstGeom prst="rect">
+            <a:avLst/>
+          </a:prstGeom>
+        </p:spPr>
+      </p:pic>
+    </p:spTree>
+    <p:extLst>
+      <p:ext uri="{BB962C8B-B14F-4D97-AF65-F5344CB8AC3E}">
+        <p14:creationId xmlns:p14="http://schemas.microsoft.com/office/powerpoint/2010/main" val="2106858184"/>
+      </p:ext>
+    </p:extLst>
+  </p:cSld>
+  <p:clrMapOvr>
+    <a:masterClrMapping/>
+  </p:clrMapOvr>
+  <mc:AlternateContent xmlns:mc="http://schemas.openxmlformats.org/markup-compatibility/2006" xmlns:p14="http://schemas.microsoft.com/office/powerpoint/2010/main">
+    <mc:Choice Requires="p14">
+      <p:transition spd="med" p14:dur="700">
+        <p:fade/>
+      </p:transition>
+    </mc:Choice>
+    <mc:Fallback xmlns="">
+      <p:transition spd="med">
+        <p:fade/>
+      </p:transition>
+    </mc:Fallback>
+  </mc:AlternateContent>
+  <p:timing>
+    <p:tnLst>
+      <p:par>
+        <p:cTn id="1" dur="indefinite" restart="never" nodeType="tmRoot"/>
+      </p:par>
+    </p:tnLst>
+  </p:timing>
+</p:sld>
+</file>
+
+<file path=ppt/slides/slide8.xml><?xml version="1.0" encoding="utf-8"?>
+<p:sld xmlns:a="http://schemas.openxmlformats.org/drawingml/2006/main" xmlns:r="http://schemas.openxmlformats.org/officeDocument/2006/relationships" xmlns:p="http://schemas.openxmlformats.org/presentationml/2006/main">
+  <p:cSld>
+    <p:bg>
+      <p:bgPr>
+        <a:solidFill>
+          <a:srgbClr val="00457E"/>
+        </a:solidFill>
+        <a:effectLst/>
+      </p:bgPr>
+    </p:bg>
+    <p:spTree>
+      <p:nvGrpSpPr>
+        <p:cNvPr id="1" name=""/>
+        <p:cNvGrpSpPr/>
+        <p:nvPr/>
+      </p:nvGrpSpPr>
+      <p:grpSpPr>
+        <a:xfrm>
+          <a:off x="0" y="0"/>
+          <a:ext cx="0" cy="0"/>
+          <a:chOff x="0" y="0"/>
+          <a:chExt cx="0" cy="0"/>
+        </a:xfrm>
+      </p:grpSpPr>
+      <p:sp>
+        <p:nvSpPr>
+          <p:cNvPr id="2" name="Заголовок 1">
+            <a:extLst>
+              <a:ext uri="{FF2B5EF4-FFF2-40B4-BE49-F238E27FC236}">
+                <a16:creationId xmlns:a16="http://schemas.microsoft.com/office/drawing/2014/main" id="{A98BDE3D-CB39-03D2-545F-5283024761BD}"/>
+              </a:ext>
+            </a:extLst>
+          </p:cNvPr>
+          <p:cNvSpPr>
+            <a:spLocks noGrp="1"/>
+          </p:cNvSpPr>
+          <p:nvPr>
+            <p:ph type="title"/>
+          </p:nvPr>
+        </p:nvSpPr>
+        <p:spPr/>
+        <p:txBody>
+          <a:bodyPr rtlCol="0"/>
+          <a:lstStyle>
+            <a:defPPr>
+              <a:defRPr lang="ru-RU"/>
+            </a:defPPr>
+          </a:lstStyle>
+          <a:p>
+            <a:r>
+              <a:rPr lang="ru-RU" dirty="0"/>
+              <a:t>Результаты </a:t>
+            </a:r>
+            <a:r>
+              <a:rPr lang="en-US" dirty="0"/>
+              <a:t>NLP </a:t>
+            </a:r>
+            <a:r>
+              <a:rPr lang="ru-RU" dirty="0"/>
+              <a:t>части:</a:t>
+            </a:r>
+          </a:p>
+        </p:txBody>
+      </p:sp>
+      <p:sp>
+        <p:nvSpPr>
+          <p:cNvPr id="12" name="Нижний колонтитул 11">
+            <a:extLst>
+              <a:ext uri="{FF2B5EF4-FFF2-40B4-BE49-F238E27FC236}">
+                <a16:creationId xmlns:a16="http://schemas.microsoft.com/office/drawing/2014/main" id="{119D6C7A-A7F7-E063-9A09-611D1FB1DBE6}"/>
+              </a:ext>
+            </a:extLst>
+          </p:cNvPr>
+          <p:cNvSpPr>
+            <a:spLocks noGrp="1"/>
+          </p:cNvSpPr>
+          <p:nvPr>
+            <p:ph type="ftr" sz="quarter" idx="11"/>
+          </p:nvPr>
+        </p:nvSpPr>
+        <p:spPr>
+          <a:xfrm>
+            <a:off x="411479" y="301752"/>
+            <a:ext cx="2291963" cy="274320"/>
+          </a:xfrm>
+        </p:spPr>
+        <p:txBody>
+          <a:bodyPr rtlCol="0"/>
+          <a:lstStyle>
+            <a:defPPr>
+              <a:defRPr lang="ru-RU"/>
+            </a:defPPr>
+          </a:lstStyle>
+          <a:p>
+            <a:r>
+              <a:rPr lang="ru-RU" b="1" dirty="0">
+                <a:solidFill>
+                  <a:schemeClr val="bg1"/>
+                </a:solidFill>
+              </a:rPr>
+              <a:t>Голосовые технологии</a:t>
+            </a:r>
+            <a:endParaRPr lang="ru-RU" b="1" dirty="0">
+              <a:solidFill>
+                <a:schemeClr val="bg1"/>
+              </a:solidFill>
+            </a:endParaRPr>
+          </a:p>
+        </p:txBody>
+      </p:sp>
+      <p:sp>
+        <p:nvSpPr>
+          <p:cNvPr id="13" name="Номер слайда 12">
+            <a:extLst>
+              <a:ext uri="{FF2B5EF4-FFF2-40B4-BE49-F238E27FC236}">
+                <a16:creationId xmlns:a16="http://schemas.microsoft.com/office/drawing/2014/main" id="{941D71DF-7225-6C66-9D2B-FAACEFF20849}"/>
+              </a:ext>
+            </a:extLst>
+          </p:cNvPr>
+          <p:cNvSpPr>
+            <a:spLocks noGrp="1"/>
+          </p:cNvSpPr>
+          <p:nvPr>
+            <p:ph type="sldNum" sz="quarter" idx="12"/>
+          </p:nvPr>
+        </p:nvSpPr>
+        <p:spPr/>
+        <p:txBody>
+          <a:bodyPr rtlCol="0"/>
+          <a:lstStyle>
+            <a:defPPr>
+              <a:defRPr lang="ru-RU"/>
+            </a:defPPr>
+          </a:lstStyle>
+          <a:p>
+            <a:pPr rtl="0"/>
+            <a:fld id="{5BFCF61C-3B18-4C03-8326-CC3B32D710C9}" type="slidenum">
+              <a:rPr lang="ru-RU" smtClean="0"/>
+              <a:pPr rtl="0"/>
+              <a:t>8</a:t>
             </a:fld>
             <a:endParaRPr lang="ru-RU"/>
           </a:p>
@@ -11876,6 +14129,35 @@
           </a:p>
         </p:txBody>
       </p:sp>
+      <p:pic>
+        <p:nvPicPr>
+          <p:cNvPr id="7" name="Рисунок 6"/>
+          <p:cNvPicPr>
+            <a:picLocks noChangeAspect="1"/>
+          </p:cNvPicPr>
+          <p:nvPr/>
+        </p:nvPicPr>
+        <p:blipFill rotWithShape="1">
+          <a:blip r:embed="rId3">
+            <a:extLst>
+              <a:ext uri="{28A0092B-C50C-407E-A947-70E740481C1C}">
+                <a14:useLocalDpi xmlns:a14="http://schemas.microsoft.com/office/drawing/2010/main" val="0"/>
+              </a:ext>
+            </a:extLst>
+          </a:blip>
+          <a:srcRect l="9430" r="63065"/>
+          <a:stretch/>
+        </p:blipFill>
+        <p:spPr>
+          <a:xfrm>
+            <a:off x="11202123" y="75782"/>
+            <a:ext cx="804966" cy="583452"/>
+          </a:xfrm>
+          <a:prstGeom prst="rect">
+            <a:avLst/>
+          </a:prstGeom>
+        </p:spPr>
+      </p:pic>
     </p:spTree>
     <p:extLst>
       <p:ext uri="{BB962C8B-B14F-4D97-AF65-F5344CB8AC3E}">
@@ -11898,10 +14180,17 @@
       </p:transition>
     </mc:Fallback>
   </mc:AlternateContent>
+  <p:timing>
+    <p:tnLst>
+      <p:par>
+        <p:cTn id="1" dur="indefinite" restart="never" nodeType="tmRoot"/>
+      </p:par>
+    </p:tnLst>
+  </p:timing>
 </p:sld>
 </file>
 
-<file path=ppt/slides/slide11.xml><?xml version="1.0" encoding="utf-8"?>
+<file path=ppt/slides/slide9.xml><?xml version="1.0" encoding="utf-8"?>
 <p:sld xmlns:a="http://schemas.openxmlformats.org/drawingml/2006/main" xmlns:r="http://schemas.openxmlformats.org/officeDocument/2006/relationships" xmlns:p="http://schemas.openxmlformats.org/presentationml/2006/main">
   <p:cSld>
     <p:spTree>
@@ -11995,41 +14284,6 @@
       </p:sp>
       <p:sp>
         <p:nvSpPr>
-          <p:cNvPr id="13" name="Номер слайда 12">
-            <a:extLst>
-              <a:ext uri="{FF2B5EF4-FFF2-40B4-BE49-F238E27FC236}">
-                <a16:creationId xmlns:a16="http://schemas.microsoft.com/office/drawing/2014/main" id="{A783BE29-9226-E728-BAD0-B02DEADFB9C6}"/>
-              </a:ext>
-            </a:extLst>
-          </p:cNvPr>
-          <p:cNvSpPr>
-            <a:spLocks noGrp="1"/>
-          </p:cNvSpPr>
-          <p:nvPr>
-            <p:ph type="sldNum" sz="quarter" idx="12"/>
-          </p:nvPr>
-        </p:nvSpPr>
-        <p:spPr/>
-        <p:txBody>
-          <a:bodyPr rtlCol="0"/>
-          <a:lstStyle>
-            <a:defPPr>
-              <a:defRPr lang="ru-RU"/>
-            </a:defPPr>
-          </a:lstStyle>
-          <a:p>
-            <a:pPr rtl="0"/>
-            <a:fld id="{5BFCF61C-3B18-4C03-8326-CC3B32D710C9}" type="slidenum">
-              <a:rPr lang="ru-RU" smtClean="0"/>
-              <a:pPr rtl="0"/>
-              <a:t>11</a:t>
-            </a:fld>
-            <a:endParaRPr lang="ru-RU"/>
-          </a:p>
-        </p:txBody>
-      </p:sp>
-      <p:sp>
-        <p:nvSpPr>
           <p:cNvPr id="5" name="Текст 4">
             <a:extLst>
               <a:ext uri="{FF2B5EF4-FFF2-40B4-BE49-F238E27FC236}">
@@ -12096,6 +14350,30 @@
           </a:p>
         </p:txBody>
       </p:sp>
+      <p:pic>
+        <p:nvPicPr>
+          <p:cNvPr id="3" name="Рисунок 2"/>
+          <p:cNvPicPr>
+            <a:picLocks noChangeAspect="1"/>
+          </p:cNvPicPr>
+          <p:nvPr/>
+        </p:nvPicPr>
+        <p:blipFill>
+          <a:blip r:embed="rId3"/>
+          <a:stretch>
+            <a:fillRect/>
+          </a:stretch>
+        </p:blipFill>
+        <p:spPr>
+          <a:xfrm>
+            <a:off x="11139209" y="41709"/>
+            <a:ext cx="923097" cy="664350"/>
+          </a:xfrm>
+          <a:prstGeom prst="rect">
+            <a:avLst/>
+          </a:prstGeom>
+        </p:spPr>
+      </p:pic>
     </p:spTree>
     <p:extLst>
       <p:ext uri="{BB962C8B-B14F-4D97-AF65-F5344CB8AC3E}">
@@ -12118,2687 +14396,13 @@
       </p:transition>
     </mc:Fallback>
   </mc:AlternateContent>
-</p:sld>
-</file>
-
-<file path=ppt/slides/slide12.xml><?xml version="1.0" encoding="utf-8"?>
-<p:sld xmlns:a="http://schemas.openxmlformats.org/drawingml/2006/main" xmlns:r="http://schemas.openxmlformats.org/officeDocument/2006/relationships" xmlns:p="http://schemas.openxmlformats.org/presentationml/2006/main">
-  <p:cSld>
-    <p:spTree>
-      <p:nvGrpSpPr>
-        <p:cNvPr id="1" name=""/>
-        <p:cNvGrpSpPr/>
-        <p:nvPr/>
-      </p:nvGrpSpPr>
-      <p:grpSpPr>
-        <a:xfrm>
-          <a:off x="0" y="0"/>
-          <a:ext cx="0" cy="0"/>
-          <a:chOff x="0" y="0"/>
-          <a:chExt cx="0" cy="0"/>
-        </a:xfrm>
-      </p:grpSpPr>
-      <p:sp>
-        <p:nvSpPr>
-          <p:cNvPr id="3" name="Текст 2">
-            <a:extLst>
-              <a:ext uri="{FF2B5EF4-FFF2-40B4-BE49-F238E27FC236}">
-                <a16:creationId xmlns:a16="http://schemas.microsoft.com/office/drawing/2014/main" id="{33FB47C1-128E-60DF-5281-30C3EFCAB395}"/>
-              </a:ext>
-            </a:extLst>
-          </p:cNvPr>
-          <p:cNvSpPr>
-            <a:spLocks noGrp="1"/>
-          </p:cNvSpPr>
-          <p:nvPr>
-            <p:ph type="body" sz="quarter" idx="10"/>
-          </p:nvPr>
-        </p:nvSpPr>
-        <p:spPr>
-          <a:xfrm>
-            <a:off x="3930844" y="5208494"/>
-            <a:ext cx="4754880" cy="563880"/>
-          </a:xfrm>
-        </p:spPr>
-        <p:txBody>
-          <a:bodyPr rtlCol="0"/>
-          <a:lstStyle>
-            <a:defPPr>
-              <a:defRPr lang="ru-RU"/>
-            </a:defPPr>
-          </a:lstStyle>
-          <a:p>
-            <a:r>
-              <a:rPr lang="ru-RU" dirty="0"/>
-              <a:t>Рабочая группа</a:t>
-            </a:r>
-            <a:endParaRPr lang="en-US" dirty="0"/>
-          </a:p>
-        </p:txBody>
-      </p:sp>
-      <p:sp>
-        <p:nvSpPr>
-          <p:cNvPr id="6" name="Нижний колонтитул 11">
-            <a:extLst>
-              <a:ext uri="{FF2B5EF4-FFF2-40B4-BE49-F238E27FC236}">
-                <a16:creationId xmlns:a16="http://schemas.microsoft.com/office/drawing/2014/main" id="{0E8AC285-1FAA-F100-B948-25274D25B93B}"/>
-              </a:ext>
-            </a:extLst>
-          </p:cNvPr>
-          <p:cNvSpPr txBox="1">
-            <a:spLocks/>
-          </p:cNvSpPr>
-          <p:nvPr/>
-        </p:nvSpPr>
-        <p:spPr>
-          <a:xfrm>
-            <a:off x="411479" y="301752"/>
-            <a:ext cx="6385105" cy="1963776"/>
-          </a:xfrm>
-          <a:prstGeom prst="rect">
-            <a:avLst/>
-          </a:prstGeom>
-        </p:spPr>
-        <p:txBody>
-          <a:bodyPr rtlCol="0"/>
-          <a:lstStyle>
-            <a:defPPr rtl="0">
-              <a:defRPr lang="ru-RU"/>
-            </a:defPPr>
-            <a:lvl1pPr marL="0" algn="l" defTabSz="914400" rtl="0" eaLnBrk="1" latinLnBrk="0" hangingPunct="1">
-              <a:defRPr lang="ru-RU" sz="1800" kern="1200">
-                <a:solidFill>
-                  <a:schemeClr val="tx1"/>
-                </a:solidFill>
-                <a:latin typeface="+mn-lt"/>
-                <a:ea typeface="+mn-ea"/>
-                <a:cs typeface="+mn-cs"/>
-              </a:defRPr>
-            </a:lvl1pPr>
-            <a:lvl2pPr marL="457200" algn="l" defTabSz="914400" rtl="0" eaLnBrk="1" latinLnBrk="0" hangingPunct="1">
-              <a:defRPr lang="ru-RU" sz="1800" kern="1200">
-                <a:solidFill>
-                  <a:schemeClr val="tx1"/>
-                </a:solidFill>
-                <a:latin typeface="+mn-lt"/>
-                <a:ea typeface="+mn-ea"/>
-                <a:cs typeface="+mn-cs"/>
-              </a:defRPr>
-            </a:lvl2pPr>
-            <a:lvl3pPr marL="914400" algn="l" defTabSz="914400" rtl="0" eaLnBrk="1" latinLnBrk="0" hangingPunct="1">
-              <a:defRPr lang="ru-RU" sz="1800" kern="1200">
-                <a:solidFill>
-                  <a:schemeClr val="tx1"/>
-                </a:solidFill>
-                <a:latin typeface="+mn-lt"/>
-                <a:ea typeface="+mn-ea"/>
-                <a:cs typeface="+mn-cs"/>
-              </a:defRPr>
-            </a:lvl3pPr>
-            <a:lvl4pPr marL="1371600" algn="l" defTabSz="914400" rtl="0" eaLnBrk="1" latinLnBrk="0" hangingPunct="1">
-              <a:defRPr lang="ru-RU" sz="1800" kern="1200">
-                <a:solidFill>
-                  <a:schemeClr val="tx1"/>
-                </a:solidFill>
-                <a:latin typeface="+mn-lt"/>
-                <a:ea typeface="+mn-ea"/>
-                <a:cs typeface="+mn-cs"/>
-              </a:defRPr>
-            </a:lvl4pPr>
-            <a:lvl5pPr marL="1828800" algn="l" defTabSz="914400" rtl="0" eaLnBrk="1" latinLnBrk="0" hangingPunct="1">
-              <a:defRPr lang="ru-RU" sz="1800" kern="1200">
-                <a:solidFill>
-                  <a:schemeClr val="tx1"/>
-                </a:solidFill>
-                <a:latin typeface="+mn-lt"/>
-                <a:ea typeface="+mn-ea"/>
-                <a:cs typeface="+mn-cs"/>
-              </a:defRPr>
-            </a:lvl5pPr>
-            <a:lvl6pPr marL="2286000" algn="l" defTabSz="914400" rtl="0" eaLnBrk="1" latinLnBrk="0" hangingPunct="1">
-              <a:defRPr lang="ru-RU" sz="1800" kern="1200">
-                <a:solidFill>
-                  <a:schemeClr val="tx1"/>
-                </a:solidFill>
-                <a:latin typeface="+mn-lt"/>
-                <a:ea typeface="+mn-ea"/>
-                <a:cs typeface="+mn-cs"/>
-              </a:defRPr>
-            </a:lvl6pPr>
-            <a:lvl7pPr marL="2743200" algn="l" defTabSz="914400" rtl="0" eaLnBrk="1" latinLnBrk="0" hangingPunct="1">
-              <a:defRPr lang="ru-RU" sz="1800" kern="1200">
-                <a:solidFill>
-                  <a:schemeClr val="tx1"/>
-                </a:solidFill>
-                <a:latin typeface="+mn-lt"/>
-                <a:ea typeface="+mn-ea"/>
-                <a:cs typeface="+mn-cs"/>
-              </a:defRPr>
-            </a:lvl7pPr>
-            <a:lvl8pPr marL="3200400" algn="l" defTabSz="914400" rtl="0" eaLnBrk="1" latinLnBrk="0" hangingPunct="1">
-              <a:defRPr lang="ru-RU" sz="1800" kern="1200">
-                <a:solidFill>
-                  <a:schemeClr val="tx1"/>
-                </a:solidFill>
-                <a:latin typeface="+mn-lt"/>
-                <a:ea typeface="+mn-ea"/>
-                <a:cs typeface="+mn-cs"/>
-              </a:defRPr>
-            </a:lvl8pPr>
-            <a:lvl9pPr marL="3657600" algn="l" defTabSz="914400" rtl="0" eaLnBrk="1" latinLnBrk="0" hangingPunct="1">
-              <a:defRPr lang="ru-RU" sz="1800" kern="1200">
-                <a:solidFill>
-                  <a:schemeClr val="tx1"/>
-                </a:solidFill>
-                <a:latin typeface="+mn-lt"/>
-                <a:ea typeface="+mn-ea"/>
-                <a:cs typeface="+mn-cs"/>
-              </a:defRPr>
-            </a:lvl9pPr>
-          </a:lstStyle>
-          <a:p>
-            <a:r>
-              <a:rPr lang="ru-RU" b="1" dirty="0">
-                <a:solidFill>
-                  <a:srgbClr val="FF0000"/>
-                </a:solidFill>
-              </a:rPr>
-              <a:t>Спасибо за внимание не надо</a:t>
-            </a:r>
-          </a:p>
-          <a:p>
-            <a:endParaRPr lang="ru-RU" b="1" dirty="0">
-              <a:solidFill>
-                <a:srgbClr val="FF0000"/>
-              </a:solidFill>
-            </a:endParaRPr>
-          </a:p>
-          <a:p>
-            <a:r>
-              <a:rPr lang="en-GB" b="1" dirty="0">
-                <a:solidFill>
-                  <a:srgbClr val="FF0000"/>
-                </a:solidFill>
-              </a:rPr>
-              <a:t>QR-</a:t>
-            </a:r>
-            <a:r>
-              <a:rPr lang="ru-RU" b="1" dirty="0">
-                <a:solidFill>
-                  <a:srgbClr val="FF0000"/>
-                </a:solidFill>
-              </a:rPr>
-              <a:t>код на проект в </a:t>
-            </a:r>
-            <a:r>
-              <a:rPr lang="en-GB" b="1" dirty="0">
-                <a:solidFill>
-                  <a:srgbClr val="FF0000"/>
-                </a:solidFill>
-              </a:rPr>
-              <a:t>GIT</a:t>
-            </a:r>
-          </a:p>
-          <a:p>
-            <a:endParaRPr lang="ru-RU" b="1" dirty="0">
-              <a:solidFill>
-                <a:srgbClr val="FF0000"/>
-              </a:solidFill>
-            </a:endParaRPr>
-          </a:p>
-          <a:p>
-            <a:r>
-              <a:rPr lang="ru-RU" b="1" dirty="0">
-                <a:solidFill>
-                  <a:srgbClr val="FF0000"/>
-                </a:solidFill>
-              </a:rPr>
-              <a:t>Контакты (ты, Евгений?, я)</a:t>
-            </a:r>
-          </a:p>
-          <a:p>
-            <a:endParaRPr lang="ru-RU" b="1" dirty="0">
-              <a:solidFill>
-                <a:srgbClr val="FF0000"/>
-              </a:solidFill>
-            </a:endParaRPr>
-          </a:p>
-          <a:p>
-            <a:r>
-              <a:rPr lang="ru-RU" b="1" dirty="0">
-                <a:solidFill>
-                  <a:srgbClr val="FF0000"/>
-                </a:solidFill>
-              </a:rPr>
-              <a:t>КНИИТМУ с лого, кстати, надо на каждой странице.</a:t>
-            </a:r>
-          </a:p>
-          <a:p>
-            <a:r>
-              <a:rPr lang="ru-RU" b="1" dirty="0">
-                <a:solidFill>
-                  <a:srgbClr val="FF0000"/>
-                </a:solidFill>
-              </a:rPr>
-              <a:t>Тут и на </a:t>
-            </a:r>
-            <a:r>
-              <a:rPr lang="ru-RU" b="1" dirty="0" err="1">
-                <a:solidFill>
-                  <a:srgbClr val="FF0000"/>
-                </a:solidFill>
-              </a:rPr>
-              <a:t>титульнике</a:t>
-            </a:r>
-            <a:r>
-              <a:rPr lang="ru-RU" b="1" dirty="0">
-                <a:solidFill>
-                  <a:srgbClr val="FF0000"/>
-                </a:solidFill>
-              </a:rPr>
-              <a:t> выделить</a:t>
-            </a:r>
-          </a:p>
-          <a:p>
-            <a:endParaRPr lang="ru-RU" b="1" dirty="0">
-              <a:solidFill>
-                <a:srgbClr val="FF0000"/>
-              </a:solidFill>
-            </a:endParaRPr>
-          </a:p>
-          <a:p>
-            <a:r>
-              <a:rPr lang="ru-RU" b="1" dirty="0">
-                <a:solidFill>
-                  <a:srgbClr val="FF0000"/>
-                </a:solidFill>
-              </a:rPr>
-              <a:t>Было бы супер использовать корпоративные цвета КНИИТМУ во всех наших </a:t>
-            </a:r>
-            <a:r>
-              <a:rPr lang="ru-RU" b="1" dirty="0" err="1">
-                <a:solidFill>
-                  <a:srgbClr val="FF0000"/>
-                </a:solidFill>
-              </a:rPr>
-              <a:t>презнтациях</a:t>
-            </a:r>
-            <a:r>
-              <a:rPr lang="ru-RU" b="1" dirty="0">
-                <a:solidFill>
-                  <a:srgbClr val="FF0000"/>
-                </a:solidFill>
-              </a:rPr>
-              <a:t> и делать их в едином стиле</a:t>
-            </a:r>
-            <a:endParaRPr lang="en-US" dirty="0">
-              <a:solidFill>
-                <a:srgbClr val="FF0000"/>
-              </a:solidFill>
-            </a:endParaRPr>
-          </a:p>
-        </p:txBody>
-      </p:sp>
-    </p:spTree>
-    <p:extLst>
-      <p:ext uri="{BB962C8B-B14F-4D97-AF65-F5344CB8AC3E}">
-        <p14:creationId xmlns:p14="http://schemas.microsoft.com/office/powerpoint/2010/main" val="226236345"/>
-      </p:ext>
-    </p:extLst>
-  </p:cSld>
-  <p:clrMapOvr>
-    <a:masterClrMapping/>
-  </p:clrMapOvr>
-  <mc:AlternateContent xmlns:mc="http://schemas.openxmlformats.org/markup-compatibility/2006" xmlns:p14="http://schemas.microsoft.com/office/powerpoint/2010/main">
-    <mc:Choice Requires="p14">
-      <p:transition spd="med" p14:dur="700">
-        <p:fade/>
-      </p:transition>
-    </mc:Choice>
-    <mc:Fallback xmlns="">
-      <p:transition spd="med">
-        <p:fade/>
-      </p:transition>
-    </mc:Fallback>
-  </mc:AlternateContent>
-</p:sld>
-</file>
-
-<file path=ppt/slides/slide2.xml><?xml version="1.0" encoding="utf-8"?>
-<p:sld xmlns:a="http://schemas.openxmlformats.org/drawingml/2006/main" xmlns:r="http://schemas.openxmlformats.org/officeDocument/2006/relationships" xmlns:p="http://schemas.openxmlformats.org/presentationml/2006/main">
-  <p:cSld>
-    <p:spTree>
-      <p:nvGrpSpPr>
-        <p:cNvPr id="1" name=""/>
-        <p:cNvGrpSpPr/>
-        <p:nvPr/>
-      </p:nvGrpSpPr>
-      <p:grpSpPr>
-        <a:xfrm>
-          <a:off x="0" y="0"/>
-          <a:ext cx="0" cy="0"/>
-          <a:chOff x="0" y="0"/>
-          <a:chExt cx="0" cy="0"/>
-        </a:xfrm>
-      </p:grpSpPr>
-      <p:sp>
-        <p:nvSpPr>
-          <p:cNvPr id="2" name="Заголовок 1">
-            <a:extLst>
-              <a:ext uri="{FF2B5EF4-FFF2-40B4-BE49-F238E27FC236}">
-                <a16:creationId xmlns:a16="http://schemas.microsoft.com/office/drawing/2014/main" id="{A98BDE3D-CB39-03D2-545F-5283024761BD}"/>
-              </a:ext>
-            </a:extLst>
-          </p:cNvPr>
-          <p:cNvSpPr>
-            <a:spLocks noGrp="1"/>
-          </p:cNvSpPr>
-          <p:nvPr>
-            <p:ph type="title"/>
-          </p:nvPr>
-        </p:nvSpPr>
-        <p:spPr/>
-        <p:txBody>
-          <a:bodyPr rtlCol="0"/>
-          <a:lstStyle>
-            <a:defPPr>
-              <a:defRPr lang="ru-RU"/>
-            </a:defPPr>
-          </a:lstStyle>
-          <a:p>
-            <a:pPr rtl="0"/>
-            <a:r>
-              <a:rPr lang="ru-RU" dirty="0"/>
-              <a:t>Проблема и цель</a:t>
-            </a:r>
-          </a:p>
-        </p:txBody>
-      </p:sp>
-      <p:sp>
-        <p:nvSpPr>
-          <p:cNvPr id="12" name="Нижний колонтитул 11">
-            <a:extLst>
-              <a:ext uri="{FF2B5EF4-FFF2-40B4-BE49-F238E27FC236}">
-                <a16:creationId xmlns:a16="http://schemas.microsoft.com/office/drawing/2014/main" id="{119D6C7A-A7F7-E063-9A09-611D1FB1DBE6}"/>
-              </a:ext>
-            </a:extLst>
-          </p:cNvPr>
-          <p:cNvSpPr>
-            <a:spLocks noGrp="1"/>
-          </p:cNvSpPr>
-          <p:nvPr>
-            <p:ph type="ftr" sz="quarter" idx="11"/>
-          </p:nvPr>
-        </p:nvSpPr>
-        <p:spPr>
-          <a:xfrm>
-            <a:off x="411479" y="301752"/>
-            <a:ext cx="2291963" cy="274320"/>
-          </a:xfrm>
-        </p:spPr>
-        <p:txBody>
-          <a:bodyPr rtlCol="0"/>
-          <a:lstStyle>
-            <a:defPPr>
-              <a:defRPr lang="ru-RU"/>
-            </a:defPPr>
-          </a:lstStyle>
-          <a:p>
-            <a:r>
-              <a:rPr lang="ru-RU" b="1" dirty="0"/>
-              <a:t>Голосовые технологии</a:t>
-            </a:r>
-          </a:p>
-        </p:txBody>
-      </p:sp>
-      <p:sp>
-        <p:nvSpPr>
-          <p:cNvPr id="5" name="Текст 4">
-            <a:extLst>
-              <a:ext uri="{FF2B5EF4-FFF2-40B4-BE49-F238E27FC236}">
-                <a16:creationId xmlns:a16="http://schemas.microsoft.com/office/drawing/2014/main" id="{51683C73-2637-AC0E-5A6B-47B6C6CB9E2A}"/>
-              </a:ext>
-            </a:extLst>
-          </p:cNvPr>
-          <p:cNvSpPr>
-            <a:spLocks noGrp="1"/>
-          </p:cNvSpPr>
-          <p:nvPr>
-            <p:ph type="body" sz="quarter" idx="15"/>
-          </p:nvPr>
-        </p:nvSpPr>
-        <p:spPr>
-          <a:xfrm>
-            <a:off x="1242876" y="2752849"/>
-            <a:ext cx="10230522" cy="1682750"/>
-          </a:xfrm>
-        </p:spPr>
-        <p:txBody>
-          <a:bodyPr rtlCol="0"/>
-          <a:lstStyle>
-            <a:defPPr>
-              <a:defRPr lang="ru-RU"/>
-            </a:defPPr>
-          </a:lstStyle>
-          <a:p>
-            <a:r>
-              <a:rPr lang="ru-RU" sz="2400" dirty="0"/>
-              <a:t>Сотрудники транспортной сети не всегда сообщают вовремя о возникших проблемах/инцидентах</a:t>
-            </a:r>
-          </a:p>
-          <a:p>
-            <a:r>
-              <a:rPr lang="ru-RU" sz="2400" dirty="0"/>
-              <a:t>Задержки начала решения инцидентов приводят к убыткам</a:t>
-            </a:r>
-          </a:p>
-          <a:p>
-            <a:r>
-              <a:rPr lang="ru-RU" sz="2400" dirty="0"/>
-              <a:t>Цель проекта за счет внедрения ИИ уменьшить время выявления инцидентов. </a:t>
-            </a:r>
-          </a:p>
-        </p:txBody>
-      </p:sp>
-      <p:sp>
-        <p:nvSpPr>
-          <p:cNvPr id="13" name="Номер слайда 12">
-            <a:extLst>
-              <a:ext uri="{FF2B5EF4-FFF2-40B4-BE49-F238E27FC236}">
-                <a16:creationId xmlns:a16="http://schemas.microsoft.com/office/drawing/2014/main" id="{941D71DF-7225-6C66-9D2B-FAACEFF20849}"/>
-              </a:ext>
-            </a:extLst>
-          </p:cNvPr>
-          <p:cNvSpPr>
-            <a:spLocks noGrp="1"/>
-          </p:cNvSpPr>
-          <p:nvPr>
-            <p:ph type="sldNum" sz="quarter" idx="12"/>
-          </p:nvPr>
-        </p:nvSpPr>
-        <p:spPr/>
-        <p:txBody>
-          <a:bodyPr rtlCol="0"/>
-          <a:lstStyle>
-            <a:defPPr>
-              <a:defRPr lang="ru-RU"/>
-            </a:defPPr>
-          </a:lstStyle>
-          <a:p>
-            <a:pPr rtl="0"/>
-            <a:fld id="{5BFCF61C-3B18-4C03-8326-CC3B32D710C9}" type="slidenum">
-              <a:rPr lang="ru-RU" smtClean="0"/>
-              <a:pPr rtl="0"/>
-              <a:t>2</a:t>
-            </a:fld>
-            <a:endParaRPr lang="ru-RU"/>
-          </a:p>
-        </p:txBody>
-      </p:sp>
-    </p:spTree>
-    <p:extLst>
-      <p:ext uri="{BB962C8B-B14F-4D97-AF65-F5344CB8AC3E}">
-        <p14:creationId xmlns:p14="http://schemas.microsoft.com/office/powerpoint/2010/main" val="3979194062"/>
-      </p:ext>
-    </p:extLst>
-  </p:cSld>
-  <p:clrMapOvr>
-    <a:masterClrMapping/>
-  </p:clrMapOvr>
-  <mc:AlternateContent xmlns:mc="http://schemas.openxmlformats.org/markup-compatibility/2006" xmlns:p14="http://schemas.microsoft.com/office/powerpoint/2010/main">
-    <mc:Choice Requires="p14">
-      <p:transition spd="med" p14:dur="700">
-        <p:fade/>
-      </p:transition>
-    </mc:Choice>
-    <mc:Fallback xmlns="">
-      <p:transition spd="med">
-        <p:fade/>
-      </p:transition>
-    </mc:Fallback>
-  </mc:AlternateContent>
-</p:sld>
-</file>
-
-<file path=ppt/slides/slide3.xml><?xml version="1.0" encoding="utf-8"?>
-<p:sld xmlns:a="http://schemas.openxmlformats.org/drawingml/2006/main" xmlns:r="http://schemas.openxmlformats.org/officeDocument/2006/relationships" xmlns:p="http://schemas.openxmlformats.org/presentationml/2006/main">
-  <p:cSld>
-    <p:spTree>
-      <p:nvGrpSpPr>
-        <p:cNvPr id="1" name=""/>
-        <p:cNvGrpSpPr/>
-        <p:nvPr/>
-      </p:nvGrpSpPr>
-      <p:grpSpPr>
-        <a:xfrm>
-          <a:off x="0" y="0"/>
-          <a:ext cx="0" cy="0"/>
-          <a:chOff x="0" y="0"/>
-          <a:chExt cx="0" cy="0"/>
-        </a:xfrm>
-      </p:grpSpPr>
-      <p:sp>
-        <p:nvSpPr>
-          <p:cNvPr id="2" name="Заголовок 1">
-            <a:extLst>
-              <a:ext uri="{FF2B5EF4-FFF2-40B4-BE49-F238E27FC236}">
-                <a16:creationId xmlns:a16="http://schemas.microsoft.com/office/drawing/2014/main" id="{A98BDE3D-CB39-03D2-545F-5283024761BD}"/>
-              </a:ext>
-            </a:extLst>
-          </p:cNvPr>
-          <p:cNvSpPr>
-            <a:spLocks noGrp="1"/>
-          </p:cNvSpPr>
-          <p:nvPr>
-            <p:ph type="title"/>
-          </p:nvPr>
-        </p:nvSpPr>
-        <p:spPr/>
-        <p:txBody>
-          <a:bodyPr rtlCol="0"/>
-          <a:lstStyle>
-            <a:defPPr>
-              <a:defRPr lang="ru-RU"/>
-            </a:defPPr>
-          </a:lstStyle>
-          <a:p>
-            <a:pPr rtl="0"/>
-            <a:r>
-              <a:rPr lang="ru-RU" dirty="0"/>
-              <a:t>Решение</a:t>
-            </a:r>
-          </a:p>
-        </p:txBody>
-      </p:sp>
-      <p:sp>
-        <p:nvSpPr>
-          <p:cNvPr id="12" name="Нижний колонтитул 11">
-            <a:extLst>
-              <a:ext uri="{FF2B5EF4-FFF2-40B4-BE49-F238E27FC236}">
-                <a16:creationId xmlns:a16="http://schemas.microsoft.com/office/drawing/2014/main" id="{119D6C7A-A7F7-E063-9A09-611D1FB1DBE6}"/>
-              </a:ext>
-            </a:extLst>
-          </p:cNvPr>
-          <p:cNvSpPr>
-            <a:spLocks noGrp="1"/>
-          </p:cNvSpPr>
-          <p:nvPr>
-            <p:ph type="ftr" sz="quarter" idx="11"/>
-          </p:nvPr>
-        </p:nvSpPr>
-        <p:spPr>
-          <a:xfrm>
-            <a:off x="411479" y="301752"/>
-            <a:ext cx="2291963" cy="274320"/>
-          </a:xfrm>
-        </p:spPr>
-        <p:txBody>
-          <a:bodyPr rtlCol="0"/>
-          <a:lstStyle>
-            <a:defPPr>
-              <a:defRPr lang="ru-RU"/>
-            </a:defPPr>
-          </a:lstStyle>
-          <a:p>
-            <a:r>
-              <a:rPr lang="ru-RU" b="1" dirty="0"/>
-              <a:t>Голосовые технологии</a:t>
-            </a:r>
-          </a:p>
-        </p:txBody>
-      </p:sp>
-      <p:sp>
-        <p:nvSpPr>
-          <p:cNvPr id="5" name="Текст 4">
-            <a:extLst>
-              <a:ext uri="{FF2B5EF4-FFF2-40B4-BE49-F238E27FC236}">
-                <a16:creationId xmlns:a16="http://schemas.microsoft.com/office/drawing/2014/main" id="{51683C73-2637-AC0E-5A6B-47B6C6CB9E2A}"/>
-              </a:ext>
-            </a:extLst>
-          </p:cNvPr>
-          <p:cNvSpPr>
-            <a:spLocks noGrp="1"/>
-          </p:cNvSpPr>
-          <p:nvPr>
-            <p:ph type="body" sz="quarter" idx="15"/>
-          </p:nvPr>
-        </p:nvSpPr>
-        <p:spPr>
-          <a:xfrm>
-            <a:off x="1242876" y="2752849"/>
-            <a:ext cx="10230522" cy="1682750"/>
-          </a:xfrm>
-        </p:spPr>
-        <p:txBody>
-          <a:bodyPr rtlCol="0"/>
-          <a:lstStyle>
-            <a:defPPr>
-              <a:defRPr lang="ru-RU"/>
-            </a:defPPr>
-          </a:lstStyle>
-          <a:p>
-            <a:r>
-              <a:rPr lang="ru-RU" sz="2400" dirty="0"/>
-              <a:t>Используем звук переговоров сотрудников</a:t>
-            </a:r>
-          </a:p>
-          <a:p>
-            <a:r>
-              <a:rPr lang="ru-RU" sz="2400" dirty="0"/>
-              <a:t>Переводим речь в текст</a:t>
-            </a:r>
-          </a:p>
-          <a:p>
-            <a:r>
-              <a:rPr lang="ru-RU" sz="2400" dirty="0"/>
-              <a:t>Проводим анализ текста и звука для сигнализации о возможно инциденте</a:t>
-            </a:r>
-          </a:p>
-        </p:txBody>
-      </p:sp>
-      <p:sp>
-        <p:nvSpPr>
-          <p:cNvPr id="13" name="Номер слайда 12">
-            <a:extLst>
-              <a:ext uri="{FF2B5EF4-FFF2-40B4-BE49-F238E27FC236}">
-                <a16:creationId xmlns:a16="http://schemas.microsoft.com/office/drawing/2014/main" id="{941D71DF-7225-6C66-9D2B-FAACEFF20849}"/>
-              </a:ext>
-            </a:extLst>
-          </p:cNvPr>
-          <p:cNvSpPr>
-            <a:spLocks noGrp="1"/>
-          </p:cNvSpPr>
-          <p:nvPr>
-            <p:ph type="sldNum" sz="quarter" idx="12"/>
-          </p:nvPr>
-        </p:nvSpPr>
-        <p:spPr/>
-        <p:txBody>
-          <a:bodyPr rtlCol="0"/>
-          <a:lstStyle>
-            <a:defPPr>
-              <a:defRPr lang="ru-RU"/>
-            </a:defPPr>
-          </a:lstStyle>
-          <a:p>
-            <a:pPr rtl="0"/>
-            <a:fld id="{5BFCF61C-3B18-4C03-8326-CC3B32D710C9}" type="slidenum">
-              <a:rPr lang="ru-RU" smtClean="0"/>
-              <a:pPr rtl="0"/>
-              <a:t>3</a:t>
-            </a:fld>
-            <a:endParaRPr lang="ru-RU"/>
-          </a:p>
-        </p:txBody>
-      </p:sp>
-    </p:spTree>
-    <p:extLst>
-      <p:ext uri="{BB962C8B-B14F-4D97-AF65-F5344CB8AC3E}">
-        <p14:creationId xmlns:p14="http://schemas.microsoft.com/office/powerpoint/2010/main" val="1920004525"/>
-      </p:ext>
-    </p:extLst>
-  </p:cSld>
-  <p:clrMapOvr>
-    <a:masterClrMapping/>
-  </p:clrMapOvr>
-  <mc:AlternateContent xmlns:mc="http://schemas.openxmlformats.org/markup-compatibility/2006">
-    <mc:Choice xmlns:p14="http://schemas.microsoft.com/office/powerpoint/2010/main" Requires="p14">
-      <p:transition spd="med" p14:dur="700">
-        <p:fade/>
-      </p:transition>
-    </mc:Choice>
-    <mc:Fallback>
-      <p:transition spd="med">
-        <p:fade/>
-      </p:transition>
-    </mc:Fallback>
-  </mc:AlternateContent>
-</p:sld>
-</file>
-
-<file path=ppt/slides/slide4.xml><?xml version="1.0" encoding="utf-8"?>
-<p:sld xmlns:a="http://schemas.openxmlformats.org/drawingml/2006/main" xmlns:r="http://schemas.openxmlformats.org/officeDocument/2006/relationships" xmlns:p="http://schemas.openxmlformats.org/presentationml/2006/main">
-  <p:cSld>
-    <p:spTree>
-      <p:nvGrpSpPr>
-        <p:cNvPr id="1" name=""/>
-        <p:cNvGrpSpPr/>
-        <p:nvPr/>
-      </p:nvGrpSpPr>
-      <p:grpSpPr>
-        <a:xfrm>
-          <a:off x="0" y="0"/>
-          <a:ext cx="0" cy="0"/>
-          <a:chOff x="0" y="0"/>
-          <a:chExt cx="0" cy="0"/>
-        </a:xfrm>
-      </p:grpSpPr>
-      <p:sp>
-        <p:nvSpPr>
-          <p:cNvPr id="2" name="Заголовок 1">
-            <a:extLst>
-              <a:ext uri="{FF2B5EF4-FFF2-40B4-BE49-F238E27FC236}">
-                <a16:creationId xmlns:a16="http://schemas.microsoft.com/office/drawing/2014/main" id="{A98BDE3D-CB39-03D2-545F-5283024761BD}"/>
-              </a:ext>
-            </a:extLst>
-          </p:cNvPr>
-          <p:cNvSpPr>
-            <a:spLocks noGrp="1"/>
-          </p:cNvSpPr>
-          <p:nvPr>
-            <p:ph type="title"/>
-          </p:nvPr>
-        </p:nvSpPr>
-        <p:spPr/>
-        <p:txBody>
-          <a:bodyPr rtlCol="0"/>
-          <a:lstStyle>
-            <a:defPPr>
-              <a:defRPr lang="ru-RU"/>
-            </a:defPPr>
-          </a:lstStyle>
-          <a:p>
-            <a:pPr rtl="0"/>
-            <a:r>
-              <a:rPr lang="ru-RU" dirty="0"/>
-              <a:t>Метрики</a:t>
-            </a:r>
-          </a:p>
-        </p:txBody>
-      </p:sp>
-      <p:sp>
-        <p:nvSpPr>
-          <p:cNvPr id="12" name="Нижний колонтитул 11">
-            <a:extLst>
-              <a:ext uri="{FF2B5EF4-FFF2-40B4-BE49-F238E27FC236}">
-                <a16:creationId xmlns:a16="http://schemas.microsoft.com/office/drawing/2014/main" id="{119D6C7A-A7F7-E063-9A09-611D1FB1DBE6}"/>
-              </a:ext>
-            </a:extLst>
-          </p:cNvPr>
-          <p:cNvSpPr>
-            <a:spLocks noGrp="1"/>
-          </p:cNvSpPr>
-          <p:nvPr>
-            <p:ph type="ftr" sz="quarter" idx="11"/>
-          </p:nvPr>
-        </p:nvSpPr>
-        <p:spPr>
-          <a:xfrm>
-            <a:off x="411479" y="301752"/>
-            <a:ext cx="2291963" cy="274320"/>
-          </a:xfrm>
-        </p:spPr>
-        <p:txBody>
-          <a:bodyPr rtlCol="0"/>
-          <a:lstStyle>
-            <a:defPPr>
-              <a:defRPr lang="ru-RU"/>
-            </a:defPPr>
-          </a:lstStyle>
-          <a:p>
-            <a:r>
-              <a:rPr lang="ru-RU" b="1" dirty="0"/>
-              <a:t>Голосовые технологии</a:t>
-            </a:r>
-          </a:p>
-        </p:txBody>
-      </p:sp>
-      <p:sp>
-        <p:nvSpPr>
-          <p:cNvPr id="5" name="Текст 4">
-            <a:extLst>
-              <a:ext uri="{FF2B5EF4-FFF2-40B4-BE49-F238E27FC236}">
-                <a16:creationId xmlns:a16="http://schemas.microsoft.com/office/drawing/2014/main" id="{51683C73-2637-AC0E-5A6B-47B6C6CB9E2A}"/>
-              </a:ext>
-            </a:extLst>
-          </p:cNvPr>
-          <p:cNvSpPr>
-            <a:spLocks noGrp="1"/>
-          </p:cNvSpPr>
-          <p:nvPr>
-            <p:ph type="body" sz="quarter" idx="15"/>
-          </p:nvPr>
-        </p:nvSpPr>
-        <p:spPr>
-          <a:xfrm>
-            <a:off x="1242876" y="2752849"/>
-            <a:ext cx="10230522" cy="1682750"/>
-          </a:xfrm>
-        </p:spPr>
-        <p:txBody>
-          <a:bodyPr rtlCol="0"/>
-          <a:lstStyle>
-            <a:defPPr>
-              <a:defRPr lang="ru-RU"/>
-            </a:defPPr>
-          </a:lstStyle>
-          <a:p>
-            <a:r>
-              <a:rPr lang="ru-RU" sz="2400" dirty="0">
-                <a:solidFill>
-                  <a:srgbClr val="FF0000"/>
-                </a:solidFill>
-              </a:rPr>
-              <a:t>Бизнес метрика: самая суть</a:t>
-            </a:r>
-          </a:p>
-          <a:p>
-            <a:r>
-              <a:rPr lang="en-GB" sz="2400" dirty="0">
-                <a:solidFill>
-                  <a:srgbClr val="FF0000"/>
-                </a:solidFill>
-              </a:rPr>
-              <a:t>ML </a:t>
-            </a:r>
-            <a:r>
-              <a:rPr lang="ru-RU" sz="2400" dirty="0">
-                <a:solidFill>
-                  <a:srgbClr val="FF0000"/>
-                </a:solidFill>
-              </a:rPr>
-              <a:t>метрика: ….</a:t>
-            </a:r>
-          </a:p>
-        </p:txBody>
-      </p:sp>
-      <p:sp>
-        <p:nvSpPr>
-          <p:cNvPr id="13" name="Номер слайда 12">
-            <a:extLst>
-              <a:ext uri="{FF2B5EF4-FFF2-40B4-BE49-F238E27FC236}">
-                <a16:creationId xmlns:a16="http://schemas.microsoft.com/office/drawing/2014/main" id="{941D71DF-7225-6C66-9D2B-FAACEFF20849}"/>
-              </a:ext>
-            </a:extLst>
-          </p:cNvPr>
-          <p:cNvSpPr>
-            <a:spLocks noGrp="1"/>
-          </p:cNvSpPr>
-          <p:nvPr>
-            <p:ph type="sldNum" sz="quarter" idx="12"/>
-          </p:nvPr>
-        </p:nvSpPr>
-        <p:spPr/>
-        <p:txBody>
-          <a:bodyPr rtlCol="0"/>
-          <a:lstStyle>
-            <a:defPPr>
-              <a:defRPr lang="ru-RU"/>
-            </a:defPPr>
-          </a:lstStyle>
-          <a:p>
-            <a:pPr rtl="0"/>
-            <a:fld id="{5BFCF61C-3B18-4C03-8326-CC3B32D710C9}" type="slidenum">
-              <a:rPr lang="ru-RU" smtClean="0"/>
-              <a:pPr rtl="0"/>
-              <a:t>4</a:t>
-            </a:fld>
-            <a:endParaRPr lang="ru-RU"/>
-          </a:p>
-        </p:txBody>
-      </p:sp>
-    </p:spTree>
-    <p:extLst>
-      <p:ext uri="{BB962C8B-B14F-4D97-AF65-F5344CB8AC3E}">
-        <p14:creationId xmlns:p14="http://schemas.microsoft.com/office/powerpoint/2010/main" val="1627328729"/>
-      </p:ext>
-    </p:extLst>
-  </p:cSld>
-  <p:clrMapOvr>
-    <a:masterClrMapping/>
-  </p:clrMapOvr>
-  <mc:AlternateContent xmlns:mc="http://schemas.openxmlformats.org/markup-compatibility/2006">
-    <mc:Choice xmlns:p14="http://schemas.microsoft.com/office/powerpoint/2010/main" Requires="p14">
-      <p:transition spd="med" p14:dur="700">
-        <p:fade/>
-      </p:transition>
-    </mc:Choice>
-    <mc:Fallback>
-      <p:transition spd="med">
-        <p:fade/>
-      </p:transition>
-    </mc:Fallback>
-  </mc:AlternateContent>
-</p:sld>
-</file>
-
-<file path=ppt/slides/slide5.xml><?xml version="1.0" encoding="utf-8"?>
-<p:sld xmlns:a="http://schemas.openxmlformats.org/drawingml/2006/main" xmlns:r="http://schemas.openxmlformats.org/officeDocument/2006/relationships" xmlns:p="http://schemas.openxmlformats.org/presentationml/2006/main">
-  <p:cSld>
-    <p:spTree>
-      <p:nvGrpSpPr>
-        <p:cNvPr id="1" name=""/>
-        <p:cNvGrpSpPr/>
-        <p:nvPr/>
-      </p:nvGrpSpPr>
-      <p:grpSpPr>
-        <a:xfrm>
-          <a:off x="0" y="0"/>
-          <a:ext cx="0" cy="0"/>
-          <a:chOff x="0" y="0"/>
-          <a:chExt cx="0" cy="0"/>
-        </a:xfrm>
-      </p:grpSpPr>
-      <p:sp>
-        <p:nvSpPr>
-          <p:cNvPr id="12" name="Нижний колонтитул 11">
-            <a:extLst>
-              <a:ext uri="{FF2B5EF4-FFF2-40B4-BE49-F238E27FC236}">
-                <a16:creationId xmlns:a16="http://schemas.microsoft.com/office/drawing/2014/main" id="{119D6C7A-A7F7-E063-9A09-611D1FB1DBE6}"/>
-              </a:ext>
-            </a:extLst>
-          </p:cNvPr>
-          <p:cNvSpPr>
-            <a:spLocks noGrp="1"/>
-          </p:cNvSpPr>
-          <p:nvPr>
-            <p:ph type="ftr" sz="quarter" idx="11"/>
-          </p:nvPr>
-        </p:nvSpPr>
-        <p:spPr>
-          <a:xfrm>
-            <a:off x="411479" y="301752"/>
-            <a:ext cx="2291963" cy="274320"/>
-          </a:xfrm>
-        </p:spPr>
-        <p:txBody>
-          <a:bodyPr rtlCol="0"/>
-          <a:lstStyle>
-            <a:defPPr>
-              <a:defRPr lang="ru-RU"/>
-            </a:defPPr>
-          </a:lstStyle>
-          <a:p>
-            <a:r>
-              <a:rPr lang="ru-RU" b="1" dirty="0"/>
-              <a:t>Голосовые технологии</a:t>
-            </a:r>
-          </a:p>
-        </p:txBody>
-      </p:sp>
-      <p:sp>
-        <p:nvSpPr>
-          <p:cNvPr id="13" name="Номер слайда 12">
-            <a:extLst>
-              <a:ext uri="{FF2B5EF4-FFF2-40B4-BE49-F238E27FC236}">
-                <a16:creationId xmlns:a16="http://schemas.microsoft.com/office/drawing/2014/main" id="{941D71DF-7225-6C66-9D2B-FAACEFF20849}"/>
-              </a:ext>
-            </a:extLst>
-          </p:cNvPr>
-          <p:cNvSpPr>
-            <a:spLocks noGrp="1"/>
-          </p:cNvSpPr>
-          <p:nvPr>
-            <p:ph type="sldNum" sz="quarter" idx="12"/>
-          </p:nvPr>
-        </p:nvSpPr>
-        <p:spPr/>
-        <p:txBody>
-          <a:bodyPr rtlCol="0"/>
-          <a:lstStyle>
-            <a:defPPr>
-              <a:defRPr lang="ru-RU"/>
-            </a:defPPr>
-          </a:lstStyle>
-          <a:p>
-            <a:pPr rtl="0"/>
-            <a:fld id="{5BFCF61C-3B18-4C03-8326-CC3B32D710C9}" type="slidenum">
-              <a:rPr lang="ru-RU" smtClean="0"/>
-              <a:pPr rtl="0"/>
-              <a:t>5</a:t>
-            </a:fld>
-            <a:endParaRPr lang="ru-RU"/>
-          </a:p>
-        </p:txBody>
-      </p:sp>
-      <p:pic>
-        <p:nvPicPr>
-          <p:cNvPr id="15" name="Рисунок 14">
-            <a:extLst>
-              <a:ext uri="{FF2B5EF4-FFF2-40B4-BE49-F238E27FC236}">
-                <a16:creationId xmlns:a16="http://schemas.microsoft.com/office/drawing/2014/main" id="{81E4B6F0-9BE5-1E5C-727E-2E09C897D938}"/>
-              </a:ext>
-            </a:extLst>
-          </p:cNvPr>
-          <p:cNvPicPr>
-            <a:picLocks noChangeAspect="1"/>
-          </p:cNvPicPr>
-          <p:nvPr/>
-        </p:nvPicPr>
-        <p:blipFill>
-          <a:blip r:embed="rId3"/>
-          <a:stretch>
-            <a:fillRect/>
-          </a:stretch>
-        </p:blipFill>
-        <p:spPr>
-          <a:xfrm>
-            <a:off x="1527788" y="1077191"/>
-            <a:ext cx="9136423" cy="4703618"/>
-          </a:xfrm>
-          <a:prstGeom prst="rect">
-            <a:avLst/>
-          </a:prstGeom>
-        </p:spPr>
-      </p:pic>
-    </p:spTree>
-    <p:extLst>
-      <p:ext uri="{BB962C8B-B14F-4D97-AF65-F5344CB8AC3E}">
-        <p14:creationId xmlns:p14="http://schemas.microsoft.com/office/powerpoint/2010/main" val="140488258"/>
-      </p:ext>
-    </p:extLst>
-  </p:cSld>
-  <p:clrMapOvr>
-    <a:masterClrMapping/>
-  </p:clrMapOvr>
-  <mc:AlternateContent xmlns:mc="http://schemas.openxmlformats.org/markup-compatibility/2006">
-    <mc:Choice xmlns:p14="http://schemas.microsoft.com/office/powerpoint/2010/main" Requires="p14">
-      <p:transition spd="med" p14:dur="700">
-        <p:fade/>
-      </p:transition>
-    </mc:Choice>
-    <mc:Fallback>
-      <p:transition spd="med">
-        <p:fade/>
-      </p:transition>
-    </mc:Fallback>
-  </mc:AlternateContent>
-</p:sld>
-</file>
-
-<file path=ppt/slides/slide6.xml><?xml version="1.0" encoding="utf-8"?>
-<p:sld xmlns:a="http://schemas.openxmlformats.org/drawingml/2006/main" xmlns:r="http://schemas.openxmlformats.org/officeDocument/2006/relationships" xmlns:p="http://schemas.openxmlformats.org/presentationml/2006/main">
-  <p:cSld>
-    <p:spTree>
-      <p:nvGrpSpPr>
-        <p:cNvPr id="1" name=""/>
-        <p:cNvGrpSpPr/>
-        <p:nvPr/>
-      </p:nvGrpSpPr>
-      <p:grpSpPr>
-        <a:xfrm>
-          <a:off x="0" y="0"/>
-          <a:ext cx="0" cy="0"/>
-          <a:chOff x="0" y="0"/>
-          <a:chExt cx="0" cy="0"/>
-        </a:xfrm>
-      </p:grpSpPr>
-      <p:sp>
-        <p:nvSpPr>
-          <p:cNvPr id="2" name="Нижний колонтитул 1"/>
-          <p:cNvSpPr>
-            <a:spLocks noGrp="1"/>
-          </p:cNvSpPr>
-          <p:nvPr>
-            <p:ph type="ftr" sz="quarter" idx="11"/>
-          </p:nvPr>
-        </p:nvSpPr>
-        <p:spPr>
-          <a:xfrm>
-            <a:off x="411479" y="301752"/>
-            <a:ext cx="2394065" cy="274320"/>
-          </a:xfrm>
-        </p:spPr>
-        <p:txBody>
-          <a:bodyPr/>
-          <a:lstStyle/>
-          <a:p>
-            <a:r>
-              <a:rPr lang="ru-RU" b="1" dirty="0"/>
-              <a:t>Голосовые технологии</a:t>
-            </a:r>
-          </a:p>
-        </p:txBody>
-      </p:sp>
-      <p:sp>
-        <p:nvSpPr>
-          <p:cNvPr id="3" name="Номер слайда 2"/>
-          <p:cNvSpPr>
-            <a:spLocks noGrp="1"/>
-          </p:cNvSpPr>
-          <p:nvPr>
-            <p:ph type="sldNum" sz="quarter" idx="12"/>
-          </p:nvPr>
-        </p:nvSpPr>
-        <p:spPr/>
-        <p:txBody>
-          <a:bodyPr/>
-          <a:lstStyle/>
-          <a:p>
-            <a:pPr rtl="0"/>
-            <a:fld id="{5BFCF61C-3B18-4C03-8326-CC3B32D710C9}" type="slidenum">
-              <a:rPr lang="ru-RU" noProof="0" smtClean="0"/>
-              <a:pPr rtl="0"/>
-              <a:t>6</a:t>
-            </a:fld>
-            <a:endParaRPr lang="ru-RU" noProof="0"/>
-          </a:p>
-        </p:txBody>
-      </p:sp>
-      <p:sp>
-        <p:nvSpPr>
-          <p:cNvPr id="4" name="Заголовок 3"/>
-          <p:cNvSpPr>
-            <a:spLocks noGrp="1"/>
-          </p:cNvSpPr>
-          <p:nvPr>
-            <p:ph type="title"/>
-          </p:nvPr>
-        </p:nvSpPr>
-        <p:spPr>
-          <a:xfrm>
-            <a:off x="629862" y="1013205"/>
-            <a:ext cx="4846320" cy="1682749"/>
-          </a:xfrm>
-        </p:spPr>
-        <p:txBody>
-          <a:bodyPr/>
-          <a:lstStyle/>
-          <a:p>
-            <a:r>
-              <a:rPr lang="ru-RU" dirty="0"/>
-              <a:t>речь</a:t>
-            </a:r>
-            <a:br>
-              <a:rPr lang="ru-RU" dirty="0"/>
-            </a:br>
-            <a:r>
-              <a:rPr lang="ru-RU" dirty="0"/>
-              <a:t>в</a:t>
-            </a:r>
-            <a:br>
-              <a:rPr lang="ru-RU" dirty="0"/>
-            </a:br>
-            <a:r>
-              <a:rPr lang="ru-RU" dirty="0"/>
-              <a:t>голос</a:t>
-            </a:r>
-          </a:p>
-        </p:txBody>
-      </p:sp>
-      <p:sp>
-        <p:nvSpPr>
-          <p:cNvPr id="5" name="Текст 4"/>
-          <p:cNvSpPr>
-            <a:spLocks noGrp="1"/>
-          </p:cNvSpPr>
-          <p:nvPr>
-            <p:ph type="body" sz="quarter" idx="13"/>
-          </p:nvPr>
-        </p:nvSpPr>
-        <p:spPr>
-          <a:xfrm>
-            <a:off x="6595537" y="2310127"/>
-            <a:ext cx="5004701" cy="771654"/>
-          </a:xfrm>
-        </p:spPr>
-        <p:txBody>
-          <a:bodyPr/>
-          <a:lstStyle/>
-          <a:p>
-            <a:pPr marL="342900" indent="-342900">
-              <a:buFont typeface="Arial" panose="020B0604020202020204" pitchFamily="34" charset="0"/>
-              <a:buChar char="•"/>
-            </a:pPr>
-            <a:r>
-              <a:rPr lang="en-US" sz="2400" dirty="0" err="1"/>
-              <a:t>Yandex</a:t>
-            </a:r>
-            <a:r>
-              <a:rPr lang="en-US" sz="2400" dirty="0"/>
-              <a:t> </a:t>
-            </a:r>
-            <a:r>
-              <a:rPr lang="en-US" sz="2400" dirty="0" err="1"/>
-              <a:t>SpeechKit</a:t>
-            </a:r>
-            <a:r>
-              <a:rPr lang="en-US" sz="2400" dirty="0"/>
-              <a:t> (online)</a:t>
-            </a:r>
-          </a:p>
-        </p:txBody>
-      </p:sp>
-      <p:pic>
-        <p:nvPicPr>
-          <p:cNvPr id="12" name="Рисунок 11"/>
-          <p:cNvPicPr>
-            <a:picLocks noChangeAspect="1"/>
-          </p:cNvPicPr>
-          <p:nvPr/>
-        </p:nvPicPr>
-        <p:blipFill rotWithShape="1">
-          <a:blip r:embed="rId2"/>
-          <a:srcRect l="29873" r="27650" b="24320"/>
-          <a:stretch/>
-        </p:blipFill>
-        <p:spPr>
-          <a:xfrm>
-            <a:off x="5610225" y="2023275"/>
-            <a:ext cx="1009650" cy="1198362"/>
-          </a:xfrm>
-          <a:prstGeom prst="rect">
-            <a:avLst/>
-          </a:prstGeom>
-        </p:spPr>
-      </p:pic>
-      <p:pic>
-        <p:nvPicPr>
-          <p:cNvPr id="15" name="Рисунок 14"/>
-          <p:cNvPicPr>
-            <a:picLocks noChangeAspect="1"/>
-          </p:cNvPicPr>
-          <p:nvPr/>
-        </p:nvPicPr>
-        <p:blipFill>
-          <a:blip r:embed="rId3"/>
-          <a:stretch>
-            <a:fillRect/>
-          </a:stretch>
-        </p:blipFill>
-        <p:spPr>
-          <a:xfrm>
-            <a:off x="5632164" y="3520714"/>
-            <a:ext cx="941504" cy="907268"/>
-          </a:xfrm>
-          <a:prstGeom prst="rect">
-            <a:avLst/>
-          </a:prstGeom>
-        </p:spPr>
-      </p:pic>
-      <p:sp>
-        <p:nvSpPr>
-          <p:cNvPr id="17" name="Текст 4"/>
-          <p:cNvSpPr>
-            <a:spLocks noGrp="1"/>
-          </p:cNvSpPr>
-          <p:nvPr>
-            <p:ph type="body" sz="quarter" idx="13"/>
-          </p:nvPr>
-        </p:nvSpPr>
-        <p:spPr>
-          <a:xfrm>
-            <a:off x="6720574" y="3656328"/>
-            <a:ext cx="5004701" cy="771654"/>
-          </a:xfrm>
-        </p:spPr>
-        <p:txBody>
-          <a:bodyPr/>
-          <a:lstStyle/>
-          <a:p>
-            <a:pPr marL="342900" indent="-342900">
-              <a:buFont typeface="Arial" panose="020B0604020202020204" pitchFamily="34" charset="0"/>
-              <a:buChar char="•"/>
-            </a:pPr>
-            <a:r>
-              <a:rPr lang="en-US" sz="2400" dirty="0"/>
-              <a:t>Whisper</a:t>
-            </a:r>
-            <a:r>
-              <a:rPr lang="ru-RU" sz="2400" dirty="0"/>
-              <a:t> </a:t>
-            </a:r>
-            <a:r>
-              <a:rPr lang="en-US" sz="2400" dirty="0"/>
-              <a:t>(offline)</a:t>
-            </a:r>
-            <a:endParaRPr lang="ru-RU" sz="2400" dirty="0"/>
-          </a:p>
-        </p:txBody>
-      </p:sp>
-      <p:pic>
-        <p:nvPicPr>
-          <p:cNvPr id="16" name="Рисунок 15"/>
-          <p:cNvPicPr>
-            <a:picLocks noChangeAspect="1"/>
-          </p:cNvPicPr>
-          <p:nvPr/>
-        </p:nvPicPr>
-        <p:blipFill>
-          <a:blip r:embed="rId4"/>
-          <a:stretch>
-            <a:fillRect/>
-          </a:stretch>
-        </p:blipFill>
-        <p:spPr>
-          <a:xfrm>
-            <a:off x="5580313" y="4969510"/>
-            <a:ext cx="990746" cy="954719"/>
-          </a:xfrm>
-          <a:prstGeom prst="rect">
-            <a:avLst/>
-          </a:prstGeom>
-        </p:spPr>
-      </p:pic>
-      <p:sp>
-        <p:nvSpPr>
-          <p:cNvPr id="19" name="Текст 4"/>
-          <p:cNvSpPr>
-            <a:spLocks noGrp="1"/>
-          </p:cNvSpPr>
-          <p:nvPr>
-            <p:ph type="body" sz="quarter" idx="13"/>
-          </p:nvPr>
-        </p:nvSpPr>
-        <p:spPr>
-          <a:xfrm>
-            <a:off x="6720574" y="5061042"/>
-            <a:ext cx="5004701" cy="771654"/>
-          </a:xfrm>
-        </p:spPr>
-        <p:txBody>
-          <a:bodyPr/>
-          <a:lstStyle/>
-          <a:p>
-            <a:pPr marL="342900" indent="-342900">
-              <a:buFont typeface="Arial" panose="020B0604020202020204" pitchFamily="34" charset="0"/>
-              <a:buChar char="•"/>
-            </a:pPr>
-            <a:r>
-              <a:rPr lang="en-US" sz="2400" dirty="0" err="1"/>
-              <a:t>Vosk</a:t>
-            </a:r>
-            <a:r>
-              <a:rPr lang="ru-RU" sz="2400" dirty="0"/>
-              <a:t> </a:t>
-            </a:r>
-            <a:r>
-              <a:rPr lang="en-US" sz="2400" dirty="0"/>
-              <a:t>(offline)</a:t>
-            </a:r>
-            <a:endParaRPr lang="ru-RU" sz="2400" dirty="0"/>
-          </a:p>
-        </p:txBody>
-      </p:sp>
-    </p:spTree>
-    <p:extLst>
-      <p:ext uri="{BB962C8B-B14F-4D97-AF65-F5344CB8AC3E}">
-        <p14:creationId xmlns:p14="http://schemas.microsoft.com/office/powerpoint/2010/main" val="1071868391"/>
-      </p:ext>
-    </p:extLst>
-  </p:cSld>
-  <p:clrMapOvr>
-    <a:masterClrMapping/>
-  </p:clrMapOvr>
-  <mc:AlternateContent xmlns:mc="http://schemas.openxmlformats.org/markup-compatibility/2006" xmlns:p14="http://schemas.microsoft.com/office/powerpoint/2010/main">
-    <mc:Choice Requires="p14">
-      <p:transition spd="med" p14:dur="700">
-        <p:fade/>
-      </p:transition>
-    </mc:Choice>
-    <mc:Fallback xmlns="">
-      <p:transition spd="med">
-        <p:fade/>
-      </p:transition>
-    </mc:Fallback>
-  </mc:AlternateContent>
-</p:sld>
-</file>
-
-<file path=ppt/slides/slide7.xml><?xml version="1.0" encoding="utf-8"?>
-<p:sld xmlns:a="http://schemas.openxmlformats.org/drawingml/2006/main" xmlns:r="http://schemas.openxmlformats.org/officeDocument/2006/relationships" xmlns:p="http://schemas.openxmlformats.org/presentationml/2006/main">
-  <p:cSld>
-    <p:spTree>
-      <p:nvGrpSpPr>
-        <p:cNvPr id="1" name=""/>
-        <p:cNvGrpSpPr/>
-        <p:nvPr/>
-      </p:nvGrpSpPr>
-      <p:grpSpPr>
-        <a:xfrm>
-          <a:off x="0" y="0"/>
-          <a:ext cx="0" cy="0"/>
-          <a:chOff x="0" y="0"/>
-          <a:chExt cx="0" cy="0"/>
-        </a:xfrm>
-      </p:grpSpPr>
-      <p:sp>
-        <p:nvSpPr>
-          <p:cNvPr id="2" name="Нижний колонтитул 1"/>
-          <p:cNvSpPr>
-            <a:spLocks noGrp="1"/>
-          </p:cNvSpPr>
-          <p:nvPr>
-            <p:ph type="ftr" sz="quarter" idx="11"/>
-          </p:nvPr>
-        </p:nvSpPr>
-        <p:spPr>
-          <a:xfrm>
-            <a:off x="411479" y="301752"/>
-            <a:ext cx="2394065" cy="274320"/>
-          </a:xfrm>
-        </p:spPr>
-        <p:txBody>
-          <a:bodyPr/>
-          <a:lstStyle/>
-          <a:p>
-            <a:r>
-              <a:rPr lang="ru-RU" b="1" dirty="0"/>
-              <a:t>Голосовые технологии</a:t>
-            </a:r>
-          </a:p>
-        </p:txBody>
-      </p:sp>
-      <p:sp>
-        <p:nvSpPr>
-          <p:cNvPr id="3" name="Номер слайда 2"/>
-          <p:cNvSpPr>
-            <a:spLocks noGrp="1"/>
-          </p:cNvSpPr>
-          <p:nvPr>
-            <p:ph type="sldNum" sz="quarter" idx="12"/>
-          </p:nvPr>
-        </p:nvSpPr>
-        <p:spPr/>
-        <p:txBody>
-          <a:bodyPr/>
-          <a:lstStyle/>
-          <a:p>
-            <a:pPr rtl="0"/>
-            <a:fld id="{5BFCF61C-3B18-4C03-8326-CC3B32D710C9}" type="slidenum">
-              <a:rPr lang="ru-RU" noProof="0" smtClean="0"/>
-              <a:pPr rtl="0"/>
-              <a:t>7</a:t>
-            </a:fld>
-            <a:endParaRPr lang="ru-RU" noProof="0" dirty="0"/>
-          </a:p>
-        </p:txBody>
-      </p:sp>
-      <p:sp>
-        <p:nvSpPr>
-          <p:cNvPr id="4" name="Заголовок 3"/>
-          <p:cNvSpPr>
-            <a:spLocks noGrp="1"/>
-          </p:cNvSpPr>
-          <p:nvPr>
-            <p:ph type="title"/>
-          </p:nvPr>
-        </p:nvSpPr>
-        <p:spPr>
-          <a:xfrm>
-            <a:off x="382384" y="1626269"/>
-            <a:ext cx="4846320" cy="1682749"/>
-          </a:xfrm>
-        </p:spPr>
-        <p:txBody>
-          <a:bodyPr/>
-          <a:lstStyle/>
-          <a:p>
-            <a:r>
-              <a:rPr lang="ru-RU" dirty="0" err="1"/>
-              <a:t>ЯЗЫКовые</a:t>
-            </a:r>
-            <a:br>
-              <a:rPr lang="ru-RU" dirty="0"/>
-            </a:br>
-            <a:r>
-              <a:rPr lang="ru-RU" dirty="0"/>
-              <a:t>модели</a:t>
-            </a:r>
-          </a:p>
-        </p:txBody>
-      </p:sp>
-      <p:sp>
-        <p:nvSpPr>
-          <p:cNvPr id="5" name="Текст 4"/>
-          <p:cNvSpPr>
-            <a:spLocks noGrp="1"/>
-          </p:cNvSpPr>
-          <p:nvPr>
-            <p:ph type="body" sz="quarter" idx="13"/>
-          </p:nvPr>
-        </p:nvSpPr>
-        <p:spPr>
-          <a:xfrm>
-            <a:off x="6595537" y="2310127"/>
-            <a:ext cx="5004701" cy="771654"/>
-          </a:xfrm>
-        </p:spPr>
-        <p:txBody>
-          <a:bodyPr/>
-          <a:lstStyle/>
-          <a:p>
-            <a:pPr marL="342900" indent="-342900">
-              <a:buFont typeface="Arial" panose="020B0604020202020204" pitchFamily="34" charset="0"/>
-              <a:buChar char="•"/>
-            </a:pPr>
-            <a:r>
-              <a:rPr lang="en-US" sz="2400" dirty="0" err="1">
-                <a:solidFill>
-                  <a:srgbClr val="FF0000"/>
-                </a:solidFill>
-              </a:rPr>
-              <a:t>Yandex</a:t>
-            </a:r>
-            <a:r>
-              <a:rPr lang="en-US" sz="2400" dirty="0">
-                <a:solidFill>
-                  <a:srgbClr val="FF0000"/>
-                </a:solidFill>
-              </a:rPr>
-              <a:t> </a:t>
-            </a:r>
-            <a:r>
-              <a:rPr lang="en-US" sz="2400" dirty="0" err="1">
-                <a:solidFill>
-                  <a:srgbClr val="FF0000"/>
-                </a:solidFill>
-              </a:rPr>
-              <a:t>SpeechKit</a:t>
-            </a:r>
-            <a:r>
-              <a:rPr lang="en-US" sz="2400" dirty="0">
-                <a:solidFill>
-                  <a:srgbClr val="FF0000"/>
-                </a:solidFill>
-              </a:rPr>
-              <a:t> (online)</a:t>
-            </a:r>
-          </a:p>
-        </p:txBody>
-      </p:sp>
-      <p:pic>
-        <p:nvPicPr>
-          <p:cNvPr id="12" name="Рисунок 11"/>
-          <p:cNvPicPr>
-            <a:picLocks noChangeAspect="1"/>
-          </p:cNvPicPr>
-          <p:nvPr/>
-        </p:nvPicPr>
-        <p:blipFill rotWithShape="1">
-          <a:blip r:embed="rId2"/>
-          <a:srcRect l="29873" r="27650" b="24320"/>
-          <a:stretch/>
-        </p:blipFill>
-        <p:spPr>
-          <a:xfrm>
-            <a:off x="5610225" y="2023275"/>
-            <a:ext cx="1009650" cy="1198362"/>
-          </a:xfrm>
-          <a:prstGeom prst="rect">
-            <a:avLst/>
-          </a:prstGeom>
-        </p:spPr>
-      </p:pic>
-      <p:pic>
-        <p:nvPicPr>
-          <p:cNvPr id="15" name="Рисунок 14"/>
-          <p:cNvPicPr>
-            <a:picLocks noChangeAspect="1"/>
-          </p:cNvPicPr>
-          <p:nvPr/>
-        </p:nvPicPr>
-        <p:blipFill>
-          <a:blip r:embed="rId3"/>
-          <a:stretch>
-            <a:fillRect/>
-          </a:stretch>
-        </p:blipFill>
-        <p:spPr>
-          <a:xfrm>
-            <a:off x="5632164" y="3520714"/>
-            <a:ext cx="941504" cy="907268"/>
-          </a:xfrm>
-          <a:prstGeom prst="rect">
-            <a:avLst/>
-          </a:prstGeom>
-        </p:spPr>
-      </p:pic>
-      <p:sp>
-        <p:nvSpPr>
-          <p:cNvPr id="17" name="Текст 4"/>
-          <p:cNvSpPr>
-            <a:spLocks noGrp="1"/>
-          </p:cNvSpPr>
-          <p:nvPr>
-            <p:ph type="body" sz="quarter" idx="13"/>
-          </p:nvPr>
-        </p:nvSpPr>
-        <p:spPr>
-          <a:xfrm>
-            <a:off x="6720574" y="3656328"/>
-            <a:ext cx="5004701" cy="771654"/>
-          </a:xfrm>
-        </p:spPr>
-        <p:txBody>
-          <a:bodyPr/>
-          <a:lstStyle/>
-          <a:p>
-            <a:pPr marL="342900" indent="-342900">
-              <a:buFont typeface="Arial" panose="020B0604020202020204" pitchFamily="34" charset="0"/>
-              <a:buChar char="•"/>
-            </a:pPr>
-            <a:r>
-              <a:rPr lang="en-US" sz="2400" dirty="0">
-                <a:solidFill>
-                  <a:srgbClr val="FF0000"/>
-                </a:solidFill>
-              </a:rPr>
-              <a:t>Whisper</a:t>
-            </a:r>
-            <a:r>
-              <a:rPr lang="ru-RU" sz="2400" dirty="0">
-                <a:solidFill>
-                  <a:srgbClr val="FF0000"/>
-                </a:solidFill>
-              </a:rPr>
-              <a:t> </a:t>
-            </a:r>
-            <a:r>
-              <a:rPr lang="en-US" sz="2400" dirty="0">
-                <a:solidFill>
-                  <a:srgbClr val="FF0000"/>
-                </a:solidFill>
-              </a:rPr>
-              <a:t>(offline)</a:t>
-            </a:r>
-            <a:endParaRPr lang="ru-RU" sz="2400" dirty="0">
-              <a:solidFill>
-                <a:srgbClr val="FF0000"/>
-              </a:solidFill>
-            </a:endParaRPr>
-          </a:p>
-        </p:txBody>
-      </p:sp>
-      <p:pic>
-        <p:nvPicPr>
-          <p:cNvPr id="16" name="Рисунок 15"/>
-          <p:cNvPicPr>
-            <a:picLocks noChangeAspect="1"/>
-          </p:cNvPicPr>
-          <p:nvPr/>
-        </p:nvPicPr>
-        <p:blipFill>
-          <a:blip r:embed="rId4"/>
-          <a:stretch>
-            <a:fillRect/>
-          </a:stretch>
-        </p:blipFill>
-        <p:spPr>
-          <a:xfrm>
-            <a:off x="5580313" y="4969510"/>
-            <a:ext cx="990746" cy="954719"/>
-          </a:xfrm>
-          <a:prstGeom prst="rect">
-            <a:avLst/>
-          </a:prstGeom>
-        </p:spPr>
-      </p:pic>
-      <p:sp>
-        <p:nvSpPr>
-          <p:cNvPr id="19" name="Текст 4"/>
-          <p:cNvSpPr>
-            <a:spLocks noGrp="1"/>
-          </p:cNvSpPr>
-          <p:nvPr>
-            <p:ph type="body" sz="quarter" idx="13"/>
-          </p:nvPr>
-        </p:nvSpPr>
-        <p:spPr>
-          <a:xfrm>
-            <a:off x="6720574" y="5061042"/>
-            <a:ext cx="5004701" cy="771654"/>
-          </a:xfrm>
-        </p:spPr>
-        <p:txBody>
-          <a:bodyPr/>
-          <a:lstStyle/>
-          <a:p>
-            <a:pPr marL="342900" indent="-342900">
-              <a:buFont typeface="Arial" panose="020B0604020202020204" pitchFamily="34" charset="0"/>
-              <a:buChar char="•"/>
-            </a:pPr>
-            <a:r>
-              <a:rPr lang="en-US" sz="2400" dirty="0" err="1">
-                <a:solidFill>
-                  <a:srgbClr val="FF0000"/>
-                </a:solidFill>
-              </a:rPr>
-              <a:t>Vosk</a:t>
-            </a:r>
-            <a:r>
-              <a:rPr lang="ru-RU" sz="2400" dirty="0">
-                <a:solidFill>
-                  <a:srgbClr val="FF0000"/>
-                </a:solidFill>
-              </a:rPr>
-              <a:t> </a:t>
-            </a:r>
-            <a:r>
-              <a:rPr lang="en-US" sz="2400" dirty="0">
-                <a:solidFill>
-                  <a:srgbClr val="FF0000"/>
-                </a:solidFill>
-              </a:rPr>
-              <a:t>(offline)</a:t>
-            </a:r>
-            <a:endParaRPr lang="ru-RU" sz="2400" dirty="0">
-              <a:solidFill>
-                <a:srgbClr val="FF0000"/>
-              </a:solidFill>
-            </a:endParaRPr>
-          </a:p>
-        </p:txBody>
-      </p:sp>
-      <p:sp>
-        <p:nvSpPr>
-          <p:cNvPr id="6" name="Нижний колонтитул 11">
-            <a:extLst>
-              <a:ext uri="{FF2B5EF4-FFF2-40B4-BE49-F238E27FC236}">
-                <a16:creationId xmlns:a16="http://schemas.microsoft.com/office/drawing/2014/main" id="{70F82698-120D-0941-55A5-3CAAF6216D32}"/>
-              </a:ext>
-            </a:extLst>
-          </p:cNvPr>
-          <p:cNvSpPr txBox="1">
-            <a:spLocks/>
-          </p:cNvSpPr>
-          <p:nvPr/>
-        </p:nvSpPr>
-        <p:spPr>
-          <a:xfrm>
-            <a:off x="10265795" y="513882"/>
-            <a:ext cx="2331720" cy="274320"/>
-          </a:xfrm>
-          <a:prstGeom prst="rect">
-            <a:avLst/>
-          </a:prstGeom>
-        </p:spPr>
-        <p:txBody>
-          <a:bodyPr vert="horz" lIns="91440" tIns="45720" rIns="91440" bIns="45720" rtlCol="0" anchor="ctr">
-            <a:noAutofit/>
-          </a:bodyPr>
-          <a:lstStyle>
-            <a:defPPr rtl="0">
-              <a:defRPr lang="ru-RU"/>
-            </a:defPPr>
-            <a:lvl1pPr marL="0" algn="l" defTabSz="914400" rtl="0" eaLnBrk="1" latinLnBrk="0" hangingPunct="1">
-              <a:defRPr lang="ru-RU" sz="1200" kern="1200">
-                <a:solidFill>
-                  <a:schemeClr val="tx2"/>
-                </a:solidFill>
-                <a:latin typeface="+mn-lt"/>
-                <a:ea typeface="+mn-ea"/>
-                <a:cs typeface="+mn-cs"/>
-              </a:defRPr>
-            </a:lvl1pPr>
-            <a:lvl2pPr marL="457200" algn="l" defTabSz="914400" rtl="0" eaLnBrk="1" latinLnBrk="0" hangingPunct="1">
-              <a:defRPr lang="ru-RU" sz="1800" kern="1200">
-                <a:solidFill>
-                  <a:schemeClr val="tx1"/>
-                </a:solidFill>
-                <a:latin typeface="+mn-lt"/>
-                <a:ea typeface="+mn-ea"/>
-                <a:cs typeface="+mn-cs"/>
-              </a:defRPr>
-            </a:lvl2pPr>
-            <a:lvl3pPr marL="914400" algn="l" defTabSz="914400" rtl="0" eaLnBrk="1" latinLnBrk="0" hangingPunct="1">
-              <a:defRPr lang="ru-RU" sz="1800" kern="1200">
-                <a:solidFill>
-                  <a:schemeClr val="tx1"/>
-                </a:solidFill>
-                <a:latin typeface="+mn-lt"/>
-                <a:ea typeface="+mn-ea"/>
-                <a:cs typeface="+mn-cs"/>
-              </a:defRPr>
-            </a:lvl3pPr>
-            <a:lvl4pPr marL="1371600" algn="l" defTabSz="914400" rtl="0" eaLnBrk="1" latinLnBrk="0" hangingPunct="1">
-              <a:defRPr lang="ru-RU" sz="1800" kern="1200">
-                <a:solidFill>
-                  <a:schemeClr val="tx1"/>
-                </a:solidFill>
-                <a:latin typeface="+mn-lt"/>
-                <a:ea typeface="+mn-ea"/>
-                <a:cs typeface="+mn-cs"/>
-              </a:defRPr>
-            </a:lvl4pPr>
-            <a:lvl5pPr marL="1828800" algn="l" defTabSz="914400" rtl="0" eaLnBrk="1" latinLnBrk="0" hangingPunct="1">
-              <a:defRPr lang="ru-RU" sz="1800" kern="1200">
-                <a:solidFill>
-                  <a:schemeClr val="tx1"/>
-                </a:solidFill>
-                <a:latin typeface="+mn-lt"/>
-                <a:ea typeface="+mn-ea"/>
-                <a:cs typeface="+mn-cs"/>
-              </a:defRPr>
-            </a:lvl5pPr>
-            <a:lvl6pPr marL="2286000" algn="l" defTabSz="914400" rtl="0" eaLnBrk="1" latinLnBrk="0" hangingPunct="1">
-              <a:defRPr lang="ru-RU" sz="1800" kern="1200">
-                <a:solidFill>
-                  <a:schemeClr val="tx1"/>
-                </a:solidFill>
-                <a:latin typeface="+mn-lt"/>
-                <a:ea typeface="+mn-ea"/>
-                <a:cs typeface="+mn-cs"/>
-              </a:defRPr>
-            </a:lvl6pPr>
-            <a:lvl7pPr marL="2743200" algn="l" defTabSz="914400" rtl="0" eaLnBrk="1" latinLnBrk="0" hangingPunct="1">
-              <a:defRPr lang="ru-RU" sz="1800" kern="1200">
-                <a:solidFill>
-                  <a:schemeClr val="tx1"/>
-                </a:solidFill>
-                <a:latin typeface="+mn-lt"/>
-                <a:ea typeface="+mn-ea"/>
-                <a:cs typeface="+mn-cs"/>
-              </a:defRPr>
-            </a:lvl7pPr>
-            <a:lvl8pPr marL="3200400" algn="l" defTabSz="914400" rtl="0" eaLnBrk="1" latinLnBrk="0" hangingPunct="1">
-              <a:defRPr lang="ru-RU" sz="1800" kern="1200">
-                <a:solidFill>
-                  <a:schemeClr val="tx1"/>
-                </a:solidFill>
-                <a:latin typeface="+mn-lt"/>
-                <a:ea typeface="+mn-ea"/>
-                <a:cs typeface="+mn-cs"/>
-              </a:defRPr>
-            </a:lvl8pPr>
-            <a:lvl9pPr marL="3657600" algn="l" defTabSz="914400" rtl="0" eaLnBrk="1" latinLnBrk="0" hangingPunct="1">
-              <a:defRPr lang="ru-RU" sz="1800" kern="1200">
-                <a:solidFill>
-                  <a:schemeClr val="tx1"/>
-                </a:solidFill>
-                <a:latin typeface="+mn-lt"/>
-                <a:ea typeface="+mn-ea"/>
-                <a:cs typeface="+mn-cs"/>
-              </a:defRPr>
-            </a:lvl9pPr>
-          </a:lstStyle>
-          <a:p>
-            <a:r>
-              <a:rPr lang="ru-RU" b="1" dirty="0">
-                <a:solidFill>
-                  <a:srgbClr val="FF0000"/>
-                </a:solidFill>
-              </a:rPr>
-              <a:t>Страницы не надо</a:t>
-            </a:r>
-            <a:endParaRPr lang="en-US" dirty="0">
-              <a:solidFill>
-                <a:srgbClr val="FF0000"/>
-              </a:solidFill>
-            </a:endParaRPr>
-          </a:p>
-        </p:txBody>
-      </p:sp>
-    </p:spTree>
-    <p:extLst>
-      <p:ext uri="{BB962C8B-B14F-4D97-AF65-F5344CB8AC3E}">
-        <p14:creationId xmlns:p14="http://schemas.microsoft.com/office/powerpoint/2010/main" val="579953059"/>
-      </p:ext>
-    </p:extLst>
-  </p:cSld>
-  <p:clrMapOvr>
-    <a:masterClrMapping/>
-  </p:clrMapOvr>
-  <mc:AlternateContent xmlns:mc="http://schemas.openxmlformats.org/markup-compatibility/2006" xmlns:p14="http://schemas.microsoft.com/office/powerpoint/2010/main">
-    <mc:Choice Requires="p14">
-      <p:transition spd="med" p14:dur="700">
-        <p:fade/>
-      </p:transition>
-    </mc:Choice>
-    <mc:Fallback xmlns="">
-      <p:transition spd="med">
-        <p:fade/>
-      </p:transition>
-    </mc:Fallback>
-  </mc:AlternateContent>
-</p:sld>
-</file>
-
-<file path=ppt/slides/slide8.xml><?xml version="1.0" encoding="utf-8"?>
-<p:sld xmlns:a="http://schemas.openxmlformats.org/drawingml/2006/main" xmlns:r="http://schemas.openxmlformats.org/officeDocument/2006/relationships" xmlns:p="http://schemas.openxmlformats.org/presentationml/2006/main">
-  <p:cSld>
-    <p:spTree>
-      <p:nvGrpSpPr>
-        <p:cNvPr id="1" name=""/>
-        <p:cNvGrpSpPr/>
-        <p:nvPr/>
-      </p:nvGrpSpPr>
-      <p:grpSpPr>
-        <a:xfrm>
-          <a:off x="0" y="0"/>
-          <a:ext cx="0" cy="0"/>
-          <a:chOff x="0" y="0"/>
-          <a:chExt cx="0" cy="0"/>
-        </a:xfrm>
-      </p:grpSpPr>
-      <p:sp>
-        <p:nvSpPr>
-          <p:cNvPr id="2" name="Заголовок 1">
-            <a:extLst>
-              <a:ext uri="{FF2B5EF4-FFF2-40B4-BE49-F238E27FC236}">
-                <a16:creationId xmlns:a16="http://schemas.microsoft.com/office/drawing/2014/main" id="{A98BDE3D-CB39-03D2-545F-5283024761BD}"/>
-              </a:ext>
-            </a:extLst>
-          </p:cNvPr>
-          <p:cNvSpPr>
-            <a:spLocks noGrp="1"/>
-          </p:cNvSpPr>
-          <p:nvPr>
-            <p:ph type="title"/>
-          </p:nvPr>
-        </p:nvSpPr>
-        <p:spPr/>
-        <p:txBody>
-          <a:bodyPr rtlCol="0"/>
-          <a:lstStyle>
-            <a:defPPr>
-              <a:defRPr lang="ru-RU"/>
-            </a:defPPr>
-          </a:lstStyle>
-          <a:p>
-            <a:endParaRPr lang="ru-RU" dirty="0"/>
-          </a:p>
-        </p:txBody>
-      </p:sp>
-      <p:sp>
-        <p:nvSpPr>
-          <p:cNvPr id="12" name="Нижний колонтитул 11">
-            <a:extLst>
-              <a:ext uri="{FF2B5EF4-FFF2-40B4-BE49-F238E27FC236}">
-                <a16:creationId xmlns:a16="http://schemas.microsoft.com/office/drawing/2014/main" id="{119D6C7A-A7F7-E063-9A09-611D1FB1DBE6}"/>
-              </a:ext>
-            </a:extLst>
-          </p:cNvPr>
-          <p:cNvSpPr>
-            <a:spLocks noGrp="1"/>
-          </p:cNvSpPr>
-          <p:nvPr>
-            <p:ph type="ftr" sz="quarter" idx="11"/>
-          </p:nvPr>
-        </p:nvSpPr>
-        <p:spPr>
-          <a:xfrm>
-            <a:off x="411479" y="301752"/>
-            <a:ext cx="2291963" cy="274320"/>
-          </a:xfrm>
-        </p:spPr>
-        <p:txBody>
-          <a:bodyPr rtlCol="0"/>
-          <a:lstStyle>
-            <a:defPPr>
-              <a:defRPr lang="ru-RU"/>
-            </a:defPPr>
-          </a:lstStyle>
-          <a:p>
-            <a:r>
-              <a:rPr lang="ru-RU" b="1" dirty="0"/>
-              <a:t>Голосовые технологии</a:t>
-            </a:r>
-          </a:p>
-        </p:txBody>
-      </p:sp>
-      <p:sp>
-        <p:nvSpPr>
-          <p:cNvPr id="13" name="Номер слайда 12">
-            <a:extLst>
-              <a:ext uri="{FF2B5EF4-FFF2-40B4-BE49-F238E27FC236}">
-                <a16:creationId xmlns:a16="http://schemas.microsoft.com/office/drawing/2014/main" id="{941D71DF-7225-6C66-9D2B-FAACEFF20849}"/>
-              </a:ext>
-            </a:extLst>
-          </p:cNvPr>
-          <p:cNvSpPr>
-            <a:spLocks noGrp="1"/>
-          </p:cNvSpPr>
-          <p:nvPr>
-            <p:ph type="sldNum" sz="quarter" idx="12"/>
-          </p:nvPr>
-        </p:nvSpPr>
-        <p:spPr/>
-        <p:txBody>
-          <a:bodyPr rtlCol="0"/>
-          <a:lstStyle>
-            <a:defPPr>
-              <a:defRPr lang="ru-RU"/>
-            </a:defPPr>
-          </a:lstStyle>
-          <a:p>
-            <a:pPr rtl="0"/>
-            <a:fld id="{5BFCF61C-3B18-4C03-8326-CC3B32D710C9}" type="slidenum">
-              <a:rPr lang="ru-RU" smtClean="0"/>
-              <a:pPr rtl="0"/>
-              <a:t>8</a:t>
-            </a:fld>
-            <a:endParaRPr lang="ru-RU"/>
-          </a:p>
-        </p:txBody>
-      </p:sp>
-      <p:sp>
-        <p:nvSpPr>
-          <p:cNvPr id="3" name="Нижний колонтитул 11">
-            <a:extLst>
-              <a:ext uri="{FF2B5EF4-FFF2-40B4-BE49-F238E27FC236}">
-                <a16:creationId xmlns:a16="http://schemas.microsoft.com/office/drawing/2014/main" id="{3751A620-A6D3-B9D7-C58B-0B69C8C31787}"/>
-              </a:ext>
-            </a:extLst>
-          </p:cNvPr>
-          <p:cNvSpPr txBox="1">
-            <a:spLocks/>
-          </p:cNvSpPr>
-          <p:nvPr/>
-        </p:nvSpPr>
-        <p:spPr>
-          <a:xfrm>
-            <a:off x="3612710" y="608076"/>
-            <a:ext cx="5655981" cy="274320"/>
-          </a:xfrm>
-          <a:prstGeom prst="rect">
-            <a:avLst/>
-          </a:prstGeom>
-        </p:spPr>
-        <p:txBody>
-          <a:bodyPr vert="horz" lIns="91440" tIns="45720" rIns="91440" bIns="45720" rtlCol="0" anchor="ctr">
-            <a:noAutofit/>
-          </a:bodyPr>
-          <a:lstStyle>
-            <a:defPPr rtl="0">
-              <a:defRPr lang="ru-RU"/>
-            </a:defPPr>
-            <a:lvl1pPr marL="0" algn="l" defTabSz="914400" rtl="0" eaLnBrk="1" latinLnBrk="0" hangingPunct="1">
-              <a:defRPr lang="ru-RU" sz="1200" kern="1200">
-                <a:solidFill>
-                  <a:schemeClr val="tx2"/>
-                </a:solidFill>
-                <a:latin typeface="+mn-lt"/>
-                <a:ea typeface="+mn-ea"/>
-                <a:cs typeface="+mn-cs"/>
-              </a:defRPr>
-            </a:lvl1pPr>
-            <a:lvl2pPr marL="457200" algn="l" defTabSz="914400" rtl="0" eaLnBrk="1" latinLnBrk="0" hangingPunct="1">
-              <a:defRPr lang="ru-RU" sz="1800" kern="1200">
-                <a:solidFill>
-                  <a:schemeClr val="tx1"/>
-                </a:solidFill>
-                <a:latin typeface="+mn-lt"/>
-                <a:ea typeface="+mn-ea"/>
-                <a:cs typeface="+mn-cs"/>
-              </a:defRPr>
-            </a:lvl2pPr>
-            <a:lvl3pPr marL="914400" algn="l" defTabSz="914400" rtl="0" eaLnBrk="1" latinLnBrk="0" hangingPunct="1">
-              <a:defRPr lang="ru-RU" sz="1800" kern="1200">
-                <a:solidFill>
-                  <a:schemeClr val="tx1"/>
-                </a:solidFill>
-                <a:latin typeface="+mn-lt"/>
-                <a:ea typeface="+mn-ea"/>
-                <a:cs typeface="+mn-cs"/>
-              </a:defRPr>
-            </a:lvl3pPr>
-            <a:lvl4pPr marL="1371600" algn="l" defTabSz="914400" rtl="0" eaLnBrk="1" latinLnBrk="0" hangingPunct="1">
-              <a:defRPr lang="ru-RU" sz="1800" kern="1200">
-                <a:solidFill>
-                  <a:schemeClr val="tx1"/>
-                </a:solidFill>
-                <a:latin typeface="+mn-lt"/>
-                <a:ea typeface="+mn-ea"/>
-                <a:cs typeface="+mn-cs"/>
-              </a:defRPr>
-            </a:lvl4pPr>
-            <a:lvl5pPr marL="1828800" algn="l" defTabSz="914400" rtl="0" eaLnBrk="1" latinLnBrk="0" hangingPunct="1">
-              <a:defRPr lang="ru-RU" sz="1800" kern="1200">
-                <a:solidFill>
-                  <a:schemeClr val="tx1"/>
-                </a:solidFill>
-                <a:latin typeface="+mn-lt"/>
-                <a:ea typeface="+mn-ea"/>
-                <a:cs typeface="+mn-cs"/>
-              </a:defRPr>
-            </a:lvl5pPr>
-            <a:lvl6pPr marL="2286000" algn="l" defTabSz="914400" rtl="0" eaLnBrk="1" latinLnBrk="0" hangingPunct="1">
-              <a:defRPr lang="ru-RU" sz="1800" kern="1200">
-                <a:solidFill>
-                  <a:schemeClr val="tx1"/>
-                </a:solidFill>
-                <a:latin typeface="+mn-lt"/>
-                <a:ea typeface="+mn-ea"/>
-                <a:cs typeface="+mn-cs"/>
-              </a:defRPr>
-            </a:lvl6pPr>
-            <a:lvl7pPr marL="2743200" algn="l" defTabSz="914400" rtl="0" eaLnBrk="1" latinLnBrk="0" hangingPunct="1">
-              <a:defRPr lang="ru-RU" sz="1800" kern="1200">
-                <a:solidFill>
-                  <a:schemeClr val="tx1"/>
-                </a:solidFill>
-                <a:latin typeface="+mn-lt"/>
-                <a:ea typeface="+mn-ea"/>
-                <a:cs typeface="+mn-cs"/>
-              </a:defRPr>
-            </a:lvl7pPr>
-            <a:lvl8pPr marL="3200400" algn="l" defTabSz="914400" rtl="0" eaLnBrk="1" latinLnBrk="0" hangingPunct="1">
-              <a:defRPr lang="ru-RU" sz="1800" kern="1200">
-                <a:solidFill>
-                  <a:schemeClr val="tx1"/>
-                </a:solidFill>
-                <a:latin typeface="+mn-lt"/>
-                <a:ea typeface="+mn-ea"/>
-                <a:cs typeface="+mn-cs"/>
-              </a:defRPr>
-            </a:lvl8pPr>
-            <a:lvl9pPr marL="3657600" algn="l" defTabSz="914400" rtl="0" eaLnBrk="1" latinLnBrk="0" hangingPunct="1">
-              <a:defRPr lang="ru-RU" sz="1800" kern="1200">
-                <a:solidFill>
-                  <a:schemeClr val="tx1"/>
-                </a:solidFill>
-                <a:latin typeface="+mn-lt"/>
-                <a:ea typeface="+mn-ea"/>
-                <a:cs typeface="+mn-cs"/>
-              </a:defRPr>
-            </a:lvl9pPr>
-          </a:lstStyle>
-          <a:p>
-            <a:r>
-              <a:rPr lang="ru-RU" b="1" dirty="0" err="1">
-                <a:solidFill>
-                  <a:srgbClr val="FF0000"/>
-                </a:solidFill>
-              </a:rPr>
-              <a:t>Нужто</a:t>
-            </a:r>
-            <a:r>
-              <a:rPr lang="ru-RU" b="1" dirty="0">
-                <a:solidFill>
-                  <a:srgbClr val="FF0000"/>
-                </a:solidFill>
-              </a:rPr>
-              <a:t> рассказать как </a:t>
-            </a:r>
-            <a:r>
-              <a:rPr lang="ru-RU" b="1" dirty="0" err="1">
-                <a:solidFill>
-                  <a:srgbClr val="FF0000"/>
-                </a:solidFill>
-              </a:rPr>
-              <a:t>подготовливались</a:t>
-            </a:r>
-            <a:r>
-              <a:rPr lang="ru-RU" b="1" dirty="0">
-                <a:solidFill>
-                  <a:srgbClr val="FF0000"/>
-                </a:solidFill>
-              </a:rPr>
-              <a:t> данные в пет-проекте (у нас же нет настоящих пока)</a:t>
-            </a:r>
-          </a:p>
-          <a:p>
-            <a:r>
-              <a:rPr lang="ru-RU" b="1" dirty="0">
-                <a:solidFill>
-                  <a:srgbClr val="FF0000"/>
-                </a:solidFill>
-              </a:rPr>
-              <a:t>И что данные разделены на обучение и тест (или как там было решено, не помню)</a:t>
-            </a:r>
-          </a:p>
-        </p:txBody>
-      </p:sp>
-    </p:spTree>
-    <p:extLst>
-      <p:ext uri="{BB962C8B-B14F-4D97-AF65-F5344CB8AC3E}">
-        <p14:creationId xmlns:p14="http://schemas.microsoft.com/office/powerpoint/2010/main" val="3469289945"/>
-      </p:ext>
-    </p:extLst>
-  </p:cSld>
-  <p:clrMapOvr>
-    <a:masterClrMapping/>
-  </p:clrMapOvr>
-  <mc:AlternateContent xmlns:mc="http://schemas.openxmlformats.org/markup-compatibility/2006" xmlns:p14="http://schemas.microsoft.com/office/powerpoint/2010/main">
-    <mc:Choice Requires="p14">
-      <p:transition spd="med" p14:dur="700">
-        <p:fade/>
-      </p:transition>
-    </mc:Choice>
-    <mc:Fallback xmlns="">
-      <p:transition spd="med">
-        <p:fade/>
-      </p:transition>
-    </mc:Fallback>
-  </mc:AlternateContent>
-</p:sld>
-</file>
-
-<file path=ppt/slides/slide9.xml><?xml version="1.0" encoding="utf-8"?>
-<p:sld xmlns:a="http://schemas.openxmlformats.org/drawingml/2006/main" xmlns:r="http://schemas.openxmlformats.org/officeDocument/2006/relationships" xmlns:p="http://schemas.openxmlformats.org/presentationml/2006/main">
-  <p:cSld>
-    <p:spTree>
-      <p:nvGrpSpPr>
-        <p:cNvPr id="1" name=""/>
-        <p:cNvGrpSpPr/>
-        <p:nvPr/>
-      </p:nvGrpSpPr>
-      <p:grpSpPr>
-        <a:xfrm>
-          <a:off x="0" y="0"/>
-          <a:ext cx="0" cy="0"/>
-          <a:chOff x="0" y="0"/>
-          <a:chExt cx="0" cy="0"/>
-        </a:xfrm>
-      </p:grpSpPr>
-      <p:sp>
-        <p:nvSpPr>
-          <p:cNvPr id="2" name="Заголовок 1">
-            <a:extLst>
-              <a:ext uri="{FF2B5EF4-FFF2-40B4-BE49-F238E27FC236}">
-                <a16:creationId xmlns:a16="http://schemas.microsoft.com/office/drawing/2014/main" id="{A98BDE3D-CB39-03D2-545F-5283024761BD}"/>
-              </a:ext>
-            </a:extLst>
-          </p:cNvPr>
-          <p:cNvSpPr>
-            <a:spLocks noGrp="1"/>
-          </p:cNvSpPr>
-          <p:nvPr>
-            <p:ph type="title"/>
-          </p:nvPr>
-        </p:nvSpPr>
-        <p:spPr/>
-        <p:txBody>
-          <a:bodyPr rtlCol="0"/>
-          <a:lstStyle>
-            <a:defPPr>
-              <a:defRPr lang="ru-RU"/>
-            </a:defPPr>
-          </a:lstStyle>
-          <a:p>
-            <a:r>
-              <a:rPr lang="ru-RU" dirty="0"/>
-              <a:t>Результаты метрики</a:t>
-            </a:r>
-          </a:p>
-        </p:txBody>
-      </p:sp>
-      <p:sp>
-        <p:nvSpPr>
-          <p:cNvPr id="12" name="Нижний колонтитул 11">
-            <a:extLst>
-              <a:ext uri="{FF2B5EF4-FFF2-40B4-BE49-F238E27FC236}">
-                <a16:creationId xmlns:a16="http://schemas.microsoft.com/office/drawing/2014/main" id="{119D6C7A-A7F7-E063-9A09-611D1FB1DBE6}"/>
-              </a:ext>
-            </a:extLst>
-          </p:cNvPr>
-          <p:cNvSpPr>
-            <a:spLocks noGrp="1"/>
-          </p:cNvSpPr>
-          <p:nvPr>
-            <p:ph type="ftr" sz="quarter" idx="11"/>
-          </p:nvPr>
-        </p:nvSpPr>
-        <p:spPr>
-          <a:xfrm>
-            <a:off x="411479" y="301752"/>
-            <a:ext cx="2291963" cy="274320"/>
-          </a:xfrm>
-        </p:spPr>
-        <p:txBody>
-          <a:bodyPr rtlCol="0"/>
-          <a:lstStyle>
-            <a:defPPr>
-              <a:defRPr lang="ru-RU"/>
-            </a:defPPr>
-          </a:lstStyle>
-          <a:p>
-            <a:r>
-              <a:rPr lang="ru-RU" b="1" dirty="0"/>
-              <a:t>Голосовые технологии</a:t>
-            </a:r>
-          </a:p>
-        </p:txBody>
-      </p:sp>
-      <p:sp>
-        <p:nvSpPr>
-          <p:cNvPr id="13" name="Номер слайда 12">
-            <a:extLst>
-              <a:ext uri="{FF2B5EF4-FFF2-40B4-BE49-F238E27FC236}">
-                <a16:creationId xmlns:a16="http://schemas.microsoft.com/office/drawing/2014/main" id="{941D71DF-7225-6C66-9D2B-FAACEFF20849}"/>
-              </a:ext>
-            </a:extLst>
-          </p:cNvPr>
-          <p:cNvSpPr>
-            <a:spLocks noGrp="1"/>
-          </p:cNvSpPr>
-          <p:nvPr>
-            <p:ph type="sldNum" sz="quarter" idx="12"/>
-          </p:nvPr>
-        </p:nvSpPr>
-        <p:spPr/>
-        <p:txBody>
-          <a:bodyPr rtlCol="0"/>
-          <a:lstStyle>
-            <a:defPPr>
-              <a:defRPr lang="ru-RU"/>
-            </a:defPPr>
-          </a:lstStyle>
-          <a:p>
-            <a:pPr rtl="0"/>
-            <a:fld id="{5BFCF61C-3B18-4C03-8326-CC3B32D710C9}" type="slidenum">
-              <a:rPr lang="ru-RU" smtClean="0"/>
-              <a:pPr rtl="0"/>
-              <a:t>9</a:t>
-            </a:fld>
-            <a:endParaRPr lang="ru-RU"/>
-          </a:p>
-        </p:txBody>
-      </p:sp>
-      <p:graphicFrame>
-        <p:nvGraphicFramePr>
-          <p:cNvPr id="6" name="Диаграмма 5"/>
-          <p:cNvGraphicFramePr/>
-          <p:nvPr/>
-        </p:nvGraphicFramePr>
-        <p:xfrm>
-          <a:off x="2575559" y="2724150"/>
-          <a:ext cx="7701915" cy="3486150"/>
-        </p:xfrm>
-        <a:graphic>
-          <a:graphicData uri="http://schemas.openxmlformats.org/drawingml/2006/chart">
-            <c:chart xmlns:c="http://schemas.openxmlformats.org/drawingml/2006/chart" xmlns:r="http://schemas.openxmlformats.org/officeDocument/2006/relationships" r:id="rId3"/>
-          </a:graphicData>
-        </a:graphic>
-      </p:graphicFrame>
-      <p:sp>
-        <p:nvSpPr>
-          <p:cNvPr id="3" name="Нижний колонтитул 11">
-            <a:extLst>
-              <a:ext uri="{FF2B5EF4-FFF2-40B4-BE49-F238E27FC236}">
-                <a16:creationId xmlns:a16="http://schemas.microsoft.com/office/drawing/2014/main" id="{3751A620-A6D3-B9D7-C58B-0B69C8C31787}"/>
-              </a:ext>
-            </a:extLst>
-          </p:cNvPr>
-          <p:cNvSpPr txBox="1">
-            <a:spLocks/>
-          </p:cNvSpPr>
-          <p:nvPr/>
-        </p:nvSpPr>
-        <p:spPr>
-          <a:xfrm>
-            <a:off x="3612710" y="608076"/>
-            <a:ext cx="5655981" cy="274320"/>
-          </a:xfrm>
-          <a:prstGeom prst="rect">
-            <a:avLst/>
-          </a:prstGeom>
-        </p:spPr>
-        <p:txBody>
-          <a:bodyPr vert="horz" lIns="91440" tIns="45720" rIns="91440" bIns="45720" rtlCol="0" anchor="ctr">
-            <a:noAutofit/>
-          </a:bodyPr>
-          <a:lstStyle>
-            <a:defPPr rtl="0">
-              <a:defRPr lang="ru-RU"/>
-            </a:defPPr>
-            <a:lvl1pPr marL="0" algn="l" defTabSz="914400" rtl="0" eaLnBrk="1" latinLnBrk="0" hangingPunct="1">
-              <a:defRPr lang="ru-RU" sz="1200" kern="1200">
-                <a:solidFill>
-                  <a:schemeClr val="tx2"/>
-                </a:solidFill>
-                <a:latin typeface="+mn-lt"/>
-                <a:ea typeface="+mn-ea"/>
-                <a:cs typeface="+mn-cs"/>
-              </a:defRPr>
-            </a:lvl1pPr>
-            <a:lvl2pPr marL="457200" algn="l" defTabSz="914400" rtl="0" eaLnBrk="1" latinLnBrk="0" hangingPunct="1">
-              <a:defRPr lang="ru-RU" sz="1800" kern="1200">
-                <a:solidFill>
-                  <a:schemeClr val="tx1"/>
-                </a:solidFill>
-                <a:latin typeface="+mn-lt"/>
-                <a:ea typeface="+mn-ea"/>
-                <a:cs typeface="+mn-cs"/>
-              </a:defRPr>
-            </a:lvl2pPr>
-            <a:lvl3pPr marL="914400" algn="l" defTabSz="914400" rtl="0" eaLnBrk="1" latinLnBrk="0" hangingPunct="1">
-              <a:defRPr lang="ru-RU" sz="1800" kern="1200">
-                <a:solidFill>
-                  <a:schemeClr val="tx1"/>
-                </a:solidFill>
-                <a:latin typeface="+mn-lt"/>
-                <a:ea typeface="+mn-ea"/>
-                <a:cs typeface="+mn-cs"/>
-              </a:defRPr>
-            </a:lvl3pPr>
-            <a:lvl4pPr marL="1371600" algn="l" defTabSz="914400" rtl="0" eaLnBrk="1" latinLnBrk="0" hangingPunct="1">
-              <a:defRPr lang="ru-RU" sz="1800" kern="1200">
-                <a:solidFill>
-                  <a:schemeClr val="tx1"/>
-                </a:solidFill>
-                <a:latin typeface="+mn-lt"/>
-                <a:ea typeface="+mn-ea"/>
-                <a:cs typeface="+mn-cs"/>
-              </a:defRPr>
-            </a:lvl4pPr>
-            <a:lvl5pPr marL="1828800" algn="l" defTabSz="914400" rtl="0" eaLnBrk="1" latinLnBrk="0" hangingPunct="1">
-              <a:defRPr lang="ru-RU" sz="1800" kern="1200">
-                <a:solidFill>
-                  <a:schemeClr val="tx1"/>
-                </a:solidFill>
-                <a:latin typeface="+mn-lt"/>
-                <a:ea typeface="+mn-ea"/>
-                <a:cs typeface="+mn-cs"/>
-              </a:defRPr>
-            </a:lvl5pPr>
-            <a:lvl6pPr marL="2286000" algn="l" defTabSz="914400" rtl="0" eaLnBrk="1" latinLnBrk="0" hangingPunct="1">
-              <a:defRPr lang="ru-RU" sz="1800" kern="1200">
-                <a:solidFill>
-                  <a:schemeClr val="tx1"/>
-                </a:solidFill>
-                <a:latin typeface="+mn-lt"/>
-                <a:ea typeface="+mn-ea"/>
-                <a:cs typeface="+mn-cs"/>
-              </a:defRPr>
-            </a:lvl6pPr>
-            <a:lvl7pPr marL="2743200" algn="l" defTabSz="914400" rtl="0" eaLnBrk="1" latinLnBrk="0" hangingPunct="1">
-              <a:defRPr lang="ru-RU" sz="1800" kern="1200">
-                <a:solidFill>
-                  <a:schemeClr val="tx1"/>
-                </a:solidFill>
-                <a:latin typeface="+mn-lt"/>
-                <a:ea typeface="+mn-ea"/>
-                <a:cs typeface="+mn-cs"/>
-              </a:defRPr>
-            </a:lvl7pPr>
-            <a:lvl8pPr marL="3200400" algn="l" defTabSz="914400" rtl="0" eaLnBrk="1" latinLnBrk="0" hangingPunct="1">
-              <a:defRPr lang="ru-RU" sz="1800" kern="1200">
-                <a:solidFill>
-                  <a:schemeClr val="tx1"/>
-                </a:solidFill>
-                <a:latin typeface="+mn-lt"/>
-                <a:ea typeface="+mn-ea"/>
-                <a:cs typeface="+mn-cs"/>
-              </a:defRPr>
-            </a:lvl8pPr>
-            <a:lvl9pPr marL="3657600" algn="l" defTabSz="914400" rtl="0" eaLnBrk="1" latinLnBrk="0" hangingPunct="1">
-              <a:defRPr lang="ru-RU" sz="1800" kern="1200">
-                <a:solidFill>
-                  <a:schemeClr val="tx1"/>
-                </a:solidFill>
-                <a:latin typeface="+mn-lt"/>
-                <a:ea typeface="+mn-ea"/>
-                <a:cs typeface="+mn-cs"/>
-              </a:defRPr>
-            </a:lvl9pPr>
-          </a:lstStyle>
-          <a:p>
-            <a:r>
-              <a:rPr lang="ru-RU" b="1" dirty="0">
-                <a:solidFill>
-                  <a:srgbClr val="FF0000"/>
-                </a:solidFill>
-              </a:rPr>
-              <a:t>Показал бы тут метрику </a:t>
-            </a:r>
-            <a:r>
-              <a:rPr lang="en-GB" b="1" dirty="0">
-                <a:solidFill>
-                  <a:srgbClr val="FF0000"/>
-                </a:solidFill>
-              </a:rPr>
-              <a:t>BLEU </a:t>
-            </a:r>
-            <a:r>
-              <a:rPr lang="ru-RU" b="1" dirty="0">
-                <a:solidFill>
-                  <a:srgbClr val="FF0000"/>
-                </a:solidFill>
-              </a:rPr>
-              <a:t>для речи и Точность </a:t>
-            </a:r>
-            <a:r>
-              <a:rPr lang="en-GB" b="1" dirty="0" err="1">
-                <a:solidFill>
-                  <a:srgbClr val="FF0000"/>
-                </a:solidFill>
-              </a:rPr>
-              <a:t>д</a:t>
-            </a:r>
-            <a:r>
-              <a:rPr lang="ru-RU" b="1" dirty="0">
-                <a:solidFill>
-                  <a:srgbClr val="FF0000"/>
-                </a:solidFill>
-              </a:rPr>
-              <a:t>ля </a:t>
-            </a:r>
-            <a:r>
-              <a:rPr lang="en-GB" b="1" dirty="0">
-                <a:solidFill>
-                  <a:srgbClr val="FF0000"/>
-                </a:solidFill>
-              </a:rPr>
-              <a:t>NLP </a:t>
-            </a:r>
-            <a:r>
-              <a:rPr lang="ru-RU" b="1" dirty="0">
-                <a:solidFill>
-                  <a:srgbClr val="FF0000"/>
-                </a:solidFill>
-              </a:rPr>
-              <a:t>на двух столбчатых диаграммах</a:t>
-            </a:r>
-          </a:p>
-          <a:p>
-            <a:r>
-              <a:rPr lang="ru-RU" b="1" dirty="0">
-                <a:solidFill>
-                  <a:srgbClr val="FF0000"/>
-                </a:solidFill>
-              </a:rPr>
-              <a:t>Названия сократить (пример, </a:t>
-            </a:r>
-            <a:r>
-              <a:rPr lang="en-GB" b="1" dirty="0">
-                <a:solidFill>
-                  <a:srgbClr val="FF0000"/>
-                </a:solidFill>
-              </a:rPr>
-              <a:t>Yandex, whisper L, Whisper XS,  </a:t>
-            </a:r>
-            <a:r>
-              <a:rPr lang="en-GB" b="1" dirty="0" err="1">
-                <a:solidFill>
-                  <a:srgbClr val="FF0000"/>
-                </a:solidFill>
-              </a:rPr>
-              <a:t>Vosk</a:t>
-            </a:r>
-            <a:r>
-              <a:rPr lang="en-GB" b="1" dirty="0">
-                <a:solidFill>
-                  <a:srgbClr val="FF0000"/>
-                </a:solidFill>
-              </a:rPr>
-              <a:t> L)</a:t>
-            </a:r>
-            <a:br>
-              <a:rPr lang="en-GB" b="1" dirty="0">
-                <a:solidFill>
-                  <a:srgbClr val="FF0000"/>
-                </a:solidFill>
-              </a:rPr>
-            </a:br>
-            <a:r>
-              <a:rPr lang="ru-RU" b="1" dirty="0">
-                <a:solidFill>
-                  <a:srgbClr val="FF0000"/>
-                </a:solidFill>
-              </a:rPr>
-              <a:t>Отсортировать по убыванию</a:t>
-            </a:r>
-            <a:br>
-              <a:rPr lang="ru-RU" b="1" dirty="0">
-                <a:solidFill>
-                  <a:srgbClr val="FF0000"/>
-                </a:solidFill>
-              </a:rPr>
-            </a:br>
-            <a:r>
-              <a:rPr lang="ru-RU" b="1" dirty="0">
-                <a:solidFill>
-                  <a:srgbClr val="FF0000"/>
-                </a:solidFill>
-              </a:rPr>
-              <a:t>Добавить горизонтальную сетку и/или изменить масштаб на </a:t>
-            </a:r>
-            <a:r>
-              <a:rPr lang="en-GB" b="1" dirty="0">
-                <a:solidFill>
-                  <a:srgbClr val="FF0000"/>
-                </a:solidFill>
-              </a:rPr>
-              <a:t>[0.4 : 0.8]</a:t>
-            </a:r>
-            <a:br>
-              <a:rPr lang="en-GB" b="1" dirty="0">
-                <a:solidFill>
-                  <a:srgbClr val="FF0000"/>
-                </a:solidFill>
-              </a:rPr>
-            </a:br>
-            <a:r>
-              <a:rPr lang="ru-RU" b="1" dirty="0">
-                <a:solidFill>
-                  <a:srgbClr val="FF0000"/>
-                </a:solidFill>
-              </a:rPr>
-              <a:t>Для </a:t>
-            </a:r>
-            <a:r>
-              <a:rPr lang="en-GB" b="1" dirty="0">
-                <a:solidFill>
-                  <a:srgbClr val="FF0000"/>
-                </a:solidFill>
-              </a:rPr>
-              <a:t>NLP </a:t>
-            </a:r>
-            <a:r>
-              <a:rPr lang="ru-RU" b="1" dirty="0">
-                <a:solidFill>
-                  <a:srgbClr val="FF0000"/>
-                </a:solidFill>
-              </a:rPr>
-              <a:t>нечто подобное</a:t>
-            </a:r>
-          </a:p>
-        </p:txBody>
-      </p:sp>
-    </p:spTree>
-    <p:extLst>
-      <p:ext uri="{BB962C8B-B14F-4D97-AF65-F5344CB8AC3E}">
-        <p14:creationId xmlns:p14="http://schemas.microsoft.com/office/powerpoint/2010/main" val="2106858184"/>
-      </p:ext>
-    </p:extLst>
-  </p:cSld>
-  <p:clrMapOvr>
-    <a:masterClrMapping/>
-  </p:clrMapOvr>
-  <mc:AlternateContent xmlns:mc="http://schemas.openxmlformats.org/markup-compatibility/2006" xmlns:p14="http://schemas.microsoft.com/office/powerpoint/2010/main">
-    <mc:Choice Requires="p14">
-      <p:transition spd="med" p14:dur="700">
-        <p:fade/>
-      </p:transition>
-    </mc:Choice>
-    <mc:Fallback xmlns="">
-      <p:transition spd="med">
-        <p:fade/>
-      </p:transition>
-    </mc:Fallback>
-  </mc:AlternateContent>
+  <p:timing>
+    <p:tnLst>
+      <p:par>
+        <p:cTn id="1" dur="indefinite" restart="never" nodeType="tmRoot"/>
+      </p:par>
+    </p:tnLst>
+  </p:timing>
 </p:sld>
 </file>
 
@@ -15594,26 +15198,6 @@
 </file>
 
 <file path=customXml/item1.xml><?xml version="1.0" encoding="utf-8"?>
-<p:properties xmlns:p="http://schemas.microsoft.com/office/2006/metadata/properties" xmlns:xsi="http://www.w3.org/2001/XMLSchema-instance" xmlns:pc="http://schemas.microsoft.com/office/infopath/2007/PartnerControls">
-  <documentManagement>
-    <_ip_UnifiedCompliancePolicyUIAction xmlns="http://schemas.microsoft.com/sharepoint/v3" xsi:nil="true"/>
-    <Image xmlns="71af3243-3dd4-4a8d-8c0d-dd76da1f02a5">
-      <Url xsi:nil="true"/>
-      <Description xsi:nil="true"/>
-    </Image>
-    <Status xmlns="71af3243-3dd4-4a8d-8c0d-dd76da1f02a5">Not started</Status>
-    <Background xmlns="71af3243-3dd4-4a8d-8c0d-dd76da1f02a5">false</Background>
-    <_ip_UnifiedCompliancePolicyProperties xmlns="http://schemas.microsoft.com/sharepoint/v3" xsi:nil="true"/>
-    <ImageTagsTaxHTField xmlns="71af3243-3dd4-4a8d-8c0d-dd76da1f02a5">
-      <Terms xmlns="http://schemas.microsoft.com/office/infopath/2007/PartnerControls"/>
-    </ImageTagsTaxHTField>
-    <TaxCatchAll xmlns="230e9df3-be65-4c73-a93b-d1236ebd677e" xsi:nil="true"/>
-    <MediaServiceKeyPoints xmlns="71af3243-3dd4-4a8d-8c0d-dd76da1f02a5" xsi:nil="true"/>
-  </documentManagement>
-</p:properties>
-</file>
-
-<file path=customXml/item2.xml><?xml version="1.0" encoding="utf-8"?>
 <ct:contentTypeSchema xmlns:ct="http://schemas.microsoft.com/office/2006/metadata/contentType" xmlns:ma="http://schemas.microsoft.com/office/2006/metadata/properties/metaAttributes" ct:_="" ma:_="" ma:contentTypeName="Document" ma:contentTypeID="0x01010079F111ED35F8CC479449609E8A0923A6" ma:contentTypeVersion="24" ma:contentTypeDescription="Create a new document." ma:contentTypeScope="" ma:versionID="2d714a3296df14eba7a100bb665443ca">
   <xsd:schema xmlns:xsd="http://www.w3.org/2001/XMLSchema" xmlns:xs="http://www.w3.org/2001/XMLSchema" xmlns:p="http://schemas.microsoft.com/office/2006/metadata/properties" xmlns:ns1="http://schemas.microsoft.com/sharepoint/v3" xmlns:ns2="71af3243-3dd4-4a8d-8c0d-dd76da1f02a5" xmlns:ns3="16c05727-aa75-4e4a-9b5f-8a80a1165891" xmlns:ns4="230e9df3-be65-4c73-a93b-d1236ebd677e" targetNamespace="http://schemas.microsoft.com/office/2006/metadata/properties" ma:root="true" ma:fieldsID="49549bf45bfbbfb6cffed527380e77e1" ns1:_="" ns2:_="" ns3:_="" ns4:_="">
     <xsd:import namespace="http://schemas.microsoft.com/sharepoint/v3"/>
@@ -15901,6 +15485,26 @@
 </ct:contentTypeSchema>
 </file>
 
+<file path=customXml/item2.xml><?xml version="1.0" encoding="utf-8"?>
+<p:properties xmlns:p="http://schemas.microsoft.com/office/2006/metadata/properties" xmlns:xsi="http://www.w3.org/2001/XMLSchema-instance" xmlns:pc="http://schemas.microsoft.com/office/infopath/2007/PartnerControls">
+  <documentManagement>
+    <_ip_UnifiedCompliancePolicyUIAction xmlns="http://schemas.microsoft.com/sharepoint/v3" xsi:nil="true"/>
+    <Image xmlns="71af3243-3dd4-4a8d-8c0d-dd76da1f02a5">
+      <Url xsi:nil="true"/>
+      <Description xsi:nil="true"/>
+    </Image>
+    <Status xmlns="71af3243-3dd4-4a8d-8c0d-dd76da1f02a5">Not started</Status>
+    <Background xmlns="71af3243-3dd4-4a8d-8c0d-dd76da1f02a5">false</Background>
+    <_ip_UnifiedCompliancePolicyProperties xmlns="http://schemas.microsoft.com/sharepoint/v3" xsi:nil="true"/>
+    <ImageTagsTaxHTField xmlns="71af3243-3dd4-4a8d-8c0d-dd76da1f02a5">
+      <Terms xmlns="http://schemas.microsoft.com/office/infopath/2007/PartnerControls"/>
+    </ImageTagsTaxHTField>
+    <TaxCatchAll xmlns="230e9df3-be65-4c73-a93b-d1236ebd677e" xsi:nil="true"/>
+    <MediaServiceKeyPoints xmlns="71af3243-3dd4-4a8d-8c0d-dd76da1f02a5" xsi:nil="true"/>
+  </documentManagement>
+</p:properties>
+</file>
+
 <file path=customXml/item3.xml><?xml version="1.0" encoding="utf-8"?>
 <?mso-contentType ?>
 <FormTemplates xmlns="http://schemas.microsoft.com/sharepoint/v3/contenttype/forms">
@@ -15911,18 +15515,6 @@
 </file>
 
 <file path=customXml/itemProps1.xml><?xml version="1.0" encoding="utf-8"?>
-<ds:datastoreItem xmlns:ds="http://schemas.openxmlformats.org/officeDocument/2006/customXml" ds:itemID="{411F98F7-6576-47F1-AD63-56E26C339747}">
-  <ds:schemaRefs>
-    <ds:schemaRef ds:uri="http://schemas.microsoft.com/office/2006/metadata/properties"/>
-    <ds:schemaRef ds:uri="http://schemas.microsoft.com/office/infopath/2007/PartnerControls"/>
-    <ds:schemaRef ds:uri="http://schemas.microsoft.com/sharepoint/v3"/>
-    <ds:schemaRef ds:uri="71af3243-3dd4-4a8d-8c0d-dd76da1f02a5"/>
-    <ds:schemaRef ds:uri="230e9df3-be65-4c73-a93b-d1236ebd677e"/>
-  </ds:schemaRefs>
-</ds:datastoreItem>
-</file>
-
-<file path=customXml/itemProps2.xml><?xml version="1.0" encoding="utf-8"?>
 <ds:datastoreItem xmlns:ds="http://schemas.openxmlformats.org/officeDocument/2006/customXml" ds:itemID="{5783CE7D-BFC6-4030-A335-E7F88DB66414}">
   <ds:schemaRefs>
     <ds:schemaRef ds:uri="http://schemas.microsoft.com/office/2006/metadata/contentType"/>
@@ -15943,6 +15535,25 @@
 </ds:datastoreItem>
 </file>
 
+<file path=customXml/itemProps2.xml><?xml version="1.0" encoding="utf-8"?>
+<ds:datastoreItem xmlns:ds="http://schemas.openxmlformats.org/officeDocument/2006/customXml" ds:itemID="{411F98F7-6576-47F1-AD63-56E26C339747}">
+  <ds:schemaRefs>
+    <ds:schemaRef ds:uri="http://schemas.microsoft.com/sharepoint/v3"/>
+    <ds:schemaRef ds:uri="http://schemas.microsoft.com/office/infopath/2007/PartnerControls"/>
+    <ds:schemaRef ds:uri="http://schemas.openxmlformats.org/package/2006/metadata/core-properties"/>
+    <ds:schemaRef ds:uri="http://schemas.microsoft.com/office/2006/documentManagement/types"/>
+    <ds:schemaRef ds:uri="http://purl.org/dc/dcmitype/"/>
+    <ds:schemaRef ds:uri="230e9df3-be65-4c73-a93b-d1236ebd677e"/>
+    <ds:schemaRef ds:uri="http://purl.org/dc/elements/1.1/"/>
+    <ds:schemaRef ds:uri="71af3243-3dd4-4a8d-8c0d-dd76da1f02a5"/>
+    <ds:schemaRef ds:uri="16c05727-aa75-4e4a-9b5f-8a80a1165891"/>
+    <ds:schemaRef ds:uri="http://schemas.microsoft.com/office/2006/metadata/properties"/>
+    <ds:schemaRef ds:uri="http://www.w3.org/XML/1998/namespace"/>
+    <ds:schemaRef ds:uri="http://purl.org/dc/terms/"/>
+  </ds:schemaRefs>
+</ds:datastoreItem>
+</file>
+
 <file path=customXml/itemProps3.xml><?xml version="1.0" encoding="utf-8"?>
 <ds:datastoreItem xmlns:ds="http://schemas.openxmlformats.org/officeDocument/2006/customXml" ds:itemID="{25B4CAA5-BE7A-46AB-97ED-63B24C46A3A8}">
   <ds:schemaRefs>

--- a/Презентация.pptx
+++ b/Презентация.pptx
@@ -7632,6 +7632,13 @@
   <p:clrMapOvr>
     <a:masterClrMapping/>
   </p:clrMapOvr>
+  <p:timing>
+    <p:tnLst>
+      <p:par>
+        <p:cTn id="1" dur="indefinite" restart="never" nodeType="tmRoot"/>
+      </p:par>
+    </p:tnLst>
+  </p:timing>
 </p:sldLayout>
 </file>
 
@@ -8374,6 +8381,13 @@
   <p:clrMapOvr>
     <a:masterClrMapping/>
   </p:clrMapOvr>
+  <p:timing>
+    <p:tnLst>
+      <p:par>
+        <p:cTn id="1" dur="indefinite" restart="never" nodeType="tmRoot"/>
+      </p:par>
+    </p:tnLst>
+  </p:timing>
 </p:sldLayout>
 </file>
 
@@ -12050,7 +12064,7 @@
         </p:nvSpPr>
         <p:spPr>
           <a:xfrm>
-            <a:off x="896503" y="5600748"/>
+            <a:off x="1041826" y="5639032"/>
             <a:ext cx="2527424" cy="783975"/>
           </a:xfrm>
           <a:prstGeom prst="rect">
@@ -12782,9 +12796,10 @@
           <a:p>
             <a:pPr rtl="0"/>
             <a:r>
-              <a:rPr lang="ru-RU" dirty="0"/>
-              <a:t>Метрики</a:t>
-            </a:r>
+              <a:rPr lang="ru-RU" dirty="0" smtClean="0"/>
+              <a:t>Бизнес метрика</a:t>
+            </a:r>
+            <a:endParaRPr lang="ru-RU" dirty="0"/>
           </a:p>
         </p:txBody>
       </p:sp>
@@ -12825,65 +12840,6 @@
                 </a:solidFill>
               </a:rPr>
               <a:t>Голосовые технологии</a:t>
-            </a:r>
-          </a:p>
-        </p:txBody>
-      </p:sp>
-      <p:sp>
-        <p:nvSpPr>
-          <p:cNvPr id="5" name="Текст 4">
-            <a:extLst>
-              <a:ext uri="{FF2B5EF4-FFF2-40B4-BE49-F238E27FC236}">
-                <a16:creationId xmlns:a16="http://schemas.microsoft.com/office/drawing/2014/main" id="{51683C73-2637-AC0E-5A6B-47B6C6CB9E2A}"/>
-              </a:ext>
-            </a:extLst>
-          </p:cNvPr>
-          <p:cNvSpPr>
-            <a:spLocks noGrp="1"/>
-          </p:cNvSpPr>
-          <p:nvPr>
-            <p:ph type="body" sz="quarter" idx="15"/>
-          </p:nvPr>
-        </p:nvSpPr>
-        <p:spPr>
-          <a:xfrm>
-            <a:off x="1242876" y="2752849"/>
-            <a:ext cx="10230522" cy="1682750"/>
-          </a:xfrm>
-        </p:spPr>
-        <p:txBody>
-          <a:bodyPr rtlCol="0"/>
-          <a:lstStyle>
-            <a:defPPr>
-              <a:defRPr lang="ru-RU"/>
-            </a:defPPr>
-          </a:lstStyle>
-          <a:p>
-            <a:r>
-              <a:rPr lang="ru-RU" sz="2400" dirty="0">
-                <a:solidFill>
-                  <a:srgbClr val="FF0000"/>
-                </a:solidFill>
-              </a:rPr>
-              <a:t>Бизнес метрика: самая суть</a:t>
-            </a:r>
-          </a:p>
-          <a:p>
-            <a:r>
-              <a:rPr lang="en-GB" sz="2400" dirty="0">
-                <a:solidFill>
-                  <a:srgbClr val="FF0000"/>
-                </a:solidFill>
-              </a:rPr>
-              <a:t>ML </a:t>
-            </a:r>
-            <a:r>
-              <a:rPr lang="ru-RU" sz="2400" dirty="0">
-                <a:solidFill>
-                  <a:srgbClr val="FF0000"/>
-                </a:solidFill>
-              </a:rPr>
-              <a:t>метрика: ….</a:t>
             </a:r>
           </a:p>
         </p:txBody>
@@ -12952,6 +12908,288 @@
           </a:prstGeom>
         </p:spPr>
       </p:pic>
+      <p:sp>
+        <p:nvSpPr>
+          <p:cNvPr id="3" name="Текст 2"/>
+          <p:cNvSpPr>
+            <a:spLocks noGrp="1"/>
+          </p:cNvSpPr>
+          <p:nvPr>
+            <p:ph type="body" sz="quarter" idx="15"/>
+          </p:nvPr>
+        </p:nvSpPr>
+        <p:spPr>
+          <a:xfrm>
+            <a:off x="603504" y="2719963"/>
+            <a:ext cx="5203909" cy="1949313"/>
+          </a:xfrm>
+        </p:spPr>
+        <p:txBody>
+          <a:bodyPr/>
+          <a:lstStyle/>
+          <a:p>
+            <a:pPr marL="0" indent="0">
+              <a:buNone/>
+            </a:pPr>
+            <a:r>
+              <a:rPr lang="ru-RU" dirty="0"/>
+              <a:t>Стремимся выразить в деньгах или ином целевом показателе качество работы системы.</a:t>
+            </a:r>
+          </a:p>
+          <a:p>
+            <a:pPr marL="0" indent="0">
+              <a:buNone/>
+            </a:pPr>
+            <a:r>
+              <a:rPr lang="ru-RU" dirty="0"/>
+              <a:t>Бизнес метрика, характеризующая потери, связанные со временем обнаружения инцидентов и затратами отработки ложных регистраций</a:t>
+            </a:r>
+            <a:r>
+              <a:rPr lang="ru-RU" dirty="0" smtClean="0"/>
+              <a:t>:</a:t>
+            </a:r>
+            <a:endParaRPr lang="ru-RU" dirty="0"/>
+          </a:p>
+          <a:p>
+            <a:pPr marL="0" indent="0">
+              <a:buNone/>
+            </a:pPr>
+            <a:r>
+              <a:rPr lang="ru-RU" dirty="0" smtClean="0"/>
+              <a:t/>
+            </a:r>
+            <a:br>
+              <a:rPr lang="ru-RU" dirty="0" smtClean="0"/>
+            </a:br>
+            <a:endParaRPr lang="ru-RU" dirty="0"/>
+          </a:p>
+        </p:txBody>
+      </p:sp>
+      <p:pic>
+        <p:nvPicPr>
+          <p:cNvPr id="1026" name="Picture 2" descr="C=N_{TP} * c * T_{avg} + N_{FP}*c_{FN}"/>
+          <p:cNvPicPr>
+            <a:picLocks noChangeAspect="1" noChangeArrowheads="1"/>
+          </p:cNvPicPr>
+          <p:nvPr/>
+        </p:nvPicPr>
+        <p:blipFill>
+          <a:blip r:embed="rId4">
+            <a:extLst>
+              <a:ext uri="{28A0092B-C50C-407E-A947-70E740481C1C}">
+                <a14:useLocalDpi xmlns:a14="http://schemas.microsoft.com/office/drawing/2010/main" val="0"/>
+              </a:ext>
+            </a:extLst>
+          </a:blip>
+          <a:srcRect/>
+          <a:stretch>
+            <a:fillRect/>
+          </a:stretch>
+        </p:blipFill>
+        <p:spPr bwMode="auto">
+          <a:xfrm>
+            <a:off x="6906571" y="2764690"/>
+            <a:ext cx="3721459" cy="321277"/>
+          </a:xfrm>
+          <a:prstGeom prst="rect">
+            <a:avLst/>
+          </a:prstGeom>
+          <a:noFill/>
+          <a:extLst>
+            <a:ext uri="{909E8E84-426E-40DD-AFC4-6F175D3DCCD1}">
+              <a14:hiddenFill xmlns:a14="http://schemas.microsoft.com/office/drawing/2010/main">
+                <a:solidFill>
+                  <a:srgbClr val="FFFFFF"/>
+                </a:solidFill>
+              </a14:hiddenFill>
+            </a:ext>
+          </a:extLst>
+        </p:spPr>
+      </p:pic>
+      <p:sp>
+        <p:nvSpPr>
+          <p:cNvPr id="7" name="TextBox 6"/>
+          <p:cNvSpPr txBox="1"/>
+          <p:nvPr/>
+        </p:nvSpPr>
+        <p:spPr>
+          <a:xfrm>
+            <a:off x="6192628" y="3258765"/>
+            <a:ext cx="5603132" cy="1815882"/>
+          </a:xfrm>
+          <a:prstGeom prst="rect">
+            <a:avLst/>
+          </a:prstGeom>
+          <a:noFill/>
+        </p:spPr>
+        <p:txBody>
+          <a:bodyPr wrap="square" rtlCol="0">
+            <a:spAutoFit/>
+          </a:bodyPr>
+          <a:lstStyle/>
+          <a:p>
+            <a:r>
+              <a:rPr lang="ru-RU" sz="1400" b="1" dirty="0" err="1">
+                <a:solidFill>
+                  <a:schemeClr val="tx2"/>
+                </a:solidFill>
+              </a:rPr>
+              <a:t>N_tp</a:t>
+            </a:r>
+            <a:r>
+              <a:rPr lang="ru-RU" sz="1400" dirty="0">
+                <a:solidFill>
+                  <a:schemeClr val="tx2"/>
+                </a:solidFill>
+              </a:rPr>
+              <a:t> - количество фактических выявленных инцидентов за период</a:t>
+            </a:r>
+          </a:p>
+          <a:p>
+            <a:r>
+              <a:rPr lang="ru-RU" sz="1400" b="1" dirty="0">
+                <a:solidFill>
+                  <a:schemeClr val="tx2"/>
+                </a:solidFill>
+              </a:rPr>
+              <a:t>с</a:t>
+            </a:r>
+            <a:r>
+              <a:rPr lang="ru-RU" sz="1400" dirty="0">
+                <a:solidFill>
+                  <a:schemeClr val="tx2"/>
+                </a:solidFill>
+              </a:rPr>
+              <a:t>, </a:t>
+            </a:r>
+            <a:r>
+              <a:rPr lang="ru-RU" sz="1400" dirty="0" err="1">
+                <a:solidFill>
+                  <a:schemeClr val="tx2"/>
+                </a:solidFill>
+              </a:rPr>
+              <a:t>руб</a:t>
+            </a:r>
+            <a:r>
+              <a:rPr lang="ru-RU" sz="1400" dirty="0">
+                <a:solidFill>
+                  <a:schemeClr val="tx2"/>
+                </a:solidFill>
+              </a:rPr>
+              <a:t>/час - средняя стоимость убытков, связанных с увеличением времени обнаружения инцидента на один час</a:t>
+            </a:r>
+          </a:p>
+          <a:p>
+            <a:r>
+              <a:rPr lang="ru-RU" sz="1400" b="1" dirty="0" err="1">
+                <a:solidFill>
+                  <a:schemeClr val="tx2"/>
+                </a:solidFill>
+              </a:rPr>
+              <a:t>T_avg</a:t>
+            </a:r>
+            <a:r>
+              <a:rPr lang="ru-RU" sz="1400" dirty="0">
+                <a:solidFill>
+                  <a:schemeClr val="tx2"/>
+                </a:solidFill>
+              </a:rPr>
+              <a:t>, ч - среднее время обнаружения инцидентов</a:t>
+            </a:r>
+          </a:p>
+          <a:p>
+            <a:r>
+              <a:rPr lang="ru-RU" sz="1400" b="1" dirty="0" err="1">
+                <a:solidFill>
+                  <a:schemeClr val="tx2"/>
+                </a:solidFill>
+              </a:rPr>
+              <a:t>N_fp</a:t>
+            </a:r>
+            <a:r>
+              <a:rPr lang="ru-RU" sz="1400" dirty="0">
+                <a:solidFill>
+                  <a:schemeClr val="tx2"/>
+                </a:solidFill>
+              </a:rPr>
+              <a:t> - количество ложно обнаруженных инцидентов</a:t>
+            </a:r>
+          </a:p>
+          <a:p>
+            <a:r>
+              <a:rPr lang="ru-RU" sz="1400" b="1" dirty="0" err="1">
+                <a:solidFill>
+                  <a:schemeClr val="tx2"/>
+                </a:solidFill>
+              </a:rPr>
+              <a:t>c_fn</a:t>
+            </a:r>
+            <a:r>
+              <a:rPr lang="ru-RU" sz="1400" dirty="0">
+                <a:solidFill>
+                  <a:schemeClr val="tx2"/>
+                </a:solidFill>
+              </a:rPr>
+              <a:t>, </a:t>
+            </a:r>
+            <a:r>
+              <a:rPr lang="ru-RU" sz="1400" dirty="0" err="1">
+                <a:solidFill>
+                  <a:schemeClr val="tx2"/>
+                </a:solidFill>
+              </a:rPr>
+              <a:t>руб</a:t>
+            </a:r>
+            <a:r>
+              <a:rPr lang="ru-RU" sz="1400" dirty="0">
+                <a:solidFill>
+                  <a:schemeClr val="tx2"/>
+                </a:solidFill>
+              </a:rPr>
+              <a:t> - стоимость </a:t>
+            </a:r>
+            <a:r>
+              <a:rPr lang="ru-RU" sz="1400" dirty="0" smtClean="0">
+                <a:solidFill>
+                  <a:schemeClr val="tx2"/>
+                </a:solidFill>
+              </a:rPr>
+              <a:t>отработки </a:t>
+            </a:r>
+            <a:r>
+              <a:rPr lang="ru-RU" sz="1400" dirty="0" err="1" smtClean="0">
+                <a:solidFill>
+                  <a:schemeClr val="tx2"/>
+                </a:solidFill>
+              </a:rPr>
+              <a:t>ложнообнаруженного</a:t>
+            </a:r>
+            <a:r>
+              <a:rPr lang="ru-RU" sz="1400" dirty="0" smtClean="0">
+                <a:solidFill>
+                  <a:schemeClr val="tx2"/>
+                </a:solidFill>
+              </a:rPr>
+              <a:t> </a:t>
+            </a:r>
+            <a:r>
+              <a:rPr lang="ru-RU" sz="1400" dirty="0">
+                <a:solidFill>
+                  <a:schemeClr val="tx2"/>
+                </a:solidFill>
+              </a:rPr>
+              <a:t>инцидента</a:t>
+            </a:r>
+          </a:p>
+          <a:p>
+            <a:endParaRPr lang="ru-RU" sz="1400" dirty="0">
+              <a:solidFill>
+                <a:schemeClr val="tx2"/>
+              </a:solidFill>
+            </a:endParaRPr>
+          </a:p>
+        </p:txBody>
+      </p:sp>
     </p:spTree>
     <p:extLst>
       <p:ext uri="{BB962C8B-B14F-4D97-AF65-F5344CB8AC3E}">
@@ -13125,8 +13363,8 @@
         </p:blipFill>
         <p:spPr>
           <a:xfrm>
-            <a:off x="1098732" y="977153"/>
-            <a:ext cx="9994535" cy="4820962"/>
+            <a:off x="1711576" y="1681989"/>
+            <a:ext cx="8210638" cy="3960482"/>
           </a:xfrm>
           <a:prstGeom prst="rect">
             <a:avLst/>
@@ -13162,6 +13400,152 @@
           </a:prstGeom>
         </p:spPr>
       </p:pic>
+      <p:sp>
+        <p:nvSpPr>
+          <p:cNvPr id="8" name="Заголовок 1">
+            <a:extLst>
+              <a:ext uri="{FF2B5EF4-FFF2-40B4-BE49-F238E27FC236}">
+                <a16:creationId xmlns:a16="http://schemas.microsoft.com/office/drawing/2014/main" id="{A98BDE3D-CB39-03D2-545F-5283024761BD}"/>
+              </a:ext>
+            </a:extLst>
+          </p:cNvPr>
+          <p:cNvSpPr>
+            <a:spLocks noGrp="1"/>
+          </p:cNvSpPr>
+          <p:nvPr>
+            <p:ph type="title"/>
+          </p:nvPr>
+        </p:nvSpPr>
+        <p:spPr>
+          <a:xfrm>
+            <a:off x="252918" y="977153"/>
+            <a:ext cx="10515600" cy="575321"/>
+          </a:xfrm>
+        </p:spPr>
+        <p:txBody>
+          <a:bodyPr rtlCol="0"/>
+          <a:lstStyle>
+            <a:defPPr>
+              <a:defRPr lang="ru-RU"/>
+            </a:defPPr>
+          </a:lstStyle>
+          <a:p>
+            <a:pPr rtl="0"/>
+            <a:r>
+              <a:rPr lang="ru-RU" sz="3600" dirty="0" smtClean="0"/>
+              <a:t>Бизнес метрика</a:t>
+            </a:r>
+            <a:endParaRPr lang="ru-RU" sz="3600" dirty="0"/>
+          </a:p>
+        </p:txBody>
+      </p:sp>
+      <p:grpSp>
+        <p:nvGrpSpPr>
+          <p:cNvPr id="9" name="Группа 8">
+            <a:extLst>
+              <a:ext uri="{FF2B5EF4-FFF2-40B4-BE49-F238E27FC236}">
+                <a16:creationId xmlns:a16="http://schemas.microsoft.com/office/drawing/2014/main" id="{4ED40495-D9DB-AA87-4474-68DA5D8CA88C}"/>
+              </a:ext>
+            </a:extLst>
+          </p:cNvPr>
+          <p:cNvGrpSpPr/>
+          <p:nvPr/>
+        </p:nvGrpSpPr>
+        <p:grpSpPr>
+          <a:xfrm rot="10800000">
+            <a:off x="330742" y="1577707"/>
+            <a:ext cx="7200000" cy="1"/>
+            <a:chOff x="2077471" y="5539116"/>
+            <a:chExt cx="11480808" cy="1"/>
+          </a:xfrm>
+        </p:grpSpPr>
+        <p:cxnSp>
+          <p:nvCxnSpPr>
+            <p:cNvPr id="10" name="Прямая соединительная линия 9">
+              <a:extLst>
+                <a:ext uri="{FF2B5EF4-FFF2-40B4-BE49-F238E27FC236}">
+                  <a16:creationId xmlns:a16="http://schemas.microsoft.com/office/drawing/2014/main" id="{A15A6649-BE77-6F3F-DF74-0045E0AC6025}"/>
+                </a:ext>
+              </a:extLst>
+            </p:cNvPr>
+            <p:cNvCxnSpPr>
+              <a:cxnSpLocks/>
+            </p:cNvCxnSpPr>
+            <p:nvPr/>
+          </p:nvCxnSpPr>
+          <p:spPr>
+            <a:xfrm>
+              <a:off x="2077471" y="5539116"/>
+              <a:ext cx="4755396" cy="0"/>
+            </a:xfrm>
+            <a:prstGeom prst="line">
+              <a:avLst/>
+            </a:prstGeom>
+            <a:ln w="57150">
+              <a:solidFill>
+                <a:schemeClr val="accent6"/>
+              </a:solidFill>
+            </a:ln>
+          </p:spPr>
+          <p:style>
+            <a:lnRef idx="1">
+              <a:schemeClr val="accent1"/>
+            </a:lnRef>
+            <a:fillRef idx="0">
+              <a:schemeClr val="accent1"/>
+            </a:fillRef>
+            <a:effectRef idx="0">
+              <a:schemeClr val="accent1"/>
+            </a:effectRef>
+            <a:fontRef idx="minor">
+              <a:schemeClr val="tx1"/>
+            </a:fontRef>
+          </p:style>
+        </p:cxnSp>
+        <p:cxnSp>
+          <p:nvCxnSpPr>
+            <p:cNvPr id="11" name="Прямая соединительная линия 10">
+              <a:extLst>
+                <a:ext uri="{FF2B5EF4-FFF2-40B4-BE49-F238E27FC236}">
+                  <a16:creationId xmlns:a16="http://schemas.microsoft.com/office/drawing/2014/main" id="{BEF33DD1-C51F-9BE1-2F97-D4025B3E653D}"/>
+                </a:ext>
+              </a:extLst>
+            </p:cNvPr>
+            <p:cNvCxnSpPr>
+              <a:cxnSpLocks/>
+            </p:cNvCxnSpPr>
+            <p:nvPr/>
+          </p:nvCxnSpPr>
+          <p:spPr>
+            <a:xfrm>
+              <a:off x="6816103" y="5539117"/>
+              <a:ext cx="6742176" cy="0"/>
+            </a:xfrm>
+            <a:prstGeom prst="line">
+              <a:avLst/>
+            </a:prstGeom>
+            <a:ln w="57150">
+              <a:solidFill>
+                <a:schemeClr val="accent3"/>
+              </a:solidFill>
+            </a:ln>
+          </p:spPr>
+          <p:style>
+            <a:lnRef idx="1">
+              <a:schemeClr val="accent1"/>
+            </a:lnRef>
+            <a:fillRef idx="0">
+              <a:schemeClr val="accent1"/>
+            </a:fillRef>
+            <a:effectRef idx="0">
+              <a:schemeClr val="accent1"/>
+            </a:effectRef>
+            <a:fontRef idx="minor">
+              <a:schemeClr val="tx1"/>
+            </a:fontRef>
+          </p:style>
+        </p:cxnSp>
+      </p:grpSp>
     </p:spTree>
     <p:extLst>
       <p:ext uri="{BB962C8B-B14F-4D97-AF65-F5344CB8AC3E}">
@@ -13594,7 +13978,12 @@
             <p:ph type="title"/>
           </p:nvPr>
         </p:nvSpPr>
-        <p:spPr/>
+        <p:spPr>
+          <a:xfrm>
+            <a:off x="686523" y="1677048"/>
+            <a:ext cx="10515600" cy="764594"/>
+          </a:xfrm>
+        </p:spPr>
         <p:txBody>
           <a:bodyPr rtlCol="0"/>
           <a:lstStyle>
@@ -13604,9 +13993,10 @@
           </a:lstStyle>
           <a:p>
             <a:r>
-              <a:rPr lang="ru-RU" dirty="0"/>
-              <a:t>Результаты метрики</a:t>
-            </a:r>
+              <a:rPr lang="ru-RU" dirty="0" smtClean="0"/>
+              <a:t>Тестирование моделей</a:t>
+            </a:r>
+            <a:endParaRPr lang="ru-RU" dirty="0"/>
           </a:p>
         </p:txBody>
       </p:sp>
@@ -13872,11 +14262,6 @@
               </a:rPr>
               <a:t>Голосовые технологии</a:t>
             </a:r>
-            <a:endParaRPr lang="ru-RU" b="1" dirty="0">
-              <a:solidFill>
-                <a:schemeClr val="bg1"/>
-              </a:solidFill>
-            </a:endParaRPr>
           </a:p>
         </p:txBody>
       </p:sp>
@@ -15486,6 +15871,15 @@
 </file>
 
 <file path=customXml/item2.xml><?xml version="1.0" encoding="utf-8"?>
+<?mso-contentType ?>
+<FormTemplates xmlns="http://schemas.microsoft.com/sharepoint/v3/contenttype/forms">
+  <Display>DocumentLibraryForm</Display>
+  <Edit>DocumentLibraryForm</Edit>
+  <New>DocumentLibraryForm</New>
+</FormTemplates>
+</file>
+
+<file path=customXml/item3.xml><?xml version="1.0" encoding="utf-8"?>
 <p:properties xmlns:p="http://schemas.microsoft.com/office/2006/metadata/properties" xmlns:xsi="http://www.w3.org/2001/XMLSchema-instance" xmlns:pc="http://schemas.microsoft.com/office/infopath/2007/PartnerControls">
   <documentManagement>
     <_ip_UnifiedCompliancePolicyUIAction xmlns="http://schemas.microsoft.com/sharepoint/v3" xsi:nil="true"/>
@@ -15503,15 +15897,6 @@
     <MediaServiceKeyPoints xmlns="71af3243-3dd4-4a8d-8c0d-dd76da1f02a5" xsi:nil="true"/>
   </documentManagement>
 </p:properties>
-</file>
-
-<file path=customXml/item3.xml><?xml version="1.0" encoding="utf-8"?>
-<?mso-contentType ?>
-<FormTemplates xmlns="http://schemas.microsoft.com/sharepoint/v3/contenttype/forms">
-  <Display>DocumentLibraryForm</Display>
-  <Edit>DocumentLibraryForm</Edit>
-  <New>DocumentLibraryForm</New>
-</FormTemplates>
 </file>
 
 <file path=customXml/itemProps1.xml><?xml version="1.0" encoding="utf-8"?>
@@ -15536,6 +15921,14 @@
 </file>
 
 <file path=customXml/itemProps2.xml><?xml version="1.0" encoding="utf-8"?>
+<ds:datastoreItem xmlns:ds="http://schemas.openxmlformats.org/officeDocument/2006/customXml" ds:itemID="{25B4CAA5-BE7A-46AB-97ED-63B24C46A3A8}">
+  <ds:schemaRefs>
+    <ds:schemaRef ds:uri="http://schemas.microsoft.com/sharepoint/v3/contenttype/forms"/>
+  </ds:schemaRefs>
+</ds:datastoreItem>
+</file>
+
+<file path=customXml/itemProps3.xml><?xml version="1.0" encoding="utf-8"?>
 <ds:datastoreItem xmlns:ds="http://schemas.openxmlformats.org/officeDocument/2006/customXml" ds:itemID="{411F98F7-6576-47F1-AD63-56E26C339747}">
   <ds:schemaRefs>
     <ds:schemaRef ds:uri="http://schemas.microsoft.com/sharepoint/v3"/>
@@ -15554,14 +15947,6 @@
 </ds:datastoreItem>
 </file>
 
-<file path=customXml/itemProps3.xml><?xml version="1.0" encoding="utf-8"?>
-<ds:datastoreItem xmlns:ds="http://schemas.openxmlformats.org/officeDocument/2006/customXml" ds:itemID="{25B4CAA5-BE7A-46AB-97ED-63B24C46A3A8}">
-  <ds:schemaRefs>
-    <ds:schemaRef ds:uri="http://schemas.microsoft.com/sharepoint/v3/contenttype/forms"/>
-  </ds:schemaRefs>
-</ds:datastoreItem>
-</file>
-
 <file path=docMetadata/LabelInfo.xml><?xml version="1.0" encoding="utf-8"?>
 <clbl:labelList xmlns:clbl="http://schemas.microsoft.com/office/2020/mipLabelMetadata"/>
 </file>
--- a/Презентация.pptx
+++ b/Презентация.pptx
@@ -5,10 +5,10 @@
     <p:sldMasterId id="2147483648" r:id="rId4"/>
   </p:sldMasterIdLst>
   <p:notesMasterIdLst>
-    <p:notesMasterId r:id="rId15"/>
+    <p:notesMasterId r:id="rId16"/>
   </p:notesMasterIdLst>
   <p:handoutMasterIdLst>
-    <p:handoutMasterId r:id="rId16"/>
+    <p:handoutMasterId r:id="rId17"/>
   </p:handoutMasterIdLst>
   <p:sldIdLst>
     <p:sldId id="273" r:id="rId5"/>
@@ -18,9 +18,10 @@
     <p:sldId id="292" r:id="rId9"/>
     <p:sldId id="289" r:id="rId10"/>
     <p:sldId id="294" r:id="rId11"/>
-    <p:sldId id="288" r:id="rId12"/>
-    <p:sldId id="276" r:id="rId13"/>
-    <p:sldId id="274" r:id="rId14"/>
+    <p:sldId id="295" r:id="rId12"/>
+    <p:sldId id="288" r:id="rId13"/>
+    <p:sldId id="276" r:id="rId14"/>
+    <p:sldId id="274" r:id="rId15"/>
   </p:sldIdLst>
   <p:sldSz cx="12192000" cy="6858000"/>
   <p:notesSz cx="6858000" cy="9144000"/>
@@ -319,7 +320,7 @@
           </c:tx>
           <c:spPr>
             <a:solidFill>
-              <a:schemeClr val="accent2"/>
+              <a:srgbClr val="00B0F0"/>
             </a:solidFill>
             <a:ln>
               <a:noFill/>
@@ -327,6 +328,64 @@
             <a:effectLst/>
           </c:spPr>
           <c:invertIfNegative val="0"/>
+          <c:dLbls>
+            <c:spPr>
+              <a:noFill/>
+              <a:ln>
+                <a:noFill/>
+              </a:ln>
+              <a:effectLst/>
+            </c:spPr>
+            <c:txPr>
+              <a:bodyPr rot="0" spcFirstLastPara="1" vertOverflow="ellipsis" vert="horz" wrap="square" lIns="38100" tIns="19050" rIns="38100" bIns="19050" anchor="ctr" anchorCtr="1">
+                <a:spAutoFit/>
+              </a:bodyPr>
+              <a:lstStyle/>
+              <a:p>
+                <a:pPr>
+                  <a:defRPr sz="1197" b="1" i="0" u="none" strike="noStrike" kern="1200" baseline="0">
+                    <a:solidFill>
+                      <a:schemeClr val="tx1">
+                        <a:lumMod val="75000"/>
+                        <a:lumOff val="25000"/>
+                      </a:schemeClr>
+                    </a:solidFill>
+                    <a:latin typeface="+mn-lt"/>
+                    <a:ea typeface="+mn-ea"/>
+                    <a:cs typeface="+mn-cs"/>
+                  </a:defRPr>
+                </a:pPr>
+                <a:endParaRPr lang="ru-RU"/>
+              </a:p>
+            </c:txPr>
+            <c:showLegendKey val="0"/>
+            <c:showVal val="1"/>
+            <c:showCatName val="0"/>
+            <c:showSerName val="0"/>
+            <c:showPercent val="0"/>
+            <c:showBubbleSize val="0"/>
+            <c:showLeaderLines val="0"/>
+            <c:extLst>
+              <c:ext xmlns:c15="http://schemas.microsoft.com/office/drawing/2012/chart" uri="{CE6537A1-D6FC-4f65-9D91-7224C49458BB}">
+                <c15:layout/>
+                <c15:showLeaderLines val="1"/>
+                <c15:leaderLines>
+                  <c:spPr>
+                    <a:ln w="9525" cap="flat" cmpd="sng" algn="ctr">
+                      <a:solidFill>
+                        <a:schemeClr val="tx1">
+                          <a:lumMod val="35000"/>
+                          <a:lumOff val="65000"/>
+                        </a:schemeClr>
+                      </a:solidFill>
+                      <a:round/>
+                    </a:ln>
+                    <a:effectLst/>
+                  </c:spPr>
+                </c15:leaderLines>
+              </c:ext>
+            </c:extLst>
+          </c:dLbls>
           <c:cat>
             <c:strRef>
               <c:f>Лист1!$A$2:$A$8</c:f>
@@ -412,6 +471,63 @@
         </c:scaling>
         <c:delete val="0"/>
         <c:axPos val="b"/>
+        <c:title>
+          <c:tx>
+            <c:rich>
+              <a:bodyPr rot="0" spcFirstLastPara="1" vertOverflow="ellipsis" vert="horz" wrap="square" anchor="ctr" anchorCtr="1"/>
+              <a:lstStyle/>
+              <a:p>
+                <a:pPr>
+                  <a:defRPr sz="1330" b="1" i="0" u="none" strike="noStrike" kern="1200" baseline="0">
+                    <a:solidFill>
+                      <a:schemeClr val="tx1">
+                        <a:lumMod val="65000"/>
+                        <a:lumOff val="35000"/>
+                      </a:schemeClr>
+                    </a:solidFill>
+                    <a:latin typeface="+mn-lt"/>
+                    <a:ea typeface="+mn-ea"/>
+                    <a:cs typeface="+mn-cs"/>
+                  </a:defRPr>
+                </a:pPr>
+                <a:r>
+                  <a:rPr lang="en-US" b="1" dirty="0" smtClean="0"/>
+                  <a:t>BLEU</a:t>
+                </a:r>
+                <a:endParaRPr lang="ru-RU" b="1" dirty="0"/>
+              </a:p>
+            </c:rich>
+          </c:tx>
+          <c:layout/>
+          <c:overlay val="0"/>
+          <c:spPr>
+            <a:noFill/>
+            <a:ln>
+              <a:noFill/>
+            </a:ln>
+            <a:effectLst/>
+          </c:spPr>
+          <c:txPr>
+            <a:bodyPr rot="0" spcFirstLastPara="1" vertOverflow="ellipsis" vert="horz" wrap="square" anchor="ctr" anchorCtr="1"/>
+            <a:lstStyle/>
+            <a:p>
+              <a:pPr>
+                <a:defRPr sz="1330" b="1" i="0" u="none" strike="noStrike" kern="1200" baseline="0">
+                  <a:solidFill>
+                    <a:schemeClr val="tx1">
+                      <a:lumMod val="65000"/>
+                      <a:lumOff val="35000"/>
+                    </a:schemeClr>
+                  </a:solidFill>
+                  <a:latin typeface="+mn-lt"/>
+                  <a:ea typeface="+mn-ea"/>
+                  <a:cs typeface="+mn-cs"/>
+                </a:defRPr>
+              </a:pPr>
+              <a:endParaRPr lang="ru-RU"/>
+            </a:p>
+          </c:txPr>
+        </c:title>
         <c:numFmt formatCode="General" sourceLinked="1"/>
         <c:majorTickMark val="none"/>
         <c:minorTickMark val="none"/>
@@ -420,12 +536,10 @@
           <a:noFill/>
           <a:ln w="9525" cap="flat" cmpd="sng" algn="ctr">
             <a:solidFill>
-              <a:schemeClr val="tx1">
-                <a:lumMod val="15000"/>
-                <a:lumOff val="85000"/>
-              </a:schemeClr>
+              <a:schemeClr val="accent1"/>
             </a:solidFill>
             <a:round/>
+            <a:tailEnd type="triangle"/>
           </a:ln>
           <a:effectLst/>
         </c:spPr>
@@ -451,7 +565,7 @@
         </c:txPr>
         <c:crossAx val="662623615"/>
         <c:crosses val="autoZero"/>
-        <c:auto val="1"/>
+        <c:auto val="0"/>
         <c:lblAlgn val="ctr"/>
         <c:lblOffset val="100"/>
         <c:noMultiLvlLbl val="0"/>
@@ -478,6 +592,63 @@
             <a:effectLst/>
           </c:spPr>
         </c:majorGridlines>
+        <c:title>
+          <c:tx>
+            <c:rich>
+              <a:bodyPr rot="-5400000" spcFirstLastPara="1" vertOverflow="ellipsis" vert="horz" wrap="square" anchor="ctr" anchorCtr="1"/>
+              <a:lstStyle/>
+              <a:p>
+                <a:pPr>
+                  <a:defRPr sz="1330" b="1" i="0" u="none" strike="noStrike" kern="1200" baseline="0">
+                    <a:solidFill>
+                      <a:schemeClr val="tx1">
+                        <a:lumMod val="65000"/>
+                        <a:lumOff val="35000"/>
+                      </a:schemeClr>
+                    </a:solidFill>
+                    <a:latin typeface="+mn-lt"/>
+                    <a:ea typeface="+mn-ea"/>
+                    <a:cs typeface="+mn-cs"/>
+                  </a:defRPr>
+                </a:pPr>
+                <a:r>
+                  <a:rPr lang="ru-RU" b="1" dirty="0" smtClean="0"/>
+                  <a:t>Точность</a:t>
+                </a:r>
+                <a:endParaRPr lang="ru-RU" b="1" dirty="0"/>
+              </a:p>
+            </c:rich>
+          </c:tx>
+          <c:layout/>
+          <c:overlay val="0"/>
+          <c:spPr>
+            <a:noFill/>
+            <a:ln>
+              <a:noFill/>
+            </a:ln>
+            <a:effectLst/>
+          </c:spPr>
+          <c:txPr>
+            <a:bodyPr rot="-5400000" spcFirstLastPara="1" vertOverflow="ellipsis" vert="horz" wrap="square" anchor="ctr" anchorCtr="1"/>
+            <a:lstStyle/>
+            <a:p>
+              <a:pPr>
+                <a:defRPr sz="1330" b="1" i="0" u="none" strike="noStrike" kern="1200" baseline="0">
+                  <a:solidFill>
+                    <a:schemeClr val="tx1">
+                      <a:lumMod val="65000"/>
+                      <a:lumOff val="35000"/>
+                    </a:schemeClr>
+                  </a:solidFill>
+                  <a:latin typeface="+mn-lt"/>
+                  <a:ea typeface="+mn-ea"/>
+                  <a:cs typeface="+mn-cs"/>
+                </a:defRPr>
+              </a:pPr>
+              <a:endParaRPr lang="ru-RU"/>
+            </a:p>
+          </c:txPr>
+        </c:title>
         <c:numFmt formatCode="General" sourceLinked="0"/>
         <c:majorTickMark val="cross"/>
         <c:minorTickMark val="none"/>
@@ -488,6 +659,421 @@
             <a:solidFill>
               <a:schemeClr val="accent1"/>
             </a:solidFill>
+            <a:tailEnd type="triangle"/>
+          </a:ln>
+          <a:effectLst/>
+        </c:spPr>
+        <c:txPr>
+          <a:bodyPr rot="-60000000" spcFirstLastPara="1" vertOverflow="ellipsis" vert="horz" wrap="square" anchor="ctr" anchorCtr="1"/>
+          <a:lstStyle/>
+          <a:p>
+            <a:pPr>
+              <a:defRPr sz="1197" b="0" i="0" u="none" strike="noStrike" kern="1200" baseline="0">
+                <a:solidFill>
+                  <a:schemeClr val="tx1">
+                    <a:lumMod val="65000"/>
+                    <a:lumOff val="35000"/>
+                  </a:schemeClr>
+                </a:solidFill>
+                <a:latin typeface="+mn-lt"/>
+                <a:ea typeface="+mn-ea"/>
+                <a:cs typeface="+mn-cs"/>
+              </a:defRPr>
+            </a:pPr>
+            <a:endParaRPr lang="ru-RU"/>
+          </a:p>
+        </c:txPr>
+        <c:crossAx val="662629855"/>
+        <c:crosses val="autoZero"/>
+        <c:crossBetween val="between"/>
+      </c:valAx>
+      <c:spPr>
+        <a:noFill/>
+        <a:ln>
+          <a:noFill/>
+        </a:ln>
+        <a:effectLst/>
+      </c:spPr>
+    </c:plotArea>
+    <c:plotVisOnly val="1"/>
+    <c:dispBlanksAs val="gap"/>
+    <c:showDLblsOverMax val="0"/>
+  </c:chart>
+  <c:spPr>
+    <a:noFill/>
+    <a:ln>
+      <a:noFill/>
+    </a:ln>
+    <a:effectLst/>
+  </c:spPr>
+  <c:txPr>
+    <a:bodyPr/>
+    <a:lstStyle/>
+    <a:p>
+      <a:pPr>
+        <a:defRPr/>
+      </a:pPr>
+      <a:endParaRPr lang="ru-RU"/>
+    </a:p>
+  </c:txPr>
+  <c:externalData r:id="rId3">
+    <c:autoUpdate val="0"/>
+  </c:externalData>
+</c:chartSpace>
+</file>
+
+<file path=ppt/charts/chart2.xml><?xml version="1.0" encoding="utf-8"?>
+<c:chartSpace xmlns:c="http://schemas.openxmlformats.org/drawingml/2006/chart" xmlns:a="http://schemas.openxmlformats.org/drawingml/2006/main" xmlns:r="http://schemas.openxmlformats.org/officeDocument/2006/relationships" xmlns:c16r2="http://schemas.microsoft.com/office/drawing/2015/06/chart">
+  <c:date1904 val="0"/>
+  <c:lang val="ru-RU"/>
+  <c:roundedCorners val="0"/>
+  <mc:AlternateContent xmlns:mc="http://schemas.openxmlformats.org/markup-compatibility/2006">
+    <mc:Choice xmlns:c14="http://schemas.microsoft.com/office/drawing/2007/8/2/chart" Requires="c14">
+      <c14:style val="104"/>
+    </mc:Choice>
+    <mc:Fallback>
+      <c:style val="4"/>
+    </mc:Fallback>
+  </mc:AlternateContent>
+  <c:chart>
+    <c:autoTitleDeleted val="1"/>
+    <c:plotArea>
+      <c:layout/>
+      <c:barChart>
+        <c:barDir val="col"/>
+        <c:grouping val="clustered"/>
+        <c:varyColors val="0"/>
+        <c:ser>
+          <c:idx val="0"/>
+          <c:order val="0"/>
+          <c:tx>
+            <c:strRef>
+              <c:f>Лист1!$B$1</c:f>
+              <c:strCache>
+                <c:ptCount val="1"/>
+                <c:pt idx="0">
+                  <c:v>Точность</c:v>
+                </c:pt>
+              </c:strCache>
+            </c:strRef>
+          </c:tx>
+          <c:spPr>
+            <a:solidFill>
+              <a:srgbClr val="00B0F0"/>
+            </a:solidFill>
+            <a:ln>
+              <a:noFill/>
+            </a:ln>
+            <a:effectLst/>
+          </c:spPr>
+          <c:invertIfNegative val="0"/>
+          <c:dLbls>
+            <c:spPr>
+              <a:noFill/>
+              <a:ln>
+                <a:noFill/>
+              </a:ln>
+              <a:effectLst/>
+            </c:spPr>
+            <c:txPr>
+              <a:bodyPr rot="0" spcFirstLastPara="1" vertOverflow="ellipsis" vert="horz" wrap="square" lIns="38100" tIns="19050" rIns="38100" bIns="19050" anchor="ctr" anchorCtr="1">
+                <a:spAutoFit/>
+              </a:bodyPr>
+              <a:lstStyle/>
+              <a:p>
+                <a:pPr>
+                  <a:defRPr sz="1197" b="1" i="0" u="none" strike="noStrike" kern="1200" baseline="0">
+                    <a:solidFill>
+                      <a:schemeClr val="tx1">
+                        <a:lumMod val="75000"/>
+                        <a:lumOff val="25000"/>
+                      </a:schemeClr>
+                    </a:solidFill>
+                    <a:latin typeface="+mn-lt"/>
+                    <a:ea typeface="+mn-ea"/>
+                    <a:cs typeface="+mn-cs"/>
+                  </a:defRPr>
+                </a:pPr>
+                <a:endParaRPr lang="ru-RU"/>
+              </a:p>
+            </c:txPr>
+            <c:showLegendKey val="0"/>
+            <c:showVal val="1"/>
+            <c:showCatName val="0"/>
+            <c:showSerName val="0"/>
+            <c:showPercent val="0"/>
+            <c:showBubbleSize val="0"/>
+            <c:showLeaderLines val="0"/>
+            <c:extLst>
+              <c:ext xmlns:c15="http://schemas.microsoft.com/office/drawing/2012/chart" uri="{CE6537A1-D6FC-4f65-9D91-7224C49458BB}">
+                <c15:layout/>
+                <c15:showLeaderLines val="1"/>
+                <c15:leaderLines>
+                  <c:spPr>
+                    <a:ln w="9525" cap="flat" cmpd="sng" algn="ctr">
+                      <a:solidFill>
+                        <a:schemeClr val="tx1">
+                          <a:lumMod val="35000"/>
+                          <a:lumOff val="65000"/>
+                        </a:schemeClr>
+                      </a:solidFill>
+                      <a:round/>
+                    </a:ln>
+                    <a:effectLst/>
+                  </c:spPr>
+                </c15:leaderLines>
+              </c:ext>
+            </c:extLst>
+          </c:dLbls>
+          <c:cat>
+            <c:strRef>
+              <c:f>Лист1!$A$2:$A$4</c:f>
+              <c:strCache>
+                <c:ptCount val="3"/>
+                <c:pt idx="0">
+                  <c:v>BERT</c:v>
+                </c:pt>
+                <c:pt idx="1">
+                  <c:v>TF-IDF</c:v>
+                </c:pt>
+                <c:pt idx="2">
+                  <c:v>Count</c:v>
+                </c:pt>
+              </c:strCache>
+            </c:strRef>
+          </c:cat>
+          <c:val>
+            <c:numRef>
+              <c:f>Лист1!$B$2:$B$4</c:f>
+              <c:numCache>
+                <c:formatCode>General</c:formatCode>
+                <c:ptCount val="3"/>
+                <c:pt idx="0">
+                  <c:v>0.83</c:v>
+                </c:pt>
+                <c:pt idx="1">
+                  <c:v>0.77</c:v>
+                </c:pt>
+                <c:pt idx="2">
+                  <c:v>0.77</c:v>
+                </c:pt>
+              </c:numCache>
+            </c:numRef>
+          </c:val>
+          <c:extLst>
+            <c:ext xmlns:c16="http://schemas.microsoft.com/office/drawing/2014/chart" uri="{C3380CC4-5D6E-409C-BE32-E72D297353CC}">
+              <c16:uniqueId val="{00000000-96A4-4E29-800B-B430EE3D0EF2}"/>
+            </c:ext>
+          </c:extLst>
+        </c:ser>
+        <c:dLbls>
+          <c:showLegendKey val="0"/>
+          <c:showVal val="0"/>
+          <c:showCatName val="0"/>
+          <c:showSerName val="0"/>
+          <c:showPercent val="0"/>
+          <c:showBubbleSize val="0"/>
+        </c:dLbls>
+        <c:gapWidth val="219"/>
+        <c:overlap val="-27"/>
+        <c:axId val="662629855"/>
+        <c:axId val="662623615"/>
+      </c:barChart>
+      <c:catAx>
+        <c:axId val="662629855"/>
+        <c:scaling>
+          <c:orientation val="minMax"/>
+        </c:scaling>
+        <c:delete val="0"/>
+        <c:axPos val="b"/>
+        <c:title>
+          <c:tx>
+            <c:rich>
+              <a:bodyPr rot="0" spcFirstLastPara="1" vertOverflow="ellipsis" vert="horz" wrap="square" anchor="ctr" anchorCtr="1"/>
+              <a:lstStyle/>
+              <a:p>
+                <a:pPr>
+                  <a:defRPr sz="1330" b="1" i="0" u="none" strike="noStrike" kern="1200" baseline="0">
+                    <a:solidFill>
+                      <a:schemeClr val="tx1">
+                        <a:lumMod val="65000"/>
+                        <a:lumOff val="35000"/>
+                      </a:schemeClr>
+                    </a:solidFill>
+                    <a:latin typeface="+mn-lt"/>
+                    <a:ea typeface="+mn-ea"/>
+                    <a:cs typeface="+mn-cs"/>
+                  </a:defRPr>
+                </a:pPr>
+                <a:r>
+                  <a:rPr lang="en-US" b="1" dirty="0" smtClean="0"/>
+                  <a:t>NLP</a:t>
+                </a:r>
+                <a:endParaRPr lang="ru-RU" b="1" dirty="0"/>
+              </a:p>
+            </c:rich>
+          </c:tx>
+          <c:layout/>
+          <c:overlay val="0"/>
+          <c:spPr>
+            <a:noFill/>
+            <a:ln>
+              <a:noFill/>
+            </a:ln>
+            <a:effectLst/>
+          </c:spPr>
+          <c:txPr>
+            <a:bodyPr rot="0" spcFirstLastPara="1" vertOverflow="ellipsis" vert="horz" wrap="square" anchor="ctr" anchorCtr="1"/>
+            <a:lstStyle/>
+            <a:p>
+              <a:pPr>
+                <a:defRPr sz="1330" b="1" i="0" u="none" strike="noStrike" kern="1200" baseline="0">
+                  <a:solidFill>
+                    <a:schemeClr val="tx1">
+                      <a:lumMod val="65000"/>
+                      <a:lumOff val="35000"/>
+                    </a:schemeClr>
+                  </a:solidFill>
+                  <a:latin typeface="+mn-lt"/>
+                  <a:ea typeface="+mn-ea"/>
+                  <a:cs typeface="+mn-cs"/>
+                </a:defRPr>
+              </a:pPr>
+              <a:endParaRPr lang="ru-RU"/>
+            </a:p>
+          </c:txPr>
+        </c:title>
+        <c:numFmt formatCode="General" sourceLinked="1"/>
+        <c:majorTickMark val="none"/>
+        <c:minorTickMark val="none"/>
+        <c:tickLblPos val="nextTo"/>
+        <c:spPr>
+          <a:noFill/>
+          <a:ln w="9525" cap="flat" cmpd="sng" algn="ctr">
+            <a:solidFill>
+              <a:schemeClr val="accent1"/>
+            </a:solidFill>
+            <a:round/>
+            <a:tailEnd type="triangle"/>
+          </a:ln>
+          <a:effectLst/>
+        </c:spPr>
+        <c:txPr>
+          <a:bodyPr rot="-60000000" spcFirstLastPara="1" vertOverflow="ellipsis" vert="horz" wrap="square" anchor="ctr" anchorCtr="1"/>
+          <a:lstStyle/>
+          <a:p>
+            <a:pPr>
+              <a:defRPr sz="1197" b="0" i="0" u="none" strike="noStrike" kern="1200" baseline="0">
+                <a:solidFill>
+                  <a:schemeClr val="tx1">
+                    <a:lumMod val="65000"/>
+                    <a:lumOff val="35000"/>
+                  </a:schemeClr>
+                </a:solidFill>
+                <a:latin typeface="+mn-lt"/>
+                <a:ea typeface="+mn-ea"/>
+                <a:cs typeface="+mn-cs"/>
+              </a:defRPr>
+            </a:pPr>
+            <a:endParaRPr lang="ru-RU"/>
+          </a:p>
+        </c:txPr>
+        <c:crossAx val="662623615"/>
+        <c:crosses val="autoZero"/>
+        <c:auto val="0"/>
+        <c:lblAlgn val="ctr"/>
+        <c:lblOffset val="100"/>
+        <c:noMultiLvlLbl val="0"/>
+      </c:catAx>
+      <c:valAx>
+        <c:axId val="662623615"/>
+        <c:scaling>
+          <c:orientation val="minMax"/>
+          <c:min val="0.60000000000000009"/>
+        </c:scaling>
+        <c:delete val="0"/>
+        <c:axPos val="l"/>
+        <c:majorGridlines>
+          <c:spPr>
+            <a:ln w="9525" cap="flat" cmpd="sng" algn="ctr">
+              <a:solidFill>
+                <a:schemeClr val="tx1">
+                  <a:lumMod val="15000"/>
+                  <a:lumOff val="85000"/>
+                </a:schemeClr>
+              </a:solidFill>
+              <a:round/>
+            </a:ln>
+            <a:effectLst/>
+          </c:spPr>
+        </c:majorGridlines>
+        <c:title>
+          <c:tx>
+            <c:rich>
+              <a:bodyPr rot="-5400000" spcFirstLastPara="1" vertOverflow="ellipsis" vert="horz" wrap="square" anchor="ctr" anchorCtr="1"/>
+              <a:lstStyle/>
+              <a:p>
+                <a:pPr>
+                  <a:defRPr sz="1330" b="1" i="0" u="none" strike="noStrike" kern="1200" baseline="0">
+                    <a:solidFill>
+                      <a:schemeClr val="tx1">
+                        <a:lumMod val="65000"/>
+                        <a:lumOff val="35000"/>
+                      </a:schemeClr>
+                    </a:solidFill>
+                    <a:latin typeface="+mn-lt"/>
+                    <a:ea typeface="+mn-ea"/>
+                    <a:cs typeface="+mn-cs"/>
+                  </a:defRPr>
+                </a:pPr>
+                <a:r>
+                  <a:rPr lang="ru-RU" b="1" dirty="0" smtClean="0"/>
+                  <a:t>Точность</a:t>
+                </a:r>
+              </a:p>
+            </c:rich>
+          </c:tx>
+          <c:layout/>
+          <c:overlay val="0"/>
+          <c:spPr>
+            <a:noFill/>
+            <a:ln>
+              <a:noFill/>
+            </a:ln>
+            <a:effectLst/>
+          </c:spPr>
+          <c:txPr>
+            <a:bodyPr rot="-5400000" spcFirstLastPara="1" vertOverflow="ellipsis" vert="horz" wrap="square" anchor="ctr" anchorCtr="1"/>
+            <a:lstStyle/>
+            <a:p>
+              <a:pPr>
+                <a:defRPr sz="1330" b="1" i="0" u="none" strike="noStrike" kern="1200" baseline="0">
+                  <a:solidFill>
+                    <a:schemeClr val="tx1">
+                      <a:lumMod val="65000"/>
+                      <a:lumOff val="35000"/>
+                    </a:schemeClr>
+                  </a:solidFill>
+                  <a:latin typeface="+mn-lt"/>
+                  <a:ea typeface="+mn-ea"/>
+                  <a:cs typeface="+mn-cs"/>
+                </a:defRPr>
+              </a:pPr>
+              <a:endParaRPr lang="ru-RU"/>
+            </a:p>
+          </c:txPr>
+        </c:title>
+        <c:numFmt formatCode="General" sourceLinked="0"/>
+        <c:majorTickMark val="cross"/>
+        <c:minorTickMark val="none"/>
+        <c:tickLblPos val="nextTo"/>
+        <c:spPr>
+          <a:noFill/>
+          <a:ln>
+            <a:solidFill>
+              <a:schemeClr val="accent1"/>
+            </a:solidFill>
+            <a:tailEnd type="triangle"/>
           </a:ln>
           <a:effectLst/>
         </c:spPr>
@@ -556,7 +1142,516 @@
 </cs:colorStyle>
 </file>
 
+<file path=ppt/charts/colors2.xml><?xml version="1.0" encoding="utf-8"?>
+<cs:colorStyle xmlns:cs="http://schemas.microsoft.com/office/drawing/2012/chartStyle" xmlns:a="http://schemas.openxmlformats.org/drawingml/2006/main" meth="withinLinearReversed" id="22">
+  <a:schemeClr val="accent2"/>
+</cs:colorStyle>
+</file>
+
 <file path=ppt/charts/style1.xml><?xml version="1.0" encoding="utf-8"?>
+<cs:chartStyle xmlns:cs="http://schemas.microsoft.com/office/drawing/2012/chartStyle" xmlns:a="http://schemas.openxmlformats.org/drawingml/2006/main" id="201">
+  <cs:axisTitle>
+    <cs:lnRef idx="0"/>
+    <cs:fillRef idx="0"/>
+    <cs:effectRef idx="0"/>
+    <cs:fontRef idx="minor">
+      <a:schemeClr val="tx1">
+        <a:lumMod val="65000"/>
+        <a:lumOff val="35000"/>
+      </a:schemeClr>
+    </cs:fontRef>
+    <cs:defRPr sz="1330" kern="1200"/>
+  </cs:axisTitle>
+  <cs:categoryAxis>
+    <cs:lnRef idx="0"/>
+    <cs:fillRef idx="0"/>
+    <cs:effectRef idx="0"/>
+    <cs:fontRef idx="minor">
+      <a:schemeClr val="tx1">
+        <a:lumMod val="65000"/>
+        <a:lumOff val="35000"/>
+      </a:schemeClr>
+    </cs:fontRef>
+    <cs:spPr>
+      <a:ln w="9525" cap="flat" cmpd="sng" algn="ctr">
+        <a:solidFill>
+          <a:schemeClr val="tx1">
+            <a:lumMod val="15000"/>
+            <a:lumOff val="85000"/>
+          </a:schemeClr>
+        </a:solidFill>
+        <a:round/>
+      </a:ln>
+    </cs:spPr>
+    <cs:defRPr sz="1197" kern="1200"/>
+  </cs:categoryAxis>
+  <cs:chartArea mods="allowNoFillOverride allowNoLineOverride">
+    <cs:lnRef idx="0"/>
+    <cs:fillRef idx="0"/>
+    <cs:effectRef idx="0"/>
+    <cs:fontRef idx="minor">
+      <a:schemeClr val="tx1"/>
+    </cs:fontRef>
+    <cs:spPr>
+      <a:solidFill>
+        <a:schemeClr val="bg1"/>
+      </a:solidFill>
+      <a:ln w="9525" cap="flat" cmpd="sng" algn="ctr">
+        <a:solidFill>
+          <a:schemeClr val="tx1">
+            <a:lumMod val="15000"/>
+            <a:lumOff val="85000"/>
+          </a:schemeClr>
+        </a:solidFill>
+        <a:round/>
+      </a:ln>
+    </cs:spPr>
+    <cs:defRPr sz="1330" kern="1200"/>
+  </cs:chartArea>
+  <cs:dataLabel>
+    <cs:lnRef idx="0"/>
+    <cs:fillRef idx="0"/>
+    <cs:effectRef idx="0"/>
+    <cs:fontRef idx="minor">
+      <a:schemeClr val="tx1">
+        <a:lumMod val="75000"/>
+        <a:lumOff val="25000"/>
+      </a:schemeClr>
+    </cs:fontRef>
+    <cs:defRPr sz="1197" kern="1200"/>
+  </cs:dataLabel>
+  <cs:dataLabelCallout>
+    <cs:lnRef idx="0"/>
+    <cs:fillRef idx="0"/>
+    <cs:effectRef idx="0"/>
+    <cs:fontRef idx="minor">
+      <a:schemeClr val="dk1">
+        <a:lumMod val="65000"/>
+        <a:lumOff val="35000"/>
+      </a:schemeClr>
+    </cs:fontRef>
+    <cs:spPr>
+      <a:solidFill>
+        <a:schemeClr val="lt1"/>
+      </a:solidFill>
+      <a:ln>
+        <a:solidFill>
+          <a:schemeClr val="dk1">
+            <a:lumMod val="25000"/>
+            <a:lumOff val="75000"/>
+          </a:schemeClr>
+        </a:solidFill>
+      </a:ln>
+    </cs:spPr>
+    <cs:defRPr sz="1197" kern="1200"/>
+    <cs:bodyPr rot="0" spcFirstLastPara="1" vertOverflow="clip" horzOverflow="clip" vert="horz" wrap="square" lIns="36576" tIns="18288" rIns="36576" bIns="18288" anchor="ctr" anchorCtr="1">
+      <a:spAutoFit/>
+    </cs:bodyPr>
+  </cs:dataLabelCallout>
+  <cs:dataPoint>
+    <cs:lnRef idx="0"/>
+    <cs:fillRef idx="1">
+      <cs:styleClr val="auto"/>
+    </cs:fillRef>
+    <cs:effectRef idx="0"/>
+    <cs:fontRef idx="minor">
+      <a:schemeClr val="tx1"/>
+    </cs:fontRef>
+  </cs:dataPoint>
+  <cs:dataPoint3D>
+    <cs:lnRef idx="0"/>
+    <cs:fillRef idx="1">
+      <cs:styleClr val="auto"/>
+    </cs:fillRef>
+    <cs:effectRef idx="0"/>
+    <cs:fontRef idx="minor">
+      <a:schemeClr val="tx1"/>
+    </cs:fontRef>
+  </cs:dataPoint3D>
+  <cs:dataPointLine>
+    <cs:lnRef idx="0">
+      <cs:styleClr val="auto"/>
+    </cs:lnRef>
+    <cs:fillRef idx="1"/>
+    <cs:effectRef idx="0"/>
+    <cs:fontRef idx="minor">
+      <a:schemeClr val="tx1"/>
+    </cs:fontRef>
+    <cs:spPr>
+      <a:ln w="28575" cap="rnd">
+        <a:solidFill>
+          <a:schemeClr val="phClr"/>
+        </a:solidFill>
+        <a:round/>
+      </a:ln>
+    </cs:spPr>
+  </cs:dataPointLine>
+  <cs:dataPointMarker>
+    <cs:lnRef idx="0">
+      <cs:styleClr val="auto"/>
+    </cs:lnRef>
+    <cs:fillRef idx="1">
+      <cs:styleClr val="auto"/>
+    </cs:fillRef>
+    <cs:effectRef idx="0"/>
+    <cs:fontRef idx="minor">
+      <a:schemeClr val="tx1"/>
+    </cs:fontRef>
+    <cs:spPr>
+      <a:ln w="9525">
+        <a:solidFill>
+          <a:schemeClr val="phClr"/>
+        </a:solidFill>
+      </a:ln>
+    </cs:spPr>
+  </cs:dataPointMarker>
+  <cs:dataPointMarkerLayout symbol="circle" size="5"/>
+  <cs:dataPointWireframe>
+    <cs:lnRef idx="0">
+      <cs:styleClr val="auto"/>
+    </cs:lnRef>
+    <cs:fillRef idx="1"/>
+    <cs:effectRef idx="0"/>
+    <cs:fontRef idx="minor">
+      <a:schemeClr val="tx1"/>
+    </cs:fontRef>
+    <cs:spPr>
+      <a:ln w="9525" cap="rnd">
+        <a:solidFill>
+          <a:schemeClr val="phClr"/>
+        </a:solidFill>
+        <a:round/>
+      </a:ln>
+    </cs:spPr>
+  </cs:dataPointWireframe>
+  <cs:dataTable>
+    <cs:lnRef idx="0"/>
+    <cs:fillRef idx="0"/>
+    <cs:effectRef idx="0"/>
+    <cs:fontRef idx="minor">
+      <a:schemeClr val="tx1">
+        <a:lumMod val="65000"/>
+        <a:lumOff val="35000"/>
+      </a:schemeClr>
+    </cs:fontRef>
+    <cs:spPr>
+      <a:noFill/>
+      <a:ln w="9525" cap="flat" cmpd="sng" algn="ctr">
+        <a:solidFill>
+          <a:schemeClr val="tx1">
+            <a:lumMod val="15000"/>
+            <a:lumOff val="85000"/>
+          </a:schemeClr>
+        </a:solidFill>
+        <a:round/>
+      </a:ln>
+    </cs:spPr>
+    <cs:defRPr sz="1197" kern="1200"/>
+  </cs:dataTable>
+  <cs:downBar>
+    <cs:lnRef idx="0"/>
+    <cs:fillRef idx="0"/>
+    <cs:effectRef idx="0"/>
+    <cs:fontRef idx="minor">
+      <a:schemeClr val="dk1"/>
+    </cs:fontRef>
+    <cs:spPr>
+      <a:solidFill>
+        <a:schemeClr val="dk1">
+          <a:lumMod val="65000"/>
+          <a:lumOff val="35000"/>
+        </a:schemeClr>
+      </a:solidFill>
+      <a:ln w="9525">
+        <a:solidFill>
+          <a:schemeClr val="tx1">
+            <a:lumMod val="65000"/>
+            <a:lumOff val="35000"/>
+          </a:schemeClr>
+        </a:solidFill>
+      </a:ln>
+    </cs:spPr>
+  </cs:downBar>
+  <cs:dropLine>
+    <cs:lnRef idx="0"/>
+    <cs:fillRef idx="0"/>
+    <cs:effectRef idx="0"/>
+    <cs:fontRef idx="minor">
+      <a:schemeClr val="tx1"/>
+    </cs:fontRef>
+    <cs:spPr>
+      <a:ln w="9525" cap="flat" cmpd="sng" algn="ctr">
+        <a:solidFill>
+          <a:schemeClr val="tx1">
+            <a:lumMod val="35000"/>
+            <a:lumOff val="65000"/>
+          </a:schemeClr>
+        </a:solidFill>
+        <a:round/>
+      </a:ln>
+    </cs:spPr>
+  </cs:dropLine>
+  <cs:errorBar>
+    <cs:lnRef idx="0"/>
+    <cs:fillRef idx="0"/>
+    <cs:effectRef idx="0"/>
+    <cs:fontRef idx="minor">
+      <a:schemeClr val="tx1"/>
+    </cs:fontRef>
+    <cs:spPr>
+      <a:ln w="9525" cap="flat" cmpd="sng" algn="ctr">
+        <a:solidFill>
+          <a:schemeClr val="tx1">
+            <a:lumMod val="65000"/>
+            <a:lumOff val="35000"/>
+          </a:schemeClr>
+        </a:solidFill>
+        <a:round/>
+      </a:ln>
+    </cs:spPr>
+  </cs:errorBar>
+  <cs:floor>
+    <cs:lnRef idx="0"/>
+    <cs:fillRef idx="0"/>
+    <cs:effectRef idx="0"/>
+    <cs:fontRef idx="minor">
+      <a:schemeClr val="tx1"/>
+    </cs:fontRef>
+    <cs:spPr>
+      <a:noFill/>
+      <a:ln>
+        <a:noFill/>
+      </a:ln>
+    </cs:spPr>
+  </cs:floor>
+  <cs:gridlineMajor>
+    <cs:lnRef idx="0"/>
+    <cs:fillRef idx="0"/>
+    <cs:effectRef idx="0"/>
+    <cs:fontRef idx="minor">
+      <a:schemeClr val="tx1"/>
+    </cs:fontRef>
+    <cs:spPr>
+      <a:ln w="9525" cap="flat" cmpd="sng" algn="ctr">
+        <a:solidFill>
+          <a:schemeClr val="tx1">
+            <a:lumMod val="15000"/>
+            <a:lumOff val="85000"/>
+          </a:schemeClr>
+        </a:solidFill>
+        <a:round/>
+      </a:ln>
+    </cs:spPr>
+  </cs:gridlineMajor>
+  <cs:gridlineMinor>
+    <cs:lnRef idx="0"/>
+    <cs:fillRef idx="0"/>
+    <cs:effectRef idx="0"/>
+    <cs:fontRef idx="minor">
+      <a:schemeClr val="tx1"/>
+    </cs:fontRef>
+    <cs:spPr>
+      <a:ln w="9525" cap="flat" cmpd="sng" algn="ctr">
+        <a:solidFill>
+          <a:schemeClr val="tx1">
+            <a:lumMod val="5000"/>
+            <a:lumOff val="95000"/>
+          </a:schemeClr>
+        </a:solidFill>
+        <a:round/>
+      </a:ln>
+    </cs:spPr>
+  </cs:gridlineMinor>
+  <cs:hiLoLine>
+    <cs:lnRef idx="0"/>
+    <cs:fillRef idx="0"/>
+    <cs:effectRef idx="0"/>
+    <cs:fontRef idx="minor">
+      <a:schemeClr val="tx1"/>
+    </cs:fontRef>
+    <cs:spPr>
+      <a:ln w="9525" cap="flat" cmpd="sng" algn="ctr">
+        <a:solidFill>
+          <a:schemeClr val="tx1">
+            <a:lumMod val="75000"/>
+            <a:lumOff val="25000"/>
+          </a:schemeClr>
+        </a:solidFill>
+        <a:round/>
+      </a:ln>
+    </cs:spPr>
+  </cs:hiLoLine>
+  <cs:leaderLine>
+    <cs:lnRef idx="0"/>
+    <cs:fillRef idx="0"/>
+    <cs:effectRef idx="0"/>
+    <cs:fontRef idx="minor">
+      <a:schemeClr val="tx1"/>
+    </cs:fontRef>
+    <cs:spPr>
+      <a:ln w="9525" cap="flat" cmpd="sng" algn="ctr">
+        <a:solidFill>
+          <a:schemeClr val="tx1">
+            <a:lumMod val="35000"/>
+            <a:lumOff val="65000"/>
+          </a:schemeClr>
+        </a:solidFill>
+        <a:round/>
+      </a:ln>
+    </cs:spPr>
+  </cs:leaderLine>
+  <cs:legend>
+    <cs:lnRef idx="0"/>
+    <cs:fillRef idx="0"/>
+    <cs:effectRef idx="0"/>
+    <cs:fontRef idx="minor">
+      <a:schemeClr val="tx1">
+        <a:lumMod val="65000"/>
+        <a:lumOff val="35000"/>
+      </a:schemeClr>
+    </cs:fontRef>
+    <cs:defRPr sz="1197" kern="1200"/>
+  </cs:legend>
+  <cs:plotArea mods="allowNoFillOverride allowNoLineOverride">
+    <cs:lnRef idx="0"/>
+    <cs:fillRef idx="0"/>
+    <cs:effectRef idx="0"/>
+    <cs:fontRef idx="minor">
+      <a:schemeClr val="tx1"/>
+    </cs:fontRef>
+  </cs:plotArea>
+  <cs:plotArea3D mods="allowNoFillOverride allowNoLineOverride">
+    <cs:lnRef idx="0"/>
+    <cs:fillRef idx="0"/>
+    <cs:effectRef idx="0"/>
+    <cs:fontRef idx="minor">
+      <a:schemeClr val="tx1"/>
+    </cs:fontRef>
+  </cs:plotArea3D>
+  <cs:seriesAxis>
+    <cs:lnRef idx="0"/>
+    <cs:fillRef idx="0"/>
+    <cs:effectRef idx="0"/>
+    <cs:fontRef idx="minor">
+      <a:schemeClr val="tx1">
+        <a:lumMod val="65000"/>
+        <a:lumOff val="35000"/>
+      </a:schemeClr>
+    </cs:fontRef>
+    <cs:defRPr sz="1197" kern="1200"/>
+  </cs:seriesAxis>
+  <cs:seriesLine>
+    <cs:lnRef idx="0"/>
+    <cs:fillRef idx="0"/>
+    <cs:effectRef idx="0"/>
+    <cs:fontRef idx="minor">
+      <a:schemeClr val="tx1"/>
+    </cs:fontRef>
+    <cs:spPr>
+      <a:ln w="9525" cap="flat" cmpd="sng" algn="ctr">
+        <a:solidFill>
+          <a:schemeClr val="tx1">
+            <a:lumMod val="35000"/>
+            <a:lumOff val="65000"/>
+          </a:schemeClr>
+        </a:solidFill>
+        <a:round/>
+      </a:ln>
+    </cs:spPr>
+  </cs:seriesLine>
+  <cs:title>
+    <cs:lnRef idx="0"/>
+    <cs:fillRef idx="0"/>
+    <cs:effectRef idx="0"/>
+    <cs:fontRef idx="minor">
+      <a:schemeClr val="tx1">
+        <a:lumMod val="65000"/>
+        <a:lumOff val="35000"/>
+      </a:schemeClr>
+    </cs:fontRef>
+    <cs:defRPr sz="1862" b="0" kern="1200" spc="0" baseline="0"/>
+  </cs:title>
+  <cs:trendline>
+    <cs:lnRef idx="0">
+      <cs:styleClr val="auto"/>
+    </cs:lnRef>
+    <cs:fillRef idx="0"/>
+    <cs:effectRef idx="0"/>
+    <cs:fontRef idx="minor">
+      <a:schemeClr val="tx1"/>
+    </cs:fontRef>
+    <cs:spPr>
+      <a:ln w="19050" cap="rnd">
+        <a:solidFill>
+          <a:schemeClr val="phClr"/>
+        </a:solidFill>
+        <a:prstDash val="sysDot"/>
+      </a:ln>
+    </cs:spPr>
+  </cs:trendline>
+  <cs:trendlineLabel>
+    <cs:lnRef idx="0"/>
+    <cs:fillRef idx="0"/>
+    <cs:effectRef idx="0"/>
+    <cs:fontRef idx="minor">
+      <a:schemeClr val="tx1">
+        <a:lumMod val="65000"/>
+        <a:lumOff val="35000"/>
+      </a:schemeClr>
+    </cs:fontRef>
+    <cs:defRPr sz="1197" kern="1200"/>
+  </cs:trendlineLabel>
+  <cs:upBar>
+    <cs:lnRef idx="0"/>
+    <cs:fillRef idx="0"/>
+    <cs:effectRef idx="0"/>
+    <cs:fontRef idx="minor">
+      <a:schemeClr val="dk1"/>
+    </cs:fontRef>
+    <cs:spPr>
+      <a:solidFill>
+        <a:schemeClr val="lt1"/>
+      </a:solidFill>
+      <a:ln w="9525">
+        <a:solidFill>
+          <a:schemeClr val="tx1">
+            <a:lumMod val="15000"/>
+            <a:lumOff val="85000"/>
+          </a:schemeClr>
+        </a:solidFill>
+      </a:ln>
+    </cs:spPr>
+  </cs:upBar>
+  <cs:valueAxis>
+    <cs:lnRef idx="0"/>
+    <cs:fillRef idx="0"/>
+    <cs:effectRef idx="0"/>
+    <cs:fontRef idx="minor">
+      <a:schemeClr val="tx1">
+        <a:lumMod val="65000"/>
+        <a:lumOff val="35000"/>
+      </a:schemeClr>
+    </cs:fontRef>
+    <cs:defRPr sz="1197" kern="1200"/>
+  </cs:valueAxis>
+  <cs:wall>
+    <cs:lnRef idx="0"/>
+    <cs:fillRef idx="0"/>
+    <cs:effectRef idx="0"/>
+    <cs:fontRef idx="minor">
+      <a:schemeClr val="tx1"/>
+    </cs:fontRef>
+    <cs:spPr>
+      <a:noFill/>
+      <a:ln>
+        <a:noFill/>
+      </a:ln>
+    </cs:spPr>
+  </cs:wall>
+</cs:chartStyle>
+</file>
+
+<file path=ppt/charts/style2.xml><?xml version="1.0" encoding="utf-8"?>
 <cs:chartStyle xmlns:cs="http://schemas.microsoft.com/office/drawing/2012/chartStyle" xmlns:a="http://schemas.openxmlformats.org/drawingml/2006/main" id="201">
   <cs:axisTitle>
     <cs:lnRef idx="0"/>
@@ -1155,7 +2250,7 @@
             <a:pPr rtl="0"/>
             <a:fld id="{33718D35-8899-4D72-B2F6-81C9994431F3}" type="datetime1">
               <a:rPr lang="ru-RU" smtClean="0"/>
-              <a:t>13.11.2023</a:t>
+              <a:t>14.11.2023</a:t>
             </a:fld>
             <a:endParaRPr lang="ru-RU" dirty="0"/>
           </a:p>
@@ -1337,7 +2432,7 @@
             <a:pPr rtl="0"/>
             <a:fld id="{7E6C6CCF-08D6-46BC-A143-476DA6249026}" type="datetime1">
               <a:rPr lang="ru-RU" smtClean="0"/>
-              <a:t>13.11.2023</a:t>
+              <a:t>14.11.2023</a:t>
             </a:fld>
             <a:endParaRPr lang="ru-RU" dirty="0"/>
           </a:p>
@@ -1794,6 +2889,100 @@
     </p:spTree>
     <p:extLst>
       <p:ext uri="{BB962C8B-B14F-4D97-AF65-F5344CB8AC3E}">
+        <p14:creationId xmlns:p14="http://schemas.microsoft.com/office/powerpoint/2010/main" val="2082639583"/>
+      </p:ext>
+    </p:extLst>
+  </p:cSld>
+  <p:clrMapOvr>
+    <a:masterClrMapping/>
+  </p:clrMapOvr>
+</p:notes>
+</file>
+
+<file path=ppt/notesSlides/notesSlide11.xml><?xml version="1.0" encoding="utf-8"?>
+<p:notes xmlns:a="http://schemas.openxmlformats.org/drawingml/2006/main" xmlns:r="http://schemas.openxmlformats.org/officeDocument/2006/relationships" xmlns:p="http://schemas.openxmlformats.org/presentationml/2006/main">
+  <p:cSld>
+    <p:spTree>
+      <p:nvGrpSpPr>
+        <p:cNvPr id="1" name=""/>
+        <p:cNvGrpSpPr/>
+        <p:nvPr/>
+      </p:nvGrpSpPr>
+      <p:grpSpPr>
+        <a:xfrm>
+          <a:off x="0" y="0"/>
+          <a:ext cx="0" cy="0"/>
+          <a:chOff x="0" y="0"/>
+          <a:chExt cx="0" cy="0"/>
+        </a:xfrm>
+      </p:grpSpPr>
+      <p:sp>
+        <p:nvSpPr>
+          <p:cNvPr id="2" name="Образ слайда 1"/>
+          <p:cNvSpPr>
+            <a:spLocks noGrp="1" noRot="1" noChangeAspect="1"/>
+          </p:cNvSpPr>
+          <p:nvPr>
+            <p:ph type="sldImg"/>
+          </p:nvPr>
+        </p:nvSpPr>
+        <p:spPr/>
+      </p:sp>
+      <p:sp>
+        <p:nvSpPr>
+          <p:cNvPr id="3" name="Заметки 2"/>
+          <p:cNvSpPr>
+            <a:spLocks noGrp="1"/>
+          </p:cNvSpPr>
+          <p:nvPr>
+            <p:ph type="body" idx="1"/>
+          </p:nvPr>
+        </p:nvSpPr>
+        <p:spPr/>
+        <p:txBody>
+          <a:bodyPr rtlCol="0"/>
+          <a:lstStyle>
+            <a:defPPr>
+              <a:defRPr lang="ru-RU"/>
+            </a:defPPr>
+          </a:lstStyle>
+          <a:p>
+            <a:pPr rtl="0"/>
+            <a:endParaRPr lang="ru-RU" dirty="0"/>
+          </a:p>
+        </p:txBody>
+      </p:sp>
+      <p:sp>
+        <p:nvSpPr>
+          <p:cNvPr id="4" name="Номер слайда 3"/>
+          <p:cNvSpPr>
+            <a:spLocks noGrp="1"/>
+          </p:cNvSpPr>
+          <p:nvPr>
+            <p:ph type="sldNum" sz="quarter" idx="5"/>
+          </p:nvPr>
+        </p:nvSpPr>
+        <p:spPr/>
+        <p:txBody>
+          <a:bodyPr rtlCol="0"/>
+          <a:lstStyle>
+            <a:defPPr>
+              <a:defRPr lang="ru-RU"/>
+            </a:defPPr>
+          </a:lstStyle>
+          <a:p>
+            <a:pPr rtl="0"/>
+            <a:fld id="{DECDE012-9E2E-4477-8B5C-4E7D4E9BCBA6}" type="slidenum">
+              <a:rPr lang="ru-RU" noProof="0" smtClean="0"/>
+              <a:t>11</a:t>
+            </a:fld>
+            <a:endParaRPr lang="ru-RU" noProof="0" dirty="0"/>
+          </a:p>
+        </p:txBody>
+      </p:sp>
+    </p:spTree>
+    <p:extLst>
+      <p:ext uri="{BB962C8B-B14F-4D97-AF65-F5344CB8AC3E}">
         <p14:creationId xmlns:p14="http://schemas.microsoft.com/office/powerpoint/2010/main" val="1588565946"/>
       </p:ext>
     </p:extLst>
@@ -2452,7 +3641,7 @@
     </p:spTree>
     <p:extLst>
       <p:ext uri="{BB962C8B-B14F-4D97-AF65-F5344CB8AC3E}">
-        <p14:creationId xmlns:p14="http://schemas.microsoft.com/office/powerpoint/2010/main" val="3252566284"/>
+        <p14:creationId xmlns:p14="http://schemas.microsoft.com/office/powerpoint/2010/main" val="3671322535"/>
       </p:ext>
     </p:extLst>
   </p:cSld>
@@ -2539,14 +3728,14 @@
               <a:rPr lang="ru-RU" noProof="0" smtClean="0"/>
               <a:t>9</a:t>
             </a:fld>
-            <a:endParaRPr lang="ru-RU" noProof="0" dirty="0"/>
+            <a:endParaRPr lang="ru-RU" noProof="0"/>
           </a:p>
         </p:txBody>
       </p:sp>
     </p:spTree>
     <p:extLst>
       <p:ext uri="{BB962C8B-B14F-4D97-AF65-F5344CB8AC3E}">
-        <p14:creationId xmlns:p14="http://schemas.microsoft.com/office/powerpoint/2010/main" val="2082639583"/>
+        <p14:creationId xmlns:p14="http://schemas.microsoft.com/office/powerpoint/2010/main" val="3252566284"/>
       </p:ext>
     </p:extLst>
   </p:cSld>
@@ -6920,7 +8109,7 @@
     <p:bg>
       <p:bgPr>
         <a:solidFill>
-          <a:schemeClr val="accent6"/>
+          <a:srgbClr val="00457E"/>
         </a:solidFill>
         <a:effectLst/>
       </p:bgPr>
@@ -11585,6 +12774,222 @@
 <file path=ppt/slides/slide10.xml><?xml version="1.0" encoding="utf-8"?>
 <p:sld xmlns:a="http://schemas.openxmlformats.org/drawingml/2006/main" xmlns:r="http://schemas.openxmlformats.org/officeDocument/2006/relationships" xmlns:p="http://schemas.openxmlformats.org/presentationml/2006/main">
   <p:cSld>
+    <p:spTree>
+      <p:nvGrpSpPr>
+        <p:cNvPr id="1" name=""/>
+        <p:cNvGrpSpPr/>
+        <p:nvPr/>
+      </p:nvGrpSpPr>
+      <p:grpSpPr>
+        <a:xfrm>
+          <a:off x="0" y="0"/>
+          <a:ext cx="0" cy="0"/>
+          <a:chOff x="0" y="0"/>
+          <a:chExt cx="0" cy="0"/>
+        </a:xfrm>
+      </p:grpSpPr>
+      <p:sp>
+        <p:nvSpPr>
+          <p:cNvPr id="2" name="Заголовок 1">
+            <a:extLst>
+              <a:ext uri="{FF2B5EF4-FFF2-40B4-BE49-F238E27FC236}">
+                <a16:creationId xmlns:a16="http://schemas.microsoft.com/office/drawing/2014/main" id="{A0A65C01-2837-2D71-254F-BAEEC669F389}"/>
+              </a:ext>
+            </a:extLst>
+          </p:cNvPr>
+          <p:cNvSpPr>
+            <a:spLocks noGrp="1"/>
+          </p:cNvSpPr>
+          <p:nvPr>
+            <p:ph type="title"/>
+          </p:nvPr>
+        </p:nvSpPr>
+        <p:spPr>
+          <a:xfrm>
+            <a:off x="649224" y="1696122"/>
+            <a:ext cx="10515600" cy="715383"/>
+          </a:xfrm>
+        </p:spPr>
+        <p:txBody>
+          <a:bodyPr rtlCol="0"/>
+          <a:lstStyle>
+            <a:defPPr>
+              <a:defRPr lang="ru-RU"/>
+            </a:defPPr>
+          </a:lstStyle>
+          <a:p>
+            <a:r>
+              <a:rPr lang="ru-RU" dirty="0"/>
+              <a:t>Мы не стоим на месте</a:t>
+            </a:r>
+          </a:p>
+        </p:txBody>
+      </p:sp>
+      <p:sp>
+        <p:nvSpPr>
+          <p:cNvPr id="12" name="Нижний колонтитул 11">
+            <a:extLst>
+              <a:ext uri="{FF2B5EF4-FFF2-40B4-BE49-F238E27FC236}">
+                <a16:creationId xmlns:a16="http://schemas.microsoft.com/office/drawing/2014/main" id="{CEED6286-6851-6DDB-6D9B-9B02A607B361}"/>
+              </a:ext>
+            </a:extLst>
+          </p:cNvPr>
+          <p:cNvSpPr>
+            <a:spLocks noGrp="1"/>
+          </p:cNvSpPr>
+          <p:nvPr>
+            <p:ph type="ftr" sz="quarter" idx="11"/>
+          </p:nvPr>
+        </p:nvSpPr>
+        <p:spPr>
+          <a:xfrm>
+            <a:off x="411479" y="301752"/>
+            <a:ext cx="2140889" cy="274320"/>
+          </a:xfrm>
+        </p:spPr>
+        <p:txBody>
+          <a:bodyPr rtlCol="0"/>
+          <a:lstStyle>
+            <a:defPPr>
+              <a:defRPr lang="ru-RU"/>
+            </a:defPPr>
+          </a:lstStyle>
+          <a:p>
+            <a:r>
+              <a:rPr lang="ru-RU" b="1" dirty="0"/>
+              <a:t>Голосовые технологии</a:t>
+            </a:r>
+            <a:endParaRPr lang="ru-RU" dirty="0"/>
+          </a:p>
+        </p:txBody>
+      </p:sp>
+      <p:sp>
+        <p:nvSpPr>
+          <p:cNvPr id="5" name="Текст 4">
+            <a:extLst>
+              <a:ext uri="{FF2B5EF4-FFF2-40B4-BE49-F238E27FC236}">
+                <a16:creationId xmlns:a16="http://schemas.microsoft.com/office/drawing/2014/main" id="{43DF41ED-5729-1B31-0C04-21385523D7E1}"/>
+              </a:ext>
+            </a:extLst>
+          </p:cNvPr>
+          <p:cNvSpPr>
+            <a:spLocks noGrp="1"/>
+          </p:cNvSpPr>
+          <p:nvPr>
+            <p:ph type="body" sz="quarter" idx="15"/>
+          </p:nvPr>
+        </p:nvSpPr>
+        <p:spPr>
+          <a:xfrm>
+            <a:off x="365760" y="3401568"/>
+            <a:ext cx="9387840" cy="2450592"/>
+          </a:xfrm>
+        </p:spPr>
+        <p:txBody>
+          <a:bodyPr rtlCol="0"/>
+          <a:lstStyle>
+            <a:defPPr>
+              <a:defRPr lang="ru-RU"/>
+            </a:defPPr>
+          </a:lstStyle>
+          <a:p>
+            <a:r>
+              <a:rPr lang="ru-RU" b="1" dirty="0"/>
+              <a:t>Моделирование шумов и разного качества, громкости. Доработка моделей.</a:t>
+            </a:r>
+          </a:p>
+          <a:p>
+            <a:r>
+              <a:rPr lang="ru-RU" b="1" dirty="0"/>
+              <a:t>Интонационный анализ</a:t>
+            </a:r>
+          </a:p>
+          <a:p>
+            <a:r>
+              <a:rPr lang="ru-RU" b="1" dirty="0"/>
+              <a:t>Анализ посторонних звуков</a:t>
+            </a:r>
+          </a:p>
+          <a:p>
+            <a:r>
+              <a:rPr lang="ru-RU" b="1" dirty="0"/>
+              <a:t>Сохранение данных для расширенной аналитики</a:t>
+            </a:r>
+          </a:p>
+          <a:p>
+            <a:r>
+              <a:rPr lang="ru-RU" b="1" dirty="0"/>
+              <a:t>Переобучение на ошибках</a:t>
+            </a:r>
+            <a:endParaRPr lang="en-GB" b="1" dirty="0"/>
+          </a:p>
+          <a:p>
+            <a:r>
+              <a:rPr lang="ru-RU" b="1" dirty="0"/>
+              <a:t>Идентификация по голосу</a:t>
+            </a:r>
+          </a:p>
+        </p:txBody>
+      </p:sp>
+      <p:pic>
+        <p:nvPicPr>
+          <p:cNvPr id="3" name="Рисунок 2"/>
+          <p:cNvPicPr>
+            <a:picLocks noChangeAspect="1"/>
+          </p:cNvPicPr>
+          <p:nvPr/>
+        </p:nvPicPr>
+        <p:blipFill>
+          <a:blip r:embed="rId3"/>
+          <a:stretch>
+            <a:fillRect/>
+          </a:stretch>
+        </p:blipFill>
+        <p:spPr>
+          <a:xfrm>
+            <a:off x="11139209" y="41709"/>
+            <a:ext cx="923097" cy="664350"/>
+          </a:xfrm>
+          <a:prstGeom prst="rect">
+            <a:avLst/>
+          </a:prstGeom>
+        </p:spPr>
+      </p:pic>
+    </p:spTree>
+    <p:extLst>
+      <p:ext uri="{BB962C8B-B14F-4D97-AF65-F5344CB8AC3E}">
+        <p14:creationId xmlns:p14="http://schemas.microsoft.com/office/powerpoint/2010/main" val="3274647172"/>
+      </p:ext>
+    </p:extLst>
+  </p:cSld>
+  <p:clrMapOvr>
+    <a:masterClrMapping/>
+  </p:clrMapOvr>
+  <mc:AlternateContent xmlns:mc="http://schemas.openxmlformats.org/markup-compatibility/2006" xmlns:p14="http://schemas.microsoft.com/office/powerpoint/2010/main">
+    <mc:Choice Requires="p14">
+      <p:transition spd="med" p14:dur="700">
+        <p:fade/>
+      </p:transition>
+    </mc:Choice>
+    <mc:Fallback xmlns="">
+      <p:transition spd="med">
+        <p:fade/>
+      </p:transition>
+    </mc:Fallback>
+  </mc:AlternateContent>
+  <p:timing>
+    <p:tnLst>
+      <p:par>
+        <p:cTn id="1" dur="indefinite" restart="never" nodeType="tmRoot"/>
+      </p:par>
+    </p:tnLst>
+  </p:timing>
+</p:sld>
+</file>
+
+<file path=ppt/slides/slide11.xml><?xml version="1.0" encoding="utf-8"?>
+<p:sld xmlns:a="http://schemas.openxmlformats.org/drawingml/2006/main" xmlns:r="http://schemas.openxmlformats.org/officeDocument/2006/relationships" xmlns:p="http://schemas.openxmlformats.org/presentationml/2006/main">
+  <p:cSld>
     <p:bg>
       <p:bgPr>
         <a:solidFill>
@@ -11736,47 +13141,6 @@
           </a:p>
         </p:txBody>
       </p:sp>
-      <p:pic>
-        <p:nvPicPr>
-          <p:cNvPr id="1026" name="Picture 2" descr="http://qrcoder.ru/code/?https%3A%2F%2Fgithub.com%2Fdmitrii-naumenko%2FPet_STT_NLP&amp;8&amp;0"/>
-          <p:cNvPicPr>
-            <a:picLocks noChangeAspect="1" noChangeArrowheads="1"/>
-          </p:cNvPicPr>
-          <p:nvPr/>
-        </p:nvPicPr>
-        <p:blipFill>
-          <a:blip r:embed="rId3">
-            <a:extLst>
-              <a:ext uri="{28A0092B-C50C-407E-A947-70E740481C1C}">
-                <a14:useLocalDpi xmlns:a14="http://schemas.microsoft.com/office/drawing/2010/main" val="0"/>
-              </a:ext>
-            </a:extLst>
-          </a:blip>
-          <a:srcRect/>
-          <a:stretch>
-            <a:fillRect/>
-          </a:stretch>
-        </p:blipFill>
-        <p:spPr bwMode="auto">
-          <a:xfrm>
-            <a:off x="3309257" y="489289"/>
-            <a:ext cx="3124200" cy="3124201"/>
-          </a:xfrm>
-          <a:prstGeom prst="rect">
-            <a:avLst/>
-          </a:prstGeom>
-          <a:noFill/>
-          <a:extLst>
-            <a:ext uri="{909E8E84-426E-40DD-AFC4-6F175D3DCCD1}">
-              <a14:hiddenFill xmlns:a14="http://schemas.microsoft.com/office/drawing/2010/main">
-                <a:solidFill>
-                  <a:srgbClr val="FFFFFF"/>
-                </a:solidFill>
-              </a14:hiddenFill>
-            </a:ext>
-          </a:extLst>
-        </p:spPr>
-      </p:pic>
       <p:sp>
         <p:nvSpPr>
           <p:cNvPr id="7" name="Текст 2">
@@ -12028,7 +13392,7 @@
           <p:nvPr/>
         </p:nvPicPr>
         <p:blipFill rotWithShape="1">
-          <a:blip r:embed="rId4">
+          <a:blip r:embed="rId3">
             <a:extLst>
               <a:ext uri="{28A0092B-C50C-407E-A947-70E740481C1C}">
                 <a14:useLocalDpi xmlns:a14="http://schemas.microsoft.com/office/drawing/2010/main" val="0"/>
@@ -12251,6 +13615,54 @@
           </a:p>
         </p:txBody>
       </p:sp>
+      <p:pic>
+        <p:nvPicPr>
+          <p:cNvPr id="4" name="Рисунок 3"/>
+          <p:cNvPicPr>
+            <a:picLocks noChangeAspect="1"/>
+          </p:cNvPicPr>
+          <p:nvPr/>
+        </p:nvPicPr>
+        <p:blipFill>
+          <a:blip r:embed="rId4"/>
+          <a:stretch>
+            <a:fillRect/>
+          </a:stretch>
+        </p:blipFill>
+        <p:spPr>
+          <a:xfrm>
+            <a:off x="3569250" y="402959"/>
+            <a:ext cx="2965275" cy="2965275"/>
+          </a:xfrm>
+          <a:prstGeom prst="rect">
+            <a:avLst/>
+          </a:prstGeom>
+        </p:spPr>
+      </p:pic>
+      <p:pic>
+        <p:nvPicPr>
+          <p:cNvPr id="5" name="Рисунок 4"/>
+          <p:cNvPicPr>
+            <a:picLocks noChangeAspect="1"/>
+          </p:cNvPicPr>
+          <p:nvPr/>
+        </p:nvPicPr>
+        <p:blipFill>
+          <a:blip r:embed="rId5"/>
+          <a:stretch>
+            <a:fillRect/>
+          </a:stretch>
+        </p:blipFill>
+        <p:spPr>
+          <a:xfrm>
+            <a:off x="6876291" y="1586558"/>
+            <a:ext cx="1432600" cy="598076"/>
+          </a:xfrm>
+          <a:prstGeom prst="rect">
+            <a:avLst/>
+          </a:prstGeom>
+        </p:spPr>
+      </p:pic>
     </p:spTree>
     <p:extLst>
       <p:ext uri="{BB962C8B-B14F-4D97-AF65-F5344CB8AC3E}">
@@ -12610,7 +14022,7 @@
         <p:spPr>
           <a:xfrm>
             <a:off x="1242876" y="2752849"/>
-            <a:ext cx="10230522" cy="1682750"/>
+            <a:ext cx="10230522" cy="2399722"/>
           </a:xfrm>
         </p:spPr>
         <p:txBody>
@@ -13014,8 +14426,8 @@
         </p:nvSpPr>
         <p:spPr>
           <a:xfrm>
-            <a:off x="6192628" y="3258765"/>
-            <a:ext cx="5603132" cy="1815882"/>
+            <a:off x="6220243" y="3316823"/>
+            <a:ext cx="5786846" cy="2354491"/>
           </a:xfrm>
           <a:prstGeom prst="rect">
             <a:avLst/>
@@ -13028,6 +14440,11 @@
           </a:bodyPr>
           <a:lstStyle/>
           <a:p>
+            <a:pPr>
+              <a:lnSpc>
+                <a:spcPct val="150000"/>
+              </a:lnSpc>
+            </a:pPr>
             <a:r>
               <a:rPr lang="ru-RU" sz="1400" b="1" dirty="0" err="1">
                 <a:solidFill>
@@ -13046,6 +14463,11 @@
             </a:r>
           </a:p>
           <a:p>
+            <a:pPr>
+              <a:lnSpc>
+                <a:spcPct val="150000"/>
+              </a:lnSpc>
+            </a:pPr>
             <a:r>
               <a:rPr lang="ru-RU" sz="1400" b="1" dirty="0">
                 <a:solidFill>
@@ -13080,6 +14502,11 @@
             </a:r>
           </a:p>
           <a:p>
+            <a:pPr>
+              <a:lnSpc>
+                <a:spcPct val="150000"/>
+              </a:lnSpc>
+            </a:pPr>
             <a:r>
               <a:rPr lang="ru-RU" sz="1400" b="1" dirty="0" err="1">
                 <a:solidFill>
@@ -13098,6 +14525,11 @@
             </a:r>
           </a:p>
           <a:p>
+            <a:pPr>
+              <a:lnSpc>
+                <a:spcPct val="150000"/>
+              </a:lnSpc>
+            </a:pPr>
             <a:r>
               <a:rPr lang="ru-RU" sz="1400" b="1" dirty="0" err="1">
                 <a:solidFill>
@@ -13116,6 +14548,11 @@
             </a:r>
           </a:p>
           <a:p>
+            <a:pPr>
+              <a:lnSpc>
+                <a:spcPct val="150000"/>
+              </a:lnSpc>
+            </a:pPr>
             <a:r>
               <a:rPr lang="ru-RU" sz="1400" b="1" dirty="0" err="1">
                 <a:solidFill>
@@ -13182,6 +14619,11 @@
             </a:r>
           </a:p>
           <a:p>
+            <a:pPr>
+              <a:lnSpc>
+                <a:spcPct val="150000"/>
+              </a:lnSpc>
+            </a:pPr>
             <a:endParaRPr lang="ru-RU" sz="1400" dirty="0">
               <a:solidFill>
                 <a:schemeClr val="tx2"/>
@@ -13619,7 +15061,12 @@
             <p:ph type="title"/>
           </p:nvPr>
         </p:nvSpPr>
-        <p:spPr/>
+        <p:spPr>
+          <a:xfrm>
+            <a:off x="647046" y="1695264"/>
+            <a:ext cx="10515600" cy="575321"/>
+          </a:xfrm>
+        </p:spPr>
         <p:txBody>
           <a:bodyPr rtlCol="0"/>
           <a:lstStyle>
@@ -13628,6 +15075,10 @@
             </a:defPPr>
           </a:lstStyle>
           <a:p>
+            <a:r>
+              <a:rPr lang="ru-RU" dirty="0" smtClean="0"/>
+              <a:t>Подготовка данных</a:t>
+            </a:r>
             <a:endParaRPr lang="ru-RU" dirty="0"/>
           </a:p>
         </p:txBody>
@@ -13705,174 +15156,6 @@
               <a:t>6</a:t>
             </a:fld>
             <a:endParaRPr lang="ru-RU"/>
-          </a:p>
-        </p:txBody>
-      </p:sp>
-      <p:sp>
-        <p:nvSpPr>
-          <p:cNvPr id="3" name="Нижний колонтитул 11">
-            <a:extLst>
-              <a:ext uri="{FF2B5EF4-FFF2-40B4-BE49-F238E27FC236}">
-                <a16:creationId xmlns:a16="http://schemas.microsoft.com/office/drawing/2014/main" id="{3751A620-A6D3-B9D7-C58B-0B69C8C31787}"/>
-              </a:ext>
-            </a:extLst>
-          </p:cNvPr>
-          <p:cNvSpPr txBox="1">
-            <a:spLocks/>
-          </p:cNvSpPr>
-          <p:nvPr/>
-        </p:nvSpPr>
-        <p:spPr>
-          <a:xfrm>
-            <a:off x="3612710" y="608076"/>
-            <a:ext cx="5655981" cy="274320"/>
-          </a:xfrm>
-          <a:prstGeom prst="rect">
-            <a:avLst/>
-          </a:prstGeom>
-        </p:spPr>
-        <p:txBody>
-          <a:bodyPr vert="horz" lIns="91440" tIns="45720" rIns="91440" bIns="45720" rtlCol="0" anchor="ctr">
-            <a:noAutofit/>
-          </a:bodyPr>
-          <a:lstStyle>
-            <a:defPPr rtl="0">
-              <a:defRPr lang="ru-RU"/>
-            </a:defPPr>
-            <a:lvl1pPr marL="0" algn="l" defTabSz="914400" rtl="0" eaLnBrk="1" latinLnBrk="0" hangingPunct="1">
-              <a:defRPr lang="ru-RU" sz="1200" kern="1200">
-                <a:solidFill>
-                  <a:schemeClr val="tx2"/>
-                </a:solidFill>
-                <a:latin typeface="+mn-lt"/>
-                <a:ea typeface="+mn-ea"/>
-                <a:cs typeface="+mn-cs"/>
-              </a:defRPr>
-            </a:lvl1pPr>
-            <a:lvl2pPr marL="457200" algn="l" defTabSz="914400" rtl="0" eaLnBrk="1" latinLnBrk="0" hangingPunct="1">
-              <a:defRPr lang="ru-RU" sz="1800" kern="1200">
-                <a:solidFill>
-                  <a:schemeClr val="tx1"/>
-                </a:solidFill>
-                <a:latin typeface="+mn-lt"/>
-                <a:ea typeface="+mn-ea"/>
-                <a:cs typeface="+mn-cs"/>
-              </a:defRPr>
-            </a:lvl2pPr>
-            <a:lvl3pPr marL="914400" algn="l" defTabSz="914400" rtl="0" eaLnBrk="1" latinLnBrk="0" hangingPunct="1">
-              <a:defRPr lang="ru-RU" sz="1800" kern="1200">
-                <a:solidFill>
-                  <a:schemeClr val="tx1"/>
-                </a:solidFill>
-                <a:latin typeface="+mn-lt"/>
-                <a:ea typeface="+mn-ea"/>
-                <a:cs typeface="+mn-cs"/>
-              </a:defRPr>
-            </a:lvl3pPr>
-            <a:lvl4pPr marL="1371600" algn="l" defTabSz="914400" rtl="0" eaLnBrk="1" latinLnBrk="0" hangingPunct="1">
-              <a:defRPr lang="ru-RU" sz="1800" kern="1200">
-                <a:solidFill>
-                  <a:schemeClr val="tx1"/>
-                </a:solidFill>
-                <a:latin typeface="+mn-lt"/>
-                <a:ea typeface="+mn-ea"/>
-                <a:cs typeface="+mn-cs"/>
-              </a:defRPr>
-            </a:lvl4pPr>
-            <a:lvl5pPr marL="1828800" algn="l" defTabSz="914400" rtl="0" eaLnBrk="1" latinLnBrk="0" hangingPunct="1">
-              <a:defRPr lang="ru-RU" sz="1800" kern="1200">
-                <a:solidFill>
-                  <a:schemeClr val="tx1"/>
-                </a:solidFill>
-                <a:latin typeface="+mn-lt"/>
-                <a:ea typeface="+mn-ea"/>
-                <a:cs typeface="+mn-cs"/>
-              </a:defRPr>
-            </a:lvl5pPr>
-            <a:lvl6pPr marL="2286000" algn="l" defTabSz="914400" rtl="0" eaLnBrk="1" latinLnBrk="0" hangingPunct="1">
-              <a:defRPr lang="ru-RU" sz="1800" kern="1200">
-                <a:solidFill>
-                  <a:schemeClr val="tx1"/>
-                </a:solidFill>
-                <a:latin typeface="+mn-lt"/>
-                <a:ea typeface="+mn-ea"/>
-                <a:cs typeface="+mn-cs"/>
-              </a:defRPr>
-            </a:lvl6pPr>
-            <a:lvl7pPr marL="2743200" algn="l" defTabSz="914400" rtl="0" eaLnBrk="1" latinLnBrk="0" hangingPunct="1">
-              <a:defRPr lang="ru-RU" sz="1800" kern="1200">
-                <a:solidFill>
-                  <a:schemeClr val="tx1"/>
-                </a:solidFill>
-                <a:latin typeface="+mn-lt"/>
-                <a:ea typeface="+mn-ea"/>
-                <a:cs typeface="+mn-cs"/>
-              </a:defRPr>
-            </a:lvl7pPr>
-            <a:lvl8pPr marL="3200400" algn="l" defTabSz="914400" rtl="0" eaLnBrk="1" latinLnBrk="0" hangingPunct="1">
-              <a:defRPr lang="ru-RU" sz="1800" kern="1200">
-                <a:solidFill>
-                  <a:schemeClr val="tx1"/>
-                </a:solidFill>
-                <a:latin typeface="+mn-lt"/>
-                <a:ea typeface="+mn-ea"/>
-                <a:cs typeface="+mn-cs"/>
-              </a:defRPr>
-            </a:lvl8pPr>
-            <a:lvl9pPr marL="3657600" algn="l" defTabSz="914400" rtl="0" eaLnBrk="1" latinLnBrk="0" hangingPunct="1">
-              <a:defRPr lang="ru-RU" sz="1800" kern="1200">
-                <a:solidFill>
-                  <a:schemeClr val="tx1"/>
-                </a:solidFill>
-                <a:latin typeface="+mn-lt"/>
-                <a:ea typeface="+mn-ea"/>
-                <a:cs typeface="+mn-cs"/>
-              </a:defRPr>
-            </a:lvl9pPr>
-          </a:lstStyle>
-          <a:p>
-            <a:r>
-              <a:rPr lang="ru-RU" b="1" dirty="0" err="1">
-                <a:solidFill>
-                  <a:srgbClr val="FF0000"/>
-                </a:solidFill>
-              </a:rPr>
-              <a:t>Нужто</a:t>
-            </a:r>
-            <a:r>
-              <a:rPr lang="ru-RU" b="1" dirty="0">
-                <a:solidFill>
-                  <a:srgbClr val="FF0000"/>
-                </a:solidFill>
-              </a:rPr>
-              <a:t> рассказать как </a:t>
-            </a:r>
-            <a:r>
-              <a:rPr lang="ru-RU" b="1" dirty="0" err="1">
-                <a:solidFill>
-                  <a:srgbClr val="FF0000"/>
-                </a:solidFill>
-              </a:rPr>
-              <a:t>подготовливались</a:t>
-            </a:r>
-            <a:r>
-              <a:rPr lang="ru-RU" b="1" dirty="0">
-                <a:solidFill>
-                  <a:srgbClr val="FF0000"/>
-                </a:solidFill>
-              </a:rPr>
-              <a:t> данные в пет-проекте (у нас же нет настоящих пока)</a:t>
-            </a:r>
-          </a:p>
-          <a:p>
-            <a:r>
-              <a:rPr lang="ru-RU" b="1" dirty="0">
-                <a:solidFill>
-                  <a:srgbClr val="FF0000"/>
-                </a:solidFill>
-              </a:rPr>
-              <a:t>И что данные разделены на обучение и тест (или как там было решено, не помню)</a:t>
-            </a:r>
           </a:p>
         </p:txBody>
       </p:sp>
@@ -13905,6 +15188,191 @@
           </a:prstGeom>
         </p:spPr>
       </p:pic>
+      <p:sp>
+        <p:nvSpPr>
+          <p:cNvPr id="4" name="TextBox 3"/>
+          <p:cNvSpPr txBox="1"/>
+          <p:nvPr/>
+        </p:nvSpPr>
+        <p:spPr>
+          <a:xfrm>
+            <a:off x="957942" y="2764148"/>
+            <a:ext cx="10204704" cy="2343655"/>
+          </a:xfrm>
+          <a:prstGeom prst="rect">
+            <a:avLst/>
+          </a:prstGeom>
+          <a:noFill/>
+        </p:spPr>
+        <p:txBody>
+          <a:bodyPr wrap="square" rtlCol="0">
+            <a:spAutoFit/>
+          </a:bodyPr>
+          <a:lstStyle/>
+          <a:p>
+            <a:pPr marL="285750" indent="-285750">
+              <a:lnSpc>
+                <a:spcPct val="150000"/>
+              </a:lnSpc>
+              <a:buFont typeface="Arial" panose="020B0604020202020204" pitchFamily="34" charset="0"/>
+              <a:buChar char="•"/>
+            </a:pPr>
+            <a:r>
+              <a:rPr lang="ru-RU" sz="2000" dirty="0" smtClean="0"/>
+              <a:t>Взят </a:t>
+            </a:r>
+            <a:r>
+              <a:rPr lang="ru-RU" sz="2000" dirty="0" err="1"/>
+              <a:t>датсет</a:t>
+            </a:r>
+            <a:r>
+              <a:rPr lang="ru-RU" sz="2000" dirty="0"/>
+              <a:t> </a:t>
+            </a:r>
+            <a:r>
+              <a:rPr lang="ru-RU" sz="2000" dirty="0" err="1"/>
+              <a:t>твитов</a:t>
+            </a:r>
+            <a:r>
+              <a:rPr lang="ru-RU" sz="2000" dirty="0"/>
+              <a:t> на английском языке с размеченными авариями</a:t>
+            </a:r>
+          </a:p>
+          <a:p>
+            <a:pPr marL="285750" indent="-285750">
+              <a:lnSpc>
+                <a:spcPct val="150000"/>
+              </a:lnSpc>
+              <a:buFont typeface="Arial" panose="020B0604020202020204" pitchFamily="34" charset="0"/>
+              <a:buChar char="•"/>
+            </a:pPr>
+            <a:r>
+              <a:rPr lang="ru-RU" sz="2000" dirty="0" err="1" smtClean="0"/>
+              <a:t>Твиты</a:t>
+            </a:r>
+            <a:r>
+              <a:rPr lang="ru-RU" sz="2000" dirty="0" smtClean="0"/>
+              <a:t> переведены </a:t>
+            </a:r>
+            <a:r>
+              <a:rPr lang="ru-RU" sz="2000" dirty="0"/>
+              <a:t>на русский язык с помощью </a:t>
+            </a:r>
+            <a:r>
+              <a:rPr lang="ru-RU" sz="2000" dirty="0" err="1"/>
+              <a:t>Yandex</a:t>
+            </a:r>
+            <a:r>
+              <a:rPr lang="ru-RU" sz="2000" dirty="0"/>
+              <a:t> API</a:t>
+            </a:r>
+          </a:p>
+          <a:p>
+            <a:pPr marL="285750" indent="-285750">
+              <a:lnSpc>
+                <a:spcPct val="150000"/>
+              </a:lnSpc>
+              <a:buFont typeface="Arial" panose="020B0604020202020204" pitchFamily="34" charset="0"/>
+              <a:buChar char="•"/>
+            </a:pPr>
+            <a:r>
+              <a:rPr lang="ru-RU" sz="2000" dirty="0" smtClean="0"/>
+              <a:t>Взята </a:t>
+            </a:r>
+            <a:r>
+              <a:rPr lang="ru-RU" sz="2000" dirty="0" err="1" smtClean="0"/>
+              <a:t>подвыборка</a:t>
+            </a:r>
+            <a:r>
+              <a:rPr lang="ru-RU" sz="2000" dirty="0" smtClean="0"/>
+              <a:t> </a:t>
+            </a:r>
+            <a:r>
+              <a:rPr lang="ru-RU" sz="2000" dirty="0"/>
+              <a:t>из 1000 записей</a:t>
+            </a:r>
+          </a:p>
+          <a:p>
+            <a:pPr marL="285750" indent="-285750">
+              <a:lnSpc>
+                <a:spcPct val="150000"/>
+              </a:lnSpc>
+              <a:buFont typeface="Arial" panose="020B0604020202020204" pitchFamily="34" charset="0"/>
+              <a:buChar char="•"/>
+            </a:pPr>
+            <a:r>
+              <a:rPr lang="ru-RU" sz="2000" dirty="0" smtClean="0"/>
+              <a:t>Текст озвучены </a:t>
+            </a:r>
+            <a:r>
+              <a:rPr lang="ru-RU" sz="2000" dirty="0"/>
+              <a:t>голосом через </a:t>
+            </a:r>
+            <a:r>
+              <a:rPr lang="ru-RU" sz="2000" dirty="0" err="1"/>
+              <a:t>Yandex</a:t>
+            </a:r>
+            <a:r>
+              <a:rPr lang="ru-RU" sz="2000" dirty="0"/>
+              <a:t> </a:t>
+            </a:r>
+            <a:r>
+              <a:rPr lang="ru-RU" sz="2000" dirty="0" err="1"/>
+              <a:t>Speech</a:t>
+            </a:r>
+            <a:r>
+              <a:rPr lang="ru-RU" sz="2000" dirty="0"/>
+              <a:t> </a:t>
+            </a:r>
+            <a:r>
+              <a:rPr lang="ru-RU" sz="2000" dirty="0" err="1"/>
+              <a:t>Kit</a:t>
+            </a:r>
+            <a:endParaRPr lang="ru-RU" sz="2000" dirty="0"/>
+          </a:p>
+          <a:p>
+            <a:pPr marL="285750" indent="-285750">
+              <a:lnSpc>
+                <a:spcPct val="150000"/>
+              </a:lnSpc>
+              <a:buFont typeface="Arial" panose="020B0604020202020204" pitchFamily="34" charset="0"/>
+              <a:buChar char="•"/>
+            </a:pPr>
+            <a:r>
+              <a:rPr lang="ru-RU" sz="2000" dirty="0" smtClean="0"/>
+              <a:t>Данные разделены </a:t>
+            </a:r>
+            <a:r>
+              <a:rPr lang="ru-RU" sz="2000" dirty="0"/>
+              <a:t>на </a:t>
+            </a:r>
+            <a:r>
+              <a:rPr lang="ru-RU" sz="2000" dirty="0" err="1"/>
+              <a:t>train</a:t>
+            </a:r>
+            <a:r>
+              <a:rPr lang="ru-RU" sz="2000" dirty="0"/>
+              <a:t>/</a:t>
+            </a:r>
+            <a:r>
+              <a:rPr lang="ru-RU" sz="2000" dirty="0" err="1"/>
+              <a:t>valid</a:t>
+            </a:r>
+            <a:r>
+              <a:rPr lang="ru-RU" sz="2000" dirty="0"/>
+              <a:t>/</a:t>
+            </a:r>
+            <a:r>
+              <a:rPr lang="ru-RU" sz="2000" dirty="0" err="1"/>
+              <a:t>test</a:t>
+            </a:r>
+            <a:r>
+              <a:rPr lang="ru-RU" sz="2000" dirty="0"/>
+              <a:t> в соотношении 60/20/20</a:t>
+            </a:r>
+          </a:p>
+        </p:txBody>
+      </p:sp>
     </p:spTree>
     <p:extLst>
       <p:ext uri="{BB962C8B-B14F-4D97-AF65-F5344CB8AC3E}">
@@ -14083,7 +15551,7 @@
           <p:nvPr>
             <p:extLst>
               <p:ext uri="{D42A27DB-BD31-4B8C-83A1-F6EECF244321}">
-                <p14:modId xmlns:p14="http://schemas.microsoft.com/office/powerpoint/2010/main" val="3697020062"/>
+                <p14:modId xmlns:p14="http://schemas.microsoft.com/office/powerpoint/2010/main" val="478990729"/>
               </p:ext>
             </p:extLst>
           </p:nvPr>
@@ -14162,14 +15630,6 @@
 <file path=ppt/slides/slide8.xml><?xml version="1.0" encoding="utf-8"?>
 <p:sld xmlns:a="http://schemas.openxmlformats.org/drawingml/2006/main" xmlns:r="http://schemas.openxmlformats.org/officeDocument/2006/relationships" xmlns:p="http://schemas.openxmlformats.org/presentationml/2006/main">
   <p:cSld>
-    <p:bg>
-      <p:bgPr>
-        <a:solidFill>
-          <a:srgbClr val="00457E"/>
-        </a:solidFill>
-        <a:effectLst/>
-      </p:bgPr>
-    </p:bg>
     <p:spTree>
       <p:nvGrpSpPr>
         <p:cNvPr id="1" name=""/>
@@ -14186,46 +15646,6 @@
       </p:grpSpPr>
       <p:sp>
         <p:nvSpPr>
-          <p:cNvPr id="2" name="Заголовок 1">
-            <a:extLst>
-              <a:ext uri="{FF2B5EF4-FFF2-40B4-BE49-F238E27FC236}">
-                <a16:creationId xmlns:a16="http://schemas.microsoft.com/office/drawing/2014/main" id="{A98BDE3D-CB39-03D2-545F-5283024761BD}"/>
-              </a:ext>
-            </a:extLst>
-          </p:cNvPr>
-          <p:cNvSpPr>
-            <a:spLocks noGrp="1"/>
-          </p:cNvSpPr>
-          <p:nvPr>
-            <p:ph type="title"/>
-          </p:nvPr>
-        </p:nvSpPr>
-        <p:spPr/>
-        <p:txBody>
-          <a:bodyPr rtlCol="0"/>
-          <a:lstStyle>
-            <a:defPPr>
-              <a:defRPr lang="ru-RU"/>
-            </a:defPPr>
-          </a:lstStyle>
-          <a:p>
-            <a:r>
-              <a:rPr lang="ru-RU" dirty="0"/>
-              <a:t>Результаты </a:t>
-            </a:r>
-            <a:r>
-              <a:rPr lang="en-US" dirty="0"/>
-              <a:t>NLP </a:t>
-            </a:r>
-            <a:r>
-              <a:rPr lang="ru-RU" dirty="0"/>
-              <a:t>части:</a:t>
-            </a:r>
-          </a:p>
-        </p:txBody>
-      </p:sp>
-      <p:sp>
-        <p:nvSpPr>
           <p:cNvPr id="12" name="Нижний колонтитул 11">
             <a:extLst>
               <a:ext uri="{FF2B5EF4-FFF2-40B4-BE49-F238E27FC236}">
@@ -14300,220 +15720,28 @@
           </a:p>
         </p:txBody>
       </p:sp>
-      <p:sp>
-        <p:nvSpPr>
-          <p:cNvPr id="8" name="Текст 4">
-            <a:extLst>
-              <a:ext uri="{FF2B5EF4-FFF2-40B4-BE49-F238E27FC236}">
-                <a16:creationId xmlns:a16="http://schemas.microsoft.com/office/drawing/2014/main" id="{3F16C050-0EBC-234C-AB93-E7868D85A2B0}"/>
-              </a:ext>
-            </a:extLst>
-          </p:cNvPr>
-          <p:cNvSpPr>
-            <a:spLocks noGrp="1"/>
-          </p:cNvSpPr>
+      <p:graphicFrame>
+        <p:nvGraphicFramePr>
+          <p:cNvPr id="6" name="Диаграмма 5"/>
+          <p:cNvGraphicFramePr/>
           <p:nvPr>
-            <p:ph type="body" sz="quarter" idx="15"/>
+            <p:extLst>
+              <p:ext uri="{D42A27DB-BD31-4B8C-83A1-F6EECF244321}">
+                <p14:modId xmlns:p14="http://schemas.microsoft.com/office/powerpoint/2010/main" val="3505585841"/>
+              </p:ext>
+            </p:extLst>
           </p:nvPr>
-        </p:nvSpPr>
-        <p:spPr>
-          <a:xfrm>
-            <a:off x="411479" y="3177450"/>
-            <a:ext cx="11091134" cy="2326879"/>
-          </a:xfrm>
-        </p:spPr>
-        <p:txBody>
-          <a:bodyPr rtlCol="0"/>
-          <a:lstStyle>
-            <a:defPPr>
-              <a:defRPr lang="ru-RU"/>
-            </a:defPPr>
-          </a:lstStyle>
-          <a:p>
-            <a:r>
-              <a:rPr lang="ru-RU" dirty="0"/>
-              <a:t>Учитывая, что в пробной выборке нет дисбаланса классов, то для простоты </a:t>
-            </a:r>
-            <a:r>
-              <a:rPr lang="ru-RU" dirty="0" err="1"/>
-              <a:t>использвоали</a:t>
-            </a:r>
-            <a:r>
-              <a:rPr lang="ru-RU" dirty="0"/>
-              <a:t> метрику </a:t>
-            </a:r>
-            <a:r>
-              <a:rPr lang="ru-RU" dirty="0" err="1"/>
-              <a:t>Accuracy</a:t>
-            </a:r>
-            <a:endParaRPr lang="ru-RU" dirty="0"/>
-          </a:p>
-          <a:p>
-            <a:r>
-              <a:rPr lang="ru-RU" dirty="0"/>
-              <a:t>Простые методы на основе мешка слов имеют точность 0.77</a:t>
-            </a:r>
-          </a:p>
-          <a:p>
-            <a:r>
-              <a:rPr lang="ru-RU" dirty="0" err="1"/>
-              <a:t>Дообученный</a:t>
-            </a:r>
-            <a:r>
-              <a:rPr lang="ru-RU" dirty="0"/>
-              <a:t> BERT - </a:t>
-            </a:r>
-            <a:r>
-              <a:rPr lang="ru-RU" b="1" dirty="0"/>
-              <a:t>0.83</a:t>
-            </a:r>
-            <a:r>
-              <a:rPr lang="ru-RU" dirty="0"/>
-              <a:t>. Для раскрытия возможностей модели нужно больше данных (для проверки концепции использовалось 600 строк)</a:t>
-            </a:r>
-          </a:p>
-          <a:p>
-            <a:r>
-              <a:rPr lang="ru-RU" dirty="0"/>
-              <a:t>Значимо увеличить качество можно за счет хорошо подготовленных данных для обучения, используемых в реальной задаче.</a:t>
-            </a:r>
-          </a:p>
-        </p:txBody>
-      </p:sp>
-      <p:sp>
-        <p:nvSpPr>
-          <p:cNvPr id="3" name="Нижний колонтитул 11">
-            <a:extLst>
-              <a:ext uri="{FF2B5EF4-FFF2-40B4-BE49-F238E27FC236}">
-                <a16:creationId xmlns:a16="http://schemas.microsoft.com/office/drawing/2014/main" id="{C70E479A-3002-72BD-FC1A-493A3A1628A4}"/>
-              </a:ext>
-            </a:extLst>
-          </p:cNvPr>
-          <p:cNvSpPr txBox="1">
-            <a:spLocks/>
-          </p:cNvSpPr>
-          <p:nvPr/>
-        </p:nvSpPr>
-        <p:spPr>
-          <a:xfrm>
-            <a:off x="4112297" y="882396"/>
-            <a:ext cx="2291963" cy="274320"/>
-          </a:xfrm>
-          <a:prstGeom prst="rect">
-            <a:avLst/>
-          </a:prstGeom>
-        </p:spPr>
-        <p:txBody>
-          <a:bodyPr vert="horz" lIns="91440" tIns="45720" rIns="91440" bIns="45720" rtlCol="0" anchor="ctr">
-            <a:noAutofit/>
-          </a:bodyPr>
-          <a:lstStyle>
-            <a:defPPr rtl="0">
-              <a:defRPr lang="ru-RU"/>
-            </a:defPPr>
-            <a:lvl1pPr marL="0" algn="l" defTabSz="914400" rtl="0" eaLnBrk="1" latinLnBrk="0" hangingPunct="1">
-              <a:defRPr lang="ru-RU" sz="1200" kern="1200">
-                <a:solidFill>
-                  <a:schemeClr val="tx2"/>
-                </a:solidFill>
-                <a:latin typeface="+mn-lt"/>
-                <a:ea typeface="+mn-ea"/>
-                <a:cs typeface="+mn-cs"/>
-              </a:defRPr>
-            </a:lvl1pPr>
-            <a:lvl2pPr marL="457200" algn="l" defTabSz="914400" rtl="0" eaLnBrk="1" latinLnBrk="0" hangingPunct="1">
-              <a:defRPr lang="ru-RU" sz="1800" kern="1200">
-                <a:solidFill>
-                  <a:schemeClr val="tx1"/>
-                </a:solidFill>
-                <a:latin typeface="+mn-lt"/>
-                <a:ea typeface="+mn-ea"/>
-                <a:cs typeface="+mn-cs"/>
-              </a:defRPr>
-            </a:lvl2pPr>
-            <a:lvl3pPr marL="914400" algn="l" defTabSz="914400" rtl="0" eaLnBrk="1" latinLnBrk="0" hangingPunct="1">
-              <a:defRPr lang="ru-RU" sz="1800" kern="1200">
-                <a:solidFill>
-                  <a:schemeClr val="tx1"/>
-                </a:solidFill>
-                <a:latin typeface="+mn-lt"/>
-                <a:ea typeface="+mn-ea"/>
-                <a:cs typeface="+mn-cs"/>
-              </a:defRPr>
-            </a:lvl3pPr>
-            <a:lvl4pPr marL="1371600" algn="l" defTabSz="914400" rtl="0" eaLnBrk="1" latinLnBrk="0" hangingPunct="1">
-              <a:defRPr lang="ru-RU" sz="1800" kern="1200">
-                <a:solidFill>
-                  <a:schemeClr val="tx1"/>
-                </a:solidFill>
-                <a:latin typeface="+mn-lt"/>
-                <a:ea typeface="+mn-ea"/>
-                <a:cs typeface="+mn-cs"/>
-              </a:defRPr>
-            </a:lvl4pPr>
-            <a:lvl5pPr marL="1828800" algn="l" defTabSz="914400" rtl="0" eaLnBrk="1" latinLnBrk="0" hangingPunct="1">
-              <a:defRPr lang="ru-RU" sz="1800" kern="1200">
-                <a:solidFill>
-                  <a:schemeClr val="tx1"/>
-                </a:solidFill>
-                <a:latin typeface="+mn-lt"/>
-                <a:ea typeface="+mn-ea"/>
-                <a:cs typeface="+mn-cs"/>
-              </a:defRPr>
-            </a:lvl5pPr>
-            <a:lvl6pPr marL="2286000" algn="l" defTabSz="914400" rtl="0" eaLnBrk="1" latinLnBrk="0" hangingPunct="1">
-              <a:defRPr lang="ru-RU" sz="1800" kern="1200">
-                <a:solidFill>
-                  <a:schemeClr val="tx1"/>
-                </a:solidFill>
-                <a:latin typeface="+mn-lt"/>
-                <a:ea typeface="+mn-ea"/>
-                <a:cs typeface="+mn-cs"/>
-              </a:defRPr>
-            </a:lvl6pPr>
-            <a:lvl7pPr marL="2743200" algn="l" defTabSz="914400" rtl="0" eaLnBrk="1" latinLnBrk="0" hangingPunct="1">
-              <a:defRPr lang="ru-RU" sz="1800" kern="1200">
-                <a:solidFill>
-                  <a:schemeClr val="tx1"/>
-                </a:solidFill>
-                <a:latin typeface="+mn-lt"/>
-                <a:ea typeface="+mn-ea"/>
-                <a:cs typeface="+mn-cs"/>
-              </a:defRPr>
-            </a:lvl7pPr>
-            <a:lvl8pPr marL="3200400" algn="l" defTabSz="914400" rtl="0" eaLnBrk="1" latinLnBrk="0" hangingPunct="1">
-              <a:defRPr lang="ru-RU" sz="1800" kern="1200">
-                <a:solidFill>
-                  <a:schemeClr val="tx1"/>
-                </a:solidFill>
-                <a:latin typeface="+mn-lt"/>
-                <a:ea typeface="+mn-ea"/>
-                <a:cs typeface="+mn-cs"/>
-              </a:defRPr>
-            </a:lvl8pPr>
-            <a:lvl9pPr marL="3657600" algn="l" defTabSz="914400" rtl="0" eaLnBrk="1" latinLnBrk="0" hangingPunct="1">
-              <a:defRPr lang="ru-RU" sz="1800" kern="1200">
-                <a:solidFill>
-                  <a:schemeClr val="tx1"/>
-                </a:solidFill>
-                <a:latin typeface="+mn-lt"/>
-                <a:ea typeface="+mn-ea"/>
-                <a:cs typeface="+mn-cs"/>
-              </a:defRPr>
-            </a:lvl9pPr>
-          </a:lstStyle>
-          <a:p>
-            <a:r>
-              <a:rPr lang="ru-RU" b="1" dirty="0">
-                <a:solidFill>
-                  <a:srgbClr val="FF0000"/>
-                </a:solidFill>
-              </a:rPr>
-              <a:t>Перенесено на предыдущий слайд</a:t>
-            </a:r>
-          </a:p>
-        </p:txBody>
-      </p:sp>
+        </p:nvGraphicFramePr>
+        <p:xfrm>
+          <a:off x="2819759" y="2738665"/>
+          <a:ext cx="6249127" cy="3486150"/>
+        </p:xfrm>
+        <a:graphic>
+          <a:graphicData uri="http://schemas.openxmlformats.org/drawingml/2006/chart">
+            <c:chart xmlns:c="http://schemas.openxmlformats.org/drawingml/2006/chart" xmlns:r="http://schemas.openxmlformats.org/officeDocument/2006/relationships" r:id="rId3"/>
+          </a:graphicData>
+        </a:graphic>
+      </p:graphicFrame>
       <p:pic>
         <p:nvPicPr>
           <p:cNvPr id="7" name="Рисунок 6"/>
@@ -14523,7 +15751,7 @@
           <p:nvPr/>
         </p:nvPicPr>
         <p:blipFill rotWithShape="1">
-          <a:blip r:embed="rId3">
+          <a:blip r:embed="rId4">
             <a:extLst>
               <a:ext uri="{28A0092B-C50C-407E-A947-70E740481C1C}">
                 <a14:useLocalDpi xmlns:a14="http://schemas.microsoft.com/office/drawing/2010/main" val="0"/>
@@ -14543,10 +15771,55 @@
           </a:prstGeom>
         </p:spPr>
       </p:pic>
+      <p:sp>
+        <p:nvSpPr>
+          <p:cNvPr id="8" name="Заголовок 1">
+            <a:extLst>
+              <a:ext uri="{FF2B5EF4-FFF2-40B4-BE49-F238E27FC236}">
+                <a16:creationId xmlns:a16="http://schemas.microsoft.com/office/drawing/2014/main" id="{A98BDE3D-CB39-03D2-545F-5283024761BD}"/>
+              </a:ext>
+            </a:extLst>
+          </p:cNvPr>
+          <p:cNvSpPr>
+            <a:spLocks noGrp="1"/>
+          </p:cNvSpPr>
+          <p:nvPr>
+            <p:ph type="title"/>
+          </p:nvPr>
+        </p:nvSpPr>
+        <p:spPr>
+          <a:xfrm>
+            <a:off x="676074" y="1695269"/>
+            <a:ext cx="10515600" cy="575321"/>
+          </a:xfrm>
+        </p:spPr>
+        <p:txBody>
+          <a:bodyPr rtlCol="0"/>
+          <a:lstStyle>
+            <a:defPPr>
+              <a:defRPr lang="ru-RU"/>
+            </a:defPPr>
+          </a:lstStyle>
+          <a:p>
+            <a:r>
+              <a:rPr lang="ru-RU" dirty="0"/>
+              <a:t>Результаты </a:t>
+            </a:r>
+            <a:r>
+              <a:rPr lang="en-US" dirty="0"/>
+              <a:t>NLP </a:t>
+            </a:r>
+            <a:r>
+              <a:rPr lang="ru-RU" dirty="0"/>
+              <a:t>части:</a:t>
+            </a:r>
+          </a:p>
+        </p:txBody>
+      </p:sp>
     </p:spTree>
     <p:extLst>
       <p:ext uri="{BB962C8B-B14F-4D97-AF65-F5344CB8AC3E}">
-        <p14:creationId xmlns:p14="http://schemas.microsoft.com/office/powerpoint/2010/main" val="2549389604"/>
+        <p14:creationId xmlns:p14="http://schemas.microsoft.com/office/powerpoint/2010/main" val="2839225316"/>
       </p:ext>
     </p:extLst>
   </p:cSld>
@@ -14578,6 +15851,14 @@
 <file path=ppt/slides/slide9.xml><?xml version="1.0" encoding="utf-8"?>
 <p:sld xmlns:a="http://schemas.openxmlformats.org/drawingml/2006/main" xmlns:r="http://schemas.openxmlformats.org/officeDocument/2006/relationships" xmlns:p="http://schemas.openxmlformats.org/presentationml/2006/main">
   <p:cSld>
+    <p:bg>
+      <p:bgPr>
+        <a:solidFill>
+          <a:srgbClr val="00457E"/>
+        </a:solidFill>
+        <a:effectLst/>
+      </p:bgPr>
+    </p:bg>
     <p:spTree>
       <p:nvGrpSpPr>
         <p:cNvPr id="1" name=""/>
@@ -14594,10 +15875,175 @@
       </p:grpSpPr>
       <p:sp>
         <p:nvSpPr>
-          <p:cNvPr id="2" name="Заголовок 1">
+          <p:cNvPr id="12" name="Нижний колонтитул 11">
             <a:extLst>
               <a:ext uri="{FF2B5EF4-FFF2-40B4-BE49-F238E27FC236}">
-                <a16:creationId xmlns:a16="http://schemas.microsoft.com/office/drawing/2014/main" id="{A0A65C01-2837-2D71-254F-BAEEC669F389}"/>
+                <a16:creationId xmlns:a16="http://schemas.microsoft.com/office/drawing/2014/main" id="{119D6C7A-A7F7-E063-9A09-611D1FB1DBE6}"/>
+              </a:ext>
+            </a:extLst>
+          </p:cNvPr>
+          <p:cNvSpPr>
+            <a:spLocks noGrp="1"/>
+          </p:cNvSpPr>
+          <p:nvPr>
+            <p:ph type="ftr" sz="quarter" idx="11"/>
+          </p:nvPr>
+        </p:nvSpPr>
+        <p:spPr>
+          <a:xfrm>
+            <a:off x="411479" y="301752"/>
+            <a:ext cx="2291963" cy="274320"/>
+          </a:xfrm>
+        </p:spPr>
+        <p:txBody>
+          <a:bodyPr rtlCol="0"/>
+          <a:lstStyle>
+            <a:defPPr>
+              <a:defRPr lang="ru-RU"/>
+            </a:defPPr>
+          </a:lstStyle>
+          <a:p>
+            <a:r>
+              <a:rPr lang="ru-RU" b="1" dirty="0">
+                <a:solidFill>
+                  <a:schemeClr val="bg1"/>
+                </a:solidFill>
+              </a:rPr>
+              <a:t>Голосовые технологии</a:t>
+            </a:r>
+          </a:p>
+        </p:txBody>
+      </p:sp>
+      <p:sp>
+        <p:nvSpPr>
+          <p:cNvPr id="13" name="Номер слайда 12">
+            <a:extLst>
+              <a:ext uri="{FF2B5EF4-FFF2-40B4-BE49-F238E27FC236}">
+                <a16:creationId xmlns:a16="http://schemas.microsoft.com/office/drawing/2014/main" id="{941D71DF-7225-6C66-9D2B-FAACEFF20849}"/>
+              </a:ext>
+            </a:extLst>
+          </p:cNvPr>
+          <p:cNvSpPr>
+            <a:spLocks noGrp="1"/>
+          </p:cNvSpPr>
+          <p:nvPr>
+            <p:ph type="sldNum" sz="quarter" idx="12"/>
+          </p:nvPr>
+        </p:nvSpPr>
+        <p:spPr/>
+        <p:txBody>
+          <a:bodyPr rtlCol="0"/>
+          <a:lstStyle>
+            <a:defPPr>
+              <a:defRPr lang="ru-RU"/>
+            </a:defPPr>
+          </a:lstStyle>
+          <a:p>
+            <a:pPr rtl="0"/>
+            <a:fld id="{5BFCF61C-3B18-4C03-8326-CC3B32D710C9}" type="slidenum">
+              <a:rPr lang="ru-RU" smtClean="0"/>
+              <a:pPr rtl="0"/>
+              <a:t>9</a:t>
+            </a:fld>
+            <a:endParaRPr lang="ru-RU"/>
+          </a:p>
+        </p:txBody>
+      </p:sp>
+      <p:sp>
+        <p:nvSpPr>
+          <p:cNvPr id="8" name="Текст 4">
+            <a:extLst>
+              <a:ext uri="{FF2B5EF4-FFF2-40B4-BE49-F238E27FC236}">
+                <a16:creationId xmlns:a16="http://schemas.microsoft.com/office/drawing/2014/main" id="{3F16C050-0EBC-234C-AB93-E7868D85A2B0}"/>
+              </a:ext>
+            </a:extLst>
+          </p:cNvPr>
+          <p:cNvSpPr>
+            <a:spLocks noGrp="1"/>
+          </p:cNvSpPr>
+          <p:nvPr>
+            <p:ph type="body" sz="quarter" idx="15"/>
+          </p:nvPr>
+        </p:nvSpPr>
+        <p:spPr>
+          <a:xfrm>
+            <a:off x="411479" y="3177450"/>
+            <a:ext cx="11091134" cy="2326879"/>
+          </a:xfrm>
+        </p:spPr>
+        <p:txBody>
+          <a:bodyPr rtlCol="0"/>
+          <a:lstStyle>
+            <a:defPPr>
+              <a:defRPr lang="ru-RU"/>
+            </a:defPPr>
+          </a:lstStyle>
+          <a:p>
+            <a:r>
+              <a:rPr lang="ru-RU" sz="1800" dirty="0"/>
+              <a:t>Учитывая, что в пробной выборке нет дисбаланса классов, то для простоты </a:t>
+            </a:r>
+            <a:r>
+              <a:rPr lang="ru-RU" sz="1800" dirty="0" smtClean="0"/>
+              <a:t>использовали </a:t>
+            </a:r>
+            <a:r>
+              <a:rPr lang="ru-RU" sz="1800" dirty="0"/>
+              <a:t>метрику </a:t>
+            </a:r>
+            <a:r>
+              <a:rPr lang="ru-RU" sz="1800" dirty="0" err="1"/>
+              <a:t>Accuracy</a:t>
+            </a:r>
+            <a:endParaRPr lang="ru-RU" sz="1800" dirty="0"/>
+          </a:p>
+          <a:p>
+            <a:r>
+              <a:rPr lang="ru-RU" sz="1800" dirty="0" smtClean="0"/>
+              <a:t>Значимо </a:t>
+            </a:r>
+            <a:r>
+              <a:rPr lang="ru-RU" sz="1800" dirty="0"/>
+              <a:t>увеличить качество можно за счет хорошо подготовленных данных для обучения, используемых в реальной задаче.</a:t>
+            </a:r>
+          </a:p>
+        </p:txBody>
+      </p:sp>
+      <p:pic>
+        <p:nvPicPr>
+          <p:cNvPr id="7" name="Рисунок 6"/>
+          <p:cNvPicPr>
+            <a:picLocks noChangeAspect="1"/>
+          </p:cNvPicPr>
+          <p:nvPr/>
+        </p:nvPicPr>
+        <p:blipFill rotWithShape="1">
+          <a:blip r:embed="rId3">
+            <a:extLst>
+              <a:ext uri="{28A0092B-C50C-407E-A947-70E740481C1C}">
+                <a14:useLocalDpi xmlns:a14="http://schemas.microsoft.com/office/drawing/2010/main" val="0"/>
+              </a:ext>
+            </a:extLst>
+          </a:blip>
+          <a:srcRect l="9430" r="63065"/>
+          <a:stretch/>
+        </p:blipFill>
+        <p:spPr>
+          <a:xfrm>
+            <a:off x="11202123" y="75782"/>
+            <a:ext cx="804966" cy="583452"/>
+          </a:xfrm>
+          <a:prstGeom prst="rect">
+            <a:avLst/>
+          </a:prstGeom>
+        </p:spPr>
+      </p:pic>
+      <p:sp>
+        <p:nvSpPr>
+          <p:cNvPr id="9" name="Заголовок 1">
+            <a:extLst>
+              <a:ext uri="{FF2B5EF4-FFF2-40B4-BE49-F238E27FC236}">
+                <a16:creationId xmlns:a16="http://schemas.microsoft.com/office/drawing/2014/main" id="{A98BDE3D-CB39-03D2-545F-5283024761BD}"/>
               </a:ext>
             </a:extLst>
           </p:cNvPr>
@@ -14610,8 +16056,8 @@
         </p:nvSpPr>
         <p:spPr>
           <a:xfrm>
-            <a:off x="649224" y="1696122"/>
-            <a:ext cx="10515600" cy="715383"/>
+            <a:off x="676074" y="1695269"/>
+            <a:ext cx="10515600" cy="575321"/>
           </a:xfrm>
         </p:spPr>
         <p:txBody>
@@ -14624,145 +16070,23 @@
           <a:p>
             <a:r>
               <a:rPr lang="ru-RU" dirty="0"/>
-              <a:t>Мы не стоим на месте</a:t>
+              <a:t>Результаты </a:t>
+            </a:r>
+            <a:r>
+              <a:rPr lang="en-US" dirty="0"/>
+              <a:t>NLP </a:t>
+            </a:r>
+            <a:r>
+              <a:rPr lang="ru-RU" dirty="0"/>
+              <a:t>части:</a:t>
             </a:r>
           </a:p>
         </p:txBody>
       </p:sp>
-      <p:sp>
-        <p:nvSpPr>
-          <p:cNvPr id="12" name="Нижний колонтитул 11">
-            <a:extLst>
-              <a:ext uri="{FF2B5EF4-FFF2-40B4-BE49-F238E27FC236}">
-                <a16:creationId xmlns:a16="http://schemas.microsoft.com/office/drawing/2014/main" id="{CEED6286-6851-6DDB-6D9B-9B02A607B361}"/>
-              </a:ext>
-            </a:extLst>
-          </p:cNvPr>
-          <p:cNvSpPr>
-            <a:spLocks noGrp="1"/>
-          </p:cNvSpPr>
-          <p:nvPr>
-            <p:ph type="ftr" sz="quarter" idx="11"/>
-          </p:nvPr>
-        </p:nvSpPr>
-        <p:spPr>
-          <a:xfrm>
-            <a:off x="411479" y="301752"/>
-            <a:ext cx="2140889" cy="274320"/>
-          </a:xfrm>
-        </p:spPr>
-        <p:txBody>
-          <a:bodyPr rtlCol="0"/>
-          <a:lstStyle>
-            <a:defPPr>
-              <a:defRPr lang="ru-RU"/>
-            </a:defPPr>
-          </a:lstStyle>
-          <a:p>
-            <a:r>
-              <a:rPr lang="ru-RU" b="1" dirty="0"/>
-              <a:t>Голосовые технологии</a:t>
-            </a:r>
-            <a:endParaRPr lang="ru-RU" dirty="0"/>
-          </a:p>
-        </p:txBody>
-      </p:sp>
-      <p:sp>
-        <p:nvSpPr>
-          <p:cNvPr id="5" name="Текст 4">
-            <a:extLst>
-              <a:ext uri="{FF2B5EF4-FFF2-40B4-BE49-F238E27FC236}">
-                <a16:creationId xmlns:a16="http://schemas.microsoft.com/office/drawing/2014/main" id="{43DF41ED-5729-1B31-0C04-21385523D7E1}"/>
-              </a:ext>
-            </a:extLst>
-          </p:cNvPr>
-          <p:cNvSpPr>
-            <a:spLocks noGrp="1"/>
-          </p:cNvSpPr>
-          <p:nvPr>
-            <p:ph type="body" sz="quarter" idx="15"/>
-          </p:nvPr>
-        </p:nvSpPr>
-        <p:spPr>
-          <a:xfrm>
-            <a:off x="365760" y="3401568"/>
-            <a:ext cx="9387840" cy="2450592"/>
-          </a:xfrm>
-        </p:spPr>
-        <p:txBody>
-          <a:bodyPr rtlCol="0"/>
-          <a:lstStyle>
-            <a:defPPr>
-              <a:defRPr lang="ru-RU"/>
-            </a:defPPr>
-          </a:lstStyle>
-          <a:p>
-            <a:r>
-              <a:rPr lang="ru-RU" b="1" dirty="0"/>
-              <a:t>Моделирование шумов и разного качества, громкости. Доработка моделей.</a:t>
-            </a:r>
-          </a:p>
-          <a:p>
-            <a:r>
-              <a:rPr lang="ru-RU" b="1" dirty="0"/>
-              <a:t>Интонационный анализ</a:t>
-            </a:r>
-          </a:p>
-          <a:p>
-            <a:r>
-              <a:rPr lang="ru-RU" b="1" dirty="0"/>
-              <a:t>Анализ посторонних звуков</a:t>
-            </a:r>
-          </a:p>
-          <a:p>
-            <a:r>
-              <a:rPr lang="ru-RU" b="1" dirty="0"/>
-              <a:t>Сохранение данных для расширенной аналитики</a:t>
-            </a:r>
-          </a:p>
-          <a:p>
-            <a:r>
-              <a:rPr lang="ru-RU" b="1" dirty="0"/>
-              <a:t>Переобучение на ошибках</a:t>
-            </a:r>
-            <a:endParaRPr lang="en-GB" b="1" dirty="0"/>
-          </a:p>
-          <a:p>
-            <a:r>
-              <a:rPr lang="ru-RU" b="1" dirty="0"/>
-              <a:t>Идентификация по голосу</a:t>
-            </a:r>
-          </a:p>
-        </p:txBody>
-      </p:sp>
-      <p:pic>
-        <p:nvPicPr>
-          <p:cNvPr id="3" name="Рисунок 2"/>
-          <p:cNvPicPr>
-            <a:picLocks noChangeAspect="1"/>
-          </p:cNvPicPr>
-          <p:nvPr/>
-        </p:nvPicPr>
-        <p:blipFill>
-          <a:blip r:embed="rId3"/>
-          <a:stretch>
-            <a:fillRect/>
-          </a:stretch>
-        </p:blipFill>
-        <p:spPr>
-          <a:xfrm>
-            <a:off x="11139209" y="41709"/>
-            <a:ext cx="923097" cy="664350"/>
-          </a:xfrm>
-          <a:prstGeom prst="rect">
-            <a:avLst/>
-          </a:prstGeom>
-        </p:spPr>
-      </p:pic>
     </p:spTree>
     <p:extLst>
       <p:ext uri="{BB962C8B-B14F-4D97-AF65-F5344CB8AC3E}">
-        <p14:creationId xmlns:p14="http://schemas.microsoft.com/office/powerpoint/2010/main" val="3274647172"/>
+        <p14:creationId xmlns:p14="http://schemas.microsoft.com/office/powerpoint/2010/main" val="2549389604"/>
       </p:ext>
     </p:extLst>
   </p:cSld>
@@ -15871,15 +17195,6 @@
 </file>
 
 <file path=customXml/item2.xml><?xml version="1.0" encoding="utf-8"?>
-<?mso-contentType ?>
-<FormTemplates xmlns="http://schemas.microsoft.com/sharepoint/v3/contenttype/forms">
-  <Display>DocumentLibraryForm</Display>
-  <Edit>DocumentLibraryForm</Edit>
-  <New>DocumentLibraryForm</New>
-</FormTemplates>
-</file>
-
-<file path=customXml/item3.xml><?xml version="1.0" encoding="utf-8"?>
 <p:properties xmlns:p="http://schemas.microsoft.com/office/2006/metadata/properties" xmlns:xsi="http://www.w3.org/2001/XMLSchema-instance" xmlns:pc="http://schemas.microsoft.com/office/infopath/2007/PartnerControls">
   <documentManagement>
     <_ip_UnifiedCompliancePolicyUIAction xmlns="http://schemas.microsoft.com/sharepoint/v3" xsi:nil="true"/>
@@ -15897,6 +17212,15 @@
     <MediaServiceKeyPoints xmlns="71af3243-3dd4-4a8d-8c0d-dd76da1f02a5" xsi:nil="true"/>
   </documentManagement>
 </p:properties>
+</file>
+
+<file path=customXml/item3.xml><?xml version="1.0" encoding="utf-8"?>
+<?mso-contentType ?>
+<FormTemplates xmlns="http://schemas.microsoft.com/sharepoint/v3/contenttype/forms">
+  <Display>DocumentLibraryForm</Display>
+  <Edit>DocumentLibraryForm</Edit>
+  <New>DocumentLibraryForm</New>
+</FormTemplates>
 </file>
 
 <file path=customXml/itemProps1.xml><?xml version="1.0" encoding="utf-8"?>
@@ -15921,14 +17245,6 @@
 </file>
 
 <file path=customXml/itemProps2.xml><?xml version="1.0" encoding="utf-8"?>
-<ds:datastoreItem xmlns:ds="http://schemas.openxmlformats.org/officeDocument/2006/customXml" ds:itemID="{25B4CAA5-BE7A-46AB-97ED-63B24C46A3A8}">
-  <ds:schemaRefs>
-    <ds:schemaRef ds:uri="http://schemas.microsoft.com/sharepoint/v3/contenttype/forms"/>
-  </ds:schemaRefs>
-</ds:datastoreItem>
-</file>
-
-<file path=customXml/itemProps3.xml><?xml version="1.0" encoding="utf-8"?>
 <ds:datastoreItem xmlns:ds="http://schemas.openxmlformats.org/officeDocument/2006/customXml" ds:itemID="{411F98F7-6576-47F1-AD63-56E26C339747}">
   <ds:schemaRefs>
     <ds:schemaRef ds:uri="http://schemas.microsoft.com/sharepoint/v3"/>
@@ -15947,6 +17263,14 @@
 </ds:datastoreItem>
 </file>
 
+<file path=customXml/itemProps3.xml><?xml version="1.0" encoding="utf-8"?>
+<ds:datastoreItem xmlns:ds="http://schemas.openxmlformats.org/officeDocument/2006/customXml" ds:itemID="{25B4CAA5-BE7A-46AB-97ED-63B24C46A3A8}">
+  <ds:schemaRefs>
+    <ds:schemaRef ds:uri="http://schemas.microsoft.com/sharepoint/v3/contenttype/forms"/>
+  </ds:schemaRefs>
+</ds:datastoreItem>
+</file>
+
 <file path=docMetadata/LabelInfo.xml><?xml version="1.0" encoding="utf-8"?>
 <clbl:labelList xmlns:clbl="http://schemas.microsoft.com/office/2020/mipLabelMetadata"/>
 </file>
--- a/Презентация.pptx
+++ b/Презентация.pptx
@@ -2250,7 +2250,7 @@
             <a:pPr rtl="0"/>
             <a:fld id="{33718D35-8899-4D72-B2F6-81C9994431F3}" type="datetime1">
               <a:rPr lang="ru-RU" smtClean="0"/>
-              <a:t>14.11.2023</a:t>
+              <a:t>15.11.2023</a:t>
             </a:fld>
             <a:endParaRPr lang="ru-RU" dirty="0"/>
           </a:p>
@@ -2432,7 +2432,7 @@
             <a:pPr rtl="0"/>
             <a:fld id="{7E6C6CCF-08D6-46BC-A143-476DA6249026}" type="datetime1">
               <a:rPr lang="ru-RU" smtClean="0"/>
-              <a:t>14.11.2023</a:t>
+              <a:t>15.11.2023</a:t>
             </a:fld>
             <a:endParaRPr lang="ru-RU" dirty="0"/>
           </a:p>
@@ -13617,7 +13617,7 @@
       </p:sp>
       <p:pic>
         <p:nvPicPr>
-          <p:cNvPr id="4" name="Рисунок 3"/>
+          <p:cNvPr id="5" name="Рисунок 4"/>
           <p:cNvPicPr>
             <a:picLocks noChangeAspect="1"/>
           </p:cNvPicPr>
@@ -13631,8 +13631,8 @@
         </p:blipFill>
         <p:spPr>
           <a:xfrm>
-            <a:off x="3569250" y="402959"/>
-            <a:ext cx="2965275" cy="2965275"/>
+            <a:off x="6876291" y="1586558"/>
+            <a:ext cx="1432600" cy="598076"/>
           </a:xfrm>
           <a:prstGeom prst="rect">
             <a:avLst/>
@@ -13641,7 +13641,7 @@
       </p:pic>
       <p:pic>
         <p:nvPicPr>
-          <p:cNvPr id="5" name="Рисунок 4"/>
+          <p:cNvPr id="10" name="Рисунок 9"/>
           <p:cNvPicPr>
             <a:picLocks noChangeAspect="1"/>
           </p:cNvPicPr>
@@ -13655,8 +13655,8 @@
         </p:blipFill>
         <p:spPr>
           <a:xfrm>
-            <a:off x="6876291" y="1586558"/>
-            <a:ext cx="1432600" cy="598076"/>
+            <a:off x="3569250" y="445740"/>
+            <a:ext cx="3018972" cy="3025183"/>
           </a:xfrm>
           <a:prstGeom prst="rect">
             <a:avLst/>
@@ -17195,6 +17195,15 @@
 </file>
 
 <file path=customXml/item2.xml><?xml version="1.0" encoding="utf-8"?>
+<?mso-contentType ?>
+<FormTemplates xmlns="http://schemas.microsoft.com/sharepoint/v3/contenttype/forms">
+  <Display>DocumentLibraryForm</Display>
+  <Edit>DocumentLibraryForm</Edit>
+  <New>DocumentLibraryForm</New>
+</FormTemplates>
+</file>
+
+<file path=customXml/item3.xml><?xml version="1.0" encoding="utf-8"?>
 <p:properties xmlns:p="http://schemas.microsoft.com/office/2006/metadata/properties" xmlns:xsi="http://www.w3.org/2001/XMLSchema-instance" xmlns:pc="http://schemas.microsoft.com/office/infopath/2007/PartnerControls">
   <documentManagement>
     <_ip_UnifiedCompliancePolicyUIAction xmlns="http://schemas.microsoft.com/sharepoint/v3" xsi:nil="true"/>
@@ -17212,15 +17221,6 @@
     <MediaServiceKeyPoints xmlns="71af3243-3dd4-4a8d-8c0d-dd76da1f02a5" xsi:nil="true"/>
   </documentManagement>
 </p:properties>
-</file>
-
-<file path=customXml/item3.xml><?xml version="1.0" encoding="utf-8"?>
-<?mso-contentType ?>
-<FormTemplates xmlns="http://schemas.microsoft.com/sharepoint/v3/contenttype/forms">
-  <Display>DocumentLibraryForm</Display>
-  <Edit>DocumentLibraryForm</Edit>
-  <New>DocumentLibraryForm</New>
-</FormTemplates>
 </file>
 
 <file path=customXml/itemProps1.xml><?xml version="1.0" encoding="utf-8"?>
@@ -17245,6 +17245,14 @@
 </file>
 
 <file path=customXml/itemProps2.xml><?xml version="1.0" encoding="utf-8"?>
+<ds:datastoreItem xmlns:ds="http://schemas.openxmlformats.org/officeDocument/2006/customXml" ds:itemID="{25B4CAA5-BE7A-46AB-97ED-63B24C46A3A8}">
+  <ds:schemaRefs>
+    <ds:schemaRef ds:uri="http://schemas.microsoft.com/sharepoint/v3/contenttype/forms"/>
+  </ds:schemaRefs>
+</ds:datastoreItem>
+</file>
+
+<file path=customXml/itemProps3.xml><?xml version="1.0" encoding="utf-8"?>
 <ds:datastoreItem xmlns:ds="http://schemas.openxmlformats.org/officeDocument/2006/customXml" ds:itemID="{411F98F7-6576-47F1-AD63-56E26C339747}">
   <ds:schemaRefs>
     <ds:schemaRef ds:uri="http://schemas.microsoft.com/sharepoint/v3"/>
@@ -17263,14 +17271,6 @@
 </ds:datastoreItem>
 </file>
 
-<file path=customXml/itemProps3.xml><?xml version="1.0" encoding="utf-8"?>
-<ds:datastoreItem xmlns:ds="http://schemas.openxmlformats.org/officeDocument/2006/customXml" ds:itemID="{25B4CAA5-BE7A-46AB-97ED-63B24C46A3A8}">
-  <ds:schemaRefs>
-    <ds:schemaRef ds:uri="http://schemas.microsoft.com/sharepoint/v3/contenttype/forms"/>
-  </ds:schemaRefs>
-</ds:datastoreItem>
-</file>
-
 <file path=docMetadata/LabelInfo.xml><?xml version="1.0" encoding="utf-8"?>
 <clbl:labelList xmlns:clbl="http://schemas.microsoft.com/office/2020/mipLabelMetadata"/>
 </file>
--- a/Презентация.pptx
+++ b/Презентация.pptx
@@ -367,7 +367,6 @@
             <c:showLeaderLines val="0"/>
             <c:extLst>
               <c:ext xmlns:c15="http://schemas.microsoft.com/office/drawing/2012/chart" uri="{CE6537A1-D6FC-4f65-9D91-7224C49458BB}">
-                <c15:layout/>
                 <c15:showLeaderLines val="1"/>
                 <c15:leaderLines>
                   <c:spPr>
@@ -491,14 +490,13 @@
                   </a:defRPr>
                 </a:pPr>
                 <a:r>
-                  <a:rPr lang="en-US" b="1" dirty="0" smtClean="0"/>
+                  <a:rPr lang="en-US" b="1" dirty="0"/>
                   <a:t>BLEU</a:t>
                 </a:r>
                 <a:endParaRPr lang="ru-RU" b="1" dirty="0"/>
               </a:p>
             </c:rich>
           </c:tx>
-          <c:layout/>
           <c:overlay val="0"/>
           <c:spPr>
             <a:noFill/>
@@ -612,14 +610,12 @@
                   </a:defRPr>
                 </a:pPr>
                 <a:r>
-                  <a:rPr lang="ru-RU" b="1" dirty="0" smtClean="0"/>
+                  <a:rPr lang="ru-RU" b="1" dirty="0"/>
                   <a:t>Точность</a:t>
                 </a:r>
-                <a:endParaRPr lang="ru-RU" b="1" dirty="0"/>
               </a:p>
             </c:rich>
           </c:tx>
-          <c:layout/>
           <c:overlay val="0"/>
           <c:spPr>
             <a:noFill/>
@@ -806,7 +802,6 @@
             <c:showLeaderLines val="0"/>
             <c:extLst>
               <c:ext xmlns:c15="http://schemas.microsoft.com/office/drawing/2012/chart" uri="{CE6537A1-D6FC-4f65-9D91-7224C49458BB}">
-                <c15:layout/>
                 <c15:showLeaderLines val="1"/>
                 <c15:leaderLines>
                   <c:spPr>
@@ -906,14 +901,12 @@
                   </a:defRPr>
                 </a:pPr>
                 <a:r>
-                  <a:rPr lang="en-US" b="1" dirty="0" smtClean="0"/>
-                  <a:t>NLP</a:t>
+                  <a:rPr lang="ru-RU" b="1" dirty="0"/>
+                  <a:t> </a:t>
                 </a:r>
-                <a:endParaRPr lang="ru-RU" b="1" dirty="0"/>
               </a:p>
             </c:rich>
           </c:tx>
-          <c:layout/>
           <c:overlay val="0"/>
           <c:spPr>
             <a:noFill/>
@@ -1027,13 +1020,12 @@
                   </a:defRPr>
                 </a:pPr>
                 <a:r>
-                  <a:rPr lang="ru-RU" b="1" dirty="0" smtClean="0"/>
+                  <a:rPr lang="ru-RU" b="1" dirty="0"/>
                   <a:t>Точность</a:t>
                 </a:r>
               </a:p>
             </c:rich>
           </c:tx>
-          <c:layout/>
           <c:overlay val="0"/>
           <c:spPr>
             <a:noFill/>
@@ -2250,7 +2242,7 @@
             <a:pPr rtl="0"/>
             <a:fld id="{33718D35-8899-4D72-B2F6-81C9994431F3}" type="datetime1">
               <a:rPr lang="ru-RU" smtClean="0"/>
-              <a:t>15.11.2023</a:t>
+              <a:t>23.12.2023</a:t>
             </a:fld>
             <a:endParaRPr lang="ru-RU" dirty="0"/>
           </a:p>
@@ -2432,7 +2424,7 @@
             <a:pPr rtl="0"/>
             <a:fld id="{7E6C6CCF-08D6-46BC-A143-476DA6249026}" type="datetime1">
               <a:rPr lang="ru-RU" smtClean="0"/>
-              <a:t>15.11.2023</a:t>
+              <a:t>23.12.2023</a:t>
             </a:fld>
             <a:endParaRPr lang="ru-RU" dirty="0"/>
           </a:p>
@@ -8821,13 +8813,6 @@
   <p:clrMapOvr>
     <a:masterClrMapping/>
   </p:clrMapOvr>
-  <p:timing>
-    <p:tnLst>
-      <p:par>
-        <p:cTn id="1" dur="indefinite" restart="never" nodeType="tmRoot"/>
-      </p:par>
-    </p:tnLst>
-  </p:timing>
 </p:sldLayout>
 </file>
 
@@ -9570,13 +9555,6 @@
   <p:clrMapOvr>
     <a:masterClrMapping/>
   </p:clrMapOvr>
-  <p:timing>
-    <p:tnLst>
-      <p:par>
-        <p:cTn id="1" dur="indefinite" restart="never" nodeType="tmRoot"/>
-      </p:par>
-    </p:tnLst>
-  </p:timing>
 </p:sldLayout>
 </file>
 
@@ -12761,13 +12739,6 @@
       </p:transition>
     </mc:Fallback>
   </mc:AlternateContent>
-  <p:timing>
-    <p:tnLst>
-      <p:par>
-        <p:cTn id="1" dur="indefinite" restart="never" nodeType="tmRoot"/>
-      </p:par>
-    </p:tnLst>
-  </p:timing>
 </p:sld>
 </file>
 
@@ -12977,13 +12948,6 @@
       </p:transition>
     </mc:Fallback>
   </mc:AlternateContent>
-  <p:timing>
-    <p:tnLst>
-      <p:par>
-        <p:cTn id="1" dur="indefinite" restart="never" nodeType="tmRoot"/>
-      </p:par>
-    </p:tnLst>
-  </p:timing>
 </p:sld>
 </file>
 
@@ -13341,11 +13305,11 @@
               <a:buChar char="•"/>
             </a:pPr>
             <a:r>
-              <a:rPr lang="ru-RU" sz="2400" b="0" dirty="0" smtClean="0"/>
+              <a:rPr lang="ru-RU" sz="2400" b="0" dirty="0"/>
               <a:t>Мелкумян Денис Тигранович</a:t>
             </a:r>
             <a:r>
-              <a:rPr lang="en-US" sz="2400" b="0" dirty="0" smtClean="0"/>
+              <a:rPr lang="en-US" sz="2400" b="0" dirty="0"/>
               <a:t> </a:t>
             </a:r>
           </a:p>
@@ -13370,16 +13334,12 @@
             </a:r>
             <a:r>
               <a:rPr lang="ru-RU" sz="2400" b="0" dirty="0"/>
-              <a:t> Евгений </a:t>
-            </a:r>
-            <a:r>
-              <a:rPr lang="ru-RU" sz="2400" b="0" dirty="0" smtClean="0"/>
-              <a:t>Геннадьевич</a:t>
-            </a:r>
-            <a:endParaRPr lang="en-US" sz="2000" b="0" dirty="0" smtClean="0"/>
-          </a:p>
-          <a:p>
-            <a:endParaRPr lang="ru-RU" sz="2800" b="0" dirty="0" smtClean="0"/>
+              <a:t> Евгений Геннадьевич</a:t>
+            </a:r>
+            <a:endParaRPr lang="en-US" sz="2000" b="0" dirty="0"/>
+          </a:p>
+          <a:p>
+            <a:endParaRPr lang="ru-RU" sz="2800" b="0" dirty="0"/>
           </a:p>
         </p:txBody>
       </p:sp>
@@ -13608,10 +13568,10 @@
           </a:lstStyle>
           <a:p>
             <a:r>
-              <a:rPr lang="ru-RU" sz="2400" dirty="0" smtClean="0"/>
+              <a:rPr lang="ru-RU" sz="2400" dirty="0"/>
               <a:t>АО «КНИИТМУ»</a:t>
             </a:r>
-            <a:endParaRPr lang="ru-RU" sz="2800" dirty="0" smtClean="0"/>
+            <a:endParaRPr lang="ru-RU" sz="2800" dirty="0"/>
           </a:p>
         </p:txBody>
       </p:sp>
@@ -13685,13 +13645,6 @@
       </p:transition>
     </mc:Fallback>
   </mc:AlternateContent>
-  <p:timing>
-    <p:tnLst>
-      <p:par>
-        <p:cTn id="1" dur="indefinite" restart="never" nodeType="tmRoot"/>
-      </p:par>
-    </p:tnLst>
-  </p:timing>
 </p:sld>
 </file>
 
@@ -13894,13 +13847,6 @@
       </p:transition>
     </mc:Fallback>
   </mc:AlternateContent>
-  <p:timing>
-    <p:tnLst>
-      <p:par>
-        <p:cTn id="1" dur="indefinite" restart="never" nodeType="tmRoot"/>
-      </p:par>
-    </p:tnLst>
-  </p:timing>
 </p:sld>
 </file>
 
@@ -14047,15 +13993,7 @@
           <a:p>
             <a:r>
               <a:rPr lang="ru-RU" sz="2400" dirty="0"/>
-              <a:t>Проводим анализ текста и звука для сигнализации о </a:t>
-            </a:r>
-            <a:r>
-              <a:rPr lang="ru-RU" sz="2400" dirty="0" smtClean="0"/>
-              <a:t>возможном </a:t>
-            </a:r>
-            <a:r>
-              <a:rPr lang="ru-RU" sz="2400" dirty="0"/>
-              <a:t>инциденте</a:t>
+              <a:t>Проводим анализ текста и звука для сигнализации о возможном инциденте</a:t>
             </a:r>
           </a:p>
         </p:txBody>
@@ -14146,13 +14084,6 @@
       </p:transition>
     </mc:Fallback>
   </mc:AlternateContent>
-  <p:timing>
-    <p:tnLst>
-      <p:par>
-        <p:cTn id="1" dur="indefinite" restart="never" nodeType="tmRoot"/>
-      </p:par>
-    </p:tnLst>
-  </p:timing>
 </p:sld>
 </file>
 
@@ -14208,10 +14139,9 @@
           <a:p>
             <a:pPr rtl="0"/>
             <a:r>
-              <a:rPr lang="ru-RU" dirty="0" smtClean="0"/>
+              <a:rPr lang="ru-RU" dirty="0"/>
               <a:t>Бизнес метрика</a:t>
             </a:r>
-            <a:endParaRPr lang="ru-RU" dirty="0"/>
           </a:p>
         </p:txBody>
       </p:sp>
@@ -14354,24 +14284,15 @@
             </a:pPr>
             <a:r>
               <a:rPr lang="ru-RU" dirty="0"/>
-              <a:t>Бизнес метрика, характеризующая потери, связанные со временем обнаружения инцидентов и затратами отработки ложных регистраций</a:t>
-            </a:r>
-            <a:r>
-              <a:rPr lang="ru-RU" dirty="0" smtClean="0"/>
-              <a:t>:</a:t>
-            </a:r>
-            <a:endParaRPr lang="ru-RU" dirty="0"/>
+              <a:t>Бизнес метрика, характеризующая потери, связанные со временем обнаружения инцидентов и затратами отработки ложных регистраций:</a:t>
+            </a:r>
           </a:p>
           <a:p>
             <a:pPr marL="0" indent="0">
               <a:buNone/>
             </a:pPr>
-            <a:r>
-              <a:rPr lang="ru-RU" dirty="0" smtClean="0"/>
-              <a:t/>
-            </a:r>
             <a:br>
-              <a:rPr lang="ru-RU" dirty="0" smtClean="0"/>
+              <a:rPr lang="ru-RU" dirty="0"/>
             </a:br>
             <a:endParaRPr lang="ru-RU" dirty="0"/>
           </a:p>
@@ -14583,18 +14504,10 @@
                   <a:schemeClr val="tx2"/>
                 </a:solidFill>
               </a:rPr>
-              <a:t> - стоимость </a:t>
-            </a:r>
-            <a:r>
-              <a:rPr lang="ru-RU" sz="1400" dirty="0" smtClean="0">
-                <a:solidFill>
-                  <a:schemeClr val="tx2"/>
-                </a:solidFill>
-              </a:rPr>
-              <a:t>отработки </a:t>
-            </a:r>
-            <a:r>
-              <a:rPr lang="ru-RU" sz="1400" dirty="0" err="1" smtClean="0">
+              <a:t> - стоимость отработки </a:t>
+            </a:r>
+            <a:r>
+              <a:rPr lang="ru-RU" sz="1400" dirty="0" err="1">
                 <a:solidFill>
                   <a:schemeClr val="tx2"/>
                 </a:solidFill>
@@ -14602,20 +14515,12 @@
               <a:t>ложнообнаруженного</a:t>
             </a:r>
             <a:r>
-              <a:rPr lang="ru-RU" sz="1400" dirty="0" smtClean="0">
+              <a:rPr lang="ru-RU" sz="1400" dirty="0">
                 <a:solidFill>
                   <a:schemeClr val="tx2"/>
                 </a:solidFill>
               </a:rPr>
-              <a:t> </a:t>
-            </a:r>
-            <a:r>
-              <a:rPr lang="ru-RU" sz="1400" dirty="0">
-                <a:solidFill>
-                  <a:schemeClr val="tx2"/>
-                </a:solidFill>
-              </a:rPr>
-              <a:t>инцидента</a:t>
+              <a:t> инцидента</a:t>
             </a:r>
           </a:p>
           <a:p>
@@ -14654,13 +14559,6 @@
       </p:transition>
     </mc:Fallback>
   </mc:AlternateContent>
-  <p:timing>
-    <p:tnLst>
-      <p:par>
-        <p:cTn id="1" dur="indefinite" restart="never" nodeType="tmRoot"/>
-      </p:par>
-    </p:tnLst>
-  </p:timing>
 </p:sld>
 </file>
 
@@ -14781,7 +14679,7 @@
         </p:blipFill>
         <p:spPr>
           <a:xfrm>
-            <a:off x="0" y="2211347"/>
+            <a:off x="0" y="2221738"/>
             <a:ext cx="12192000" cy="581106"/>
           </a:xfrm>
           <a:prstGeom prst="rect">
@@ -14874,10 +14772,9 @@
           <a:p>
             <a:pPr rtl="0"/>
             <a:r>
-              <a:rPr lang="ru-RU" sz="3600" dirty="0" smtClean="0"/>
-              <a:t>Бизнес метрика</a:t>
-            </a:r>
-            <a:endParaRPr lang="ru-RU" sz="3600" dirty="0"/>
+              <a:rPr lang="ru-RU" sz="3600" dirty="0"/>
+              <a:t>структура</a:t>
+            </a:r>
           </a:p>
         </p:txBody>
       </p:sp>
@@ -15010,13 +14907,6 @@
       </p:transition>
     </mc:Fallback>
   </mc:AlternateContent>
-  <p:timing>
-    <p:tnLst>
-      <p:par>
-        <p:cTn id="1" dur="indefinite" restart="never" nodeType="tmRoot"/>
-      </p:par>
-    </p:tnLst>
-  </p:timing>
 </p:sld>
 </file>
 
@@ -15076,10 +14966,9 @@
           </a:lstStyle>
           <a:p>
             <a:r>
-              <a:rPr lang="ru-RU" dirty="0" smtClean="0"/>
+              <a:rPr lang="ru-RU" dirty="0"/>
               <a:t>Подготовка данных</a:t>
             </a:r>
-            <a:endParaRPr lang="ru-RU" dirty="0"/>
           </a:p>
         </p:txBody>
       </p:sp>
@@ -15218,7 +15107,7 @@
               <a:buChar char="•"/>
             </a:pPr>
             <a:r>
-              <a:rPr lang="ru-RU" sz="2000" dirty="0" smtClean="0"/>
+              <a:rPr lang="ru-RU" sz="2000" dirty="0"/>
               <a:t>Взят </a:t>
             </a:r>
             <a:r>
@@ -15247,16 +15136,12 @@
               <a:buChar char="•"/>
             </a:pPr>
             <a:r>
-              <a:rPr lang="ru-RU" sz="2000" dirty="0" err="1" smtClean="0"/>
+              <a:rPr lang="ru-RU" sz="2000" dirty="0" err="1"/>
               <a:t>Твиты</a:t>
             </a:r>
             <a:r>
-              <a:rPr lang="ru-RU" sz="2000" dirty="0" smtClean="0"/>
-              <a:t> переведены </a:t>
-            </a:r>
-            <a:r>
               <a:rPr lang="ru-RU" sz="2000" dirty="0"/>
-              <a:t>на русский язык с помощью </a:t>
+              <a:t> переведены на русский язык с помощью </a:t>
             </a:r>
             <a:r>
               <a:rPr lang="ru-RU" sz="2000" dirty="0" err="1"/>
@@ -15276,20 +15161,16 @@
               <a:buChar char="•"/>
             </a:pPr>
             <a:r>
-              <a:rPr lang="ru-RU" sz="2000" dirty="0" smtClean="0"/>
+              <a:rPr lang="ru-RU" sz="2000" dirty="0"/>
               <a:t>Взята </a:t>
             </a:r>
             <a:r>
-              <a:rPr lang="ru-RU" sz="2000" dirty="0" err="1" smtClean="0"/>
+              <a:rPr lang="ru-RU" sz="2000" dirty="0" err="1"/>
               <a:t>подвыборка</a:t>
             </a:r>
             <a:r>
-              <a:rPr lang="ru-RU" sz="2000" dirty="0" smtClean="0"/>
-              <a:t> </a:t>
-            </a:r>
-            <a:r>
               <a:rPr lang="ru-RU" sz="2000" dirty="0"/>
-              <a:t>из 1000 записей</a:t>
+              <a:t> из 1000 записей</a:t>
             </a:r>
           </a:p>
           <a:p>
@@ -15301,12 +15182,8 @@
               <a:buChar char="•"/>
             </a:pPr>
             <a:r>
-              <a:rPr lang="ru-RU" sz="2000" dirty="0" smtClean="0"/>
-              <a:t>Текст озвучены </a:t>
-            </a:r>
-            <a:r>
               <a:rPr lang="ru-RU" sz="2000" dirty="0"/>
-              <a:t>голосом через </a:t>
+              <a:t>Текст озвучены голосом через </a:t>
             </a:r>
             <a:r>
               <a:rPr lang="ru-RU" sz="2000" dirty="0" err="1"/>
@@ -15339,12 +15216,8 @@
               <a:buChar char="•"/>
             </a:pPr>
             <a:r>
-              <a:rPr lang="ru-RU" sz="2000" dirty="0" smtClean="0"/>
-              <a:t>Данные разделены </a:t>
-            </a:r>
-            <a:r>
               <a:rPr lang="ru-RU" sz="2000" dirty="0"/>
-              <a:t>на </a:t>
+              <a:t>Данные разделены на </a:t>
             </a:r>
             <a:r>
               <a:rPr lang="ru-RU" sz="2000" dirty="0" err="1"/>
@@ -15395,13 +15268,6 @@
       </p:transition>
     </mc:Fallback>
   </mc:AlternateContent>
-  <p:timing>
-    <p:tnLst>
-      <p:par>
-        <p:cTn id="1" dur="indefinite" restart="never" nodeType="tmRoot"/>
-      </p:par>
-    </p:tnLst>
-  </p:timing>
 </p:sld>
 </file>
 
@@ -15461,10 +15327,9 @@
           </a:lstStyle>
           <a:p>
             <a:r>
-              <a:rPr lang="ru-RU" dirty="0" smtClean="0"/>
+              <a:rPr lang="ru-RU" dirty="0"/>
               <a:t>Тестирование моделей</a:t>
             </a:r>
-            <a:endParaRPr lang="ru-RU" dirty="0"/>
           </a:p>
         </p:txBody>
       </p:sp>
@@ -15617,13 +15482,6 @@
       </p:transition>
     </mc:Fallback>
   </mc:AlternateContent>
-  <p:timing>
-    <p:tnLst>
-      <p:par>
-        <p:cTn id="1" dur="indefinite" restart="never" nodeType="tmRoot"/>
-      </p:par>
-    </p:tnLst>
-  </p:timing>
 </p:sld>
 </file>
 
@@ -15727,7 +15585,7 @@
           <p:nvPr>
             <p:extLst>
               <p:ext uri="{D42A27DB-BD31-4B8C-83A1-F6EECF244321}">
-                <p14:modId xmlns:p14="http://schemas.microsoft.com/office/powerpoint/2010/main" val="3505585841"/>
+                <p14:modId xmlns:p14="http://schemas.microsoft.com/office/powerpoint/2010/main" val="1620714940"/>
               </p:ext>
             </p:extLst>
           </p:nvPr>
@@ -15838,13 +15696,6 @@
       </p:transition>
     </mc:Fallback>
   </mc:AlternateContent>
-  <p:timing>
-    <p:tnLst>
-      <p:par>
-        <p:cTn id="1" dur="indefinite" restart="never" nodeType="tmRoot"/>
-      </p:par>
-    </p:tnLst>
-  </p:timing>
 </p:sld>
 </file>
 
@@ -15981,15 +15832,7 @@
           <a:p>
             <a:r>
               <a:rPr lang="ru-RU" sz="1800" dirty="0"/>
-              <a:t>Учитывая, что в пробной выборке нет дисбаланса классов, то для простоты </a:t>
-            </a:r>
-            <a:r>
-              <a:rPr lang="ru-RU" sz="1800" dirty="0" smtClean="0"/>
-              <a:t>использовали </a:t>
-            </a:r>
-            <a:r>
-              <a:rPr lang="ru-RU" sz="1800" dirty="0"/>
-              <a:t>метрику </a:t>
+              <a:t>Учитывая, что в пробной выборке нет дисбаланса классов, то для простоты использовали метрику </a:t>
             </a:r>
             <a:r>
               <a:rPr lang="ru-RU" sz="1800" dirty="0" err="1"/>
@@ -15999,12 +15842,8 @@
           </a:p>
           <a:p>
             <a:r>
-              <a:rPr lang="ru-RU" sz="1800" dirty="0" smtClean="0"/>
-              <a:t>Значимо </a:t>
-            </a:r>
-            <a:r>
               <a:rPr lang="ru-RU" sz="1800" dirty="0"/>
-              <a:t>увеличить качество можно за счет хорошо подготовленных данных для обучения, используемых в реальной задаче.</a:t>
+              <a:t>Значимо увеличить качество можно за счет хорошо подготовленных данных для обучения, используемых в реальной задаче.</a:t>
             </a:r>
           </a:p>
         </p:txBody>
@@ -16105,13 +15944,6 @@
       </p:transition>
     </mc:Fallback>
   </mc:AlternateContent>
-  <p:timing>
-    <p:tnLst>
-      <p:par>
-        <p:cTn id="1" dur="indefinite" restart="never" nodeType="tmRoot"/>
-      </p:par>
-    </p:tnLst>
-  </p:timing>
 </p:sld>
 </file>
 
@@ -16907,6 +16739,15 @@
 </file>
 
 <file path=customXml/item1.xml><?xml version="1.0" encoding="utf-8"?>
+<?mso-contentType ?>
+<FormTemplates xmlns="http://schemas.microsoft.com/sharepoint/v3/contenttype/forms">
+  <Display>DocumentLibraryForm</Display>
+  <Edit>DocumentLibraryForm</Edit>
+  <New>DocumentLibraryForm</New>
+</FormTemplates>
+</file>
+
+<file path=customXml/item2.xml><?xml version="1.0" encoding="utf-8"?>
 <ct:contentTypeSchema xmlns:ct="http://schemas.microsoft.com/office/2006/metadata/contentType" xmlns:ma="http://schemas.microsoft.com/office/2006/metadata/properties/metaAttributes" ct:_="" ma:_="" ma:contentTypeName="Document" ma:contentTypeID="0x01010079F111ED35F8CC479449609E8A0923A6" ma:contentTypeVersion="24" ma:contentTypeDescription="Create a new document." ma:contentTypeScope="" ma:versionID="2d714a3296df14eba7a100bb665443ca">
   <xsd:schema xmlns:xsd="http://www.w3.org/2001/XMLSchema" xmlns:xs="http://www.w3.org/2001/XMLSchema" xmlns:p="http://schemas.microsoft.com/office/2006/metadata/properties" xmlns:ns1="http://schemas.microsoft.com/sharepoint/v3" xmlns:ns2="71af3243-3dd4-4a8d-8c0d-dd76da1f02a5" xmlns:ns3="16c05727-aa75-4e4a-9b5f-8a80a1165891" xmlns:ns4="230e9df3-be65-4c73-a93b-d1236ebd677e" targetNamespace="http://schemas.microsoft.com/office/2006/metadata/properties" ma:root="true" ma:fieldsID="49549bf45bfbbfb6cffed527380e77e1" ns1:_="" ns2:_="" ns3:_="" ns4:_="">
     <xsd:import namespace="http://schemas.microsoft.com/sharepoint/v3"/>
@@ -17194,15 +17035,6 @@
 </ct:contentTypeSchema>
 </file>
 
-<file path=customXml/item2.xml><?xml version="1.0" encoding="utf-8"?>
-<?mso-contentType ?>
-<FormTemplates xmlns="http://schemas.microsoft.com/sharepoint/v3/contenttype/forms">
-  <Display>DocumentLibraryForm</Display>
-  <Edit>DocumentLibraryForm</Edit>
-  <New>DocumentLibraryForm</New>
-</FormTemplates>
-</file>
-
 <file path=customXml/item3.xml><?xml version="1.0" encoding="utf-8"?>
 <p:properties xmlns:p="http://schemas.microsoft.com/office/2006/metadata/properties" xmlns:xsi="http://www.w3.org/2001/XMLSchema-instance" xmlns:pc="http://schemas.microsoft.com/office/infopath/2007/PartnerControls">
   <documentManagement>
@@ -17224,6 +17056,14 @@
 </file>
 
 <file path=customXml/itemProps1.xml><?xml version="1.0" encoding="utf-8"?>
+<ds:datastoreItem xmlns:ds="http://schemas.openxmlformats.org/officeDocument/2006/customXml" ds:itemID="{25B4CAA5-BE7A-46AB-97ED-63B24C46A3A8}">
+  <ds:schemaRefs>
+    <ds:schemaRef ds:uri="http://schemas.microsoft.com/sharepoint/v3/contenttype/forms"/>
+  </ds:schemaRefs>
+</ds:datastoreItem>
+</file>
+
+<file path=customXml/itemProps2.xml><?xml version="1.0" encoding="utf-8"?>
 <ds:datastoreItem xmlns:ds="http://schemas.openxmlformats.org/officeDocument/2006/customXml" ds:itemID="{5783CE7D-BFC6-4030-A335-E7F88DB66414}">
   <ds:schemaRefs>
     <ds:schemaRef ds:uri="http://schemas.microsoft.com/office/2006/metadata/contentType"/>
@@ -17240,14 +17080,6 @@
     <ds:schemaRef ds:uri="http://purl.org/dc/elements/1.1/"/>
     <ds:schemaRef ds:uri="http://purl.org/dc/terms/"/>
     <ds:schemaRef ds:uri="http://schemas.microsoft.com/internal/obd"/>
-  </ds:schemaRefs>
-</ds:datastoreItem>
-</file>
-
-<file path=customXml/itemProps2.xml><?xml version="1.0" encoding="utf-8"?>
-<ds:datastoreItem xmlns:ds="http://schemas.openxmlformats.org/officeDocument/2006/customXml" ds:itemID="{25B4CAA5-BE7A-46AB-97ED-63B24C46A3A8}">
-  <ds:schemaRefs>
-    <ds:schemaRef ds:uri="http://schemas.microsoft.com/sharepoint/v3/contenttype/forms"/>
   </ds:schemaRefs>
 </ds:datastoreItem>
 </file>
